--- a/PLANTILLA_PRESENTACION_AVANCES_PROYECTO_.pptx
+++ b/PLANTILLA_PRESENTACION_AVANCES_PROYECTO_.pptx
@@ -5,7 +5,7 @@
     <p:sldMasterId id="2147483648" r:id="rId1"/>
   </p:sldMasterIdLst>
   <p:notesMasterIdLst>
-    <p:notesMasterId r:id="rId8"/>
+    <p:notesMasterId r:id="rId11"/>
   </p:notesMasterIdLst>
   <p:sldIdLst>
     <p:sldId id="257" r:id="rId2"/>
@@ -13,7 +13,10 @@
     <p:sldId id="276" r:id="rId4"/>
     <p:sldId id="258" r:id="rId5"/>
     <p:sldId id="263" r:id="rId6"/>
-    <p:sldId id="273" r:id="rId7"/>
+    <p:sldId id="278" r:id="rId7"/>
+    <p:sldId id="279" r:id="rId8"/>
+    <p:sldId id="277" r:id="rId9"/>
+    <p:sldId id="273" r:id="rId10"/>
   </p:sldIdLst>
   <p:sldSz cx="12192000" cy="6858000"/>
   <p:notesSz cx="6858000" cy="9144000"/>
@@ -202,7 +205,7 @@
           <a:p>
             <a:fld id="{9F8AA230-26E9-4845-90B2-987FEDAD6952}" type="datetimeFigureOut">
               <a:rPr lang="es-CO" smtClean="0"/>
-              <a:t>31/05/2020</a:t>
+              <a:t>2/12/2021</a:t>
             </a:fld>
             <a:endParaRPr lang="es-CO"/>
           </a:p>
@@ -997,10 +1000,10 @@
               <a:buChar char="-"/>
             </a:pPr>
             <a:r>
-              <a:rPr lang="es-ES"/>
+              <a:rPr lang="es-ES" dirty="0"/>
               <a:t>Escriba en esta diapositiva el titulo de la presentación y si lo desea puede agregar los temas que va exponer.</a:t>
             </a:r>
-            <a:endParaRPr/>
+            <a:endParaRPr dirty="0"/>
           </a:p>
           <a:p>
             <a:pPr marL="171450" lvl="0" indent="-171450" algn="l" rtl="0">
@@ -1021,10 +1024,10 @@
               <a:buChar char="-"/>
             </a:pPr>
             <a:r>
-              <a:rPr lang="es-ES"/>
+              <a:rPr lang="es-ES" dirty="0"/>
               <a:t>Si va a dejar solo el titulo déjelo centrado en la diapositiva.</a:t>
             </a:r>
-            <a:endParaRPr/>
+            <a:endParaRPr dirty="0"/>
           </a:p>
           <a:p>
             <a:pPr marL="171450" lvl="0" indent="-171450" algn="l" rtl="0">
@@ -1045,10 +1048,10 @@
               <a:buChar char="-"/>
             </a:pPr>
             <a:r>
-              <a:rPr lang="es-ES"/>
+              <a:rPr lang="es-ES" dirty="0"/>
               <a:t>Los textos deben ir en color blanco en tipografía Arial.</a:t>
             </a:r>
-            <a:endParaRPr/>
+            <a:endParaRPr dirty="0"/>
           </a:p>
         </p:txBody>
       </p:sp>
@@ -1225,10 +1228,10 @@
               <a:buChar char="-"/>
             </a:pPr>
             <a:r>
-              <a:rPr lang="es-ES"/>
+              <a:rPr lang="es-ES" dirty="0"/>
               <a:t>En esta diapositiva puede colocar contenidos y acompañarlos con una fotografía.</a:t>
             </a:r>
-            <a:endParaRPr/>
+            <a:endParaRPr dirty="0"/>
           </a:p>
           <a:p>
             <a:pPr marL="171450" lvl="0" indent="-171450" algn="l" rtl="0">
@@ -1249,10 +1252,10 @@
               <a:buChar char="-"/>
             </a:pPr>
             <a:r>
-              <a:rPr lang="es-ES"/>
+              <a:rPr lang="es-ES" dirty="0"/>
               <a:t>Los textos deben ir en azul (utilice el azul que aparece en la opciones de color de letra - -&gt; colores recientes) en tipografía Arial y justificados.</a:t>
             </a:r>
-            <a:endParaRPr/>
+            <a:endParaRPr dirty="0"/>
           </a:p>
         </p:txBody>
       </p:sp>
@@ -1429,10 +1432,10 @@
               <a:buChar char="-"/>
             </a:pPr>
             <a:r>
-              <a:rPr lang="es-ES"/>
+              <a:rPr lang="es-ES" dirty="0"/>
               <a:t>Utilice esta diapositiva si necesita incluir textos más extensos.</a:t>
             </a:r>
-            <a:endParaRPr/>
+            <a:endParaRPr dirty="0"/>
           </a:p>
           <a:p>
             <a:pPr marL="171450" lvl="0" indent="-171450" algn="l" rtl="0">
@@ -1453,10 +1456,10 @@
               <a:buChar char="-"/>
             </a:pPr>
             <a:r>
-              <a:rPr lang="es-ES"/>
+              <a:rPr lang="es-ES" dirty="0"/>
               <a:t>Los textos deben ir en azul (utilice el azul que aparece en la opciones de color de letra - -&gt; colores recientes) en tipografía Arial y justificados.</a:t>
             </a:r>
-            <a:endParaRPr/>
+            <a:endParaRPr dirty="0"/>
           </a:p>
           <a:p>
             <a:pPr marL="171450" lvl="0" indent="-171450" algn="l" rtl="0">
@@ -1477,10 +1480,10 @@
               <a:buChar char="-"/>
             </a:pPr>
             <a:r>
-              <a:rPr lang="es-ES"/>
+              <a:rPr lang="es-ES" dirty="0"/>
               <a:t>Asegúrese que los textos no se monten sobre la franja verde.</a:t>
             </a:r>
-            <a:endParaRPr/>
+            <a:endParaRPr dirty="0"/>
           </a:p>
         </p:txBody>
       </p:sp>
@@ -1547,7 +1550,7 @@
   <p:cSld>
     <p:spTree>
       <p:nvGrpSpPr>
-        <p:cNvPr id="1" name="Shape 186"/>
+        <p:cNvPr id="1" name="Shape 121"/>
         <p:cNvGrpSpPr/>
         <p:nvPr/>
       </p:nvGrpSpPr>
@@ -1561,7 +1564,7 @@
       </p:grpSpPr>
       <p:sp>
         <p:nvSpPr>
-          <p:cNvPr id="187" name="Google Shape;187;p8:notes"/>
+          <p:cNvPr id="122" name="Google Shape;122;p5:notes"/>
           <p:cNvSpPr>
             <a:spLocks noGrp="1" noRot="1" noChangeAspect="1"/>
           </p:cNvSpPr>
@@ -1612,7 +1615,7 @@
       </p:sp>
       <p:sp>
         <p:nvSpPr>
-          <p:cNvPr id="188" name="Google Shape;188;p8:notes"/>
+          <p:cNvPr id="123" name="Google Shape;123;p5:notes"/>
           <p:cNvSpPr txBox="1">
             <a:spLocks noGrp="1"/>
           </p:cNvSpPr>
@@ -1657,10 +1660,10 @@
               <a:buChar char="-"/>
             </a:pPr>
             <a:r>
-              <a:rPr lang="es-ES"/>
-              <a:t>Utilice esta diapositiva al final de su presentación</a:t>
-            </a:r>
-            <a:endParaRPr/>
+              <a:rPr lang="es-ES" dirty="0"/>
+              <a:t>Utilice esta diapositiva si necesita incluir textos más extensos.</a:t>
+            </a:r>
+            <a:endParaRPr dirty="0"/>
           </a:p>
           <a:p>
             <a:pPr marL="171450" lvl="0" indent="-171450" algn="l" rtl="0">
@@ -1681,16 +1684,40 @@
               <a:buChar char="-"/>
             </a:pPr>
             <a:r>
-              <a:rPr lang="es-ES"/>
-              <a:t>Esta diapositiva no debe modificarse</a:t>
-            </a:r>
-            <a:endParaRPr/>
-          </a:p>
-        </p:txBody>
-      </p:sp>
-      <p:sp>
-        <p:nvSpPr>
-          <p:cNvPr id="189" name="Google Shape;189;p8:notes"/>
+              <a:rPr lang="es-ES" dirty="0"/>
+              <a:t>Los textos deben ir en azul (utilice el azul que aparece en la opciones de color de letra - -&gt; colores recientes) en tipografía Arial y justificados.</a:t>
+            </a:r>
+            <a:endParaRPr dirty="0"/>
+          </a:p>
+          <a:p>
+            <a:pPr marL="171450" lvl="0" indent="-171450" algn="l" rtl="0">
+              <a:lnSpc>
+                <a:spcPct val="100000"/>
+              </a:lnSpc>
+              <a:spcBef>
+                <a:spcPts val="0"/>
+              </a:spcBef>
+              <a:spcAft>
+                <a:spcPts val="0"/>
+              </a:spcAft>
+              <a:buClr>
+                <a:schemeClr val="dk1"/>
+              </a:buClr>
+              <a:buSzPts val="1200"/>
+              <a:buFont typeface="Calibri"/>
+              <a:buChar char="-"/>
+            </a:pPr>
+            <a:r>
+              <a:rPr lang="es-ES" dirty="0"/>
+              <a:t>Asegúrese que los textos no se monten sobre la franja verde.</a:t>
+            </a:r>
+            <a:endParaRPr dirty="0"/>
+          </a:p>
+        </p:txBody>
+      </p:sp>
+      <p:sp>
+        <p:nvSpPr>
+          <p:cNvPr id="124" name="Google Shape;124;p5:notes"/>
           <p:cNvSpPr txBox="1">
             <a:spLocks noGrp="1"/>
           </p:cNvSpPr>
@@ -1733,6 +1760,424 @@
             <a:fld id="{00000000-1234-1234-1234-123412341234}" type="slidenum">
               <a:rPr lang="es-ES"/>
               <a:t>6</a:t>
+            </a:fld>
+            <a:endParaRPr/>
+          </a:p>
+        </p:txBody>
+      </p:sp>
+    </p:spTree>
+    <p:extLst>
+      <p:ext uri="{BB962C8B-B14F-4D97-AF65-F5344CB8AC3E}">
+        <p14:creationId xmlns:p14="http://schemas.microsoft.com/office/powerpoint/2010/main" val="810590773"/>
+      </p:ext>
+    </p:extLst>
+  </p:cSld>
+  <p:clrMapOvr>
+    <a:masterClrMapping/>
+  </p:clrMapOvr>
+</p:notes>
+</file>
+
+<file path=ppt/notesSlides/notesSlide7.xml><?xml version="1.0" encoding="utf-8"?>
+<p:notes xmlns:a="http://schemas.openxmlformats.org/drawingml/2006/main" xmlns:r="http://schemas.openxmlformats.org/officeDocument/2006/relationships" xmlns:p="http://schemas.openxmlformats.org/presentationml/2006/main" showMasterSp="0" showMasterPhAnim="0">
+  <p:cSld>
+    <p:spTree>
+      <p:nvGrpSpPr>
+        <p:cNvPr id="1" name="Shape 83"/>
+        <p:cNvGrpSpPr/>
+        <p:nvPr/>
+      </p:nvGrpSpPr>
+      <p:grpSpPr>
+        <a:xfrm>
+          <a:off x="0" y="0"/>
+          <a:ext cx="0" cy="0"/>
+          <a:chOff x="0" y="0"/>
+          <a:chExt cx="0" cy="0"/>
+        </a:xfrm>
+      </p:grpSpPr>
+      <p:sp>
+        <p:nvSpPr>
+          <p:cNvPr id="84" name="Google Shape;84;p3:notes"/>
+          <p:cNvSpPr>
+            <a:spLocks noGrp="1" noRot="1" noChangeAspect="1"/>
+          </p:cNvSpPr>
+          <p:nvPr>
+            <p:ph type="sldImg" idx="2"/>
+          </p:nvPr>
+        </p:nvSpPr>
+        <p:spPr>
+          <a:xfrm>
+            <a:off x="381000" y="685800"/>
+            <a:ext cx="6096000" cy="3429000"/>
+          </a:xfrm>
+          <a:custGeom>
+            <a:avLst/>
+            <a:gdLst/>
+            <a:ahLst/>
+            <a:cxnLst/>
+            <a:rect l="l" t="t" r="r" b="b"/>
+            <a:pathLst>
+              <a:path w="120000" h="120000" extrusionOk="0">
+                <a:moveTo>
+                  <a:pt x="0" y="0"/>
+                </a:moveTo>
+                <a:lnTo>
+                  <a:pt x="120000" y="0"/>
+                </a:lnTo>
+                <a:lnTo>
+                  <a:pt x="120000" y="120000"/>
+                </a:lnTo>
+                <a:lnTo>
+                  <a:pt x="0" y="120000"/>
+                </a:lnTo>
+                <a:close/>
+              </a:path>
+            </a:pathLst>
+          </a:custGeom>
+          <a:noFill/>
+          <a:ln w="12700" cap="flat" cmpd="sng">
+            <a:solidFill>
+              <a:srgbClr val="000000"/>
+            </a:solidFill>
+            <a:prstDash val="solid"/>
+            <a:round/>
+            <a:headEnd type="none" w="sm" len="sm"/>
+            <a:tailEnd type="none" w="sm" len="sm"/>
+          </a:ln>
+        </p:spPr>
+      </p:sp>
+      <p:sp>
+        <p:nvSpPr>
+          <p:cNvPr id="85" name="Google Shape;85;p3:notes"/>
+          <p:cNvSpPr txBox="1">
+            <a:spLocks noGrp="1"/>
+          </p:cNvSpPr>
+          <p:nvPr>
+            <p:ph type="body" idx="1"/>
+          </p:nvPr>
+        </p:nvSpPr>
+        <p:spPr>
+          <a:xfrm>
+            <a:off x="685800" y="4343400"/>
+            <a:ext cx="5486400" cy="4114800"/>
+          </a:xfrm>
+          <a:prstGeom prst="rect">
+            <a:avLst/>
+          </a:prstGeom>
+          <a:noFill/>
+          <a:ln>
+            <a:noFill/>
+          </a:ln>
+        </p:spPr>
+        <p:txBody>
+          <a:bodyPr spcFirstLastPara="1" wrap="square" lIns="91425" tIns="45700" rIns="91425" bIns="45700" anchor="t" anchorCtr="0">
+            <a:noAutofit/>
+          </a:bodyPr>
+          <a:lstStyle/>
+          <a:p>
+            <a:pPr marL="171450" lvl="0" indent="-171450" algn="l" rtl="0">
+              <a:lnSpc>
+                <a:spcPct val="100000"/>
+              </a:lnSpc>
+              <a:spcBef>
+                <a:spcPts val="0"/>
+              </a:spcBef>
+              <a:spcAft>
+                <a:spcPts val="0"/>
+              </a:spcAft>
+              <a:buClr>
+                <a:schemeClr val="dk1"/>
+              </a:buClr>
+              <a:buSzPts val="1200"/>
+              <a:buFont typeface="Calibri"/>
+              <a:buChar char="-"/>
+            </a:pPr>
+            <a:r>
+              <a:rPr lang="es-ES" dirty="0"/>
+              <a:t>En esta diapositiva puede colocar contenidos y acompañarlos con una fotografía.</a:t>
+            </a:r>
+            <a:endParaRPr dirty="0"/>
+          </a:p>
+          <a:p>
+            <a:pPr marL="171450" lvl="0" indent="-171450" algn="l" rtl="0">
+              <a:lnSpc>
+                <a:spcPct val="100000"/>
+              </a:lnSpc>
+              <a:spcBef>
+                <a:spcPts val="0"/>
+              </a:spcBef>
+              <a:spcAft>
+                <a:spcPts val="0"/>
+              </a:spcAft>
+              <a:buClr>
+                <a:schemeClr val="dk1"/>
+              </a:buClr>
+              <a:buSzPts val="1200"/>
+              <a:buFont typeface="Calibri"/>
+              <a:buChar char="-"/>
+            </a:pPr>
+            <a:r>
+              <a:rPr lang="es-ES" dirty="0"/>
+              <a:t>Los textos deben ir en azul (utilice el azul que aparece en la opciones de color de letra - -&gt; colores recientes) en tipografía Arial y justificados.</a:t>
+            </a:r>
+            <a:endParaRPr dirty="0"/>
+          </a:p>
+        </p:txBody>
+      </p:sp>
+      <p:sp>
+        <p:nvSpPr>
+          <p:cNvPr id="86" name="Google Shape;86;p3:notes"/>
+          <p:cNvSpPr txBox="1">
+            <a:spLocks noGrp="1"/>
+          </p:cNvSpPr>
+          <p:nvPr>
+            <p:ph type="sldNum" idx="12"/>
+          </p:nvPr>
+        </p:nvSpPr>
+        <p:spPr>
+          <a:xfrm>
+            <a:off x="3884613" y="8685213"/>
+            <a:ext cx="2971800" cy="457200"/>
+          </a:xfrm>
+          <a:prstGeom prst="rect">
+            <a:avLst/>
+          </a:prstGeom>
+          <a:noFill/>
+          <a:ln>
+            <a:noFill/>
+          </a:ln>
+        </p:spPr>
+        <p:txBody>
+          <a:bodyPr spcFirstLastPara="1" wrap="square" lIns="91425" tIns="45700" rIns="91425" bIns="45700" anchor="b" anchorCtr="0">
+            <a:noAutofit/>
+          </a:bodyPr>
+          <a:lstStyle/>
+          <a:p>
+            <a:pPr marL="0" lvl="0" indent="0" algn="r" rtl="0">
+              <a:lnSpc>
+                <a:spcPct val="100000"/>
+              </a:lnSpc>
+              <a:spcBef>
+                <a:spcPts val="0"/>
+              </a:spcBef>
+              <a:spcAft>
+                <a:spcPts val="0"/>
+              </a:spcAft>
+              <a:buSzPts val="1400"/>
+              <a:buNone/>
+            </a:pPr>
+            <a:fld id="{00000000-1234-1234-1234-123412341234}" type="slidenum">
+              <a:rPr lang="es-ES"/>
+              <a:t>8</a:t>
+            </a:fld>
+            <a:endParaRPr/>
+          </a:p>
+        </p:txBody>
+      </p:sp>
+    </p:spTree>
+    <p:extLst>
+      <p:ext uri="{BB962C8B-B14F-4D97-AF65-F5344CB8AC3E}">
+        <p14:creationId xmlns:p14="http://schemas.microsoft.com/office/powerpoint/2010/main" val="2153105857"/>
+      </p:ext>
+    </p:extLst>
+  </p:cSld>
+  <p:clrMapOvr>
+    <a:masterClrMapping/>
+  </p:clrMapOvr>
+</p:notes>
+</file>
+
+<file path=ppt/notesSlides/notesSlide8.xml><?xml version="1.0" encoding="utf-8"?>
+<p:notes xmlns:a="http://schemas.openxmlformats.org/drawingml/2006/main" xmlns:r="http://schemas.openxmlformats.org/officeDocument/2006/relationships" xmlns:p="http://schemas.openxmlformats.org/presentationml/2006/main" showMasterSp="0" showMasterPhAnim="0">
+  <p:cSld>
+    <p:spTree>
+      <p:nvGrpSpPr>
+        <p:cNvPr id="1" name="Shape 186"/>
+        <p:cNvGrpSpPr/>
+        <p:nvPr/>
+      </p:nvGrpSpPr>
+      <p:grpSpPr>
+        <a:xfrm>
+          <a:off x="0" y="0"/>
+          <a:ext cx="0" cy="0"/>
+          <a:chOff x="0" y="0"/>
+          <a:chExt cx="0" cy="0"/>
+        </a:xfrm>
+      </p:grpSpPr>
+      <p:sp>
+        <p:nvSpPr>
+          <p:cNvPr id="187" name="Google Shape;187;p8:notes"/>
+          <p:cNvSpPr>
+            <a:spLocks noGrp="1" noRot="1" noChangeAspect="1"/>
+          </p:cNvSpPr>
+          <p:nvPr>
+            <p:ph type="sldImg" idx="2"/>
+          </p:nvPr>
+        </p:nvSpPr>
+        <p:spPr>
+          <a:xfrm>
+            <a:off x="381000" y="685800"/>
+            <a:ext cx="6096000" cy="3429000"/>
+          </a:xfrm>
+          <a:custGeom>
+            <a:avLst/>
+            <a:gdLst/>
+            <a:ahLst/>
+            <a:cxnLst/>
+            <a:rect l="l" t="t" r="r" b="b"/>
+            <a:pathLst>
+              <a:path w="120000" h="120000" extrusionOk="0">
+                <a:moveTo>
+                  <a:pt x="0" y="0"/>
+                </a:moveTo>
+                <a:lnTo>
+                  <a:pt x="120000" y="0"/>
+                </a:lnTo>
+                <a:lnTo>
+                  <a:pt x="120000" y="120000"/>
+                </a:lnTo>
+                <a:lnTo>
+                  <a:pt x="0" y="120000"/>
+                </a:lnTo>
+                <a:close/>
+              </a:path>
+            </a:pathLst>
+          </a:custGeom>
+          <a:noFill/>
+          <a:ln w="12700" cap="flat" cmpd="sng">
+            <a:solidFill>
+              <a:srgbClr val="000000"/>
+            </a:solidFill>
+            <a:prstDash val="solid"/>
+            <a:round/>
+            <a:headEnd type="none" w="sm" len="sm"/>
+            <a:tailEnd type="none" w="sm" len="sm"/>
+          </a:ln>
+        </p:spPr>
+      </p:sp>
+      <p:sp>
+        <p:nvSpPr>
+          <p:cNvPr id="188" name="Google Shape;188;p8:notes"/>
+          <p:cNvSpPr txBox="1">
+            <a:spLocks noGrp="1"/>
+          </p:cNvSpPr>
+          <p:nvPr>
+            <p:ph type="body" idx="1"/>
+          </p:nvPr>
+        </p:nvSpPr>
+        <p:spPr>
+          <a:xfrm>
+            <a:off x="685800" y="4343400"/>
+            <a:ext cx="5486400" cy="4114800"/>
+          </a:xfrm>
+          <a:prstGeom prst="rect">
+            <a:avLst/>
+          </a:prstGeom>
+          <a:noFill/>
+          <a:ln>
+            <a:noFill/>
+          </a:ln>
+        </p:spPr>
+        <p:txBody>
+          <a:bodyPr spcFirstLastPara="1" wrap="square" lIns="91425" tIns="45700" rIns="91425" bIns="45700" anchor="t" anchorCtr="0">
+            <a:noAutofit/>
+          </a:bodyPr>
+          <a:lstStyle/>
+          <a:p>
+            <a:pPr marL="171450" lvl="0" indent="-171450" algn="l" rtl="0">
+              <a:lnSpc>
+                <a:spcPct val="100000"/>
+              </a:lnSpc>
+              <a:spcBef>
+                <a:spcPts val="0"/>
+              </a:spcBef>
+              <a:spcAft>
+                <a:spcPts val="0"/>
+              </a:spcAft>
+              <a:buClr>
+                <a:schemeClr val="dk1"/>
+              </a:buClr>
+              <a:buSzPts val="1200"/>
+              <a:buFont typeface="Calibri"/>
+              <a:buChar char="-"/>
+            </a:pPr>
+            <a:r>
+              <a:rPr lang="es-ES"/>
+              <a:t>Utilice esta diapositiva al final de su presentación</a:t>
+            </a:r>
+            <a:endParaRPr/>
+          </a:p>
+          <a:p>
+            <a:pPr marL="171450" lvl="0" indent="-171450" algn="l" rtl="0">
+              <a:lnSpc>
+                <a:spcPct val="100000"/>
+              </a:lnSpc>
+              <a:spcBef>
+                <a:spcPts val="0"/>
+              </a:spcBef>
+              <a:spcAft>
+                <a:spcPts val="0"/>
+              </a:spcAft>
+              <a:buClr>
+                <a:schemeClr val="dk1"/>
+              </a:buClr>
+              <a:buSzPts val="1200"/>
+              <a:buFont typeface="Calibri"/>
+              <a:buChar char="-"/>
+            </a:pPr>
+            <a:r>
+              <a:rPr lang="es-ES"/>
+              <a:t>Esta diapositiva no debe modificarse</a:t>
+            </a:r>
+            <a:endParaRPr/>
+          </a:p>
+        </p:txBody>
+      </p:sp>
+      <p:sp>
+        <p:nvSpPr>
+          <p:cNvPr id="189" name="Google Shape;189;p8:notes"/>
+          <p:cNvSpPr txBox="1">
+            <a:spLocks noGrp="1"/>
+          </p:cNvSpPr>
+          <p:nvPr>
+            <p:ph type="sldNum" idx="12"/>
+          </p:nvPr>
+        </p:nvSpPr>
+        <p:spPr>
+          <a:xfrm>
+            <a:off x="3884613" y="8685213"/>
+            <a:ext cx="2971800" cy="457200"/>
+          </a:xfrm>
+          <a:prstGeom prst="rect">
+            <a:avLst/>
+          </a:prstGeom>
+          <a:noFill/>
+          <a:ln>
+            <a:noFill/>
+          </a:ln>
+        </p:spPr>
+        <p:txBody>
+          <a:bodyPr spcFirstLastPara="1" wrap="square" lIns="91425" tIns="45700" rIns="91425" bIns="45700" anchor="b" anchorCtr="0">
+            <a:noAutofit/>
+          </a:bodyPr>
+          <a:lstStyle/>
+          <a:p>
+            <a:pPr marL="0" lvl="0" indent="0" algn="r" rtl="0">
+              <a:lnSpc>
+                <a:spcPct val="100000"/>
+              </a:lnSpc>
+              <a:spcBef>
+                <a:spcPts val="0"/>
+              </a:spcBef>
+              <a:spcAft>
+                <a:spcPts val="0"/>
+              </a:spcAft>
+              <a:buSzPts val="1400"/>
+              <a:buNone/>
+            </a:pPr>
+            <a:fld id="{00000000-1234-1234-1234-123412341234}" type="slidenum">
+              <a:rPr lang="es-ES"/>
+              <a:t>9</a:t>
             </a:fld>
             <a:endParaRPr/>
           </a:p>
@@ -1895,7 +2340,7 @@
           <a:p>
             <a:fld id="{45896B23-B6B7-4DC1-BF89-EF3D7CBACBEB}" type="datetimeFigureOut">
               <a:rPr lang="es-CO" smtClean="0"/>
-              <a:t>31/05/2020</a:t>
+              <a:t>2/12/2021</a:t>
             </a:fld>
             <a:endParaRPr lang="es-CO"/>
           </a:p>
@@ -2095,7 +2540,7 @@
           <a:p>
             <a:fld id="{45896B23-B6B7-4DC1-BF89-EF3D7CBACBEB}" type="datetimeFigureOut">
               <a:rPr lang="es-CO" smtClean="0"/>
-              <a:t>31/05/2020</a:t>
+              <a:t>2/12/2021</a:t>
             </a:fld>
             <a:endParaRPr lang="es-CO"/>
           </a:p>
@@ -2305,7 +2750,7 @@
           <a:p>
             <a:fld id="{45896B23-B6B7-4DC1-BF89-EF3D7CBACBEB}" type="datetimeFigureOut">
               <a:rPr lang="es-CO" smtClean="0"/>
-              <a:t>31/05/2020</a:t>
+              <a:t>2/12/2021</a:t>
             </a:fld>
             <a:endParaRPr lang="es-CO"/>
           </a:p>
@@ -2790,7 +3235,7 @@
           <a:p>
             <a:fld id="{45896B23-B6B7-4DC1-BF89-EF3D7CBACBEB}" type="datetimeFigureOut">
               <a:rPr lang="es-CO" smtClean="0"/>
-              <a:t>31/05/2020</a:t>
+              <a:t>2/12/2021</a:t>
             </a:fld>
             <a:endParaRPr lang="es-CO"/>
           </a:p>
@@ -3066,7 +3511,7 @@
           <a:p>
             <a:fld id="{45896B23-B6B7-4DC1-BF89-EF3D7CBACBEB}" type="datetimeFigureOut">
               <a:rPr lang="es-CO" smtClean="0"/>
-              <a:t>31/05/2020</a:t>
+              <a:t>2/12/2021</a:t>
             </a:fld>
             <a:endParaRPr lang="es-CO"/>
           </a:p>
@@ -3334,7 +3779,7 @@
           <a:p>
             <a:fld id="{45896B23-B6B7-4DC1-BF89-EF3D7CBACBEB}" type="datetimeFigureOut">
               <a:rPr lang="es-CO" smtClean="0"/>
-              <a:t>31/05/2020</a:t>
+              <a:t>2/12/2021</a:t>
             </a:fld>
             <a:endParaRPr lang="es-CO"/>
           </a:p>
@@ -3749,7 +4194,7 @@
           <a:p>
             <a:fld id="{45896B23-B6B7-4DC1-BF89-EF3D7CBACBEB}" type="datetimeFigureOut">
               <a:rPr lang="es-CO" smtClean="0"/>
-              <a:t>31/05/2020</a:t>
+              <a:t>2/12/2021</a:t>
             </a:fld>
             <a:endParaRPr lang="es-CO"/>
           </a:p>
@@ -3891,7 +4336,7 @@
           <a:p>
             <a:fld id="{45896B23-B6B7-4DC1-BF89-EF3D7CBACBEB}" type="datetimeFigureOut">
               <a:rPr lang="es-CO" smtClean="0"/>
-              <a:t>31/05/2020</a:t>
+              <a:t>2/12/2021</a:t>
             </a:fld>
             <a:endParaRPr lang="es-CO"/>
           </a:p>
@@ -4004,7 +4449,7 @@
           <a:p>
             <a:fld id="{45896B23-B6B7-4DC1-BF89-EF3D7CBACBEB}" type="datetimeFigureOut">
               <a:rPr lang="es-CO" smtClean="0"/>
-              <a:t>31/05/2020</a:t>
+              <a:t>2/12/2021</a:t>
             </a:fld>
             <a:endParaRPr lang="es-CO"/>
           </a:p>
@@ -4317,7 +4762,7 @@
           <a:p>
             <a:fld id="{45896B23-B6B7-4DC1-BF89-EF3D7CBACBEB}" type="datetimeFigureOut">
               <a:rPr lang="es-CO" smtClean="0"/>
-              <a:t>31/05/2020</a:t>
+              <a:t>2/12/2021</a:t>
             </a:fld>
             <a:endParaRPr lang="es-CO"/>
           </a:p>
@@ -4606,7 +5051,7 @@
           <a:p>
             <a:fld id="{45896B23-B6B7-4DC1-BF89-EF3D7CBACBEB}" type="datetimeFigureOut">
               <a:rPr lang="es-CO" smtClean="0"/>
-              <a:t>31/05/2020</a:t>
+              <a:t>2/12/2021</a:t>
             </a:fld>
             <a:endParaRPr lang="es-CO"/>
           </a:p>
@@ -4849,7 +5294,7 @@
           <a:p>
             <a:fld id="{45896B23-B6B7-4DC1-BF89-EF3D7CBACBEB}" type="datetimeFigureOut">
               <a:rPr lang="es-CO" smtClean="0"/>
-              <a:t>31/05/2020</a:t>
+              <a:t>2/12/2021</a:t>
             </a:fld>
             <a:endParaRPr lang="es-CO"/>
           </a:p>
@@ -5298,29 +5743,50 @@
       </p:grpSpPr>
       <p:pic>
         <p:nvPicPr>
-          <p:cNvPr id="84" name="Google Shape;84;p16" descr="EDITORIAL3.jpg"/>
-          <p:cNvPicPr preferRelativeResize="0"/>
+          <p:cNvPr id="7" name="Imagen 6">
+            <a:extLst>
+              <a:ext uri="{FF2B5EF4-FFF2-40B4-BE49-F238E27FC236}">
+                <a16:creationId xmlns:a16="http://schemas.microsoft.com/office/drawing/2014/main" id="{DD3201DB-B6BE-45AC-A418-E2FB8F804A52}"/>
+              </a:ext>
+            </a:extLst>
+          </p:cNvPr>
+          <p:cNvPicPr>
+            <a:picLocks noChangeAspect="1"/>
+          </p:cNvPicPr>
           <p:nvPr/>
         </p:nvPicPr>
-        <p:blipFill rotWithShape="1">
+        <p:blipFill>
           <a:blip r:embed="rId3">
-            <a:alphaModFix/>
+            <a:extLst>
+              <a:ext uri="{BEBA8EAE-BF5A-486C-A8C5-ECC9F3942E4B}">
+                <a14:imgProps xmlns:a14="http://schemas.microsoft.com/office/drawing/2010/main">
+                  <a14:imgLayer r:embed="rId4">
+                    <a14:imgEffect>
+                      <a14:colorTemperature colorTemp="5300"/>
+                    </a14:imgEffect>
+                    <a14:imgEffect>
+                      <a14:saturation sat="200000"/>
+                    </a14:imgEffect>
+                  </a14:imgLayer>
+                </a14:imgProps>
+              </a:ext>
+              <a:ext uri="{28A0092B-C50C-407E-A947-70E740481C1C}">
+                <a14:useLocalDpi xmlns:a14="http://schemas.microsoft.com/office/drawing/2010/main" val="0"/>
+              </a:ext>
+            </a:extLst>
           </a:blip>
-          <a:srcRect t="14950"/>
-          <a:stretch/>
+          <a:stretch>
+            <a:fillRect/>
+          </a:stretch>
         </p:blipFill>
         <p:spPr>
           <a:xfrm>
-            <a:off x="-54226" y="-57320"/>
-            <a:ext cx="12300451" cy="6972640"/>
+            <a:off x="-1" y="-1"/>
+            <a:ext cx="12192001" cy="6900203"/>
           </a:xfrm>
           <a:prstGeom prst="rect">
             <a:avLst/>
           </a:prstGeom>
-          <a:noFill/>
-          <a:ln>
-            <a:noFill/>
-          </a:ln>
         </p:spPr>
       </p:pic>
       <p:sp>
@@ -5390,7 +5856,7 @@
         </p:nvSpPr>
         <p:spPr>
           <a:xfrm>
-            <a:off x="7850796" y="1026665"/>
+            <a:off x="7639781" y="927790"/>
             <a:ext cx="3707024" cy="1217145"/>
           </a:xfrm>
           <a:prstGeom prst="rect">
@@ -5409,18 +5875,15 @@
           <a:p>
             <a:pPr algn="r"/>
             <a:r>
-              <a:rPr lang="es-ES" sz="3200" b="1" dirty="0">
+              <a:rPr lang="es-ES" sz="6000" b="1" dirty="0">
                 <a:solidFill>
-                  <a:schemeClr val="lt1"/>
+                  <a:schemeClr val="bg1"/>
                 </a:solidFill>
-                <a:latin typeface="Work Sans"/>
-                <a:ea typeface="Work Sans"/>
-                <a:cs typeface="Work Sans"/>
-                <a:sym typeface="Work Sans"/>
+                <a:latin typeface="Arial" panose="020B0604020202020204" pitchFamily="34" charset="0"/>
+                <a:cs typeface="Arial" panose="020B0604020202020204" pitchFamily="34" charset="0"/>
               </a:rPr>
-              <a:t>NOMBRE APLICACIÓN </a:t>
-            </a:r>
-            <a:endParaRPr sz="2400" dirty="0"/>
+              <a:t>NEARBY</a:t>
+            </a:r>
           </a:p>
         </p:txBody>
       </p:sp>
@@ -5432,8 +5895,8 @@
         </p:nvSpPr>
         <p:spPr>
           <a:xfrm>
-            <a:off x="9029614" y="2243810"/>
-            <a:ext cx="3115988" cy="779700"/>
+            <a:off x="6558606" y="2342685"/>
+            <a:ext cx="4999214" cy="3587525"/>
           </a:xfrm>
           <a:prstGeom prst="rect">
             <a:avLst/>
@@ -5451,48 +5914,141 @@
           <a:p>
             <a:pPr algn="r"/>
             <a:r>
-              <a:rPr lang="es-ES" sz="2133" dirty="0">
+              <a:rPr lang="es-ES" sz="2400" dirty="0">
                 <a:solidFill>
                   <a:schemeClr val="lt1"/>
                 </a:solidFill>
-                <a:latin typeface="Work Sans"/>
+                <a:latin typeface="Arial" panose="020B0604020202020204" pitchFamily="34" charset="0"/>
                 <a:ea typeface="Work Sans"/>
-                <a:cs typeface="Work Sans"/>
+                <a:cs typeface="Arial" panose="020B0604020202020204" pitchFamily="34" charset="0"/>
                 <a:sym typeface="Work Sans"/>
               </a:rPr>
-              <a:t>Sistema de XXXXXX</a:t>
-            </a:r>
+              <a:t>Sistema de :</a:t>
+            </a:r>
+          </a:p>
+          <a:p>
+            <a:pPr algn="r"/>
+            <a:r>
+              <a:rPr lang="es-ES" sz="2400" dirty="0">
+                <a:solidFill>
+                  <a:schemeClr val="lt1"/>
+                </a:solidFill>
+                <a:latin typeface="Arial" panose="020B0604020202020204" pitchFamily="34" charset="0"/>
+                <a:cs typeface="Arial" panose="020B0604020202020204" pitchFamily="34" charset="0"/>
+                <a:sym typeface="Work Sans"/>
+              </a:rPr>
+              <a:t>Angie Judith Echeverry</a:t>
+            </a:r>
+          </a:p>
+          <a:p>
+            <a:pPr algn="r"/>
+            <a:r>
+              <a:rPr lang="es-ES" sz="2400" dirty="0">
+                <a:solidFill>
+                  <a:schemeClr val="lt1"/>
+                </a:solidFill>
+                <a:latin typeface="Arial" panose="020B0604020202020204" pitchFamily="34" charset="0"/>
+                <a:cs typeface="Arial" panose="020B0604020202020204" pitchFamily="34" charset="0"/>
+                <a:sym typeface="Work Sans"/>
+              </a:rPr>
+              <a:t>Cristian </a:t>
+            </a:r>
+            <a:r>
+              <a:rPr lang="es-ES" sz="2400" dirty="0" err="1">
+                <a:solidFill>
+                  <a:schemeClr val="lt1"/>
+                </a:solidFill>
+                <a:latin typeface="Arial" panose="020B0604020202020204" pitchFamily="34" charset="0"/>
+                <a:cs typeface="Arial" panose="020B0604020202020204" pitchFamily="34" charset="0"/>
+                <a:sym typeface="Work Sans"/>
+              </a:rPr>
+              <a:t>Benitez</a:t>
+            </a:r>
+            <a:r>
+              <a:rPr lang="es-ES" sz="2400" dirty="0">
+                <a:solidFill>
+                  <a:schemeClr val="lt1"/>
+                </a:solidFill>
+                <a:latin typeface="Arial" panose="020B0604020202020204" pitchFamily="34" charset="0"/>
+                <a:cs typeface="Arial" panose="020B0604020202020204" pitchFamily="34" charset="0"/>
+                <a:sym typeface="Work Sans"/>
+              </a:rPr>
+              <a:t> Guevara</a:t>
+            </a:r>
+          </a:p>
+          <a:p>
+            <a:pPr algn="r"/>
+            <a:r>
+              <a:rPr lang="es-ES" sz="2400" dirty="0">
+                <a:solidFill>
+                  <a:schemeClr val="lt1"/>
+                </a:solidFill>
+                <a:latin typeface="Arial" panose="020B0604020202020204" pitchFamily="34" charset="0"/>
+                <a:cs typeface="Arial" panose="020B0604020202020204" pitchFamily="34" charset="0"/>
+                <a:sym typeface="Work Sans"/>
+              </a:rPr>
+              <a:t>Harold Daniel Vargas Quintero</a:t>
+            </a:r>
+          </a:p>
+          <a:p>
+            <a:pPr algn="r"/>
+            <a:r>
+              <a:rPr lang="es-ES" sz="2400" dirty="0">
+                <a:solidFill>
+                  <a:schemeClr val="lt1"/>
+                </a:solidFill>
+                <a:latin typeface="Arial" panose="020B0604020202020204" pitchFamily="34" charset="0"/>
+                <a:cs typeface="Arial" panose="020B0604020202020204" pitchFamily="34" charset="0"/>
+                <a:sym typeface="Work Sans"/>
+              </a:rPr>
+              <a:t>Juan Esteban Arenas Padua</a:t>
+            </a:r>
+          </a:p>
+          <a:p>
+            <a:pPr algn="r"/>
+            <a:r>
+              <a:rPr lang="es-ES" sz="2400" dirty="0">
+                <a:solidFill>
+                  <a:schemeClr val="lt1"/>
+                </a:solidFill>
+                <a:latin typeface="Arial" panose="020B0604020202020204" pitchFamily="34" charset="0"/>
+                <a:cs typeface="Arial" panose="020B0604020202020204" pitchFamily="34" charset="0"/>
+                <a:sym typeface="Work Sans"/>
+              </a:rPr>
+              <a:t>Deivid Daniel Celis Paredes</a:t>
+            </a:r>
+          </a:p>
+          <a:p>
+            <a:pPr algn="r"/>
+            <a:r>
+              <a:rPr lang="es-ES" sz="2400" dirty="0" err="1">
+                <a:solidFill>
+                  <a:schemeClr val="lt1"/>
+                </a:solidFill>
+                <a:latin typeface="Arial" panose="020B0604020202020204" pitchFamily="34" charset="0"/>
+                <a:cs typeface="Arial" panose="020B0604020202020204" pitchFamily="34" charset="0"/>
+                <a:sym typeface="Work Sans"/>
+              </a:rPr>
+              <a:t>Julian</a:t>
+            </a:r>
+            <a:r>
+              <a:rPr lang="es-ES" sz="2400" dirty="0">
+                <a:solidFill>
+                  <a:schemeClr val="lt1"/>
+                </a:solidFill>
+                <a:latin typeface="Arial" panose="020B0604020202020204" pitchFamily="34" charset="0"/>
+                <a:cs typeface="Arial" panose="020B0604020202020204" pitchFamily="34" charset="0"/>
+                <a:sym typeface="Work Sans"/>
+              </a:rPr>
+              <a:t> David Forero Estrada </a:t>
+            </a:r>
+          </a:p>
+          <a:p>
+            <a:pPr algn="r"/>
             <a:endParaRPr sz="2400" dirty="0"/>
           </a:p>
         </p:txBody>
       </p:sp>
-      <p:pic>
-        <p:nvPicPr>
-          <p:cNvPr id="88" name="Google Shape;88;p16"/>
-          <p:cNvPicPr preferRelativeResize="0"/>
-          <p:nvPr/>
-        </p:nvPicPr>
-        <p:blipFill rotWithShape="1">
-          <a:blip r:embed="rId4">
-            <a:alphaModFix/>
-          </a:blip>
-          <a:srcRect/>
-          <a:stretch/>
-        </p:blipFill>
-        <p:spPr>
-          <a:xfrm rot="10800000" flipH="1">
-            <a:off x="9663443" y="1489999"/>
-            <a:ext cx="1748836" cy="60959"/>
-          </a:xfrm>
-          <a:prstGeom prst="rect">
-            <a:avLst/>
-          </a:prstGeom>
-          <a:noFill/>
-          <a:ln>
-            <a:noFill/>
-          </a:ln>
-        </p:spPr>
-      </p:pic>
       <p:pic>
         <p:nvPicPr>
           <p:cNvPr id="89" name="Google Shape;89;p16" descr="naranja.png"/>
@@ -5510,39 +6066,6 @@
           <a:xfrm>
             <a:off x="396273" y="387278"/>
             <a:ext cx="801836" cy="804925"/>
-          </a:xfrm>
-          <a:prstGeom prst="rect">
-            <a:avLst/>
-          </a:prstGeom>
-          <a:noFill/>
-          <a:ln>
-            <a:noFill/>
-          </a:ln>
-        </p:spPr>
-      </p:pic>
-      <p:pic>
-        <p:nvPicPr>
-          <p:cNvPr id="8" name="Google Shape;88;p16">
-            <a:extLst>
-              <a:ext uri="{FF2B5EF4-FFF2-40B4-BE49-F238E27FC236}">
-                <a16:creationId xmlns:a16="http://schemas.microsoft.com/office/drawing/2014/main" id="{9D3EEB45-2776-45AB-97A8-4BB73455660E}"/>
-              </a:ext>
-            </a:extLst>
-          </p:cNvPr>
-          <p:cNvPicPr preferRelativeResize="0"/>
-          <p:nvPr/>
-        </p:nvPicPr>
-        <p:blipFill rotWithShape="1">
-          <a:blip r:embed="rId4">
-            <a:alphaModFix/>
-          </a:blip>
-          <a:srcRect/>
-          <a:stretch/>
-        </p:blipFill>
-        <p:spPr>
-          <a:xfrm rot="10800000" flipH="1">
-            <a:off x="8838772" y="2105202"/>
-            <a:ext cx="2719049" cy="60959"/>
           </a:xfrm>
           <a:prstGeom prst="rect">
             <a:avLst/>
@@ -5580,47 +6103,378 @@
       </p:grpSpPr>
       <p:sp>
         <p:nvSpPr>
-          <p:cNvPr id="82" name="Google Shape;82;p2"/>
+          <p:cNvPr id="6" name="CuadroTexto 5">
+            <a:extLst>
+              <a:ext uri="{FF2B5EF4-FFF2-40B4-BE49-F238E27FC236}">
+                <a16:creationId xmlns:a16="http://schemas.microsoft.com/office/drawing/2014/main" id="{467AFED2-B661-43CF-B802-606A6A249BDD}"/>
+              </a:ext>
+            </a:extLst>
+          </p:cNvPr>
           <p:cNvSpPr txBox="1"/>
           <p:nvPr/>
         </p:nvSpPr>
         <p:spPr>
           <a:xfrm>
-            <a:off x="2250600" y="2990967"/>
-            <a:ext cx="6507600" cy="1998800"/>
+            <a:off x="886265" y="281354"/>
+            <a:ext cx="9355015" cy="584775"/>
           </a:xfrm>
           <a:prstGeom prst="rect">
             <a:avLst/>
           </a:prstGeom>
           <a:noFill/>
-          <a:ln>
-            <a:noFill/>
-          </a:ln>
         </p:spPr>
         <p:txBody>
-          <a:bodyPr spcFirstLastPara="1" wrap="square" lIns="121900" tIns="121900" rIns="121900" bIns="121900" anchor="t" anchorCtr="0">
-            <a:noAutofit/>
+          <a:bodyPr wrap="square" rtlCol="0">
+            <a:spAutoFit/>
           </a:bodyPr>
           <a:lstStyle/>
           <a:p>
-            <a:pPr algn="just">
-              <a:lnSpc>
-                <a:spcPct val="115000"/>
-              </a:lnSpc>
-              <a:buClr>
-                <a:srgbClr val="000000"/>
-              </a:buClr>
-              <a:buSzPts val="1800"/>
+            <a:pPr algn="ctr"/>
+            <a:r>
+              <a:rPr lang="es-ES" sz="3200" b="1" dirty="0">
+                <a:solidFill>
+                  <a:schemeClr val="bg1"/>
+                </a:solidFill>
+                <a:latin typeface="Arial" panose="020B0604020202020204" pitchFamily="34" charset="0"/>
+                <a:cs typeface="Arial" panose="020B0604020202020204" pitchFamily="34" charset="0"/>
+              </a:rPr>
+              <a:t>TABLA DE CONTENIDO </a:t>
+            </a:r>
+            <a:endParaRPr lang="es-CO" sz="3200" b="1" dirty="0">
+              <a:solidFill>
+                <a:schemeClr val="bg1"/>
+              </a:solidFill>
+              <a:latin typeface="Arial" panose="020B0604020202020204" pitchFamily="34" charset="0"/>
+              <a:cs typeface="Arial" panose="020B0604020202020204" pitchFamily="34" charset="0"/>
+            </a:endParaRPr>
+          </a:p>
+        </p:txBody>
+      </p:sp>
+      <p:sp>
+        <p:nvSpPr>
+          <p:cNvPr id="7" name="CuadroTexto 6">
+            <a:extLst>
+              <a:ext uri="{FF2B5EF4-FFF2-40B4-BE49-F238E27FC236}">
+                <a16:creationId xmlns:a16="http://schemas.microsoft.com/office/drawing/2014/main" id="{81449E7D-7336-438B-9C80-9086C5C87EDA}"/>
+              </a:ext>
+            </a:extLst>
+          </p:cNvPr>
+          <p:cNvSpPr txBox="1"/>
+          <p:nvPr/>
+        </p:nvSpPr>
+        <p:spPr>
+          <a:xfrm>
+            <a:off x="379827" y="948690"/>
+            <a:ext cx="9861453" cy="5909310"/>
+          </a:xfrm>
+          <a:prstGeom prst="rect">
+            <a:avLst/>
+          </a:prstGeom>
+          <a:noFill/>
+        </p:spPr>
+        <p:txBody>
+          <a:bodyPr wrap="square" rtlCol="0">
+            <a:spAutoFit/>
+          </a:bodyPr>
+          <a:lstStyle/>
+          <a:p>
+            <a:pPr marL="342900" indent="-342900">
+              <a:buAutoNum type="arabicParenR"/>
             </a:pPr>
-            <a:endParaRPr sz="2400" dirty="0">
+            <a:r>
+              <a:rPr lang="es-ES" b="1" dirty="0">
+                <a:solidFill>
+                  <a:schemeClr val="bg1"/>
+                </a:solidFill>
+                <a:latin typeface="Arial" panose="020B0604020202020204" pitchFamily="34" charset="0"/>
+                <a:cs typeface="Arial" panose="020B0604020202020204" pitchFamily="34" charset="0"/>
+              </a:rPr>
+              <a:t>Nombre y logo del proyecto</a:t>
+            </a:r>
+          </a:p>
+          <a:p>
+            <a:pPr marL="342900" indent="-342900">
+              <a:buAutoNum type="arabicParenR"/>
+            </a:pPr>
+            <a:endParaRPr lang="es-ES" b="1" dirty="0">
               <a:solidFill>
-                <a:srgbClr val="FFFFFF"/>
+                <a:schemeClr val="bg1"/>
               </a:solidFill>
-              <a:latin typeface="Arial"/>
-              <a:ea typeface="Arial"/>
-              <a:cs typeface="Arial"/>
-              <a:sym typeface="Arial"/>
+              <a:latin typeface="Arial" panose="020B0604020202020204" pitchFamily="34" charset="0"/>
+              <a:cs typeface="Arial" panose="020B0604020202020204" pitchFamily="34" charset="0"/>
             </a:endParaRPr>
+          </a:p>
+          <a:p>
+            <a:pPr marL="342900" indent="-342900">
+              <a:buAutoNum type="arabicParenR"/>
+            </a:pPr>
+            <a:r>
+              <a:rPr lang="es-ES" b="1" dirty="0">
+                <a:solidFill>
+                  <a:schemeClr val="bg1"/>
+                </a:solidFill>
+                <a:latin typeface="Arial" panose="020B0604020202020204" pitchFamily="34" charset="0"/>
+                <a:cs typeface="Arial" panose="020B0604020202020204" pitchFamily="34" charset="0"/>
+              </a:rPr>
+              <a:t>Información general del proyecto</a:t>
+            </a:r>
+          </a:p>
+          <a:p>
+            <a:pPr marL="285750" indent="-285750">
+              <a:buFont typeface="Arial" panose="020B0604020202020204" pitchFamily="34" charset="0"/>
+              <a:buChar char="•"/>
+            </a:pPr>
+            <a:r>
+              <a:rPr lang="es-ES" dirty="0">
+                <a:solidFill>
+                  <a:schemeClr val="bg1"/>
+                </a:solidFill>
+                <a:latin typeface="Arial" panose="020B0604020202020204" pitchFamily="34" charset="0"/>
+                <a:cs typeface="Arial" panose="020B0604020202020204" pitchFamily="34" charset="0"/>
+              </a:rPr>
+              <a:t>Planteamiento del problema</a:t>
+            </a:r>
+          </a:p>
+          <a:p>
+            <a:pPr marL="285750" indent="-285750">
+              <a:buFont typeface="Arial" panose="020B0604020202020204" pitchFamily="34" charset="0"/>
+              <a:buChar char="•"/>
+            </a:pPr>
+            <a:r>
+              <a:rPr lang="es-ES" dirty="0">
+                <a:solidFill>
+                  <a:schemeClr val="bg1"/>
+                </a:solidFill>
+                <a:latin typeface="Arial" panose="020B0604020202020204" pitchFamily="34" charset="0"/>
+                <a:cs typeface="Arial" panose="020B0604020202020204" pitchFamily="34" charset="0"/>
+              </a:rPr>
+              <a:t>Objetivo general</a:t>
+            </a:r>
+          </a:p>
+          <a:p>
+            <a:pPr marL="285750" indent="-285750">
+              <a:buFont typeface="Arial" panose="020B0604020202020204" pitchFamily="34" charset="0"/>
+              <a:buChar char="•"/>
+            </a:pPr>
+            <a:r>
+              <a:rPr lang="es-ES" dirty="0">
+                <a:solidFill>
+                  <a:schemeClr val="bg1"/>
+                </a:solidFill>
+                <a:latin typeface="Arial" panose="020B0604020202020204" pitchFamily="34" charset="0"/>
+                <a:cs typeface="Arial" panose="020B0604020202020204" pitchFamily="34" charset="0"/>
+              </a:rPr>
+              <a:t>Objetivos específicos </a:t>
+            </a:r>
+          </a:p>
+          <a:p>
+            <a:pPr marL="285750" indent="-285750">
+              <a:buFont typeface="Arial" panose="020B0604020202020204" pitchFamily="34" charset="0"/>
+              <a:buChar char="•"/>
+            </a:pPr>
+            <a:r>
+              <a:rPr lang="es-ES" dirty="0">
+                <a:solidFill>
+                  <a:schemeClr val="bg1"/>
+                </a:solidFill>
+                <a:latin typeface="Arial" panose="020B0604020202020204" pitchFamily="34" charset="0"/>
+                <a:cs typeface="Arial" panose="020B0604020202020204" pitchFamily="34" charset="0"/>
+              </a:rPr>
+              <a:t>Alcance del proyecto</a:t>
+            </a:r>
+          </a:p>
+          <a:p>
+            <a:pPr marL="285750" indent="-285750">
+              <a:buFont typeface="Arial" panose="020B0604020202020204" pitchFamily="34" charset="0"/>
+              <a:buChar char="•"/>
+            </a:pPr>
+            <a:r>
+              <a:rPr lang="es-ES" dirty="0">
+                <a:solidFill>
+                  <a:schemeClr val="bg1"/>
+                </a:solidFill>
+                <a:latin typeface="Arial" panose="020B0604020202020204" pitchFamily="34" charset="0"/>
+                <a:cs typeface="Arial" panose="020B0604020202020204" pitchFamily="34" charset="0"/>
+              </a:rPr>
+              <a:t>Justificación</a:t>
+            </a:r>
+          </a:p>
+          <a:p>
+            <a:r>
+              <a:rPr lang="es-ES" b="1" dirty="0">
+                <a:solidFill>
+                  <a:schemeClr val="bg1"/>
+                </a:solidFill>
+                <a:latin typeface="Arial" panose="020B0604020202020204" pitchFamily="34" charset="0"/>
+                <a:cs typeface="Arial" panose="020B0604020202020204" pitchFamily="34" charset="0"/>
+              </a:rPr>
+              <a:t>3)Levantamiento de información y tabulación de datos</a:t>
+            </a:r>
+          </a:p>
+          <a:p>
+            <a:r>
+              <a:rPr lang="es-ES" b="1" dirty="0">
+                <a:solidFill>
+                  <a:schemeClr val="bg1"/>
+                </a:solidFill>
+                <a:latin typeface="Arial" panose="020B0604020202020204" pitchFamily="34" charset="0"/>
+                <a:cs typeface="Arial" panose="020B0604020202020204" pitchFamily="34" charset="0"/>
+              </a:rPr>
+              <a:t> </a:t>
+            </a:r>
+          </a:p>
+          <a:p>
+            <a:r>
+              <a:rPr lang="es-ES" b="1" dirty="0">
+                <a:solidFill>
+                  <a:schemeClr val="bg1"/>
+                </a:solidFill>
+                <a:latin typeface="Arial" panose="020B0604020202020204" pitchFamily="34" charset="0"/>
+                <a:cs typeface="Arial" panose="020B0604020202020204" pitchFamily="34" charset="0"/>
+              </a:rPr>
+              <a:t>4)Mapa de procesos y diagramas de flujo</a:t>
+            </a:r>
+          </a:p>
+          <a:p>
+            <a:pPr marL="285750" indent="-285750">
+              <a:buFont typeface="Arial" panose="020B0604020202020204" pitchFamily="34" charset="0"/>
+              <a:buChar char="•"/>
+            </a:pPr>
+            <a:r>
+              <a:rPr lang="es-ES" dirty="0">
+                <a:solidFill>
+                  <a:schemeClr val="bg1"/>
+                </a:solidFill>
+                <a:latin typeface="Arial" panose="020B0604020202020204" pitchFamily="34" charset="0"/>
+                <a:cs typeface="Arial" panose="020B0604020202020204" pitchFamily="34" charset="0"/>
+              </a:rPr>
+              <a:t>Diagrama de flujo de necesidad del cliente</a:t>
+            </a:r>
+          </a:p>
+          <a:p>
+            <a:pPr marL="285750" indent="-285750">
+              <a:buFont typeface="Arial" panose="020B0604020202020204" pitchFamily="34" charset="0"/>
+              <a:buChar char="•"/>
+            </a:pPr>
+            <a:r>
+              <a:rPr lang="es-ES" dirty="0">
+                <a:solidFill>
+                  <a:schemeClr val="bg1"/>
+                </a:solidFill>
+                <a:latin typeface="Arial" panose="020B0604020202020204" pitchFamily="34" charset="0"/>
+                <a:cs typeface="Arial" panose="020B0604020202020204" pitchFamily="34" charset="0"/>
+              </a:rPr>
+              <a:t>Diagrama de flujo de gestión de ingreso</a:t>
+            </a:r>
+          </a:p>
+          <a:p>
+            <a:r>
+              <a:rPr lang="es-ES" b="1" dirty="0">
+                <a:solidFill>
+                  <a:schemeClr val="bg1"/>
+                </a:solidFill>
+                <a:latin typeface="Arial" panose="020B0604020202020204" pitchFamily="34" charset="0"/>
+                <a:cs typeface="Arial" panose="020B0604020202020204" pitchFamily="34" charset="0"/>
+              </a:rPr>
+              <a:t>5) Control de versiones(GITHUB)</a:t>
+            </a:r>
+          </a:p>
+          <a:p>
+            <a:endParaRPr lang="es-ES" b="1" dirty="0">
+              <a:solidFill>
+                <a:schemeClr val="bg1"/>
+              </a:solidFill>
+              <a:latin typeface="Arial" panose="020B0604020202020204" pitchFamily="34" charset="0"/>
+              <a:cs typeface="Arial" panose="020B0604020202020204" pitchFamily="34" charset="0"/>
+            </a:endParaRPr>
+          </a:p>
+          <a:p>
+            <a:r>
+              <a:rPr lang="es-ES" b="1" dirty="0">
+                <a:solidFill>
+                  <a:schemeClr val="bg1"/>
+                </a:solidFill>
+                <a:latin typeface="Arial" panose="020B0604020202020204" pitchFamily="34" charset="0"/>
+                <a:cs typeface="Arial" panose="020B0604020202020204" pitchFamily="34" charset="0"/>
+              </a:rPr>
+              <a:t>6)Documento IEEE 830</a:t>
+            </a:r>
+          </a:p>
+          <a:p>
+            <a:pPr marL="285750" indent="-285750">
+              <a:buFont typeface="Arial" panose="020B0604020202020204" pitchFamily="34" charset="0"/>
+              <a:buChar char="•"/>
+            </a:pPr>
+            <a:r>
+              <a:rPr lang="es-ES" dirty="0">
+                <a:solidFill>
+                  <a:schemeClr val="bg1"/>
+                </a:solidFill>
+                <a:latin typeface="Arial" panose="020B0604020202020204" pitchFamily="34" charset="0"/>
+                <a:cs typeface="Arial" panose="020B0604020202020204" pitchFamily="34" charset="0"/>
+              </a:rPr>
+              <a:t>Requerimientos funcionales</a:t>
+            </a:r>
+          </a:p>
+          <a:p>
+            <a:pPr marL="285750" indent="-285750">
+              <a:buFont typeface="Arial" panose="020B0604020202020204" pitchFamily="34" charset="0"/>
+              <a:buChar char="•"/>
+            </a:pPr>
+            <a:r>
+              <a:rPr lang="es-ES" dirty="0">
+                <a:solidFill>
+                  <a:schemeClr val="bg1"/>
+                </a:solidFill>
+                <a:latin typeface="Arial" panose="020B0604020202020204" pitchFamily="34" charset="0"/>
+                <a:cs typeface="Arial" panose="020B0604020202020204" pitchFamily="34" charset="0"/>
+              </a:rPr>
+              <a:t>Requerimientos no funcionales</a:t>
+            </a:r>
+          </a:p>
+          <a:p>
+            <a:r>
+              <a:rPr lang="es-ES" b="1" dirty="0">
+                <a:solidFill>
+                  <a:schemeClr val="bg1"/>
+                </a:solidFill>
+                <a:latin typeface="Arial" panose="020B0604020202020204" pitchFamily="34" charset="0"/>
+                <a:cs typeface="Arial" panose="020B0604020202020204" pitchFamily="34" charset="0"/>
+              </a:rPr>
+              <a:t>7)Diagramas casos de uso</a:t>
+            </a:r>
+          </a:p>
+          <a:p>
+            <a:pPr marL="285750" indent="-285750">
+              <a:buFont typeface="Arial" panose="020B0604020202020204" pitchFamily="34" charset="0"/>
+              <a:buChar char="•"/>
+            </a:pPr>
+            <a:r>
+              <a:rPr lang="es-ES" dirty="0">
+                <a:solidFill>
+                  <a:schemeClr val="bg1"/>
+                </a:solidFill>
+                <a:latin typeface="Arial" panose="020B0604020202020204" pitchFamily="34" charset="0"/>
+                <a:cs typeface="Arial" panose="020B0604020202020204" pitchFamily="34" charset="0"/>
+              </a:rPr>
+              <a:t>Casos de uso extendido</a:t>
+            </a:r>
+          </a:p>
+          <a:p>
+            <a:pPr marL="285750" indent="-285750">
+              <a:buFont typeface="Arial" panose="020B0604020202020204" pitchFamily="34" charset="0"/>
+              <a:buChar char="•"/>
+            </a:pPr>
+            <a:r>
+              <a:rPr lang="es-ES" dirty="0">
+                <a:solidFill>
+                  <a:schemeClr val="bg1"/>
+                </a:solidFill>
+                <a:latin typeface="Arial" panose="020B0604020202020204" pitchFamily="34" charset="0"/>
+                <a:cs typeface="Arial" panose="020B0604020202020204" pitchFamily="34" charset="0"/>
+              </a:rPr>
+              <a:t>Formato de documentación</a:t>
+            </a:r>
           </a:p>
         </p:txBody>
       </p:sp>
@@ -5649,6 +6503,91 @@
           <a:chExt cx="0" cy="0"/>
         </a:xfrm>
       </p:grpSpPr>
+      <p:sp>
+        <p:nvSpPr>
+          <p:cNvPr id="3" name="CuadroTexto 2">
+            <a:extLst>
+              <a:ext uri="{FF2B5EF4-FFF2-40B4-BE49-F238E27FC236}">
+                <a16:creationId xmlns:a16="http://schemas.microsoft.com/office/drawing/2014/main" id="{9DB85218-CD41-41C5-8F5E-C811590A3A0A}"/>
+              </a:ext>
+            </a:extLst>
+          </p:cNvPr>
+          <p:cNvSpPr txBox="1"/>
+          <p:nvPr/>
+        </p:nvSpPr>
+        <p:spPr>
+          <a:xfrm>
+            <a:off x="2241452" y="372795"/>
+            <a:ext cx="7709095" cy="1569660"/>
+          </a:xfrm>
+          <a:prstGeom prst="rect">
+            <a:avLst/>
+          </a:prstGeom>
+          <a:noFill/>
+        </p:spPr>
+        <p:txBody>
+          <a:bodyPr wrap="square" rtlCol="0">
+            <a:spAutoFit/>
+          </a:bodyPr>
+          <a:lstStyle/>
+          <a:p>
+            <a:pPr algn="ctr"/>
+            <a:r>
+              <a:rPr lang="es-ES" sz="9600" b="1" dirty="0">
+                <a:solidFill>
+                  <a:srgbClr val="0070C0"/>
+                </a:solidFill>
+                <a:latin typeface="Arial" panose="020B0604020202020204" pitchFamily="34" charset="0"/>
+                <a:cs typeface="Arial" panose="020B0604020202020204" pitchFamily="34" charset="0"/>
+              </a:rPr>
+              <a:t>NEARBY</a:t>
+            </a:r>
+            <a:endParaRPr lang="es-CO" sz="9600" b="1" dirty="0">
+              <a:solidFill>
+                <a:srgbClr val="0070C0"/>
+              </a:solidFill>
+              <a:latin typeface="Arial" panose="020B0604020202020204" pitchFamily="34" charset="0"/>
+              <a:cs typeface="Arial" panose="020B0604020202020204" pitchFamily="34" charset="0"/>
+            </a:endParaRPr>
+          </a:p>
+        </p:txBody>
+      </p:sp>
+      <p:pic>
+        <p:nvPicPr>
+          <p:cNvPr id="5" name="Imagen 4">
+            <a:extLst>
+              <a:ext uri="{FF2B5EF4-FFF2-40B4-BE49-F238E27FC236}">
+                <a16:creationId xmlns:a16="http://schemas.microsoft.com/office/drawing/2014/main" id="{74E1FAC5-9FED-46DA-A649-00383D12FEE1}"/>
+              </a:ext>
+            </a:extLst>
+          </p:cNvPr>
+          <p:cNvPicPr>
+            <a:picLocks noChangeAspect="1"/>
+          </p:cNvPicPr>
+          <p:nvPr/>
+        </p:nvPicPr>
+        <p:blipFill>
+          <a:blip r:embed="rId3">
+            <a:extLst>
+              <a:ext uri="{28A0092B-C50C-407E-A947-70E740481C1C}">
+                <a14:useLocalDpi xmlns:a14="http://schemas.microsoft.com/office/drawing/2010/main" val="0"/>
+              </a:ext>
+            </a:extLst>
+          </a:blip>
+          <a:stretch>
+            <a:fillRect/>
+          </a:stretch>
+        </p:blipFill>
+        <p:spPr>
+          <a:xfrm>
+            <a:off x="4492282" y="2277270"/>
+            <a:ext cx="3207434" cy="4207935"/>
+          </a:xfrm>
+          <a:prstGeom prst="rect">
+            <a:avLst/>
+          </a:prstGeom>
+        </p:spPr>
+      </p:pic>
     </p:spTree>
   </p:cSld>
   <p:clrMapOvr>
@@ -5674,6 +6613,203 @@
           <a:chExt cx="0" cy="0"/>
         </a:xfrm>
       </p:grpSpPr>
+      <p:sp>
+        <p:nvSpPr>
+          <p:cNvPr id="2" name="CuadroTexto 1">
+            <a:extLst>
+              <a:ext uri="{FF2B5EF4-FFF2-40B4-BE49-F238E27FC236}">
+                <a16:creationId xmlns:a16="http://schemas.microsoft.com/office/drawing/2014/main" id="{BC758410-DEA8-4A1F-AF32-CF4DA320955F}"/>
+              </a:ext>
+            </a:extLst>
+          </p:cNvPr>
+          <p:cNvSpPr txBox="1"/>
+          <p:nvPr/>
+        </p:nvSpPr>
+        <p:spPr>
+          <a:xfrm>
+            <a:off x="2065606" y="578560"/>
+            <a:ext cx="6879102" cy="523220"/>
+          </a:xfrm>
+          <a:prstGeom prst="rect">
+            <a:avLst/>
+          </a:prstGeom>
+          <a:noFill/>
+        </p:spPr>
+        <p:txBody>
+          <a:bodyPr wrap="square" rtlCol="0">
+            <a:spAutoFit/>
+          </a:bodyPr>
+          <a:lstStyle/>
+          <a:p>
+            <a:pPr algn="ctr"/>
+            <a:r>
+              <a:rPr lang="es-ES" sz="2800" b="1">
+                <a:solidFill>
+                  <a:srgbClr val="0070C0"/>
+                </a:solidFill>
+                <a:latin typeface="Arial" panose="020B0604020202020204" pitchFamily="34" charset="0"/>
+                <a:cs typeface="Arial" panose="020B0604020202020204" pitchFamily="34" charset="0"/>
+              </a:rPr>
+              <a:t>PLANTEAMIENTO DEL PROBLEMA</a:t>
+            </a:r>
+            <a:endParaRPr lang="es-CO" sz="2800" b="1" dirty="0">
+              <a:solidFill>
+                <a:srgbClr val="0070C0"/>
+              </a:solidFill>
+              <a:latin typeface="Arial" panose="020B0604020202020204" pitchFamily="34" charset="0"/>
+              <a:cs typeface="Arial" panose="020B0604020202020204" pitchFamily="34" charset="0"/>
+            </a:endParaRPr>
+          </a:p>
+        </p:txBody>
+      </p:sp>
+      <p:sp>
+        <p:nvSpPr>
+          <p:cNvPr id="5" name="CuadroTexto 4">
+            <a:extLst>
+              <a:ext uri="{FF2B5EF4-FFF2-40B4-BE49-F238E27FC236}">
+                <a16:creationId xmlns:a16="http://schemas.microsoft.com/office/drawing/2014/main" id="{03EC8784-F841-4BD9-8443-3B6F41DC20A4}"/>
+              </a:ext>
+            </a:extLst>
+          </p:cNvPr>
+          <p:cNvSpPr txBox="1"/>
+          <p:nvPr/>
+        </p:nvSpPr>
+        <p:spPr>
+          <a:xfrm>
+            <a:off x="422031" y="1350498"/>
+            <a:ext cx="9791114" cy="4801314"/>
+          </a:xfrm>
+          <a:prstGeom prst="rect">
+            <a:avLst/>
+          </a:prstGeom>
+          <a:noFill/>
+        </p:spPr>
+        <p:txBody>
+          <a:bodyPr wrap="square" rtlCol="0">
+            <a:spAutoFit/>
+          </a:bodyPr>
+          <a:lstStyle/>
+          <a:p>
+            <a:pPr algn="just"/>
+            <a:r>
+              <a:rPr lang="es-ES" dirty="0">
+                <a:solidFill>
+                  <a:srgbClr val="0070C0"/>
+                </a:solidFill>
+                <a:latin typeface="Arial" panose="020B0604020202020204" pitchFamily="34" charset="0"/>
+                <a:cs typeface="Arial" panose="020B0604020202020204" pitchFamily="34" charset="0"/>
+              </a:rPr>
+              <a:t>Se determinó que la mayoría de conductores que se desplazan en diferentes vehículos (bicicleta, moto y carro) alrededor de la ciudad, presentaban la necesidad de encontrar eficientemente un estacionamiento(parqueadero) para dejar su vehículo, teniendo la tranquilidad de que este será supervisado por dicho establecimiento hasta que el conductor regrese, pero las aplicaciones comunes como lo son; </a:t>
+            </a:r>
+            <a:r>
+              <a:rPr lang="es-ES" dirty="0" err="1">
+                <a:solidFill>
+                  <a:srgbClr val="0070C0"/>
+                </a:solidFill>
+                <a:latin typeface="Arial" panose="020B0604020202020204" pitchFamily="34" charset="0"/>
+                <a:cs typeface="Arial" panose="020B0604020202020204" pitchFamily="34" charset="0"/>
+              </a:rPr>
+              <a:t>Waze</a:t>
+            </a:r>
+            <a:r>
+              <a:rPr lang="es-ES" dirty="0">
+                <a:solidFill>
+                  <a:srgbClr val="0070C0"/>
+                </a:solidFill>
+                <a:latin typeface="Arial" panose="020B0604020202020204" pitchFamily="34" charset="0"/>
+                <a:cs typeface="Arial" panose="020B0604020202020204" pitchFamily="34" charset="0"/>
+              </a:rPr>
+              <a:t> o Google </a:t>
+            </a:r>
+            <a:r>
+              <a:rPr lang="es-ES" dirty="0" err="1">
+                <a:solidFill>
+                  <a:srgbClr val="0070C0"/>
+                </a:solidFill>
+                <a:latin typeface="Arial" panose="020B0604020202020204" pitchFamily="34" charset="0"/>
+                <a:cs typeface="Arial" panose="020B0604020202020204" pitchFamily="34" charset="0"/>
+              </a:rPr>
+              <a:t>Maps</a:t>
+            </a:r>
+            <a:r>
+              <a:rPr lang="es-ES" dirty="0">
+                <a:solidFill>
+                  <a:srgbClr val="0070C0"/>
+                </a:solidFill>
+                <a:latin typeface="Arial" panose="020B0604020202020204" pitchFamily="34" charset="0"/>
+                <a:cs typeface="Arial" panose="020B0604020202020204" pitchFamily="34" charset="0"/>
+              </a:rPr>
+              <a:t> no son del todo asertivas con la información que muestran respecto a este tipo de establecimientos, ya sea por falta de información o por negocios no registrados dentro la base de datos, es casi imposible determinar cuál es el mejor establecimiento para poder dejar el vehículo.</a:t>
+            </a:r>
+          </a:p>
+          <a:p>
+            <a:pPr algn="just"/>
+            <a:r>
+              <a:rPr lang="es-ES" dirty="0">
+                <a:solidFill>
+                  <a:srgbClr val="0070C0"/>
+                </a:solidFill>
+                <a:latin typeface="Arial" panose="020B0604020202020204" pitchFamily="34" charset="0"/>
+                <a:cs typeface="Arial" panose="020B0604020202020204" pitchFamily="34" charset="0"/>
+              </a:rPr>
+              <a:t>La publicidad y el marketing son vitales a la hora de promocionar un producto o un negocio, en este caso un estacionamiento, se observa que los parqueaderos no se cuentan con publicidad en sitios web haciendo más difícil encontrarlos y acceder a ellos. Se pueden presentar casos en los que un parqueadero brinda un muy buen servicio, pero no se muestran como la mejor opción a la hora de su búsqueda.</a:t>
+            </a:r>
+          </a:p>
+          <a:p>
+            <a:pPr algn="just"/>
+            <a:r>
+              <a:rPr lang="es-ES" dirty="0">
+                <a:solidFill>
+                  <a:srgbClr val="0070C0"/>
+                </a:solidFill>
+                <a:latin typeface="Arial" panose="020B0604020202020204" pitchFamily="34" charset="0"/>
+                <a:cs typeface="Arial" panose="020B0604020202020204" pitchFamily="34" charset="0"/>
+              </a:rPr>
+              <a:t>Se determinó que distintas aplicaciones como </a:t>
+            </a:r>
+            <a:r>
+              <a:rPr lang="es-ES" dirty="0" err="1">
+                <a:solidFill>
+                  <a:srgbClr val="0070C0"/>
+                </a:solidFill>
+                <a:latin typeface="Arial" panose="020B0604020202020204" pitchFamily="34" charset="0"/>
+                <a:cs typeface="Arial" panose="020B0604020202020204" pitchFamily="34" charset="0"/>
+              </a:rPr>
+              <a:t>Waze</a:t>
+            </a:r>
+            <a:r>
+              <a:rPr lang="es-ES" dirty="0">
+                <a:solidFill>
+                  <a:srgbClr val="0070C0"/>
+                </a:solidFill>
+                <a:latin typeface="Arial" panose="020B0604020202020204" pitchFamily="34" charset="0"/>
+                <a:cs typeface="Arial" panose="020B0604020202020204" pitchFamily="34" charset="0"/>
+              </a:rPr>
+              <a:t> y Google </a:t>
+            </a:r>
+            <a:r>
+              <a:rPr lang="es-ES" dirty="0" err="1">
+                <a:solidFill>
+                  <a:srgbClr val="0070C0"/>
+                </a:solidFill>
+                <a:latin typeface="Arial" panose="020B0604020202020204" pitchFamily="34" charset="0"/>
+                <a:cs typeface="Arial" panose="020B0604020202020204" pitchFamily="34" charset="0"/>
+              </a:rPr>
+              <a:t>Maps</a:t>
+            </a:r>
+            <a:r>
+              <a:rPr lang="es-ES" dirty="0">
+                <a:solidFill>
+                  <a:srgbClr val="0070C0"/>
+                </a:solidFill>
+                <a:latin typeface="Arial" panose="020B0604020202020204" pitchFamily="34" charset="0"/>
+                <a:cs typeface="Arial" panose="020B0604020202020204" pitchFamily="34" charset="0"/>
+              </a:rPr>
+              <a:t> no presentan de forma asertiva los cupos disponibles dentro del parqueadero, algún tipo de calificación y/o opiniones de los usuarios podrían hacerle más difícil al cliente determinar el lugar o establecimiento al que desee ir.</a:t>
+            </a:r>
+          </a:p>
+        </p:txBody>
+      </p:sp>
     </p:spTree>
   </p:cSld>
   <p:clrMapOvr>
@@ -5683,6 +6819,357 @@
 </file>
 
 <file path=ppt/slides/slide6.xml><?xml version="1.0" encoding="utf-8"?>
+<p:sld xmlns:a="http://schemas.openxmlformats.org/drawingml/2006/main" xmlns:r="http://schemas.openxmlformats.org/officeDocument/2006/relationships" xmlns:p="http://schemas.openxmlformats.org/presentationml/2006/main">
+  <p:cSld>
+    <p:spTree>
+      <p:nvGrpSpPr>
+        <p:cNvPr id="1" name="Shape 125"/>
+        <p:cNvGrpSpPr/>
+        <p:nvPr/>
+      </p:nvGrpSpPr>
+      <p:grpSpPr>
+        <a:xfrm>
+          <a:off x="0" y="0"/>
+          <a:ext cx="0" cy="0"/>
+          <a:chOff x="0" y="0"/>
+          <a:chExt cx="0" cy="0"/>
+        </a:xfrm>
+      </p:grpSpPr>
+      <p:sp>
+        <p:nvSpPr>
+          <p:cNvPr id="3" name="CuadroTexto 2">
+            <a:extLst>
+              <a:ext uri="{FF2B5EF4-FFF2-40B4-BE49-F238E27FC236}">
+                <a16:creationId xmlns:a16="http://schemas.microsoft.com/office/drawing/2014/main" id="{BFA7DC27-543D-421A-8BB2-95A8CFB88473}"/>
+              </a:ext>
+            </a:extLst>
+          </p:cNvPr>
+          <p:cNvSpPr txBox="1"/>
+          <p:nvPr/>
+        </p:nvSpPr>
+        <p:spPr>
+          <a:xfrm>
+            <a:off x="2206283" y="494154"/>
+            <a:ext cx="6879102" cy="523220"/>
+          </a:xfrm>
+          <a:prstGeom prst="rect">
+            <a:avLst/>
+          </a:prstGeom>
+          <a:noFill/>
+        </p:spPr>
+        <p:txBody>
+          <a:bodyPr wrap="square" rtlCol="0">
+            <a:spAutoFit/>
+          </a:bodyPr>
+          <a:lstStyle/>
+          <a:p>
+            <a:pPr algn="ctr"/>
+            <a:r>
+              <a:rPr lang="es-ES" sz="2800" b="1" dirty="0">
+                <a:solidFill>
+                  <a:srgbClr val="0070C0"/>
+                </a:solidFill>
+                <a:latin typeface="Arial" panose="020B0604020202020204" pitchFamily="34" charset="0"/>
+                <a:cs typeface="Arial" panose="020B0604020202020204" pitchFamily="34" charset="0"/>
+              </a:rPr>
+              <a:t>OBJETIVO GENERAL</a:t>
+            </a:r>
+            <a:endParaRPr lang="es-CO" sz="2800" b="1" dirty="0">
+              <a:solidFill>
+                <a:srgbClr val="0070C0"/>
+              </a:solidFill>
+              <a:latin typeface="Arial" panose="020B0604020202020204" pitchFamily="34" charset="0"/>
+              <a:cs typeface="Arial" panose="020B0604020202020204" pitchFamily="34" charset="0"/>
+            </a:endParaRPr>
+          </a:p>
+        </p:txBody>
+      </p:sp>
+      <p:sp>
+        <p:nvSpPr>
+          <p:cNvPr id="4" name="CuadroTexto 3">
+            <a:extLst>
+              <a:ext uri="{FF2B5EF4-FFF2-40B4-BE49-F238E27FC236}">
+                <a16:creationId xmlns:a16="http://schemas.microsoft.com/office/drawing/2014/main" id="{AE549AC0-6878-4F5E-8330-50966286A2A8}"/>
+              </a:ext>
+            </a:extLst>
+          </p:cNvPr>
+          <p:cNvSpPr txBox="1"/>
+          <p:nvPr/>
+        </p:nvSpPr>
+        <p:spPr>
+          <a:xfrm>
+            <a:off x="422032" y="1434905"/>
+            <a:ext cx="9439422" cy="1477328"/>
+          </a:xfrm>
+          <a:prstGeom prst="rect">
+            <a:avLst/>
+          </a:prstGeom>
+          <a:noFill/>
+        </p:spPr>
+        <p:txBody>
+          <a:bodyPr wrap="square" rtlCol="0">
+            <a:spAutoFit/>
+          </a:bodyPr>
+          <a:lstStyle/>
+          <a:p>
+            <a:pPr algn="just"/>
+            <a:r>
+              <a:rPr lang="es-ES" dirty="0">
+                <a:solidFill>
+                  <a:srgbClr val="0070C0"/>
+                </a:solidFill>
+                <a:latin typeface="Arial" panose="020B0604020202020204" pitchFamily="34" charset="0"/>
+                <a:cs typeface="Arial" panose="020B0604020202020204" pitchFamily="34" charset="0"/>
+              </a:rPr>
+              <a:t>Desarrollar una aplicación la cual gestione la información de parqueaderos, permitiendo mayor seguridad a los usuarios y agilidad al momento de realizar una búsqueda en una zona en específico, para encontrar parqueaderos con espacios disponibles, además permitirá a los estacionamientos administrar el ingreso de vehículos para mostrar en todo momento cuantos espacios tiene disponibles el establecimiento.</a:t>
+            </a:r>
+            <a:endParaRPr lang="es-CO" dirty="0">
+              <a:solidFill>
+                <a:srgbClr val="0070C0"/>
+              </a:solidFill>
+              <a:latin typeface="Arial" panose="020B0604020202020204" pitchFamily="34" charset="0"/>
+              <a:cs typeface="Arial" panose="020B0604020202020204" pitchFamily="34" charset="0"/>
+            </a:endParaRPr>
+          </a:p>
+        </p:txBody>
+      </p:sp>
+    </p:spTree>
+    <p:extLst>
+      <p:ext uri="{BB962C8B-B14F-4D97-AF65-F5344CB8AC3E}">
+        <p14:creationId xmlns:p14="http://schemas.microsoft.com/office/powerpoint/2010/main" val="2252580914"/>
+      </p:ext>
+    </p:extLst>
+  </p:cSld>
+  <p:clrMapOvr>
+    <a:masterClrMapping/>
+  </p:clrMapOvr>
+</p:sld>
+</file>
+
+<file path=ppt/slides/slide7.xml><?xml version="1.0" encoding="utf-8"?>
+<p:sld xmlns:a="http://schemas.openxmlformats.org/drawingml/2006/main" xmlns:r="http://schemas.openxmlformats.org/officeDocument/2006/relationships" xmlns:p="http://schemas.openxmlformats.org/presentationml/2006/main">
+  <p:cSld>
+    <p:spTree>
+      <p:nvGrpSpPr>
+        <p:cNvPr id="1" name=""/>
+        <p:cNvGrpSpPr/>
+        <p:nvPr/>
+      </p:nvGrpSpPr>
+      <p:grpSpPr>
+        <a:xfrm>
+          <a:off x="0" y="0"/>
+          <a:ext cx="0" cy="0"/>
+          <a:chOff x="0" y="0"/>
+          <a:chExt cx="0" cy="0"/>
+        </a:xfrm>
+      </p:grpSpPr>
+      <p:sp>
+        <p:nvSpPr>
+          <p:cNvPr id="4" name="CuadroTexto 3">
+            <a:extLst>
+              <a:ext uri="{FF2B5EF4-FFF2-40B4-BE49-F238E27FC236}">
+                <a16:creationId xmlns:a16="http://schemas.microsoft.com/office/drawing/2014/main" id="{A8F5DA41-2BB2-4B3B-9F0C-47F2FE05DA23}"/>
+              </a:ext>
+            </a:extLst>
+          </p:cNvPr>
+          <p:cNvSpPr txBox="1"/>
+          <p:nvPr/>
+        </p:nvSpPr>
+        <p:spPr>
+          <a:xfrm>
+            <a:off x="2025747" y="492370"/>
+            <a:ext cx="7244861" cy="584775"/>
+          </a:xfrm>
+          <a:prstGeom prst="rect">
+            <a:avLst/>
+          </a:prstGeom>
+          <a:noFill/>
+        </p:spPr>
+        <p:txBody>
+          <a:bodyPr wrap="square" rtlCol="0">
+            <a:spAutoFit/>
+          </a:bodyPr>
+          <a:lstStyle/>
+          <a:p>
+            <a:pPr algn="ctr"/>
+            <a:r>
+              <a:rPr lang="es-ES" sz="3200" b="1" dirty="0">
+                <a:solidFill>
+                  <a:srgbClr val="0070C0"/>
+                </a:solidFill>
+                <a:latin typeface="Arial" panose="020B0604020202020204" pitchFamily="34" charset="0"/>
+                <a:cs typeface="Arial" panose="020B0604020202020204" pitchFamily="34" charset="0"/>
+              </a:rPr>
+              <a:t>OBJETIVOS ESPECIFICOS</a:t>
+            </a:r>
+            <a:endParaRPr lang="es-CO" sz="3200" b="1" dirty="0">
+              <a:solidFill>
+                <a:srgbClr val="0070C0"/>
+              </a:solidFill>
+              <a:latin typeface="Arial" panose="020B0604020202020204" pitchFamily="34" charset="0"/>
+              <a:cs typeface="Arial" panose="020B0604020202020204" pitchFamily="34" charset="0"/>
+            </a:endParaRPr>
+          </a:p>
+        </p:txBody>
+      </p:sp>
+      <p:sp>
+        <p:nvSpPr>
+          <p:cNvPr id="6" name="CuadroTexto 5">
+            <a:extLst>
+              <a:ext uri="{FF2B5EF4-FFF2-40B4-BE49-F238E27FC236}">
+                <a16:creationId xmlns:a16="http://schemas.microsoft.com/office/drawing/2014/main" id="{30CCC4ED-43A0-4D60-9B10-7DABDB29B07F}"/>
+              </a:ext>
+            </a:extLst>
+          </p:cNvPr>
+          <p:cNvSpPr txBox="1"/>
+          <p:nvPr/>
+        </p:nvSpPr>
+        <p:spPr>
+          <a:xfrm>
+            <a:off x="281354" y="2236763"/>
+            <a:ext cx="10156874" cy="1754326"/>
+          </a:xfrm>
+          <a:prstGeom prst="rect">
+            <a:avLst/>
+          </a:prstGeom>
+          <a:noFill/>
+        </p:spPr>
+        <p:txBody>
+          <a:bodyPr wrap="square" rtlCol="0">
+            <a:spAutoFit/>
+          </a:bodyPr>
+          <a:lstStyle/>
+          <a:p>
+            <a:pPr algn="just"/>
+            <a:r>
+              <a:rPr lang="es-ES" dirty="0">
+                <a:solidFill>
+                  <a:srgbClr val="0070C0"/>
+                </a:solidFill>
+                <a:latin typeface="Arial" panose="020B0604020202020204" pitchFamily="34" charset="0"/>
+                <a:cs typeface="Arial" panose="020B0604020202020204" pitchFamily="34" charset="0"/>
+              </a:rPr>
+              <a:t>•	Se deberá realizar la investigación pertinente para establecer requerimientos </a:t>
+            </a:r>
+          </a:p>
+          <a:p>
+            <a:pPr algn="just"/>
+            <a:r>
+              <a:rPr lang="es-ES" dirty="0">
+                <a:solidFill>
+                  <a:srgbClr val="0070C0"/>
+                </a:solidFill>
+                <a:latin typeface="Arial" panose="020B0604020202020204" pitchFamily="34" charset="0"/>
+                <a:cs typeface="Arial" panose="020B0604020202020204" pitchFamily="34" charset="0"/>
+              </a:rPr>
+              <a:t>•	Se tendrá que determinar su principal función</a:t>
+            </a:r>
+          </a:p>
+          <a:p>
+            <a:pPr algn="just"/>
+            <a:r>
+              <a:rPr lang="es-ES" dirty="0">
+                <a:solidFill>
+                  <a:srgbClr val="0070C0"/>
+                </a:solidFill>
+                <a:latin typeface="Arial" panose="020B0604020202020204" pitchFamily="34" charset="0"/>
+                <a:cs typeface="Arial" panose="020B0604020202020204" pitchFamily="34" charset="0"/>
+              </a:rPr>
+              <a:t>•	Se deberá hacer un análisis previo al desarrollo para facilitar el proceso de programación</a:t>
+            </a:r>
+          </a:p>
+          <a:p>
+            <a:pPr algn="just"/>
+            <a:r>
+              <a:rPr lang="es-ES" dirty="0">
+                <a:solidFill>
+                  <a:srgbClr val="0070C0"/>
+                </a:solidFill>
+                <a:latin typeface="Arial" panose="020B0604020202020204" pitchFamily="34" charset="0"/>
+                <a:cs typeface="Arial" panose="020B0604020202020204" pitchFamily="34" charset="0"/>
+              </a:rPr>
+              <a:t>•	Programar el aplicativo en java para permitir el multiplataformas</a:t>
+            </a:r>
+          </a:p>
+          <a:p>
+            <a:pPr algn="just"/>
+            <a:r>
+              <a:rPr lang="es-ES" dirty="0">
+                <a:solidFill>
+                  <a:srgbClr val="0070C0"/>
+                </a:solidFill>
+                <a:latin typeface="Arial" panose="020B0604020202020204" pitchFamily="34" charset="0"/>
+                <a:cs typeface="Arial" panose="020B0604020202020204" pitchFamily="34" charset="0"/>
+              </a:rPr>
+              <a:t>•	Establecer publico al cual va dirigida la app</a:t>
+            </a:r>
+          </a:p>
+          <a:p>
+            <a:pPr algn="just"/>
+            <a:r>
+              <a:rPr lang="es-ES" dirty="0">
+                <a:solidFill>
+                  <a:srgbClr val="0070C0"/>
+                </a:solidFill>
+                <a:latin typeface="Arial" panose="020B0604020202020204" pitchFamily="34" charset="0"/>
+                <a:cs typeface="Arial" panose="020B0604020202020204" pitchFamily="34" charset="0"/>
+              </a:rPr>
+              <a:t>•	Promocionar y vender la idea a diferentes empresas para implementarla </a:t>
+            </a:r>
+            <a:endParaRPr lang="es-CO" dirty="0">
+              <a:solidFill>
+                <a:srgbClr val="0070C0"/>
+              </a:solidFill>
+              <a:latin typeface="Arial" panose="020B0604020202020204" pitchFamily="34" charset="0"/>
+              <a:cs typeface="Arial" panose="020B0604020202020204" pitchFamily="34" charset="0"/>
+            </a:endParaRPr>
+          </a:p>
+        </p:txBody>
+      </p:sp>
+    </p:spTree>
+    <p:extLst>
+      <p:ext uri="{BB962C8B-B14F-4D97-AF65-F5344CB8AC3E}">
+        <p14:creationId xmlns:p14="http://schemas.microsoft.com/office/powerpoint/2010/main" val="1372745584"/>
+      </p:ext>
+    </p:extLst>
+  </p:cSld>
+  <p:clrMapOvr>
+    <a:masterClrMapping/>
+  </p:clrMapOvr>
+</p:sld>
+</file>
+
+<file path=ppt/slides/slide8.xml><?xml version="1.0" encoding="utf-8"?>
+<p:sld xmlns:a="http://schemas.openxmlformats.org/drawingml/2006/main" xmlns:r="http://schemas.openxmlformats.org/officeDocument/2006/relationships" xmlns:p="http://schemas.openxmlformats.org/presentationml/2006/main">
+  <p:cSld>
+    <p:spTree>
+      <p:nvGrpSpPr>
+        <p:cNvPr id="1" name="Shape 87"/>
+        <p:cNvGrpSpPr/>
+        <p:nvPr/>
+      </p:nvGrpSpPr>
+      <p:grpSpPr>
+        <a:xfrm>
+          <a:off x="0" y="0"/>
+          <a:ext cx="0" cy="0"/>
+          <a:chOff x="0" y="0"/>
+          <a:chExt cx="0" cy="0"/>
+        </a:xfrm>
+      </p:grpSpPr>
+    </p:spTree>
+    <p:extLst>
+      <p:ext uri="{BB962C8B-B14F-4D97-AF65-F5344CB8AC3E}">
+        <p14:creationId xmlns:p14="http://schemas.microsoft.com/office/powerpoint/2010/main" val="2881915805"/>
+      </p:ext>
+    </p:extLst>
+  </p:cSld>
+  <p:clrMapOvr>
+    <a:masterClrMapping/>
+  </p:clrMapOvr>
+</p:sld>
+</file>
+
+<file path=ppt/slides/slide9.xml><?xml version="1.0" encoding="utf-8"?>
 <p:sld xmlns:a="http://schemas.openxmlformats.org/drawingml/2006/main" xmlns:r="http://schemas.openxmlformats.org/officeDocument/2006/relationships" xmlns:p="http://schemas.openxmlformats.org/presentationml/2006/main">
   <p:cSld>
     <p:spTree>

--- a/PLANTILLA_PRESENTACION_AVANCES_PROYECTO_.pptx
+++ b/PLANTILLA_PRESENTACION_AVANCES_PROYECTO_.pptx
@@ -5,7 +5,7 @@
     <p:sldMasterId id="2147483648" r:id="rId1"/>
   </p:sldMasterIdLst>
   <p:notesMasterIdLst>
-    <p:notesMasterId r:id="rId11"/>
+    <p:notesMasterId r:id="rId14"/>
   </p:notesMasterIdLst>
   <p:sldIdLst>
     <p:sldId id="257" r:id="rId2"/>
@@ -15,8 +15,11 @@
     <p:sldId id="263" r:id="rId6"/>
     <p:sldId id="278" r:id="rId7"/>
     <p:sldId id="279" r:id="rId8"/>
-    <p:sldId id="277" r:id="rId9"/>
-    <p:sldId id="273" r:id="rId10"/>
+    <p:sldId id="280" r:id="rId9"/>
+    <p:sldId id="281" r:id="rId10"/>
+    <p:sldId id="277" r:id="rId11"/>
+    <p:sldId id="282" r:id="rId12"/>
+    <p:sldId id="273" r:id="rId13"/>
   </p:sldIdLst>
   <p:sldSz cx="12192000" cy="6858000"/>
   <p:notesSz cx="6858000" cy="9144000"/>
@@ -205,7 +208,7 @@
           <a:p>
             <a:fld id="{9F8AA230-26E9-4845-90B2-987FEDAD6952}" type="datetimeFigureOut">
               <a:rPr lang="es-CO" smtClean="0"/>
-              <a:t>2/12/2021</a:t>
+              <a:t>3/12/2021</a:t>
             </a:fld>
             <a:endParaRPr lang="es-CO"/>
           </a:p>
@@ -649,12 +652,12 @@
 </p:notes>
 </file>
 
-<file path=ppt/notesSlides/notesSlide2.xml><?xml version="1.0" encoding="utf-8"?>
+<file path=ppt/notesSlides/notesSlide10.xml><?xml version="1.0" encoding="utf-8"?>
 <p:notes xmlns:a="http://schemas.openxmlformats.org/drawingml/2006/main" xmlns:r="http://schemas.openxmlformats.org/officeDocument/2006/relationships" xmlns:p="http://schemas.openxmlformats.org/presentationml/2006/main" showMasterSp="0" showMasterPhAnim="0">
   <p:cSld>
     <p:spTree>
       <p:nvGrpSpPr>
-        <p:cNvPr id="1" name="Shape 79"/>
+        <p:cNvPr id="1" name="Shape 83"/>
         <p:cNvGrpSpPr/>
         <p:nvPr/>
       </p:nvGrpSpPr>
@@ -668,7 +671,7 @@
       </p:grpSpPr>
       <p:sp>
         <p:nvSpPr>
-          <p:cNvPr id="80" name="Google Shape;80;p2:notes"/>
+          <p:cNvPr id="84" name="Google Shape;84;p3:notes"/>
           <p:cNvSpPr>
             <a:spLocks noGrp="1" noRot="1" noChangeAspect="1"/>
           </p:cNvSpPr>
@@ -719,7 +722,7 @@
       </p:sp>
       <p:sp>
         <p:nvSpPr>
-          <p:cNvPr id="81" name="Google Shape;81;p2:notes"/>
+          <p:cNvPr id="85" name="Google Shape;85;p3:notes"/>
           <p:cNvSpPr txBox="1">
             <a:spLocks noGrp="1"/>
           </p:cNvSpPr>
@@ -747,6 +750,9 @@
           <a:lstStyle/>
           <a:p>
             <a:pPr marL="171450" lvl="0" indent="-171450" algn="l" rtl="0">
+              <a:lnSpc>
+                <a:spcPct val="100000"/>
+              </a:lnSpc>
               <a:spcBef>
                 <a:spcPts val="0"/>
               </a:spcBef>
@@ -761,13 +767,16 @@
               <a:buChar char="-"/>
             </a:pPr>
             <a:r>
-              <a:rPr lang="es-ES"/>
-              <a:t>Utilice esta diapositiva como introducción de una nueva sección de la presentación o para destacar una frase clave.</a:t>
-            </a:r>
-            <a:endParaRPr/>
+              <a:rPr lang="es-ES" dirty="0"/>
+              <a:t>En esta diapositiva puede colocar contenidos y acompañarlos con una fotografía.</a:t>
+            </a:r>
+            <a:endParaRPr dirty="0"/>
           </a:p>
           <a:p>
             <a:pPr marL="171450" lvl="0" indent="-171450" algn="l" rtl="0">
+              <a:lnSpc>
+                <a:spcPct val="100000"/>
+              </a:lnSpc>
               <a:spcBef>
                 <a:spcPts val="0"/>
               </a:spcBef>
@@ -782,58 +791,16 @@
               <a:buChar char="-"/>
             </a:pPr>
             <a:r>
-              <a:rPr lang="es-ES"/>
-              <a:t>Al tener una foto de fondo los textos deben ser concisos.</a:t>
-            </a:r>
-            <a:endParaRPr/>
-          </a:p>
-          <a:p>
-            <a:pPr marL="171450" lvl="0" indent="-171450" algn="l" rtl="0">
-              <a:spcBef>
-                <a:spcPts val="0"/>
-              </a:spcBef>
-              <a:spcAft>
-                <a:spcPts val="0"/>
-              </a:spcAft>
-              <a:buClr>
-                <a:schemeClr val="dk1"/>
-              </a:buClr>
-              <a:buSzPts val="1200"/>
-              <a:buFont typeface="Calibri"/>
-              <a:buChar char="-"/>
-            </a:pPr>
-            <a:r>
-              <a:rPr lang="es-ES"/>
-              <a:t>Los textos debe ir en blanco utilizando la tipografía Arial con un tamaño mínimo de 16 puntos.</a:t>
-            </a:r>
-            <a:endParaRPr/>
-          </a:p>
-          <a:p>
-            <a:pPr marL="171450" lvl="0" indent="-171450" algn="l" rtl="0">
-              <a:spcBef>
-                <a:spcPts val="0"/>
-              </a:spcBef>
-              <a:spcAft>
-                <a:spcPts val="0"/>
-              </a:spcAft>
-              <a:buClr>
-                <a:schemeClr val="dk1"/>
-              </a:buClr>
-              <a:buSzPts val="1200"/>
-              <a:buFont typeface="Calibri"/>
-              <a:buChar char="-"/>
-            </a:pPr>
-            <a:r>
-              <a:rPr lang="es-ES"/>
-              <a:t>Esta diapositiva es completamente editable, usted puede borrar la imagen de fondo e insertar una nueva fotografía. Asegúrese que al momento de hacerlo, no borre el logo del SENA que aparece en la parte superior izquierda, ni tampoco borre el recuadro negro con transparencia del lado derecho ya que este es indispensable para garantizar lectura del texto sobre la imagen. Así mismo recuerde que al insertar la nueva fotografía debe darle en la opción: click derecho 🡪 enviar al fondo.</a:t>
-            </a:r>
-            <a:endParaRPr/>
-          </a:p>
-        </p:txBody>
-      </p:sp>
-      <p:sp>
-        <p:nvSpPr>
-          <p:cNvPr id="82" name="Google Shape;82;p2:notes"/>
+              <a:rPr lang="es-ES" dirty="0"/>
+              <a:t>Los textos deben ir en azul (utilice el azul que aparece en la opciones de color de letra - -&gt; colores recientes) en tipografía Arial y justificados.</a:t>
+            </a:r>
+            <a:endParaRPr dirty="0"/>
+          </a:p>
+        </p:txBody>
+      </p:sp>
+      <p:sp>
+        <p:nvSpPr>
+          <p:cNvPr id="86" name="Google Shape;86;p3:notes"/>
           <p:cNvSpPr txBox="1">
             <a:spLocks noGrp="1"/>
           </p:cNvSpPr>
@@ -861,23 +828,32 @@
           <a:lstStyle/>
           <a:p>
             <a:pPr marL="0" lvl="0" indent="0" algn="r" rtl="0">
+              <a:lnSpc>
+                <a:spcPct val="100000"/>
+              </a:lnSpc>
               <a:spcBef>
                 <a:spcPts val="0"/>
               </a:spcBef>
               <a:spcAft>
                 <a:spcPts val="0"/>
               </a:spcAft>
+              <a:buSzPts val="1400"/>
               <a:buNone/>
             </a:pPr>
             <a:fld id="{00000000-1234-1234-1234-123412341234}" type="slidenum">
               <a:rPr lang="es-ES"/>
-              <a:t>2</a:t>
+              <a:t>11</a:t>
             </a:fld>
             <a:endParaRPr/>
           </a:p>
         </p:txBody>
       </p:sp>
     </p:spTree>
+    <p:extLst>
+      <p:ext uri="{BB962C8B-B14F-4D97-AF65-F5344CB8AC3E}">
+        <p14:creationId xmlns:p14="http://schemas.microsoft.com/office/powerpoint/2010/main" val="2399761968"/>
+      </p:ext>
+    </p:extLst>
   </p:cSld>
   <p:clrMapOvr>
     <a:masterClrMapping/>
@@ -885,12 +861,12 @@
 </p:notes>
 </file>
 
-<file path=ppt/notesSlides/notesSlide3.xml><?xml version="1.0" encoding="utf-8"?>
+<file path=ppt/notesSlides/notesSlide11.xml><?xml version="1.0" encoding="utf-8"?>
 <p:notes xmlns:a="http://schemas.openxmlformats.org/drawingml/2006/main" xmlns:r="http://schemas.openxmlformats.org/officeDocument/2006/relationships" xmlns:p="http://schemas.openxmlformats.org/presentationml/2006/main" showMasterSp="0" showMasterPhAnim="0">
   <p:cSld>
     <p:spTree>
       <p:nvGrpSpPr>
-        <p:cNvPr id="1" name="Shape 76"/>
+        <p:cNvPr id="1" name="Shape 186"/>
         <p:cNvGrpSpPr/>
         <p:nvPr/>
       </p:nvGrpSpPr>
@@ -904,7 +880,7 @@
       </p:grpSpPr>
       <p:sp>
         <p:nvSpPr>
-          <p:cNvPr id="77" name="Google Shape;77;p2:notes"/>
+          <p:cNvPr id="187" name="Google Shape;187;p8:notes"/>
           <p:cNvSpPr>
             <a:spLocks noGrp="1" noRot="1" noChangeAspect="1"/>
           </p:cNvSpPr>
@@ -955,7 +931,7 @@
       </p:sp>
       <p:sp>
         <p:nvSpPr>
-          <p:cNvPr id="78" name="Google Shape;78;p2:notes"/>
+          <p:cNvPr id="188" name="Google Shape;188;p8:notes"/>
           <p:cNvSpPr txBox="1">
             <a:spLocks noGrp="1"/>
           </p:cNvSpPr>
@@ -1000,10 +976,10 @@
               <a:buChar char="-"/>
             </a:pPr>
             <a:r>
-              <a:rPr lang="es-ES" dirty="0"/>
-              <a:t>Escriba en esta diapositiva el titulo de la presentación y si lo desea puede agregar los temas que va exponer.</a:t>
-            </a:r>
-            <a:endParaRPr dirty="0"/>
+              <a:rPr lang="es-ES"/>
+              <a:t>Utilice esta diapositiva al final de su presentación</a:t>
+            </a:r>
+            <a:endParaRPr/>
           </a:p>
           <a:p>
             <a:pPr marL="171450" lvl="0" indent="-171450" algn="l" rtl="0">
@@ -1024,40 +1000,16 @@
               <a:buChar char="-"/>
             </a:pPr>
             <a:r>
-              <a:rPr lang="es-ES" dirty="0"/>
-              <a:t>Si va a dejar solo el titulo déjelo centrado en la diapositiva.</a:t>
-            </a:r>
-            <a:endParaRPr dirty="0"/>
-          </a:p>
-          <a:p>
-            <a:pPr marL="171450" lvl="0" indent="-171450" algn="l" rtl="0">
-              <a:lnSpc>
-                <a:spcPct val="100000"/>
-              </a:lnSpc>
-              <a:spcBef>
-                <a:spcPts val="0"/>
-              </a:spcBef>
-              <a:spcAft>
-                <a:spcPts val="0"/>
-              </a:spcAft>
-              <a:buClr>
-                <a:schemeClr val="dk1"/>
-              </a:buClr>
-              <a:buSzPts val="1200"/>
-              <a:buFont typeface="Calibri"/>
-              <a:buChar char="-"/>
-            </a:pPr>
-            <a:r>
-              <a:rPr lang="es-ES" dirty="0"/>
-              <a:t>Los textos deben ir en color blanco en tipografía Arial.</a:t>
-            </a:r>
-            <a:endParaRPr dirty="0"/>
-          </a:p>
-        </p:txBody>
-      </p:sp>
-      <p:sp>
-        <p:nvSpPr>
-          <p:cNvPr id="79" name="Google Shape;79;p2:notes"/>
+              <a:rPr lang="es-ES"/>
+              <a:t>Esta diapositiva no debe modificarse</a:t>
+            </a:r>
+            <a:endParaRPr/>
+          </a:p>
+        </p:txBody>
+      </p:sp>
+      <p:sp>
+        <p:nvSpPr>
+          <p:cNvPr id="189" name="Google Shape;189;p8:notes"/>
           <p:cNvSpPr txBox="1">
             <a:spLocks noGrp="1"/>
           </p:cNvSpPr>
@@ -1099,7 +1051,7 @@
             </a:pPr>
             <a:fld id="{00000000-1234-1234-1234-123412341234}" type="slidenum">
               <a:rPr lang="es-ES"/>
-              <a:t>3</a:t>
+              <a:t>12</a:t>
             </a:fld>
             <a:endParaRPr/>
           </a:p>
@@ -1113,12 +1065,12 @@
 </p:notes>
 </file>
 
-<file path=ppt/notesSlides/notesSlide4.xml><?xml version="1.0" encoding="utf-8"?>
+<file path=ppt/notesSlides/notesSlide2.xml><?xml version="1.0" encoding="utf-8"?>
 <p:notes xmlns:a="http://schemas.openxmlformats.org/drawingml/2006/main" xmlns:r="http://schemas.openxmlformats.org/officeDocument/2006/relationships" xmlns:p="http://schemas.openxmlformats.org/presentationml/2006/main" showMasterSp="0" showMasterPhAnim="0">
   <p:cSld>
     <p:spTree>
       <p:nvGrpSpPr>
-        <p:cNvPr id="1" name="Shape 83"/>
+        <p:cNvPr id="1" name="Shape 79"/>
         <p:cNvGrpSpPr/>
         <p:nvPr/>
       </p:nvGrpSpPr>
@@ -1132,7 +1084,7 @@
       </p:grpSpPr>
       <p:sp>
         <p:nvSpPr>
-          <p:cNvPr id="84" name="Google Shape;84;p3:notes"/>
+          <p:cNvPr id="80" name="Google Shape;80;p2:notes"/>
           <p:cNvSpPr>
             <a:spLocks noGrp="1" noRot="1" noChangeAspect="1"/>
           </p:cNvSpPr>
@@ -1183,7 +1135,7 @@
       </p:sp>
       <p:sp>
         <p:nvSpPr>
-          <p:cNvPr id="85" name="Google Shape;85;p3:notes"/>
+          <p:cNvPr id="81" name="Google Shape;81;p2:notes"/>
           <p:cNvSpPr txBox="1">
             <a:spLocks noGrp="1"/>
           </p:cNvSpPr>
@@ -1211,9 +1163,6 @@
           <a:lstStyle/>
           <a:p>
             <a:pPr marL="171450" lvl="0" indent="-171450" algn="l" rtl="0">
-              <a:lnSpc>
-                <a:spcPct val="100000"/>
-              </a:lnSpc>
               <a:spcBef>
                 <a:spcPts val="0"/>
               </a:spcBef>
@@ -1228,16 +1177,13 @@
               <a:buChar char="-"/>
             </a:pPr>
             <a:r>
-              <a:rPr lang="es-ES" dirty="0"/>
-              <a:t>En esta diapositiva puede colocar contenidos y acompañarlos con una fotografía.</a:t>
-            </a:r>
-            <a:endParaRPr dirty="0"/>
+              <a:rPr lang="es-ES"/>
+              <a:t>Utilice esta diapositiva como introducción de una nueva sección de la presentación o para destacar una frase clave.</a:t>
+            </a:r>
+            <a:endParaRPr/>
           </a:p>
           <a:p>
             <a:pPr marL="171450" lvl="0" indent="-171450" algn="l" rtl="0">
-              <a:lnSpc>
-                <a:spcPct val="100000"/>
-              </a:lnSpc>
               <a:spcBef>
                 <a:spcPts val="0"/>
               </a:spcBef>
@@ -1252,16 +1198,58 @@
               <a:buChar char="-"/>
             </a:pPr>
             <a:r>
-              <a:rPr lang="es-ES" dirty="0"/>
-              <a:t>Los textos deben ir en azul (utilice el azul que aparece en la opciones de color de letra - -&gt; colores recientes) en tipografía Arial y justificados.</a:t>
-            </a:r>
-            <a:endParaRPr dirty="0"/>
-          </a:p>
-        </p:txBody>
-      </p:sp>
-      <p:sp>
-        <p:nvSpPr>
-          <p:cNvPr id="86" name="Google Shape;86;p3:notes"/>
+              <a:rPr lang="es-ES"/>
+              <a:t>Al tener una foto de fondo los textos deben ser concisos.</a:t>
+            </a:r>
+            <a:endParaRPr/>
+          </a:p>
+          <a:p>
+            <a:pPr marL="171450" lvl="0" indent="-171450" algn="l" rtl="0">
+              <a:spcBef>
+                <a:spcPts val="0"/>
+              </a:spcBef>
+              <a:spcAft>
+                <a:spcPts val="0"/>
+              </a:spcAft>
+              <a:buClr>
+                <a:schemeClr val="dk1"/>
+              </a:buClr>
+              <a:buSzPts val="1200"/>
+              <a:buFont typeface="Calibri"/>
+              <a:buChar char="-"/>
+            </a:pPr>
+            <a:r>
+              <a:rPr lang="es-ES"/>
+              <a:t>Los textos debe ir en blanco utilizando la tipografía Arial con un tamaño mínimo de 16 puntos.</a:t>
+            </a:r>
+            <a:endParaRPr/>
+          </a:p>
+          <a:p>
+            <a:pPr marL="171450" lvl="0" indent="-171450" algn="l" rtl="0">
+              <a:spcBef>
+                <a:spcPts val="0"/>
+              </a:spcBef>
+              <a:spcAft>
+                <a:spcPts val="0"/>
+              </a:spcAft>
+              <a:buClr>
+                <a:schemeClr val="dk1"/>
+              </a:buClr>
+              <a:buSzPts val="1200"/>
+              <a:buFont typeface="Calibri"/>
+              <a:buChar char="-"/>
+            </a:pPr>
+            <a:r>
+              <a:rPr lang="es-ES"/>
+              <a:t>Esta diapositiva es completamente editable, usted puede borrar la imagen de fondo e insertar una nueva fotografía. Asegúrese que al momento de hacerlo, no borre el logo del SENA que aparece en la parte superior izquierda, ni tampoco borre el recuadro negro con transparencia del lado derecho ya que este es indispensable para garantizar lectura del texto sobre la imagen. Así mismo recuerde que al insertar la nueva fotografía debe darle en la opción: click derecho 🡪 enviar al fondo.</a:t>
+            </a:r>
+            <a:endParaRPr/>
+          </a:p>
+        </p:txBody>
+      </p:sp>
+      <p:sp>
+        <p:nvSpPr>
+          <p:cNvPr id="82" name="Google Shape;82;p2:notes"/>
           <p:cNvSpPr txBox="1">
             <a:spLocks noGrp="1"/>
           </p:cNvSpPr>
@@ -1289,21 +1277,17 @@
           <a:lstStyle/>
           <a:p>
             <a:pPr marL="0" lvl="0" indent="0" algn="r" rtl="0">
-              <a:lnSpc>
-                <a:spcPct val="100000"/>
-              </a:lnSpc>
               <a:spcBef>
                 <a:spcPts val="0"/>
               </a:spcBef>
               <a:spcAft>
                 <a:spcPts val="0"/>
               </a:spcAft>
-              <a:buSzPts val="1400"/>
               <a:buNone/>
             </a:pPr>
             <a:fld id="{00000000-1234-1234-1234-123412341234}" type="slidenum">
               <a:rPr lang="es-ES"/>
-              <a:t>4</a:t>
+              <a:t>2</a:t>
             </a:fld>
             <a:endParaRPr/>
           </a:p>
@@ -1317,12 +1301,12 @@
 </p:notes>
 </file>
 
-<file path=ppt/notesSlides/notesSlide5.xml><?xml version="1.0" encoding="utf-8"?>
+<file path=ppt/notesSlides/notesSlide3.xml><?xml version="1.0" encoding="utf-8"?>
 <p:notes xmlns:a="http://schemas.openxmlformats.org/drawingml/2006/main" xmlns:r="http://schemas.openxmlformats.org/officeDocument/2006/relationships" xmlns:p="http://schemas.openxmlformats.org/presentationml/2006/main" showMasterSp="0" showMasterPhAnim="0">
   <p:cSld>
     <p:spTree>
       <p:nvGrpSpPr>
-        <p:cNvPr id="1" name="Shape 121"/>
+        <p:cNvPr id="1" name="Shape 76"/>
         <p:cNvGrpSpPr/>
         <p:nvPr/>
       </p:nvGrpSpPr>
@@ -1336,7 +1320,7 @@
       </p:grpSpPr>
       <p:sp>
         <p:nvSpPr>
-          <p:cNvPr id="122" name="Google Shape;122;p5:notes"/>
+          <p:cNvPr id="77" name="Google Shape;77;p2:notes"/>
           <p:cNvSpPr>
             <a:spLocks noGrp="1" noRot="1" noChangeAspect="1"/>
           </p:cNvSpPr>
@@ -1387,7 +1371,7 @@
       </p:sp>
       <p:sp>
         <p:nvSpPr>
-          <p:cNvPr id="123" name="Google Shape;123;p5:notes"/>
+          <p:cNvPr id="78" name="Google Shape;78;p2:notes"/>
           <p:cNvSpPr txBox="1">
             <a:spLocks noGrp="1"/>
           </p:cNvSpPr>
@@ -1433,7 +1417,7 @@
             </a:pPr>
             <a:r>
               <a:rPr lang="es-ES" dirty="0"/>
-              <a:t>Utilice esta diapositiva si necesita incluir textos más extensos.</a:t>
+              <a:t>Escriba en esta diapositiva el titulo de la presentación y si lo desea puede agregar los temas que va exponer.</a:t>
             </a:r>
             <a:endParaRPr dirty="0"/>
           </a:p>
@@ -1457,7 +1441,7 @@
             </a:pPr>
             <a:r>
               <a:rPr lang="es-ES" dirty="0"/>
-              <a:t>Los textos deben ir en azul (utilice el azul que aparece en la opciones de color de letra - -&gt; colores recientes) en tipografía Arial y justificados.</a:t>
+              <a:t>Si va a dejar solo el titulo déjelo centrado en la diapositiva.</a:t>
             </a:r>
             <a:endParaRPr dirty="0"/>
           </a:p>
@@ -1481,7 +1465,7 @@
             </a:pPr>
             <a:r>
               <a:rPr lang="es-ES" dirty="0"/>
-              <a:t>Asegúrese que los textos no se monten sobre la franja verde.</a:t>
+              <a:t>Los textos deben ir en color blanco en tipografía Arial.</a:t>
             </a:r>
             <a:endParaRPr dirty="0"/>
           </a:p>
@@ -1489,7 +1473,7 @@
       </p:sp>
       <p:sp>
         <p:nvSpPr>
-          <p:cNvPr id="124" name="Google Shape;124;p5:notes"/>
+          <p:cNvPr id="79" name="Google Shape;79;p2:notes"/>
           <p:cNvSpPr txBox="1">
             <a:spLocks noGrp="1"/>
           </p:cNvSpPr>
@@ -1531,7 +1515,7 @@
             </a:pPr>
             <a:fld id="{00000000-1234-1234-1234-123412341234}" type="slidenum">
               <a:rPr lang="es-ES"/>
-              <a:t>5</a:t>
+              <a:t>3</a:t>
             </a:fld>
             <a:endParaRPr/>
           </a:p>
@@ -1545,12 +1529,12 @@
 </p:notes>
 </file>
 
-<file path=ppt/notesSlides/notesSlide6.xml><?xml version="1.0" encoding="utf-8"?>
+<file path=ppt/notesSlides/notesSlide4.xml><?xml version="1.0" encoding="utf-8"?>
 <p:notes xmlns:a="http://schemas.openxmlformats.org/drawingml/2006/main" xmlns:r="http://schemas.openxmlformats.org/officeDocument/2006/relationships" xmlns:p="http://schemas.openxmlformats.org/presentationml/2006/main" showMasterSp="0" showMasterPhAnim="0">
   <p:cSld>
     <p:spTree>
       <p:nvGrpSpPr>
-        <p:cNvPr id="1" name="Shape 121"/>
+        <p:cNvPr id="1" name="Shape 83"/>
         <p:cNvGrpSpPr/>
         <p:nvPr/>
       </p:nvGrpSpPr>
@@ -1564,7 +1548,7 @@
       </p:grpSpPr>
       <p:sp>
         <p:nvSpPr>
-          <p:cNvPr id="122" name="Google Shape;122;p5:notes"/>
+          <p:cNvPr id="84" name="Google Shape;84;p3:notes"/>
           <p:cNvSpPr>
             <a:spLocks noGrp="1" noRot="1" noChangeAspect="1"/>
           </p:cNvSpPr>
@@ -1615,7 +1599,7 @@
       </p:sp>
       <p:sp>
         <p:nvSpPr>
-          <p:cNvPr id="123" name="Google Shape;123;p5:notes"/>
+          <p:cNvPr id="85" name="Google Shape;85;p3:notes"/>
           <p:cNvSpPr txBox="1">
             <a:spLocks noGrp="1"/>
           </p:cNvSpPr>
@@ -1661,7 +1645,7 @@
             </a:pPr>
             <a:r>
               <a:rPr lang="es-ES" dirty="0"/>
-              <a:t>Utilice esta diapositiva si necesita incluir textos más extensos.</a:t>
+              <a:t>En esta diapositiva puede colocar contenidos y acompañarlos con una fotografía.</a:t>
             </a:r>
             <a:endParaRPr dirty="0"/>
           </a:p>
@@ -1689,35 +1673,11 @@
             </a:r>
             <a:endParaRPr dirty="0"/>
           </a:p>
-          <a:p>
-            <a:pPr marL="171450" lvl="0" indent="-171450" algn="l" rtl="0">
-              <a:lnSpc>
-                <a:spcPct val="100000"/>
-              </a:lnSpc>
-              <a:spcBef>
-                <a:spcPts val="0"/>
-              </a:spcBef>
-              <a:spcAft>
-                <a:spcPts val="0"/>
-              </a:spcAft>
-              <a:buClr>
-                <a:schemeClr val="dk1"/>
-              </a:buClr>
-              <a:buSzPts val="1200"/>
-              <a:buFont typeface="Calibri"/>
-              <a:buChar char="-"/>
-            </a:pPr>
-            <a:r>
-              <a:rPr lang="es-ES" dirty="0"/>
-              <a:t>Asegúrese que los textos no se monten sobre la franja verde.</a:t>
-            </a:r>
-            <a:endParaRPr dirty="0"/>
-          </a:p>
-        </p:txBody>
-      </p:sp>
-      <p:sp>
-        <p:nvSpPr>
-          <p:cNvPr id="124" name="Google Shape;124;p5:notes"/>
+        </p:txBody>
+      </p:sp>
+      <p:sp>
+        <p:nvSpPr>
+          <p:cNvPr id="86" name="Google Shape;86;p3:notes"/>
           <p:cNvSpPr txBox="1">
             <a:spLocks noGrp="1"/>
           </p:cNvSpPr>
@@ -1759,18 +1719,13 @@
             </a:pPr>
             <a:fld id="{00000000-1234-1234-1234-123412341234}" type="slidenum">
               <a:rPr lang="es-ES"/>
-              <a:t>6</a:t>
+              <a:t>4</a:t>
             </a:fld>
             <a:endParaRPr/>
           </a:p>
         </p:txBody>
       </p:sp>
     </p:spTree>
-    <p:extLst>
-      <p:ext uri="{BB962C8B-B14F-4D97-AF65-F5344CB8AC3E}">
-        <p14:creationId xmlns:p14="http://schemas.microsoft.com/office/powerpoint/2010/main" val="810590773"/>
-      </p:ext>
-    </p:extLst>
   </p:cSld>
   <p:clrMapOvr>
     <a:masterClrMapping/>
@@ -1778,12 +1733,12 @@
 </p:notes>
 </file>
 
-<file path=ppt/notesSlides/notesSlide7.xml><?xml version="1.0" encoding="utf-8"?>
+<file path=ppt/notesSlides/notesSlide5.xml><?xml version="1.0" encoding="utf-8"?>
 <p:notes xmlns:a="http://schemas.openxmlformats.org/drawingml/2006/main" xmlns:r="http://schemas.openxmlformats.org/officeDocument/2006/relationships" xmlns:p="http://schemas.openxmlformats.org/presentationml/2006/main" showMasterSp="0" showMasterPhAnim="0">
   <p:cSld>
     <p:spTree>
       <p:nvGrpSpPr>
-        <p:cNvPr id="1" name="Shape 83"/>
+        <p:cNvPr id="1" name="Shape 121"/>
         <p:cNvGrpSpPr/>
         <p:nvPr/>
       </p:nvGrpSpPr>
@@ -1797,7 +1752,7 @@
       </p:grpSpPr>
       <p:sp>
         <p:nvSpPr>
-          <p:cNvPr id="84" name="Google Shape;84;p3:notes"/>
+          <p:cNvPr id="122" name="Google Shape;122;p5:notes"/>
           <p:cNvSpPr>
             <a:spLocks noGrp="1" noRot="1" noChangeAspect="1"/>
           </p:cNvSpPr>
@@ -1848,7 +1803,7 @@
       </p:sp>
       <p:sp>
         <p:nvSpPr>
-          <p:cNvPr id="85" name="Google Shape;85;p3:notes"/>
+          <p:cNvPr id="123" name="Google Shape;123;p5:notes"/>
           <p:cNvSpPr txBox="1">
             <a:spLocks noGrp="1"/>
           </p:cNvSpPr>
@@ -1894,7 +1849,7 @@
             </a:pPr>
             <a:r>
               <a:rPr lang="es-ES" dirty="0"/>
-              <a:t>En esta diapositiva puede colocar contenidos y acompañarlos con una fotografía.</a:t>
+              <a:t>Utilice esta diapositiva si necesita incluir textos más extensos.</a:t>
             </a:r>
             <a:endParaRPr dirty="0"/>
           </a:p>
@@ -1922,11 +1877,35 @@
             </a:r>
             <a:endParaRPr dirty="0"/>
           </a:p>
-        </p:txBody>
-      </p:sp>
-      <p:sp>
-        <p:nvSpPr>
-          <p:cNvPr id="86" name="Google Shape;86;p3:notes"/>
+          <a:p>
+            <a:pPr marL="171450" lvl="0" indent="-171450" algn="l" rtl="0">
+              <a:lnSpc>
+                <a:spcPct val="100000"/>
+              </a:lnSpc>
+              <a:spcBef>
+                <a:spcPts val="0"/>
+              </a:spcBef>
+              <a:spcAft>
+                <a:spcPts val="0"/>
+              </a:spcAft>
+              <a:buClr>
+                <a:schemeClr val="dk1"/>
+              </a:buClr>
+              <a:buSzPts val="1200"/>
+              <a:buFont typeface="Calibri"/>
+              <a:buChar char="-"/>
+            </a:pPr>
+            <a:r>
+              <a:rPr lang="es-ES" dirty="0"/>
+              <a:t>Asegúrese que los textos no se monten sobre la franja verde.</a:t>
+            </a:r>
+            <a:endParaRPr dirty="0"/>
+          </a:p>
+        </p:txBody>
+      </p:sp>
+      <p:sp>
+        <p:nvSpPr>
+          <p:cNvPr id="124" name="Google Shape;124;p5:notes"/>
           <p:cNvSpPr txBox="1">
             <a:spLocks noGrp="1"/>
           </p:cNvSpPr>
@@ -1968,18 +1947,13 @@
             </a:pPr>
             <a:fld id="{00000000-1234-1234-1234-123412341234}" type="slidenum">
               <a:rPr lang="es-ES"/>
-              <a:t>8</a:t>
+              <a:t>5</a:t>
             </a:fld>
             <a:endParaRPr/>
           </a:p>
         </p:txBody>
       </p:sp>
     </p:spTree>
-    <p:extLst>
-      <p:ext uri="{BB962C8B-B14F-4D97-AF65-F5344CB8AC3E}">
-        <p14:creationId xmlns:p14="http://schemas.microsoft.com/office/powerpoint/2010/main" val="2153105857"/>
-      </p:ext>
-    </p:extLst>
   </p:cSld>
   <p:clrMapOvr>
     <a:masterClrMapping/>
@@ -1987,12 +1961,12 @@
 </p:notes>
 </file>
 
-<file path=ppt/notesSlides/notesSlide8.xml><?xml version="1.0" encoding="utf-8"?>
+<file path=ppt/notesSlides/notesSlide6.xml><?xml version="1.0" encoding="utf-8"?>
 <p:notes xmlns:a="http://schemas.openxmlformats.org/drawingml/2006/main" xmlns:r="http://schemas.openxmlformats.org/officeDocument/2006/relationships" xmlns:p="http://schemas.openxmlformats.org/presentationml/2006/main" showMasterSp="0" showMasterPhAnim="0">
   <p:cSld>
     <p:spTree>
       <p:nvGrpSpPr>
-        <p:cNvPr id="1" name="Shape 186"/>
+        <p:cNvPr id="1" name="Shape 121"/>
         <p:cNvGrpSpPr/>
         <p:nvPr/>
       </p:nvGrpSpPr>
@@ -2006,7 +1980,7 @@
       </p:grpSpPr>
       <p:sp>
         <p:nvSpPr>
-          <p:cNvPr id="187" name="Google Shape;187;p8:notes"/>
+          <p:cNvPr id="122" name="Google Shape;122;p5:notes"/>
           <p:cNvSpPr>
             <a:spLocks noGrp="1" noRot="1" noChangeAspect="1"/>
           </p:cNvSpPr>
@@ -2057,7 +2031,7 @@
       </p:sp>
       <p:sp>
         <p:nvSpPr>
-          <p:cNvPr id="188" name="Google Shape;188;p8:notes"/>
+          <p:cNvPr id="123" name="Google Shape;123;p5:notes"/>
           <p:cNvSpPr txBox="1">
             <a:spLocks noGrp="1"/>
           </p:cNvSpPr>
@@ -2102,10 +2076,10 @@
               <a:buChar char="-"/>
             </a:pPr>
             <a:r>
-              <a:rPr lang="es-ES"/>
-              <a:t>Utilice esta diapositiva al final de su presentación</a:t>
-            </a:r>
-            <a:endParaRPr/>
+              <a:rPr lang="es-ES" dirty="0"/>
+              <a:t>Utilice esta diapositiva si necesita incluir textos más extensos.</a:t>
+            </a:r>
+            <a:endParaRPr dirty="0"/>
           </a:p>
           <a:p>
             <a:pPr marL="171450" lvl="0" indent="-171450" algn="l" rtl="0">
@@ -2126,16 +2100,506 @@
               <a:buChar char="-"/>
             </a:pPr>
             <a:r>
+              <a:rPr lang="es-ES" dirty="0"/>
+              <a:t>Los textos deben ir en azul (utilice el azul que aparece en la opciones de color de letra - -&gt; colores recientes) en tipografía Arial y justificados.</a:t>
+            </a:r>
+            <a:endParaRPr dirty="0"/>
+          </a:p>
+          <a:p>
+            <a:pPr marL="171450" lvl="0" indent="-171450" algn="l" rtl="0">
+              <a:lnSpc>
+                <a:spcPct val="100000"/>
+              </a:lnSpc>
+              <a:spcBef>
+                <a:spcPts val="0"/>
+              </a:spcBef>
+              <a:spcAft>
+                <a:spcPts val="0"/>
+              </a:spcAft>
+              <a:buClr>
+                <a:schemeClr val="dk1"/>
+              </a:buClr>
+              <a:buSzPts val="1200"/>
+              <a:buFont typeface="Calibri"/>
+              <a:buChar char="-"/>
+            </a:pPr>
+            <a:r>
+              <a:rPr lang="es-ES" dirty="0"/>
+              <a:t>Asegúrese que los textos no se monten sobre la franja verde.</a:t>
+            </a:r>
+            <a:endParaRPr dirty="0"/>
+          </a:p>
+        </p:txBody>
+      </p:sp>
+      <p:sp>
+        <p:nvSpPr>
+          <p:cNvPr id="124" name="Google Shape;124;p5:notes"/>
+          <p:cNvSpPr txBox="1">
+            <a:spLocks noGrp="1"/>
+          </p:cNvSpPr>
+          <p:nvPr>
+            <p:ph type="sldNum" idx="12"/>
+          </p:nvPr>
+        </p:nvSpPr>
+        <p:spPr>
+          <a:xfrm>
+            <a:off x="3884613" y="8685213"/>
+            <a:ext cx="2971800" cy="457200"/>
+          </a:xfrm>
+          <a:prstGeom prst="rect">
+            <a:avLst/>
+          </a:prstGeom>
+          <a:noFill/>
+          <a:ln>
+            <a:noFill/>
+          </a:ln>
+        </p:spPr>
+        <p:txBody>
+          <a:bodyPr spcFirstLastPara="1" wrap="square" lIns="91425" tIns="45700" rIns="91425" bIns="45700" anchor="b" anchorCtr="0">
+            <a:noAutofit/>
+          </a:bodyPr>
+          <a:lstStyle/>
+          <a:p>
+            <a:pPr marL="0" lvl="0" indent="0" algn="r" rtl="0">
+              <a:lnSpc>
+                <a:spcPct val="100000"/>
+              </a:lnSpc>
+              <a:spcBef>
+                <a:spcPts val="0"/>
+              </a:spcBef>
+              <a:spcAft>
+                <a:spcPts val="0"/>
+              </a:spcAft>
+              <a:buSzPts val="1400"/>
+              <a:buNone/>
+            </a:pPr>
+            <a:fld id="{00000000-1234-1234-1234-123412341234}" type="slidenum">
               <a:rPr lang="es-ES"/>
-              <a:t>Esta diapositiva no debe modificarse</a:t>
-            </a:r>
+              <a:t>6</a:t>
+            </a:fld>
             <a:endParaRPr/>
           </a:p>
         </p:txBody>
       </p:sp>
-      <p:sp>
-        <p:nvSpPr>
-          <p:cNvPr id="189" name="Google Shape;189;p8:notes"/>
+    </p:spTree>
+    <p:extLst>
+      <p:ext uri="{BB962C8B-B14F-4D97-AF65-F5344CB8AC3E}">
+        <p14:creationId xmlns:p14="http://schemas.microsoft.com/office/powerpoint/2010/main" val="810590773"/>
+      </p:ext>
+    </p:extLst>
+  </p:cSld>
+  <p:clrMapOvr>
+    <a:masterClrMapping/>
+  </p:clrMapOvr>
+</p:notes>
+</file>
+
+<file path=ppt/notesSlides/notesSlide7.xml><?xml version="1.0" encoding="utf-8"?>
+<p:notes xmlns:a="http://schemas.openxmlformats.org/drawingml/2006/main" xmlns:r="http://schemas.openxmlformats.org/officeDocument/2006/relationships" xmlns:p="http://schemas.openxmlformats.org/presentationml/2006/main" showMasterSp="0" showMasterPhAnim="0">
+  <p:cSld>
+    <p:spTree>
+      <p:nvGrpSpPr>
+        <p:cNvPr id="1" name="Shape 121"/>
+        <p:cNvGrpSpPr/>
+        <p:nvPr/>
+      </p:nvGrpSpPr>
+      <p:grpSpPr>
+        <a:xfrm>
+          <a:off x="0" y="0"/>
+          <a:ext cx="0" cy="0"/>
+          <a:chOff x="0" y="0"/>
+          <a:chExt cx="0" cy="0"/>
+        </a:xfrm>
+      </p:grpSpPr>
+      <p:sp>
+        <p:nvSpPr>
+          <p:cNvPr id="122" name="Google Shape;122;p5:notes"/>
+          <p:cNvSpPr>
+            <a:spLocks noGrp="1" noRot="1" noChangeAspect="1"/>
+          </p:cNvSpPr>
+          <p:nvPr>
+            <p:ph type="sldImg" idx="2"/>
+          </p:nvPr>
+        </p:nvSpPr>
+        <p:spPr>
+          <a:xfrm>
+            <a:off x="381000" y="685800"/>
+            <a:ext cx="6096000" cy="3429000"/>
+          </a:xfrm>
+          <a:custGeom>
+            <a:avLst/>
+            <a:gdLst/>
+            <a:ahLst/>
+            <a:cxnLst/>
+            <a:rect l="l" t="t" r="r" b="b"/>
+            <a:pathLst>
+              <a:path w="120000" h="120000" extrusionOk="0">
+                <a:moveTo>
+                  <a:pt x="0" y="0"/>
+                </a:moveTo>
+                <a:lnTo>
+                  <a:pt x="120000" y="0"/>
+                </a:lnTo>
+                <a:lnTo>
+                  <a:pt x="120000" y="120000"/>
+                </a:lnTo>
+                <a:lnTo>
+                  <a:pt x="0" y="120000"/>
+                </a:lnTo>
+                <a:close/>
+              </a:path>
+            </a:pathLst>
+          </a:custGeom>
+          <a:noFill/>
+          <a:ln w="12700" cap="flat" cmpd="sng">
+            <a:solidFill>
+              <a:srgbClr val="000000"/>
+            </a:solidFill>
+            <a:prstDash val="solid"/>
+            <a:round/>
+            <a:headEnd type="none" w="sm" len="sm"/>
+            <a:tailEnd type="none" w="sm" len="sm"/>
+          </a:ln>
+        </p:spPr>
+      </p:sp>
+      <p:sp>
+        <p:nvSpPr>
+          <p:cNvPr id="123" name="Google Shape;123;p5:notes"/>
+          <p:cNvSpPr txBox="1">
+            <a:spLocks noGrp="1"/>
+          </p:cNvSpPr>
+          <p:nvPr>
+            <p:ph type="body" idx="1"/>
+          </p:nvPr>
+        </p:nvSpPr>
+        <p:spPr>
+          <a:xfrm>
+            <a:off x="685800" y="4343400"/>
+            <a:ext cx="5486400" cy="4114800"/>
+          </a:xfrm>
+          <a:prstGeom prst="rect">
+            <a:avLst/>
+          </a:prstGeom>
+          <a:noFill/>
+          <a:ln>
+            <a:noFill/>
+          </a:ln>
+        </p:spPr>
+        <p:txBody>
+          <a:bodyPr spcFirstLastPara="1" wrap="square" lIns="91425" tIns="45700" rIns="91425" bIns="45700" anchor="t" anchorCtr="0">
+            <a:noAutofit/>
+          </a:bodyPr>
+          <a:lstStyle/>
+          <a:p>
+            <a:pPr marL="171450" lvl="0" indent="-171450" algn="l" rtl="0">
+              <a:lnSpc>
+                <a:spcPct val="100000"/>
+              </a:lnSpc>
+              <a:spcBef>
+                <a:spcPts val="0"/>
+              </a:spcBef>
+              <a:spcAft>
+                <a:spcPts val="0"/>
+              </a:spcAft>
+              <a:buClr>
+                <a:schemeClr val="dk1"/>
+              </a:buClr>
+              <a:buSzPts val="1200"/>
+              <a:buFont typeface="Calibri"/>
+              <a:buChar char="-"/>
+            </a:pPr>
+            <a:r>
+              <a:rPr lang="es-ES" dirty="0"/>
+              <a:t>Utilice esta diapositiva si necesita incluir textos más extensos.</a:t>
+            </a:r>
+            <a:endParaRPr dirty="0"/>
+          </a:p>
+          <a:p>
+            <a:pPr marL="171450" lvl="0" indent="-171450" algn="l" rtl="0">
+              <a:lnSpc>
+                <a:spcPct val="100000"/>
+              </a:lnSpc>
+              <a:spcBef>
+                <a:spcPts val="0"/>
+              </a:spcBef>
+              <a:spcAft>
+                <a:spcPts val="0"/>
+              </a:spcAft>
+              <a:buClr>
+                <a:schemeClr val="dk1"/>
+              </a:buClr>
+              <a:buSzPts val="1200"/>
+              <a:buFont typeface="Calibri"/>
+              <a:buChar char="-"/>
+            </a:pPr>
+            <a:r>
+              <a:rPr lang="es-ES" dirty="0"/>
+              <a:t>Los textos deben ir en azul (utilice el azul que aparece en la opciones de color de letra - -&gt; colores recientes) en tipografía Arial y justificados.</a:t>
+            </a:r>
+            <a:endParaRPr dirty="0"/>
+          </a:p>
+          <a:p>
+            <a:pPr marL="171450" lvl="0" indent="-171450" algn="l" rtl="0">
+              <a:lnSpc>
+                <a:spcPct val="100000"/>
+              </a:lnSpc>
+              <a:spcBef>
+                <a:spcPts val="0"/>
+              </a:spcBef>
+              <a:spcAft>
+                <a:spcPts val="0"/>
+              </a:spcAft>
+              <a:buClr>
+                <a:schemeClr val="dk1"/>
+              </a:buClr>
+              <a:buSzPts val="1200"/>
+              <a:buFont typeface="Calibri"/>
+              <a:buChar char="-"/>
+            </a:pPr>
+            <a:r>
+              <a:rPr lang="es-ES" dirty="0"/>
+              <a:t>Asegúrese que los textos no se monten sobre la franja verde.</a:t>
+            </a:r>
+            <a:endParaRPr dirty="0"/>
+          </a:p>
+        </p:txBody>
+      </p:sp>
+      <p:sp>
+        <p:nvSpPr>
+          <p:cNvPr id="124" name="Google Shape;124;p5:notes"/>
+          <p:cNvSpPr txBox="1">
+            <a:spLocks noGrp="1"/>
+          </p:cNvSpPr>
+          <p:nvPr>
+            <p:ph type="sldNum" idx="12"/>
+          </p:nvPr>
+        </p:nvSpPr>
+        <p:spPr>
+          <a:xfrm>
+            <a:off x="3884613" y="8685213"/>
+            <a:ext cx="2971800" cy="457200"/>
+          </a:xfrm>
+          <a:prstGeom prst="rect">
+            <a:avLst/>
+          </a:prstGeom>
+          <a:noFill/>
+          <a:ln>
+            <a:noFill/>
+          </a:ln>
+        </p:spPr>
+        <p:txBody>
+          <a:bodyPr spcFirstLastPara="1" wrap="square" lIns="91425" tIns="45700" rIns="91425" bIns="45700" anchor="b" anchorCtr="0">
+            <a:noAutofit/>
+          </a:bodyPr>
+          <a:lstStyle/>
+          <a:p>
+            <a:pPr marL="0" lvl="0" indent="0" algn="r" rtl="0">
+              <a:lnSpc>
+                <a:spcPct val="100000"/>
+              </a:lnSpc>
+              <a:spcBef>
+                <a:spcPts val="0"/>
+              </a:spcBef>
+              <a:spcAft>
+                <a:spcPts val="0"/>
+              </a:spcAft>
+              <a:buSzPts val="1400"/>
+              <a:buNone/>
+            </a:pPr>
+            <a:fld id="{00000000-1234-1234-1234-123412341234}" type="slidenum">
+              <a:rPr lang="es-ES"/>
+              <a:t>8</a:t>
+            </a:fld>
+            <a:endParaRPr/>
+          </a:p>
+        </p:txBody>
+      </p:sp>
+    </p:spTree>
+    <p:extLst>
+      <p:ext uri="{BB962C8B-B14F-4D97-AF65-F5344CB8AC3E}">
+        <p14:creationId xmlns:p14="http://schemas.microsoft.com/office/powerpoint/2010/main" val="49372758"/>
+      </p:ext>
+    </p:extLst>
+  </p:cSld>
+  <p:clrMapOvr>
+    <a:masterClrMapping/>
+  </p:clrMapOvr>
+</p:notes>
+</file>
+
+<file path=ppt/notesSlides/notesSlide8.xml><?xml version="1.0" encoding="utf-8"?>
+<p:notes xmlns:a="http://schemas.openxmlformats.org/drawingml/2006/main" xmlns:r="http://schemas.openxmlformats.org/officeDocument/2006/relationships" xmlns:p="http://schemas.openxmlformats.org/presentationml/2006/main" showMasterSp="0" showMasterPhAnim="0">
+  <p:cSld>
+    <p:spTree>
+      <p:nvGrpSpPr>
+        <p:cNvPr id="1" name="Shape 121"/>
+        <p:cNvGrpSpPr/>
+        <p:nvPr/>
+      </p:nvGrpSpPr>
+      <p:grpSpPr>
+        <a:xfrm>
+          <a:off x="0" y="0"/>
+          <a:ext cx="0" cy="0"/>
+          <a:chOff x="0" y="0"/>
+          <a:chExt cx="0" cy="0"/>
+        </a:xfrm>
+      </p:grpSpPr>
+      <p:sp>
+        <p:nvSpPr>
+          <p:cNvPr id="122" name="Google Shape;122;p5:notes"/>
+          <p:cNvSpPr>
+            <a:spLocks noGrp="1" noRot="1" noChangeAspect="1"/>
+          </p:cNvSpPr>
+          <p:nvPr>
+            <p:ph type="sldImg" idx="2"/>
+          </p:nvPr>
+        </p:nvSpPr>
+        <p:spPr>
+          <a:xfrm>
+            <a:off x="381000" y="685800"/>
+            <a:ext cx="6096000" cy="3429000"/>
+          </a:xfrm>
+          <a:custGeom>
+            <a:avLst/>
+            <a:gdLst/>
+            <a:ahLst/>
+            <a:cxnLst/>
+            <a:rect l="l" t="t" r="r" b="b"/>
+            <a:pathLst>
+              <a:path w="120000" h="120000" extrusionOk="0">
+                <a:moveTo>
+                  <a:pt x="0" y="0"/>
+                </a:moveTo>
+                <a:lnTo>
+                  <a:pt x="120000" y="0"/>
+                </a:lnTo>
+                <a:lnTo>
+                  <a:pt x="120000" y="120000"/>
+                </a:lnTo>
+                <a:lnTo>
+                  <a:pt x="0" y="120000"/>
+                </a:lnTo>
+                <a:close/>
+              </a:path>
+            </a:pathLst>
+          </a:custGeom>
+          <a:noFill/>
+          <a:ln w="12700" cap="flat" cmpd="sng">
+            <a:solidFill>
+              <a:srgbClr val="000000"/>
+            </a:solidFill>
+            <a:prstDash val="solid"/>
+            <a:round/>
+            <a:headEnd type="none" w="sm" len="sm"/>
+            <a:tailEnd type="none" w="sm" len="sm"/>
+          </a:ln>
+        </p:spPr>
+      </p:sp>
+      <p:sp>
+        <p:nvSpPr>
+          <p:cNvPr id="123" name="Google Shape;123;p5:notes"/>
+          <p:cNvSpPr txBox="1">
+            <a:spLocks noGrp="1"/>
+          </p:cNvSpPr>
+          <p:nvPr>
+            <p:ph type="body" idx="1"/>
+          </p:nvPr>
+        </p:nvSpPr>
+        <p:spPr>
+          <a:xfrm>
+            <a:off x="685800" y="4343400"/>
+            <a:ext cx="5486400" cy="4114800"/>
+          </a:xfrm>
+          <a:prstGeom prst="rect">
+            <a:avLst/>
+          </a:prstGeom>
+          <a:noFill/>
+          <a:ln>
+            <a:noFill/>
+          </a:ln>
+        </p:spPr>
+        <p:txBody>
+          <a:bodyPr spcFirstLastPara="1" wrap="square" lIns="91425" tIns="45700" rIns="91425" bIns="45700" anchor="t" anchorCtr="0">
+            <a:noAutofit/>
+          </a:bodyPr>
+          <a:lstStyle/>
+          <a:p>
+            <a:pPr marL="171450" lvl="0" indent="-171450" algn="l" rtl="0">
+              <a:lnSpc>
+                <a:spcPct val="100000"/>
+              </a:lnSpc>
+              <a:spcBef>
+                <a:spcPts val="0"/>
+              </a:spcBef>
+              <a:spcAft>
+                <a:spcPts val="0"/>
+              </a:spcAft>
+              <a:buClr>
+                <a:schemeClr val="dk1"/>
+              </a:buClr>
+              <a:buSzPts val="1200"/>
+              <a:buFont typeface="Calibri"/>
+              <a:buChar char="-"/>
+            </a:pPr>
+            <a:r>
+              <a:rPr lang="es-ES" dirty="0"/>
+              <a:t>Utilice esta diapositiva si necesita incluir textos más extensos.</a:t>
+            </a:r>
+            <a:endParaRPr dirty="0"/>
+          </a:p>
+          <a:p>
+            <a:pPr marL="171450" lvl="0" indent="-171450" algn="l" rtl="0">
+              <a:lnSpc>
+                <a:spcPct val="100000"/>
+              </a:lnSpc>
+              <a:spcBef>
+                <a:spcPts val="0"/>
+              </a:spcBef>
+              <a:spcAft>
+                <a:spcPts val="0"/>
+              </a:spcAft>
+              <a:buClr>
+                <a:schemeClr val="dk1"/>
+              </a:buClr>
+              <a:buSzPts val="1200"/>
+              <a:buFont typeface="Calibri"/>
+              <a:buChar char="-"/>
+            </a:pPr>
+            <a:r>
+              <a:rPr lang="es-ES" dirty="0"/>
+              <a:t>Los textos deben ir en azul (utilice el azul que aparece en la opciones de color de letra - -&gt; colores recientes) en tipografía Arial y justificados.</a:t>
+            </a:r>
+            <a:endParaRPr dirty="0"/>
+          </a:p>
+          <a:p>
+            <a:pPr marL="171450" lvl="0" indent="-171450" algn="l" rtl="0">
+              <a:lnSpc>
+                <a:spcPct val="100000"/>
+              </a:lnSpc>
+              <a:spcBef>
+                <a:spcPts val="0"/>
+              </a:spcBef>
+              <a:spcAft>
+                <a:spcPts val="0"/>
+              </a:spcAft>
+              <a:buClr>
+                <a:schemeClr val="dk1"/>
+              </a:buClr>
+              <a:buSzPts val="1200"/>
+              <a:buFont typeface="Calibri"/>
+              <a:buChar char="-"/>
+            </a:pPr>
+            <a:r>
+              <a:rPr lang="es-ES" dirty="0"/>
+              <a:t>Asegúrese que los textos no se monten sobre la franja verde.</a:t>
+            </a:r>
+            <a:endParaRPr dirty="0"/>
+          </a:p>
+        </p:txBody>
+      </p:sp>
+      <p:sp>
+        <p:nvSpPr>
+          <p:cNvPr id="124" name="Google Shape;124;p5:notes"/>
           <p:cNvSpPr txBox="1">
             <a:spLocks noGrp="1"/>
           </p:cNvSpPr>
@@ -2184,6 +2648,220 @@
         </p:txBody>
       </p:sp>
     </p:spTree>
+    <p:extLst>
+      <p:ext uri="{BB962C8B-B14F-4D97-AF65-F5344CB8AC3E}">
+        <p14:creationId xmlns:p14="http://schemas.microsoft.com/office/powerpoint/2010/main" val="3160861052"/>
+      </p:ext>
+    </p:extLst>
+  </p:cSld>
+  <p:clrMapOvr>
+    <a:masterClrMapping/>
+  </p:clrMapOvr>
+</p:notes>
+</file>
+
+<file path=ppt/notesSlides/notesSlide9.xml><?xml version="1.0" encoding="utf-8"?>
+<p:notes xmlns:a="http://schemas.openxmlformats.org/drawingml/2006/main" xmlns:r="http://schemas.openxmlformats.org/officeDocument/2006/relationships" xmlns:p="http://schemas.openxmlformats.org/presentationml/2006/main" showMasterSp="0" showMasterPhAnim="0">
+  <p:cSld>
+    <p:spTree>
+      <p:nvGrpSpPr>
+        <p:cNvPr id="1" name="Shape 83"/>
+        <p:cNvGrpSpPr/>
+        <p:nvPr/>
+      </p:nvGrpSpPr>
+      <p:grpSpPr>
+        <a:xfrm>
+          <a:off x="0" y="0"/>
+          <a:ext cx="0" cy="0"/>
+          <a:chOff x="0" y="0"/>
+          <a:chExt cx="0" cy="0"/>
+        </a:xfrm>
+      </p:grpSpPr>
+      <p:sp>
+        <p:nvSpPr>
+          <p:cNvPr id="84" name="Google Shape;84;p3:notes"/>
+          <p:cNvSpPr>
+            <a:spLocks noGrp="1" noRot="1" noChangeAspect="1"/>
+          </p:cNvSpPr>
+          <p:nvPr>
+            <p:ph type="sldImg" idx="2"/>
+          </p:nvPr>
+        </p:nvSpPr>
+        <p:spPr>
+          <a:xfrm>
+            <a:off x="381000" y="685800"/>
+            <a:ext cx="6096000" cy="3429000"/>
+          </a:xfrm>
+          <a:custGeom>
+            <a:avLst/>
+            <a:gdLst/>
+            <a:ahLst/>
+            <a:cxnLst/>
+            <a:rect l="l" t="t" r="r" b="b"/>
+            <a:pathLst>
+              <a:path w="120000" h="120000" extrusionOk="0">
+                <a:moveTo>
+                  <a:pt x="0" y="0"/>
+                </a:moveTo>
+                <a:lnTo>
+                  <a:pt x="120000" y="0"/>
+                </a:lnTo>
+                <a:lnTo>
+                  <a:pt x="120000" y="120000"/>
+                </a:lnTo>
+                <a:lnTo>
+                  <a:pt x="0" y="120000"/>
+                </a:lnTo>
+                <a:close/>
+              </a:path>
+            </a:pathLst>
+          </a:custGeom>
+          <a:noFill/>
+          <a:ln w="12700" cap="flat" cmpd="sng">
+            <a:solidFill>
+              <a:srgbClr val="000000"/>
+            </a:solidFill>
+            <a:prstDash val="solid"/>
+            <a:round/>
+            <a:headEnd type="none" w="sm" len="sm"/>
+            <a:tailEnd type="none" w="sm" len="sm"/>
+          </a:ln>
+        </p:spPr>
+      </p:sp>
+      <p:sp>
+        <p:nvSpPr>
+          <p:cNvPr id="85" name="Google Shape;85;p3:notes"/>
+          <p:cNvSpPr txBox="1">
+            <a:spLocks noGrp="1"/>
+          </p:cNvSpPr>
+          <p:nvPr>
+            <p:ph type="body" idx="1"/>
+          </p:nvPr>
+        </p:nvSpPr>
+        <p:spPr>
+          <a:xfrm>
+            <a:off x="685800" y="4343400"/>
+            <a:ext cx="5486400" cy="4114800"/>
+          </a:xfrm>
+          <a:prstGeom prst="rect">
+            <a:avLst/>
+          </a:prstGeom>
+          <a:noFill/>
+          <a:ln>
+            <a:noFill/>
+          </a:ln>
+        </p:spPr>
+        <p:txBody>
+          <a:bodyPr spcFirstLastPara="1" wrap="square" lIns="91425" tIns="45700" rIns="91425" bIns="45700" anchor="t" anchorCtr="0">
+            <a:noAutofit/>
+          </a:bodyPr>
+          <a:lstStyle/>
+          <a:p>
+            <a:pPr marL="171450" lvl="0" indent="-171450" algn="l" rtl="0">
+              <a:lnSpc>
+                <a:spcPct val="100000"/>
+              </a:lnSpc>
+              <a:spcBef>
+                <a:spcPts val="0"/>
+              </a:spcBef>
+              <a:spcAft>
+                <a:spcPts val="0"/>
+              </a:spcAft>
+              <a:buClr>
+                <a:schemeClr val="dk1"/>
+              </a:buClr>
+              <a:buSzPts val="1200"/>
+              <a:buFont typeface="Calibri"/>
+              <a:buChar char="-"/>
+            </a:pPr>
+            <a:r>
+              <a:rPr lang="es-ES" dirty="0"/>
+              <a:t>En esta diapositiva puede colocar contenidos y acompañarlos con una fotografía.</a:t>
+            </a:r>
+            <a:endParaRPr dirty="0"/>
+          </a:p>
+          <a:p>
+            <a:pPr marL="171450" lvl="0" indent="-171450" algn="l" rtl="0">
+              <a:lnSpc>
+                <a:spcPct val="100000"/>
+              </a:lnSpc>
+              <a:spcBef>
+                <a:spcPts val="0"/>
+              </a:spcBef>
+              <a:spcAft>
+                <a:spcPts val="0"/>
+              </a:spcAft>
+              <a:buClr>
+                <a:schemeClr val="dk1"/>
+              </a:buClr>
+              <a:buSzPts val="1200"/>
+              <a:buFont typeface="Calibri"/>
+              <a:buChar char="-"/>
+            </a:pPr>
+            <a:r>
+              <a:rPr lang="es-ES" dirty="0"/>
+              <a:t>Los textos deben ir en azul (utilice el azul que aparece en la opciones de color de letra - -&gt; colores recientes) en tipografía Arial y justificados.</a:t>
+            </a:r>
+            <a:endParaRPr dirty="0"/>
+          </a:p>
+        </p:txBody>
+      </p:sp>
+      <p:sp>
+        <p:nvSpPr>
+          <p:cNvPr id="86" name="Google Shape;86;p3:notes"/>
+          <p:cNvSpPr txBox="1">
+            <a:spLocks noGrp="1"/>
+          </p:cNvSpPr>
+          <p:nvPr>
+            <p:ph type="sldNum" idx="12"/>
+          </p:nvPr>
+        </p:nvSpPr>
+        <p:spPr>
+          <a:xfrm>
+            <a:off x="3884613" y="8685213"/>
+            <a:ext cx="2971800" cy="457200"/>
+          </a:xfrm>
+          <a:prstGeom prst="rect">
+            <a:avLst/>
+          </a:prstGeom>
+          <a:noFill/>
+          <a:ln>
+            <a:noFill/>
+          </a:ln>
+        </p:spPr>
+        <p:txBody>
+          <a:bodyPr spcFirstLastPara="1" wrap="square" lIns="91425" tIns="45700" rIns="91425" bIns="45700" anchor="b" anchorCtr="0">
+            <a:noAutofit/>
+          </a:bodyPr>
+          <a:lstStyle/>
+          <a:p>
+            <a:pPr marL="0" lvl="0" indent="0" algn="r" rtl="0">
+              <a:lnSpc>
+                <a:spcPct val="100000"/>
+              </a:lnSpc>
+              <a:spcBef>
+                <a:spcPts val="0"/>
+              </a:spcBef>
+              <a:spcAft>
+                <a:spcPts val="0"/>
+              </a:spcAft>
+              <a:buSzPts val="1400"/>
+              <a:buNone/>
+            </a:pPr>
+            <a:fld id="{00000000-1234-1234-1234-123412341234}" type="slidenum">
+              <a:rPr lang="es-ES"/>
+              <a:t>10</a:t>
+            </a:fld>
+            <a:endParaRPr/>
+          </a:p>
+        </p:txBody>
+      </p:sp>
+    </p:spTree>
+    <p:extLst>
+      <p:ext uri="{BB962C8B-B14F-4D97-AF65-F5344CB8AC3E}">
+        <p14:creationId xmlns:p14="http://schemas.microsoft.com/office/powerpoint/2010/main" val="2153105857"/>
+      </p:ext>
+    </p:extLst>
   </p:cSld>
   <p:clrMapOvr>
     <a:masterClrMapping/>
@@ -2340,7 +3018,7 @@
           <a:p>
             <a:fld id="{45896B23-B6B7-4DC1-BF89-EF3D7CBACBEB}" type="datetimeFigureOut">
               <a:rPr lang="es-CO" smtClean="0"/>
-              <a:t>2/12/2021</a:t>
+              <a:t>3/12/2021</a:t>
             </a:fld>
             <a:endParaRPr lang="es-CO"/>
           </a:p>
@@ -2540,7 +3218,7 @@
           <a:p>
             <a:fld id="{45896B23-B6B7-4DC1-BF89-EF3D7CBACBEB}" type="datetimeFigureOut">
               <a:rPr lang="es-CO" smtClean="0"/>
-              <a:t>2/12/2021</a:t>
+              <a:t>3/12/2021</a:t>
             </a:fld>
             <a:endParaRPr lang="es-CO"/>
           </a:p>
@@ -2750,7 +3428,7 @@
           <a:p>
             <a:fld id="{45896B23-B6B7-4DC1-BF89-EF3D7CBACBEB}" type="datetimeFigureOut">
               <a:rPr lang="es-CO" smtClean="0"/>
-              <a:t>2/12/2021</a:t>
+              <a:t>3/12/2021</a:t>
             </a:fld>
             <a:endParaRPr lang="es-CO"/>
           </a:p>
@@ -3235,7 +3913,7 @@
           <a:p>
             <a:fld id="{45896B23-B6B7-4DC1-BF89-EF3D7CBACBEB}" type="datetimeFigureOut">
               <a:rPr lang="es-CO" smtClean="0"/>
-              <a:t>2/12/2021</a:t>
+              <a:t>3/12/2021</a:t>
             </a:fld>
             <a:endParaRPr lang="es-CO"/>
           </a:p>
@@ -3511,7 +4189,7 @@
           <a:p>
             <a:fld id="{45896B23-B6B7-4DC1-BF89-EF3D7CBACBEB}" type="datetimeFigureOut">
               <a:rPr lang="es-CO" smtClean="0"/>
-              <a:t>2/12/2021</a:t>
+              <a:t>3/12/2021</a:t>
             </a:fld>
             <a:endParaRPr lang="es-CO"/>
           </a:p>
@@ -3779,7 +4457,7 @@
           <a:p>
             <a:fld id="{45896B23-B6B7-4DC1-BF89-EF3D7CBACBEB}" type="datetimeFigureOut">
               <a:rPr lang="es-CO" smtClean="0"/>
-              <a:t>2/12/2021</a:t>
+              <a:t>3/12/2021</a:t>
             </a:fld>
             <a:endParaRPr lang="es-CO"/>
           </a:p>
@@ -4194,7 +4872,7 @@
           <a:p>
             <a:fld id="{45896B23-B6B7-4DC1-BF89-EF3D7CBACBEB}" type="datetimeFigureOut">
               <a:rPr lang="es-CO" smtClean="0"/>
-              <a:t>2/12/2021</a:t>
+              <a:t>3/12/2021</a:t>
             </a:fld>
             <a:endParaRPr lang="es-CO"/>
           </a:p>
@@ -4336,7 +5014,7 @@
           <a:p>
             <a:fld id="{45896B23-B6B7-4DC1-BF89-EF3D7CBACBEB}" type="datetimeFigureOut">
               <a:rPr lang="es-CO" smtClean="0"/>
-              <a:t>2/12/2021</a:t>
+              <a:t>3/12/2021</a:t>
             </a:fld>
             <a:endParaRPr lang="es-CO"/>
           </a:p>
@@ -4449,7 +5127,7 @@
           <a:p>
             <a:fld id="{45896B23-B6B7-4DC1-BF89-EF3D7CBACBEB}" type="datetimeFigureOut">
               <a:rPr lang="es-CO" smtClean="0"/>
-              <a:t>2/12/2021</a:t>
+              <a:t>3/12/2021</a:t>
             </a:fld>
             <a:endParaRPr lang="es-CO"/>
           </a:p>
@@ -4762,7 +5440,7 @@
           <a:p>
             <a:fld id="{45896B23-B6B7-4DC1-BF89-EF3D7CBACBEB}" type="datetimeFigureOut">
               <a:rPr lang="es-CO" smtClean="0"/>
-              <a:t>2/12/2021</a:t>
+              <a:t>3/12/2021</a:t>
             </a:fld>
             <a:endParaRPr lang="es-CO"/>
           </a:p>
@@ -5051,7 +5729,7 @@
           <a:p>
             <a:fld id="{45896B23-B6B7-4DC1-BF89-EF3D7CBACBEB}" type="datetimeFigureOut">
               <a:rPr lang="es-CO" smtClean="0"/>
-              <a:t>2/12/2021</a:t>
+              <a:t>3/12/2021</a:t>
             </a:fld>
             <a:endParaRPr lang="es-CO"/>
           </a:p>
@@ -5294,7 +5972,7 @@
           <a:p>
             <a:fld id="{45896B23-B6B7-4DC1-BF89-EF3D7CBACBEB}" type="datetimeFigureOut">
               <a:rPr lang="es-CO" smtClean="0"/>
-              <a:t>2/12/2021</a:t>
+              <a:t>3/12/2021</a:t>
             </a:fld>
             <a:endParaRPr lang="es-CO"/>
           </a:p>
@@ -5724,6 +6402,361 @@
 </p:sld>
 </file>
 
+<file path=ppt/slides/slide10.xml><?xml version="1.0" encoding="utf-8"?>
+<p:sld xmlns:a="http://schemas.openxmlformats.org/drawingml/2006/main" xmlns:r="http://schemas.openxmlformats.org/officeDocument/2006/relationships" xmlns:p="http://schemas.openxmlformats.org/presentationml/2006/main">
+  <p:cSld>
+    <p:spTree>
+      <p:nvGrpSpPr>
+        <p:cNvPr id="1" name="Shape 87"/>
+        <p:cNvGrpSpPr/>
+        <p:nvPr/>
+      </p:nvGrpSpPr>
+      <p:grpSpPr>
+        <a:xfrm>
+          <a:off x="0" y="0"/>
+          <a:ext cx="0" cy="0"/>
+          <a:chOff x="0" y="0"/>
+          <a:chExt cx="0" cy="0"/>
+        </a:xfrm>
+      </p:grpSpPr>
+      <p:pic>
+        <p:nvPicPr>
+          <p:cNvPr id="3" name="Imagen 2">
+            <a:hlinkClick r:id="rId3"/>
+            <a:extLst>
+              <a:ext uri="{FF2B5EF4-FFF2-40B4-BE49-F238E27FC236}">
+                <a16:creationId xmlns:a16="http://schemas.microsoft.com/office/drawing/2014/main" id="{BB5A1936-7AED-4AE4-B518-105965391484}"/>
+              </a:ext>
+            </a:extLst>
+          </p:cNvPr>
+          <p:cNvPicPr>
+            <a:picLocks noChangeAspect="1"/>
+          </p:cNvPicPr>
+          <p:nvPr/>
+        </p:nvPicPr>
+        <p:blipFill>
+          <a:blip r:embed="rId4">
+            <a:extLst>
+              <a:ext uri="{28A0092B-C50C-407E-A947-70E740481C1C}">
+                <a14:useLocalDpi xmlns:a14="http://schemas.microsoft.com/office/drawing/2010/main" val="0"/>
+              </a:ext>
+            </a:extLst>
+          </a:blip>
+          <a:stretch>
+            <a:fillRect/>
+          </a:stretch>
+        </p:blipFill>
+        <p:spPr>
+          <a:xfrm>
+            <a:off x="2025748" y="1182377"/>
+            <a:ext cx="8299938" cy="1954717"/>
+          </a:xfrm>
+          <a:prstGeom prst="rect">
+            <a:avLst/>
+          </a:prstGeom>
+        </p:spPr>
+      </p:pic>
+      <p:pic>
+        <p:nvPicPr>
+          <p:cNvPr id="5" name="Imagen 4">
+            <a:hlinkClick r:id="rId5"/>
+            <a:extLst>
+              <a:ext uri="{FF2B5EF4-FFF2-40B4-BE49-F238E27FC236}">
+                <a16:creationId xmlns:a16="http://schemas.microsoft.com/office/drawing/2014/main" id="{5DD74D28-5F64-4C51-B392-73A74CAF262D}"/>
+              </a:ext>
+            </a:extLst>
+          </p:cNvPr>
+          <p:cNvPicPr>
+            <a:picLocks noChangeAspect="1"/>
+          </p:cNvPicPr>
+          <p:nvPr/>
+        </p:nvPicPr>
+        <p:blipFill>
+          <a:blip r:embed="rId6">
+            <a:extLst>
+              <a:ext uri="{28A0092B-C50C-407E-A947-70E740481C1C}">
+                <a14:useLocalDpi xmlns:a14="http://schemas.microsoft.com/office/drawing/2010/main" val="0"/>
+              </a:ext>
+            </a:extLst>
+          </a:blip>
+          <a:stretch>
+            <a:fillRect/>
+          </a:stretch>
+        </p:blipFill>
+        <p:spPr>
+          <a:xfrm>
+            <a:off x="2025747" y="4037369"/>
+            <a:ext cx="8299937" cy="2264957"/>
+          </a:xfrm>
+          <a:prstGeom prst="rect">
+            <a:avLst/>
+          </a:prstGeom>
+        </p:spPr>
+      </p:pic>
+      <p:sp>
+        <p:nvSpPr>
+          <p:cNvPr id="6" name="CuadroTexto 5">
+            <a:extLst>
+              <a:ext uri="{FF2B5EF4-FFF2-40B4-BE49-F238E27FC236}">
+                <a16:creationId xmlns:a16="http://schemas.microsoft.com/office/drawing/2014/main" id="{E456C08A-F5A3-454B-AD3A-6628107B05EE}"/>
+              </a:ext>
+            </a:extLst>
+          </p:cNvPr>
+          <p:cNvSpPr txBox="1"/>
+          <p:nvPr/>
+        </p:nvSpPr>
+        <p:spPr>
+          <a:xfrm>
+            <a:off x="3514578" y="282754"/>
+            <a:ext cx="5162843" cy="523220"/>
+          </a:xfrm>
+          <a:prstGeom prst="rect">
+            <a:avLst/>
+          </a:prstGeom>
+          <a:noFill/>
+        </p:spPr>
+        <p:txBody>
+          <a:bodyPr wrap="square" rtlCol="0">
+            <a:spAutoFit/>
+          </a:bodyPr>
+          <a:lstStyle/>
+          <a:p>
+            <a:pPr algn="ctr"/>
+            <a:r>
+              <a:rPr lang="es-CO" sz="2800" b="1" dirty="0">
+                <a:solidFill>
+                  <a:srgbClr val="0070C0"/>
+                </a:solidFill>
+                <a:latin typeface="Arial" panose="020B0604020202020204" pitchFamily="34" charset="0"/>
+                <a:cs typeface="Arial" panose="020B0604020202020204" pitchFamily="34" charset="0"/>
+              </a:rPr>
+              <a:t>ENCUESTAS</a:t>
+            </a:r>
+          </a:p>
+        </p:txBody>
+      </p:sp>
+    </p:spTree>
+    <p:extLst>
+      <p:ext uri="{BB962C8B-B14F-4D97-AF65-F5344CB8AC3E}">
+        <p14:creationId xmlns:p14="http://schemas.microsoft.com/office/powerpoint/2010/main" val="2881915805"/>
+      </p:ext>
+    </p:extLst>
+  </p:cSld>
+  <p:clrMapOvr>
+    <a:masterClrMapping/>
+  </p:clrMapOvr>
+</p:sld>
+</file>
+
+<file path=ppt/slides/slide11.xml><?xml version="1.0" encoding="utf-8"?>
+<p:sld xmlns:a="http://schemas.openxmlformats.org/drawingml/2006/main" xmlns:r="http://schemas.openxmlformats.org/officeDocument/2006/relationships" xmlns:p="http://schemas.openxmlformats.org/presentationml/2006/main">
+  <p:cSld>
+    <p:spTree>
+      <p:nvGrpSpPr>
+        <p:cNvPr id="1" name="Shape 87"/>
+        <p:cNvGrpSpPr/>
+        <p:nvPr/>
+      </p:nvGrpSpPr>
+      <p:grpSpPr>
+        <a:xfrm>
+          <a:off x="0" y="0"/>
+          <a:ext cx="0" cy="0"/>
+          <a:chOff x="0" y="0"/>
+          <a:chExt cx="0" cy="0"/>
+        </a:xfrm>
+      </p:grpSpPr>
+      <p:sp>
+        <p:nvSpPr>
+          <p:cNvPr id="6" name="CuadroTexto 5">
+            <a:extLst>
+              <a:ext uri="{FF2B5EF4-FFF2-40B4-BE49-F238E27FC236}">
+                <a16:creationId xmlns:a16="http://schemas.microsoft.com/office/drawing/2014/main" id="{E456C08A-F5A3-454B-AD3A-6628107B05EE}"/>
+              </a:ext>
+            </a:extLst>
+          </p:cNvPr>
+          <p:cNvSpPr txBox="1"/>
+          <p:nvPr/>
+        </p:nvSpPr>
+        <p:spPr>
+          <a:xfrm>
+            <a:off x="3514578" y="282754"/>
+            <a:ext cx="5162843" cy="523220"/>
+          </a:xfrm>
+          <a:prstGeom prst="rect">
+            <a:avLst/>
+          </a:prstGeom>
+          <a:noFill/>
+        </p:spPr>
+        <p:txBody>
+          <a:bodyPr wrap="square" rtlCol="0">
+            <a:spAutoFit/>
+          </a:bodyPr>
+          <a:lstStyle/>
+          <a:p>
+            <a:pPr algn="ctr"/>
+            <a:r>
+              <a:rPr lang="es-CO" sz="2800" b="1" dirty="0">
+                <a:solidFill>
+                  <a:srgbClr val="0070C0"/>
+                </a:solidFill>
+                <a:latin typeface="Arial" panose="020B0604020202020204" pitchFamily="34" charset="0"/>
+                <a:cs typeface="Arial" panose="020B0604020202020204" pitchFamily="34" charset="0"/>
+              </a:rPr>
+              <a:t>TABULACIÒN DE DATOS</a:t>
+            </a:r>
+          </a:p>
+        </p:txBody>
+      </p:sp>
+      <p:pic>
+        <p:nvPicPr>
+          <p:cNvPr id="4" name="Imagen 3">
+            <a:extLst>
+              <a:ext uri="{FF2B5EF4-FFF2-40B4-BE49-F238E27FC236}">
+                <a16:creationId xmlns:a16="http://schemas.microsoft.com/office/drawing/2014/main" id="{5C19A3E3-E937-4DD0-8060-8A0F33F0BBB9}"/>
+              </a:ext>
+            </a:extLst>
+          </p:cNvPr>
+          <p:cNvPicPr>
+            <a:picLocks noChangeAspect="1"/>
+          </p:cNvPicPr>
+          <p:nvPr/>
+        </p:nvPicPr>
+        <p:blipFill>
+          <a:blip r:embed="rId3">
+            <a:extLst>
+              <a:ext uri="{28A0092B-C50C-407E-A947-70E740481C1C}">
+                <a14:useLocalDpi xmlns:a14="http://schemas.microsoft.com/office/drawing/2010/main" val="0"/>
+              </a:ext>
+            </a:extLst>
+          </a:blip>
+          <a:stretch>
+            <a:fillRect/>
+          </a:stretch>
+        </p:blipFill>
+        <p:spPr>
+          <a:xfrm>
+            <a:off x="1534719" y="1650243"/>
+            <a:ext cx="3080824" cy="3080824"/>
+          </a:xfrm>
+          <a:prstGeom prst="rect">
+            <a:avLst/>
+          </a:prstGeom>
+        </p:spPr>
+      </p:pic>
+      <p:pic>
+        <p:nvPicPr>
+          <p:cNvPr id="8" name="Imagen 7">
+            <a:extLst>
+              <a:ext uri="{FF2B5EF4-FFF2-40B4-BE49-F238E27FC236}">
+                <a16:creationId xmlns:a16="http://schemas.microsoft.com/office/drawing/2014/main" id="{3A0BA14F-6353-49A5-AC95-3D647D60095E}"/>
+              </a:ext>
+            </a:extLst>
+          </p:cNvPr>
+          <p:cNvPicPr>
+            <a:picLocks noChangeAspect="1"/>
+          </p:cNvPicPr>
+          <p:nvPr/>
+        </p:nvPicPr>
+        <p:blipFill rotWithShape="1">
+          <a:blip r:embed="rId4">
+            <a:extLst>
+              <a:ext uri="{28A0092B-C50C-407E-A947-70E740481C1C}">
+                <a14:useLocalDpi xmlns:a14="http://schemas.microsoft.com/office/drawing/2010/main" val="0"/>
+              </a:ext>
+            </a:extLst>
+          </a:blip>
+          <a:srcRect l="7601" t="4285" r="-7601" b="11106"/>
+          <a:stretch/>
+        </p:blipFill>
+        <p:spPr>
+          <a:xfrm>
+            <a:off x="5596083" y="1411898"/>
+            <a:ext cx="6162675" cy="3557514"/>
+          </a:xfrm>
+          <a:prstGeom prst="rect">
+            <a:avLst/>
+          </a:prstGeom>
+        </p:spPr>
+      </p:pic>
+      <p:sp>
+        <p:nvSpPr>
+          <p:cNvPr id="10" name="CuadroTexto 9">
+            <a:extLst>
+              <a:ext uri="{FF2B5EF4-FFF2-40B4-BE49-F238E27FC236}">
+                <a16:creationId xmlns:a16="http://schemas.microsoft.com/office/drawing/2014/main" id="{CB45A7F1-13BC-4A87-94BB-6BCF71E7B80F}"/>
+              </a:ext>
+            </a:extLst>
+          </p:cNvPr>
+          <p:cNvSpPr txBox="1"/>
+          <p:nvPr/>
+        </p:nvSpPr>
+        <p:spPr>
+          <a:xfrm>
+            <a:off x="4775201" y="6023429"/>
+            <a:ext cx="2888342" cy="646331"/>
+          </a:xfrm>
+          <a:prstGeom prst="rect">
+            <a:avLst/>
+          </a:prstGeom>
+          <a:noFill/>
+        </p:spPr>
+        <p:txBody>
+          <a:bodyPr wrap="square" rtlCol="0">
+            <a:spAutoFit/>
+          </a:bodyPr>
+          <a:lstStyle/>
+          <a:p>
+            <a:r>
+              <a:rPr lang="es-CO" dirty="0">
+                <a:solidFill>
+                  <a:srgbClr val="0070C0"/>
+                </a:solidFill>
+                <a:latin typeface="Arial" panose="020B0604020202020204" pitchFamily="34" charset="0"/>
+                <a:cs typeface="Arial" panose="020B0604020202020204" pitchFamily="34" charset="0"/>
+              </a:rPr>
+              <a:t>DOCUMENTO(agregar vinculo)</a:t>
+            </a:r>
+          </a:p>
+        </p:txBody>
+      </p:sp>
+    </p:spTree>
+    <p:extLst>
+      <p:ext uri="{BB962C8B-B14F-4D97-AF65-F5344CB8AC3E}">
+        <p14:creationId xmlns:p14="http://schemas.microsoft.com/office/powerpoint/2010/main" val="1411989409"/>
+      </p:ext>
+    </p:extLst>
+  </p:cSld>
+  <p:clrMapOvr>
+    <a:masterClrMapping/>
+  </p:clrMapOvr>
+</p:sld>
+</file>
+
+<file path=ppt/slides/slide12.xml><?xml version="1.0" encoding="utf-8"?>
+<p:sld xmlns:a="http://schemas.openxmlformats.org/drawingml/2006/main" xmlns:r="http://schemas.openxmlformats.org/officeDocument/2006/relationships" xmlns:p="http://schemas.openxmlformats.org/presentationml/2006/main">
+  <p:cSld>
+    <p:spTree>
+      <p:nvGrpSpPr>
+        <p:cNvPr id="1" name="Shape 190"/>
+        <p:cNvGrpSpPr/>
+        <p:nvPr/>
+      </p:nvGrpSpPr>
+      <p:grpSpPr>
+        <a:xfrm>
+          <a:off x="0" y="0"/>
+          <a:ext cx="0" cy="0"/>
+          <a:chOff x="0" y="0"/>
+          <a:chExt cx="0" cy="0"/>
+        </a:xfrm>
+      </p:grpSpPr>
+    </p:spTree>
+  </p:cSld>
+  <p:clrMapOvr>
+    <a:masterClrMapping/>
+  </p:clrMapOvr>
+</p:sld>
+</file>
+
 <file path=ppt/slides/slide2.xml><?xml version="1.0" encoding="utf-8"?>
 <p:sld xmlns:a="http://schemas.openxmlformats.org/drawingml/2006/main" xmlns:r="http://schemas.openxmlformats.org/officeDocument/2006/relationships" xmlns:p="http://schemas.openxmlformats.org/presentationml/2006/main">
   <p:cSld>
@@ -7144,7 +8177,7 @@
   <p:cSld>
     <p:spTree>
       <p:nvGrpSpPr>
-        <p:cNvPr id="1" name="Shape 87"/>
+        <p:cNvPr id="1" name="Shape 125"/>
         <p:cNvGrpSpPr/>
         <p:nvPr/>
       </p:nvGrpSpPr>
@@ -7156,10 +8189,275 @@
           <a:chExt cx="0" cy="0"/>
         </a:xfrm>
       </p:grpSpPr>
+      <p:sp>
+        <p:nvSpPr>
+          <p:cNvPr id="2" name="CuadroTexto 1">
+            <a:extLst>
+              <a:ext uri="{FF2B5EF4-FFF2-40B4-BE49-F238E27FC236}">
+                <a16:creationId xmlns:a16="http://schemas.microsoft.com/office/drawing/2014/main" id="{BC758410-DEA8-4A1F-AF32-CF4DA320955F}"/>
+              </a:ext>
+            </a:extLst>
+          </p:cNvPr>
+          <p:cNvSpPr txBox="1"/>
+          <p:nvPr/>
+        </p:nvSpPr>
+        <p:spPr>
+          <a:xfrm>
+            <a:off x="2065606" y="578560"/>
+            <a:ext cx="6879102" cy="523220"/>
+          </a:xfrm>
+          <a:prstGeom prst="rect">
+            <a:avLst/>
+          </a:prstGeom>
+          <a:noFill/>
+        </p:spPr>
+        <p:txBody>
+          <a:bodyPr wrap="square" rtlCol="0">
+            <a:spAutoFit/>
+          </a:bodyPr>
+          <a:lstStyle/>
+          <a:p>
+            <a:pPr algn="ctr"/>
+            <a:r>
+              <a:rPr lang="es-ES" sz="2800" b="1" dirty="0">
+                <a:solidFill>
+                  <a:srgbClr val="0070C0"/>
+                </a:solidFill>
+                <a:latin typeface="Arial" panose="020B0604020202020204" pitchFamily="34" charset="0"/>
+                <a:cs typeface="Arial" panose="020B0604020202020204" pitchFamily="34" charset="0"/>
+              </a:rPr>
+              <a:t>ALCANCE DEL PROYECTO</a:t>
+            </a:r>
+            <a:endParaRPr lang="es-CO" sz="2800" b="1" dirty="0">
+              <a:solidFill>
+                <a:srgbClr val="0070C0"/>
+              </a:solidFill>
+              <a:latin typeface="Arial" panose="020B0604020202020204" pitchFamily="34" charset="0"/>
+              <a:cs typeface="Arial" panose="020B0604020202020204" pitchFamily="34" charset="0"/>
+            </a:endParaRPr>
+          </a:p>
+        </p:txBody>
+      </p:sp>
+      <p:sp>
+        <p:nvSpPr>
+          <p:cNvPr id="5" name="CuadroTexto 4">
+            <a:extLst>
+              <a:ext uri="{FF2B5EF4-FFF2-40B4-BE49-F238E27FC236}">
+                <a16:creationId xmlns:a16="http://schemas.microsoft.com/office/drawing/2014/main" id="{03EC8784-F841-4BD9-8443-3B6F41DC20A4}"/>
+              </a:ext>
+            </a:extLst>
+          </p:cNvPr>
+          <p:cNvSpPr txBox="1"/>
+          <p:nvPr/>
+        </p:nvSpPr>
+        <p:spPr>
+          <a:xfrm>
+            <a:off x="422031" y="1350498"/>
+            <a:ext cx="9791114" cy="4524315"/>
+          </a:xfrm>
+          <a:prstGeom prst="rect">
+            <a:avLst/>
+          </a:prstGeom>
+          <a:noFill/>
+        </p:spPr>
+        <p:txBody>
+          <a:bodyPr wrap="square" rtlCol="0">
+            <a:spAutoFit/>
+          </a:bodyPr>
+          <a:lstStyle/>
+          <a:p>
+            <a:pPr algn="just"/>
+            <a:r>
+              <a:rPr lang="es-CO" b="1" dirty="0">
+                <a:solidFill>
+                  <a:srgbClr val="0070C0"/>
+                </a:solidFill>
+                <a:latin typeface="Arial" panose="020B0604020202020204" pitchFamily="34" charset="0"/>
+                <a:cs typeface="Arial" panose="020B0604020202020204" pitchFamily="34" charset="0"/>
+              </a:rPr>
+              <a:t>El alcance de este proyecto está limitado hacia el enfoque y sus funciones</a:t>
+            </a:r>
+          </a:p>
+          <a:p>
+            <a:pPr algn="just"/>
+            <a:endParaRPr lang="es-CO" b="1" dirty="0">
+              <a:solidFill>
+                <a:srgbClr val="0070C0"/>
+              </a:solidFill>
+              <a:latin typeface="Arial" panose="020B0604020202020204" pitchFamily="34" charset="0"/>
+              <a:cs typeface="Arial" panose="020B0604020202020204" pitchFamily="34" charset="0"/>
+            </a:endParaRPr>
+          </a:p>
+          <a:p>
+            <a:pPr algn="just"/>
+            <a:r>
+              <a:rPr lang="es-CO" b="1" dirty="0">
+                <a:solidFill>
+                  <a:srgbClr val="0070C0"/>
+                </a:solidFill>
+                <a:latin typeface="Arial" panose="020B0604020202020204" pitchFamily="34" charset="0"/>
+                <a:cs typeface="Arial" panose="020B0604020202020204" pitchFamily="34" charset="0"/>
+              </a:rPr>
+              <a:t>Esta aplicación </a:t>
+            </a:r>
+          </a:p>
+          <a:p>
+            <a:pPr algn="just"/>
+            <a:r>
+              <a:rPr lang="es-CO" dirty="0">
+                <a:solidFill>
+                  <a:srgbClr val="0070C0"/>
+                </a:solidFill>
+                <a:latin typeface="Arial" panose="020B0604020202020204" pitchFamily="34" charset="0"/>
+                <a:cs typeface="Arial" panose="020B0604020202020204" pitchFamily="34" charset="0"/>
+              </a:rPr>
+              <a:t>•	Mostar únicamente las ubicaciones de estacionamientos excluyendo centros comerciales, restaurantes y tiendas hasta que no se logre un convenio de implementación.</a:t>
+            </a:r>
+          </a:p>
+          <a:p>
+            <a:pPr algn="just"/>
+            <a:r>
+              <a:rPr lang="es-CO" dirty="0">
+                <a:solidFill>
+                  <a:srgbClr val="0070C0"/>
+                </a:solidFill>
+                <a:latin typeface="Arial" panose="020B0604020202020204" pitchFamily="34" charset="0"/>
+                <a:cs typeface="Arial" panose="020B0604020202020204" pitchFamily="34" charset="0"/>
+              </a:rPr>
+              <a:t>•	No estará disponible realizar el pago del servicio de parqueadero </a:t>
+            </a:r>
+          </a:p>
+          <a:p>
+            <a:pPr algn="just"/>
+            <a:r>
+              <a:rPr lang="es-CO" dirty="0">
+                <a:solidFill>
+                  <a:srgbClr val="0070C0"/>
+                </a:solidFill>
+                <a:latin typeface="Arial" panose="020B0604020202020204" pitchFamily="34" charset="0"/>
+                <a:cs typeface="Arial" panose="020B0604020202020204" pitchFamily="34" charset="0"/>
+              </a:rPr>
+              <a:t>•	Aun no funciona fuera de la ciudad de Bogotá hasta actualizar la información de la base de datos</a:t>
+            </a:r>
+          </a:p>
+          <a:p>
+            <a:pPr algn="just"/>
+            <a:r>
+              <a:rPr lang="es-CO" dirty="0">
+                <a:solidFill>
+                  <a:srgbClr val="0070C0"/>
+                </a:solidFill>
+                <a:latin typeface="Arial" panose="020B0604020202020204" pitchFamily="34" charset="0"/>
+                <a:cs typeface="Arial" panose="020B0604020202020204" pitchFamily="34" charset="0"/>
+              </a:rPr>
+              <a:t>•	No mostrara establecimientos diferentes a los parqueaderos, hasta que se implemente en alguna futura actualización</a:t>
+            </a:r>
+          </a:p>
+          <a:p>
+            <a:pPr algn="just"/>
+            <a:r>
+              <a:rPr lang="es-CO" dirty="0">
+                <a:solidFill>
+                  <a:srgbClr val="0070C0"/>
+                </a:solidFill>
+                <a:latin typeface="Arial" panose="020B0604020202020204" pitchFamily="34" charset="0"/>
+                <a:cs typeface="Arial" panose="020B0604020202020204" pitchFamily="34" charset="0"/>
+              </a:rPr>
+              <a:t>•	No tendrá el mismo uso que </a:t>
+            </a:r>
+            <a:r>
+              <a:rPr lang="es-CO" dirty="0" err="1">
+                <a:solidFill>
+                  <a:srgbClr val="0070C0"/>
+                </a:solidFill>
+                <a:latin typeface="Arial" panose="020B0604020202020204" pitchFamily="34" charset="0"/>
+                <a:cs typeface="Arial" panose="020B0604020202020204" pitchFamily="34" charset="0"/>
+              </a:rPr>
+              <a:t>Waze</a:t>
+            </a:r>
+            <a:r>
+              <a:rPr lang="es-CO" dirty="0">
+                <a:solidFill>
+                  <a:srgbClr val="0070C0"/>
+                </a:solidFill>
+                <a:latin typeface="Arial" panose="020B0604020202020204" pitchFamily="34" charset="0"/>
+                <a:cs typeface="Arial" panose="020B0604020202020204" pitchFamily="34" charset="0"/>
+              </a:rPr>
+              <a:t> o Google </a:t>
+            </a:r>
+            <a:r>
+              <a:rPr lang="es-CO" dirty="0" err="1">
+                <a:solidFill>
+                  <a:srgbClr val="0070C0"/>
+                </a:solidFill>
+                <a:latin typeface="Arial" panose="020B0604020202020204" pitchFamily="34" charset="0"/>
+                <a:cs typeface="Arial" panose="020B0604020202020204" pitchFamily="34" charset="0"/>
+              </a:rPr>
+              <a:t>maps</a:t>
+            </a:r>
+            <a:r>
+              <a:rPr lang="es-CO" dirty="0">
+                <a:solidFill>
+                  <a:srgbClr val="0070C0"/>
+                </a:solidFill>
+                <a:latin typeface="Arial" panose="020B0604020202020204" pitchFamily="34" charset="0"/>
+                <a:cs typeface="Arial" panose="020B0604020202020204" pitchFamily="34" charset="0"/>
+              </a:rPr>
+              <a:t> (no es un GPS)</a:t>
+            </a:r>
+          </a:p>
+          <a:p>
+            <a:pPr algn="just"/>
+            <a:r>
+              <a:rPr lang="es-CO" dirty="0">
+                <a:solidFill>
+                  <a:srgbClr val="0070C0"/>
+                </a:solidFill>
+                <a:latin typeface="Arial" panose="020B0604020202020204" pitchFamily="34" charset="0"/>
+                <a:cs typeface="Arial" panose="020B0604020202020204" pitchFamily="34" charset="0"/>
+              </a:rPr>
+              <a:t>•	No llevara la contabilidad del pago de las tarifas que se reciben por el ingreso de vehículos </a:t>
+            </a:r>
+          </a:p>
+          <a:p>
+            <a:pPr algn="just"/>
+            <a:r>
+              <a:rPr lang="es-CO" dirty="0">
+                <a:solidFill>
+                  <a:srgbClr val="0070C0"/>
+                </a:solidFill>
+                <a:latin typeface="Arial" panose="020B0604020202020204" pitchFamily="34" charset="0"/>
+                <a:cs typeface="Arial" panose="020B0604020202020204" pitchFamily="34" charset="0"/>
+              </a:rPr>
+              <a:t>•	Permitirá hacer una reserva de espacio en el establecimiento escogido, pero no se podrá hacer un pago anticipado por la app para garantizar el espacio reservado. </a:t>
+            </a:r>
+          </a:p>
+          <a:p>
+            <a:pPr algn="just"/>
+            <a:r>
+              <a:rPr lang="es-CO" dirty="0">
+                <a:solidFill>
+                  <a:srgbClr val="0070C0"/>
+                </a:solidFill>
+                <a:latin typeface="Arial" panose="020B0604020202020204" pitchFamily="34" charset="0"/>
+                <a:cs typeface="Arial" panose="020B0604020202020204" pitchFamily="34" charset="0"/>
+              </a:rPr>
+              <a:t> </a:t>
+            </a:r>
+            <a:endParaRPr lang="es-ES" dirty="0">
+              <a:solidFill>
+                <a:srgbClr val="0070C0"/>
+              </a:solidFill>
+              <a:latin typeface="Arial" panose="020B0604020202020204" pitchFamily="34" charset="0"/>
+              <a:cs typeface="Arial" panose="020B0604020202020204" pitchFamily="34" charset="0"/>
+            </a:endParaRPr>
+          </a:p>
+        </p:txBody>
+      </p:sp>
     </p:spTree>
     <p:extLst>
       <p:ext uri="{BB962C8B-B14F-4D97-AF65-F5344CB8AC3E}">
-        <p14:creationId xmlns:p14="http://schemas.microsoft.com/office/powerpoint/2010/main" val="2881915805"/>
+        <p14:creationId xmlns:p14="http://schemas.microsoft.com/office/powerpoint/2010/main" val="3348273801"/>
       </p:ext>
     </p:extLst>
   </p:cSld>
@@ -7174,7 +8472,7 @@
   <p:cSld>
     <p:spTree>
       <p:nvGrpSpPr>
-        <p:cNvPr id="1" name="Shape 190"/>
+        <p:cNvPr id="1" name="Shape 125"/>
         <p:cNvGrpSpPr/>
         <p:nvPr/>
       </p:nvGrpSpPr>
@@ -7186,7 +8484,123 @@
           <a:chExt cx="0" cy="0"/>
         </a:xfrm>
       </p:grpSpPr>
+      <p:sp>
+        <p:nvSpPr>
+          <p:cNvPr id="2" name="CuadroTexto 1">
+            <a:extLst>
+              <a:ext uri="{FF2B5EF4-FFF2-40B4-BE49-F238E27FC236}">
+                <a16:creationId xmlns:a16="http://schemas.microsoft.com/office/drawing/2014/main" id="{BC758410-DEA8-4A1F-AF32-CF4DA320955F}"/>
+              </a:ext>
+            </a:extLst>
+          </p:cNvPr>
+          <p:cNvSpPr txBox="1"/>
+          <p:nvPr/>
+        </p:nvSpPr>
+        <p:spPr>
+          <a:xfrm>
+            <a:off x="2065606" y="578560"/>
+            <a:ext cx="6879102" cy="523220"/>
+          </a:xfrm>
+          <a:prstGeom prst="rect">
+            <a:avLst/>
+          </a:prstGeom>
+          <a:noFill/>
+        </p:spPr>
+        <p:txBody>
+          <a:bodyPr wrap="square" rtlCol="0">
+            <a:spAutoFit/>
+          </a:bodyPr>
+          <a:lstStyle/>
+          <a:p>
+            <a:pPr algn="ctr"/>
+            <a:r>
+              <a:rPr lang="es-ES" sz="2800" b="1" dirty="0">
+                <a:solidFill>
+                  <a:srgbClr val="0070C0"/>
+                </a:solidFill>
+                <a:latin typeface="Arial" panose="020B0604020202020204" pitchFamily="34" charset="0"/>
+                <a:cs typeface="Arial" panose="020B0604020202020204" pitchFamily="34" charset="0"/>
+              </a:rPr>
+              <a:t>JUSTIFICACIÒN</a:t>
+            </a:r>
+            <a:endParaRPr lang="es-CO" sz="2800" b="1" dirty="0">
+              <a:solidFill>
+                <a:srgbClr val="0070C0"/>
+              </a:solidFill>
+              <a:latin typeface="Arial" panose="020B0604020202020204" pitchFamily="34" charset="0"/>
+              <a:cs typeface="Arial" panose="020B0604020202020204" pitchFamily="34" charset="0"/>
+            </a:endParaRPr>
+          </a:p>
+        </p:txBody>
+      </p:sp>
+      <p:sp>
+        <p:nvSpPr>
+          <p:cNvPr id="5" name="CuadroTexto 4">
+            <a:extLst>
+              <a:ext uri="{FF2B5EF4-FFF2-40B4-BE49-F238E27FC236}">
+                <a16:creationId xmlns:a16="http://schemas.microsoft.com/office/drawing/2014/main" id="{03EC8784-F841-4BD9-8443-3B6F41DC20A4}"/>
+              </a:ext>
+            </a:extLst>
+          </p:cNvPr>
+          <p:cNvSpPr txBox="1"/>
+          <p:nvPr/>
+        </p:nvSpPr>
+        <p:spPr>
+          <a:xfrm>
+            <a:off x="422031" y="1350498"/>
+            <a:ext cx="9791114" cy="3139321"/>
+          </a:xfrm>
+          <a:prstGeom prst="rect">
+            <a:avLst/>
+          </a:prstGeom>
+          <a:noFill/>
+        </p:spPr>
+        <p:txBody>
+          <a:bodyPr wrap="square" rtlCol="0">
+            <a:spAutoFit/>
+          </a:bodyPr>
+          <a:lstStyle/>
+          <a:p>
+            <a:pPr algn="just"/>
+            <a:r>
+              <a:rPr lang="es-CO">
+                <a:solidFill>
+                  <a:srgbClr val="0070C0"/>
+                </a:solidFill>
+                <a:latin typeface="Arial" panose="020B0604020202020204" pitchFamily="34" charset="0"/>
+                <a:cs typeface="Arial" panose="020B0604020202020204" pitchFamily="34" charset="0"/>
+              </a:rPr>
+              <a:t>En vista de estos problemas, el desarrollo del presente proyecto halla su importancia en la necesidad de brindar una solución a la amplia demanda de parqueaderos para el sector automovilístico en la ciudad de Bogotá.</a:t>
+            </a:r>
+          </a:p>
+          <a:p>
+            <a:pPr algn="just"/>
+            <a:r>
+              <a:rPr lang="es-CO">
+                <a:solidFill>
+                  <a:srgbClr val="0070C0"/>
+                </a:solidFill>
+                <a:latin typeface="Arial" panose="020B0604020202020204" pitchFamily="34" charset="0"/>
+                <a:cs typeface="Arial" panose="020B0604020202020204" pitchFamily="34" charset="0"/>
+              </a:rPr>
+              <a:t>Al mismo tiempo con la implementación de este sistema (Aplicativo móvil) se podría dar solución a las necesidades de muchos usuarios que requieren el uso de un parqueadero, Brindándoles la información necesaria como por ejemplo tarifas, ubicación, espacios disponibles, ranking de calificación por servicios brindados de un establecimiento, etc. Con el fin de favorecer así la movilidad en diferentes sectores de la ciudad ya que en algunas zonas las calles se ven saturadas de vehículos estacionados, lo que quita espacio para que el tráfico fluya de manera óptima, además se busca optimizar el tiempo que tienen las personas para buscar un lugar donde estacionarse de la manera más efectiva </a:t>
+            </a:r>
+            <a:endParaRPr lang="es-CO" dirty="0">
+              <a:solidFill>
+                <a:srgbClr val="0070C0"/>
+              </a:solidFill>
+              <a:latin typeface="Arial" panose="020B0604020202020204" pitchFamily="34" charset="0"/>
+              <a:cs typeface="Arial" panose="020B0604020202020204" pitchFamily="34" charset="0"/>
+            </a:endParaRPr>
+          </a:p>
+        </p:txBody>
+      </p:sp>
     </p:spTree>
+    <p:extLst>
+      <p:ext uri="{BB962C8B-B14F-4D97-AF65-F5344CB8AC3E}">
+        <p14:creationId xmlns:p14="http://schemas.microsoft.com/office/powerpoint/2010/main" val="2547258122"/>
+      </p:ext>
+    </p:extLst>
   </p:cSld>
   <p:clrMapOvr>
     <a:masterClrMapping/>

--- a/PLANTILLA_PRESENTACION_AVANCES_PROYECTO_.pptx
+++ b/PLANTILLA_PRESENTACION_AVANCES_PROYECTO_.pptx
@@ -5,7 +5,7 @@
     <p:sldMasterId id="2147483648" r:id="rId1"/>
   </p:sldMasterIdLst>
   <p:notesMasterIdLst>
-    <p:notesMasterId r:id="rId14"/>
+    <p:notesMasterId r:id="rId18"/>
   </p:notesMasterIdLst>
   <p:sldIdLst>
     <p:sldId id="257" r:id="rId2"/>
@@ -19,7 +19,11 @@
     <p:sldId id="281" r:id="rId10"/>
     <p:sldId id="277" r:id="rId11"/>
     <p:sldId id="282" r:id="rId12"/>
-    <p:sldId id="273" r:id="rId13"/>
+    <p:sldId id="283" r:id="rId13"/>
+    <p:sldId id="285" r:id="rId14"/>
+    <p:sldId id="284" r:id="rId15"/>
+    <p:sldId id="286" r:id="rId16"/>
+    <p:sldId id="273" r:id="rId17"/>
   </p:sldIdLst>
   <p:sldSz cx="12192000" cy="6858000"/>
   <p:notesSz cx="6858000" cy="9144000"/>
@@ -1051,7 +1055,7 @@
             </a:pPr>
             <a:fld id="{00000000-1234-1234-1234-123412341234}" type="slidenum">
               <a:rPr lang="es-ES"/>
-              <a:t>12</a:t>
+              <a:t>16</a:t>
             </a:fld>
             <a:endParaRPr/>
           </a:p>
@@ -6733,6 +6737,317 @@
 </file>
 
 <file path=ppt/slides/slide12.xml><?xml version="1.0" encoding="utf-8"?>
+<p:sld xmlns:a="http://schemas.openxmlformats.org/drawingml/2006/main" xmlns:r="http://schemas.openxmlformats.org/officeDocument/2006/relationships" xmlns:p="http://schemas.openxmlformats.org/presentationml/2006/main">
+  <p:cSld>
+    <p:spTree>
+      <p:nvGrpSpPr>
+        <p:cNvPr id="1" name=""/>
+        <p:cNvGrpSpPr/>
+        <p:nvPr/>
+      </p:nvGrpSpPr>
+      <p:grpSpPr>
+        <a:xfrm>
+          <a:off x="0" y="0"/>
+          <a:ext cx="0" cy="0"/>
+          <a:chOff x="0" y="0"/>
+          <a:chExt cx="0" cy="0"/>
+        </a:xfrm>
+      </p:grpSpPr>
+      <p:pic>
+        <p:nvPicPr>
+          <p:cNvPr id="10" name="Imagen 9">
+            <a:extLst>
+              <a:ext uri="{FF2B5EF4-FFF2-40B4-BE49-F238E27FC236}">
+                <a16:creationId xmlns:a16="http://schemas.microsoft.com/office/drawing/2014/main" id="{0150299B-6367-4FD9-944E-D4BFA57733DD}"/>
+              </a:ext>
+            </a:extLst>
+          </p:cNvPr>
+          <p:cNvPicPr>
+            <a:picLocks noChangeAspect="1"/>
+          </p:cNvPicPr>
+          <p:nvPr/>
+        </p:nvPicPr>
+        <p:blipFill>
+          <a:blip r:embed="rId2">
+            <a:extLst>
+              <a:ext uri="{28A0092B-C50C-407E-A947-70E740481C1C}">
+                <a14:useLocalDpi xmlns:a14="http://schemas.microsoft.com/office/drawing/2010/main" val="0"/>
+              </a:ext>
+            </a:extLst>
+          </a:blip>
+          <a:stretch>
+            <a:fillRect/>
+          </a:stretch>
+        </p:blipFill>
+        <p:spPr>
+          <a:xfrm>
+            <a:off x="1740339" y="-11606"/>
+            <a:ext cx="8711322" cy="6881212"/>
+          </a:xfrm>
+          <a:prstGeom prst="rect">
+            <a:avLst/>
+          </a:prstGeom>
+        </p:spPr>
+      </p:pic>
+    </p:spTree>
+    <p:extLst>
+      <p:ext uri="{BB962C8B-B14F-4D97-AF65-F5344CB8AC3E}">
+        <p14:creationId xmlns:p14="http://schemas.microsoft.com/office/powerpoint/2010/main" val="3298172084"/>
+      </p:ext>
+    </p:extLst>
+  </p:cSld>
+  <p:clrMapOvr>
+    <a:masterClrMapping/>
+  </p:clrMapOvr>
+</p:sld>
+</file>
+
+<file path=ppt/slides/slide13.xml><?xml version="1.0" encoding="utf-8"?>
+<p:sld xmlns:a="http://schemas.openxmlformats.org/drawingml/2006/main" xmlns:r="http://schemas.openxmlformats.org/officeDocument/2006/relationships" xmlns:p="http://schemas.openxmlformats.org/presentationml/2006/main">
+  <p:cSld>
+    <p:spTree>
+      <p:nvGrpSpPr>
+        <p:cNvPr id="1" name=""/>
+        <p:cNvGrpSpPr/>
+        <p:nvPr/>
+      </p:nvGrpSpPr>
+      <p:grpSpPr>
+        <a:xfrm>
+          <a:off x="0" y="0"/>
+          <a:ext cx="0" cy="0"/>
+          <a:chOff x="0" y="0"/>
+          <a:chExt cx="0" cy="0"/>
+        </a:xfrm>
+      </p:grpSpPr>
+      <p:pic>
+        <p:nvPicPr>
+          <p:cNvPr id="5" name="Imagen 4">
+            <a:extLst>
+              <a:ext uri="{FF2B5EF4-FFF2-40B4-BE49-F238E27FC236}">
+                <a16:creationId xmlns:a16="http://schemas.microsoft.com/office/drawing/2014/main" id="{B625693B-54A6-4BF9-89E7-64AAB3449AF6}"/>
+              </a:ext>
+            </a:extLst>
+          </p:cNvPr>
+          <p:cNvPicPr>
+            <a:picLocks noChangeAspect="1"/>
+          </p:cNvPicPr>
+          <p:nvPr/>
+        </p:nvPicPr>
+        <p:blipFill>
+          <a:blip r:embed="rId2">
+            <a:extLst>
+              <a:ext uri="{28A0092B-C50C-407E-A947-70E740481C1C}">
+                <a14:useLocalDpi xmlns:a14="http://schemas.microsoft.com/office/drawing/2010/main" val="0"/>
+              </a:ext>
+            </a:extLst>
+          </a:blip>
+          <a:stretch>
+            <a:fillRect/>
+          </a:stretch>
+        </p:blipFill>
+        <p:spPr>
+          <a:xfrm>
+            <a:off x="299357" y="0"/>
+            <a:ext cx="11593286" cy="6858000"/>
+          </a:xfrm>
+          <a:prstGeom prst="rect">
+            <a:avLst/>
+          </a:prstGeom>
+        </p:spPr>
+      </p:pic>
+    </p:spTree>
+    <p:extLst>
+      <p:ext uri="{BB962C8B-B14F-4D97-AF65-F5344CB8AC3E}">
+        <p14:creationId xmlns:p14="http://schemas.microsoft.com/office/powerpoint/2010/main" val="930327223"/>
+      </p:ext>
+    </p:extLst>
+  </p:cSld>
+  <p:clrMapOvr>
+    <a:masterClrMapping/>
+  </p:clrMapOvr>
+</p:sld>
+</file>
+
+<file path=ppt/slides/slide14.xml><?xml version="1.0" encoding="utf-8"?>
+<p:sld xmlns:a="http://schemas.openxmlformats.org/drawingml/2006/main" xmlns:r="http://schemas.openxmlformats.org/officeDocument/2006/relationships" xmlns:p="http://schemas.openxmlformats.org/presentationml/2006/main">
+  <p:cSld>
+    <p:spTree>
+      <p:nvGrpSpPr>
+        <p:cNvPr id="1" name=""/>
+        <p:cNvGrpSpPr/>
+        <p:nvPr/>
+      </p:nvGrpSpPr>
+      <p:grpSpPr>
+        <a:xfrm>
+          <a:off x="0" y="0"/>
+          <a:ext cx="0" cy="0"/>
+          <a:chOff x="0" y="0"/>
+          <a:chExt cx="0" cy="0"/>
+        </a:xfrm>
+      </p:grpSpPr>
+      <p:pic>
+        <p:nvPicPr>
+          <p:cNvPr id="7" name="Imagen 6">
+            <a:extLst>
+              <a:ext uri="{FF2B5EF4-FFF2-40B4-BE49-F238E27FC236}">
+                <a16:creationId xmlns:a16="http://schemas.microsoft.com/office/drawing/2014/main" id="{6D952CC1-A5E1-40A2-9D13-1430C1310EAE}"/>
+              </a:ext>
+            </a:extLst>
+          </p:cNvPr>
+          <p:cNvPicPr>
+            <a:picLocks noChangeAspect="1"/>
+          </p:cNvPicPr>
+          <p:nvPr/>
+        </p:nvPicPr>
+        <p:blipFill>
+          <a:blip r:embed="rId2">
+            <a:extLst>
+              <a:ext uri="{28A0092B-C50C-407E-A947-70E740481C1C}">
+                <a14:useLocalDpi xmlns:a14="http://schemas.microsoft.com/office/drawing/2010/main" val="0"/>
+              </a:ext>
+            </a:extLst>
+          </a:blip>
+          <a:stretch>
+            <a:fillRect/>
+          </a:stretch>
+        </p:blipFill>
+        <p:spPr>
+          <a:xfrm>
+            <a:off x="2263741" y="146756"/>
+            <a:ext cx="6919452" cy="6858000"/>
+          </a:xfrm>
+          <a:prstGeom prst="rect">
+            <a:avLst/>
+          </a:prstGeom>
+        </p:spPr>
+      </p:pic>
+    </p:spTree>
+    <p:extLst>
+      <p:ext uri="{BB962C8B-B14F-4D97-AF65-F5344CB8AC3E}">
+        <p14:creationId xmlns:p14="http://schemas.microsoft.com/office/powerpoint/2010/main" val="1015662829"/>
+      </p:ext>
+    </p:extLst>
+  </p:cSld>
+  <p:clrMapOvr>
+    <a:masterClrMapping/>
+  </p:clrMapOvr>
+</p:sld>
+</file>
+
+<file path=ppt/slides/slide15.xml><?xml version="1.0" encoding="utf-8"?>
+<p:sld xmlns:a="http://schemas.openxmlformats.org/drawingml/2006/main" xmlns:r="http://schemas.openxmlformats.org/officeDocument/2006/relationships" xmlns:p="http://schemas.openxmlformats.org/presentationml/2006/main">
+  <p:cSld>
+    <p:spTree>
+      <p:nvGrpSpPr>
+        <p:cNvPr id="1" name=""/>
+        <p:cNvGrpSpPr/>
+        <p:nvPr/>
+      </p:nvGrpSpPr>
+      <p:grpSpPr>
+        <a:xfrm>
+          <a:off x="0" y="0"/>
+          <a:ext cx="0" cy="0"/>
+          <a:chOff x="0" y="0"/>
+          <a:chExt cx="0" cy="0"/>
+        </a:xfrm>
+      </p:grpSpPr>
+      <p:sp>
+        <p:nvSpPr>
+          <p:cNvPr id="6" name="CuadroTexto 5">
+            <a:extLst>
+              <a:ext uri="{FF2B5EF4-FFF2-40B4-BE49-F238E27FC236}">
+                <a16:creationId xmlns:a16="http://schemas.microsoft.com/office/drawing/2014/main" id="{932F9725-9378-4F7C-AB21-82DFDE890B1B}"/>
+              </a:ext>
+            </a:extLst>
+          </p:cNvPr>
+          <p:cNvSpPr txBox="1"/>
+          <p:nvPr/>
+        </p:nvSpPr>
+        <p:spPr>
+          <a:xfrm>
+            <a:off x="2936978" y="113421"/>
+            <a:ext cx="6318044" cy="523220"/>
+          </a:xfrm>
+          <a:prstGeom prst="rect">
+            <a:avLst/>
+          </a:prstGeom>
+          <a:noFill/>
+        </p:spPr>
+        <p:txBody>
+          <a:bodyPr wrap="square" rtlCol="0">
+            <a:spAutoFit/>
+          </a:bodyPr>
+          <a:lstStyle/>
+          <a:p>
+            <a:pPr algn="ctr"/>
+            <a:r>
+              <a:rPr lang="es-ES" sz="2800" b="1" dirty="0">
+                <a:solidFill>
+                  <a:srgbClr val="0070C0"/>
+                </a:solidFill>
+                <a:latin typeface="Arial" panose="020B0604020202020204" pitchFamily="34" charset="0"/>
+                <a:cs typeface="Arial" panose="020B0604020202020204" pitchFamily="34" charset="0"/>
+              </a:rPr>
+              <a:t>C</a:t>
+            </a:r>
+            <a:r>
+              <a:rPr lang="es-CO" sz="2800" b="1" dirty="0">
+                <a:solidFill>
+                  <a:srgbClr val="0070C0"/>
+                </a:solidFill>
+                <a:latin typeface="Arial" panose="020B0604020202020204" pitchFamily="34" charset="0"/>
+                <a:cs typeface="Arial" panose="020B0604020202020204" pitchFamily="34" charset="0"/>
+              </a:rPr>
+              <a:t>ONTROL DE VERSIONES GITHUB</a:t>
+            </a:r>
+          </a:p>
+        </p:txBody>
+      </p:sp>
+      <p:pic>
+        <p:nvPicPr>
+          <p:cNvPr id="7" name="Imagen 6">
+            <a:hlinkClick r:id="rId2"/>
+            <a:extLst>
+              <a:ext uri="{FF2B5EF4-FFF2-40B4-BE49-F238E27FC236}">
+                <a16:creationId xmlns:a16="http://schemas.microsoft.com/office/drawing/2014/main" id="{DA54780C-67EE-4EF4-8E34-D4272667A143}"/>
+              </a:ext>
+            </a:extLst>
+          </p:cNvPr>
+          <p:cNvPicPr>
+            <a:picLocks noChangeAspect="1"/>
+          </p:cNvPicPr>
+          <p:nvPr/>
+        </p:nvPicPr>
+        <p:blipFill>
+          <a:blip r:embed="rId3"/>
+          <a:stretch>
+            <a:fillRect/>
+          </a:stretch>
+        </p:blipFill>
+        <p:spPr>
+          <a:xfrm>
+            <a:off x="2342550" y="943503"/>
+            <a:ext cx="7506900" cy="4554186"/>
+          </a:xfrm>
+          <a:prstGeom prst="rect">
+            <a:avLst/>
+          </a:prstGeom>
+        </p:spPr>
+      </p:pic>
+    </p:spTree>
+    <p:extLst>
+      <p:ext uri="{BB962C8B-B14F-4D97-AF65-F5344CB8AC3E}">
+        <p14:creationId xmlns:p14="http://schemas.microsoft.com/office/powerpoint/2010/main" val="3666711712"/>
+      </p:ext>
+    </p:extLst>
+  </p:cSld>
+  <p:clrMapOvr>
+    <a:masterClrMapping/>
+  </p:clrMapOvr>
+</p:sld>
+</file>
+
+<file path=ppt/slides/slide16.xml><?xml version="1.0" encoding="utf-8"?>
 <p:sld xmlns:a="http://schemas.openxmlformats.org/drawingml/2006/main" xmlns:r="http://schemas.openxmlformats.org/officeDocument/2006/relationships" xmlns:p="http://schemas.openxmlformats.org/presentationml/2006/main">
   <p:cSld>
     <p:spTree>

--- a/PLANTILLA_PRESENTACION_AVANCES_PROYECTO_.pptx
+++ b/PLANTILLA_PRESENTACION_AVANCES_PROYECTO_.pptx
@@ -5,7 +5,7 @@
     <p:sldMasterId id="2147483648" r:id="rId1"/>
   </p:sldMasterIdLst>
   <p:notesMasterIdLst>
-    <p:notesMasterId r:id="rId18"/>
+    <p:notesMasterId r:id="rId24"/>
   </p:notesMasterIdLst>
   <p:sldIdLst>
     <p:sldId id="257" r:id="rId2"/>
@@ -23,7 +23,13 @@
     <p:sldId id="285" r:id="rId14"/>
     <p:sldId id="284" r:id="rId15"/>
     <p:sldId id="286" r:id="rId16"/>
-    <p:sldId id="273" r:id="rId17"/>
+    <p:sldId id="287" r:id="rId17"/>
+    <p:sldId id="288" r:id="rId18"/>
+    <p:sldId id="289" r:id="rId19"/>
+    <p:sldId id="290" r:id="rId20"/>
+    <p:sldId id="291" r:id="rId21"/>
+    <p:sldId id="292" r:id="rId22"/>
+    <p:sldId id="273" r:id="rId23"/>
   </p:sldIdLst>
   <p:sldSz cx="12192000" cy="6858000"/>
   <p:notesSz cx="6858000" cy="9144000"/>
@@ -870,6 +876,215 @@
   <p:cSld>
     <p:spTree>
       <p:nvGrpSpPr>
+        <p:cNvPr id="1" name="Shape 83"/>
+        <p:cNvGrpSpPr/>
+        <p:nvPr/>
+      </p:nvGrpSpPr>
+      <p:grpSpPr>
+        <a:xfrm>
+          <a:off x="0" y="0"/>
+          <a:ext cx="0" cy="0"/>
+          <a:chOff x="0" y="0"/>
+          <a:chExt cx="0" cy="0"/>
+        </a:xfrm>
+      </p:grpSpPr>
+      <p:sp>
+        <p:nvSpPr>
+          <p:cNvPr id="84" name="Google Shape;84;p3:notes"/>
+          <p:cNvSpPr>
+            <a:spLocks noGrp="1" noRot="1" noChangeAspect="1"/>
+          </p:cNvSpPr>
+          <p:nvPr>
+            <p:ph type="sldImg" idx="2"/>
+          </p:nvPr>
+        </p:nvSpPr>
+        <p:spPr>
+          <a:xfrm>
+            <a:off x="381000" y="685800"/>
+            <a:ext cx="6096000" cy="3429000"/>
+          </a:xfrm>
+          <a:custGeom>
+            <a:avLst/>
+            <a:gdLst/>
+            <a:ahLst/>
+            <a:cxnLst/>
+            <a:rect l="l" t="t" r="r" b="b"/>
+            <a:pathLst>
+              <a:path w="120000" h="120000" extrusionOk="0">
+                <a:moveTo>
+                  <a:pt x="0" y="0"/>
+                </a:moveTo>
+                <a:lnTo>
+                  <a:pt x="120000" y="0"/>
+                </a:lnTo>
+                <a:lnTo>
+                  <a:pt x="120000" y="120000"/>
+                </a:lnTo>
+                <a:lnTo>
+                  <a:pt x="0" y="120000"/>
+                </a:lnTo>
+                <a:close/>
+              </a:path>
+            </a:pathLst>
+          </a:custGeom>
+          <a:noFill/>
+          <a:ln w="12700" cap="flat" cmpd="sng">
+            <a:solidFill>
+              <a:srgbClr val="000000"/>
+            </a:solidFill>
+            <a:prstDash val="solid"/>
+            <a:round/>
+            <a:headEnd type="none" w="sm" len="sm"/>
+            <a:tailEnd type="none" w="sm" len="sm"/>
+          </a:ln>
+        </p:spPr>
+      </p:sp>
+      <p:sp>
+        <p:nvSpPr>
+          <p:cNvPr id="85" name="Google Shape;85;p3:notes"/>
+          <p:cNvSpPr txBox="1">
+            <a:spLocks noGrp="1"/>
+          </p:cNvSpPr>
+          <p:nvPr>
+            <p:ph type="body" idx="1"/>
+          </p:nvPr>
+        </p:nvSpPr>
+        <p:spPr>
+          <a:xfrm>
+            <a:off x="685800" y="4343400"/>
+            <a:ext cx="5486400" cy="4114800"/>
+          </a:xfrm>
+          <a:prstGeom prst="rect">
+            <a:avLst/>
+          </a:prstGeom>
+          <a:noFill/>
+          <a:ln>
+            <a:noFill/>
+          </a:ln>
+        </p:spPr>
+        <p:txBody>
+          <a:bodyPr spcFirstLastPara="1" wrap="square" lIns="91425" tIns="45700" rIns="91425" bIns="45700" anchor="t" anchorCtr="0">
+            <a:noAutofit/>
+          </a:bodyPr>
+          <a:lstStyle/>
+          <a:p>
+            <a:pPr marL="171450" lvl="0" indent="-171450" algn="l" rtl="0">
+              <a:lnSpc>
+                <a:spcPct val="100000"/>
+              </a:lnSpc>
+              <a:spcBef>
+                <a:spcPts val="0"/>
+              </a:spcBef>
+              <a:spcAft>
+                <a:spcPts val="0"/>
+              </a:spcAft>
+              <a:buClr>
+                <a:schemeClr val="dk1"/>
+              </a:buClr>
+              <a:buSzPts val="1200"/>
+              <a:buFont typeface="Calibri"/>
+              <a:buChar char="-"/>
+            </a:pPr>
+            <a:r>
+              <a:rPr lang="es-ES" dirty="0"/>
+              <a:t>En esta diapositiva puede colocar contenidos y acompañarlos con una fotografía.</a:t>
+            </a:r>
+            <a:endParaRPr dirty="0"/>
+          </a:p>
+          <a:p>
+            <a:pPr marL="171450" lvl="0" indent="-171450" algn="l" rtl="0">
+              <a:lnSpc>
+                <a:spcPct val="100000"/>
+              </a:lnSpc>
+              <a:spcBef>
+                <a:spcPts val="0"/>
+              </a:spcBef>
+              <a:spcAft>
+                <a:spcPts val="0"/>
+              </a:spcAft>
+              <a:buClr>
+                <a:schemeClr val="dk1"/>
+              </a:buClr>
+              <a:buSzPts val="1200"/>
+              <a:buFont typeface="Calibri"/>
+              <a:buChar char="-"/>
+            </a:pPr>
+            <a:r>
+              <a:rPr lang="es-ES" dirty="0"/>
+              <a:t>Los textos deben ir en azul (utilice el azul que aparece en la opciones de color de letra - -&gt; colores recientes) en tipografía Arial y justificados.</a:t>
+            </a:r>
+            <a:endParaRPr dirty="0"/>
+          </a:p>
+        </p:txBody>
+      </p:sp>
+      <p:sp>
+        <p:nvSpPr>
+          <p:cNvPr id="86" name="Google Shape;86;p3:notes"/>
+          <p:cNvSpPr txBox="1">
+            <a:spLocks noGrp="1"/>
+          </p:cNvSpPr>
+          <p:nvPr>
+            <p:ph type="sldNum" idx="12"/>
+          </p:nvPr>
+        </p:nvSpPr>
+        <p:spPr>
+          <a:xfrm>
+            <a:off x="3884613" y="8685213"/>
+            <a:ext cx="2971800" cy="457200"/>
+          </a:xfrm>
+          <a:prstGeom prst="rect">
+            <a:avLst/>
+          </a:prstGeom>
+          <a:noFill/>
+          <a:ln>
+            <a:noFill/>
+          </a:ln>
+        </p:spPr>
+        <p:txBody>
+          <a:bodyPr spcFirstLastPara="1" wrap="square" lIns="91425" tIns="45700" rIns="91425" bIns="45700" anchor="b" anchorCtr="0">
+            <a:noAutofit/>
+          </a:bodyPr>
+          <a:lstStyle/>
+          <a:p>
+            <a:pPr marL="0" lvl="0" indent="0" algn="r" rtl="0">
+              <a:lnSpc>
+                <a:spcPct val="100000"/>
+              </a:lnSpc>
+              <a:spcBef>
+                <a:spcPts val="0"/>
+              </a:spcBef>
+              <a:spcAft>
+                <a:spcPts val="0"/>
+              </a:spcAft>
+              <a:buSzPts val="1400"/>
+              <a:buNone/>
+            </a:pPr>
+            <a:fld id="{00000000-1234-1234-1234-123412341234}" type="slidenum">
+              <a:rPr lang="es-ES"/>
+              <a:t>16</a:t>
+            </a:fld>
+            <a:endParaRPr/>
+          </a:p>
+        </p:txBody>
+      </p:sp>
+    </p:spTree>
+    <p:extLst>
+      <p:ext uri="{BB962C8B-B14F-4D97-AF65-F5344CB8AC3E}">
+        <p14:creationId xmlns:p14="http://schemas.microsoft.com/office/powerpoint/2010/main" val="2495244601"/>
+      </p:ext>
+    </p:extLst>
+  </p:cSld>
+  <p:clrMapOvr>
+    <a:masterClrMapping/>
+  </p:clrMapOvr>
+</p:notes>
+</file>
+
+<file path=ppt/notesSlides/notesSlide12.xml><?xml version="1.0" encoding="utf-8"?>
+<p:notes xmlns:a="http://schemas.openxmlformats.org/drawingml/2006/main" xmlns:r="http://schemas.openxmlformats.org/officeDocument/2006/relationships" xmlns:p="http://schemas.openxmlformats.org/presentationml/2006/main" showMasterSp="0" showMasterPhAnim="0">
+  <p:cSld>
+    <p:spTree>
+      <p:nvGrpSpPr>
         <p:cNvPr id="1" name="Shape 186"/>
         <p:cNvGrpSpPr/>
         <p:nvPr/>
@@ -1055,7 +1270,7 @@
             </a:pPr>
             <a:fld id="{00000000-1234-1234-1234-123412341234}" type="slidenum">
               <a:rPr lang="es-ES"/>
-              <a:t>16</a:t>
+              <a:t>22</a:t>
             </a:fld>
             <a:endParaRPr/>
           </a:p>
@@ -7052,7 +7267,7 @@
   <p:cSld>
     <p:spTree>
       <p:nvGrpSpPr>
-        <p:cNvPr id="1" name="Shape 190"/>
+        <p:cNvPr id="1" name="Shape 87"/>
         <p:cNvGrpSpPr/>
         <p:nvPr/>
       </p:nvGrpSpPr>
@@ -7064,7 +7279,3389 @@
           <a:chExt cx="0" cy="0"/>
         </a:xfrm>
       </p:grpSpPr>
+      <p:sp>
+        <p:nvSpPr>
+          <p:cNvPr id="6" name="CuadroTexto 5">
+            <a:extLst>
+              <a:ext uri="{FF2B5EF4-FFF2-40B4-BE49-F238E27FC236}">
+                <a16:creationId xmlns:a16="http://schemas.microsoft.com/office/drawing/2014/main" id="{E456C08A-F5A3-454B-AD3A-6628107B05EE}"/>
+              </a:ext>
+            </a:extLst>
+          </p:cNvPr>
+          <p:cNvSpPr txBox="1"/>
+          <p:nvPr/>
+        </p:nvSpPr>
+        <p:spPr>
+          <a:xfrm>
+            <a:off x="3018972" y="600015"/>
+            <a:ext cx="6400800" cy="523220"/>
+          </a:xfrm>
+          <a:prstGeom prst="rect">
+            <a:avLst/>
+          </a:prstGeom>
+          <a:noFill/>
+        </p:spPr>
+        <p:txBody>
+          <a:bodyPr wrap="square" rtlCol="0">
+            <a:spAutoFit/>
+          </a:bodyPr>
+          <a:lstStyle/>
+          <a:p>
+            <a:pPr algn="ctr"/>
+            <a:r>
+              <a:rPr lang="es-CO" sz="2800" b="1" dirty="0" smtClean="0">
+                <a:solidFill>
+                  <a:srgbClr val="0070C0"/>
+                </a:solidFill>
+                <a:latin typeface="Arial" panose="020B0604020202020204" pitchFamily="34" charset="0"/>
+                <a:cs typeface="Arial" panose="020B0604020202020204" pitchFamily="34" charset="0"/>
+              </a:rPr>
+              <a:t>REQUERIMIENTOS FUNCIONALES</a:t>
+            </a:r>
+            <a:endParaRPr lang="es-CO" sz="2800" b="1" dirty="0">
+              <a:solidFill>
+                <a:srgbClr val="0070C0"/>
+              </a:solidFill>
+              <a:latin typeface="Arial" panose="020B0604020202020204" pitchFamily="34" charset="0"/>
+              <a:cs typeface="Arial" panose="020B0604020202020204" pitchFamily="34" charset="0"/>
+            </a:endParaRPr>
+          </a:p>
+        </p:txBody>
+      </p:sp>
+      <p:graphicFrame>
+        <p:nvGraphicFramePr>
+          <p:cNvPr id="3" name="Tabla 2"/>
+          <p:cNvGraphicFramePr>
+            <a:graphicFrameLocks noGrp="1"/>
+          </p:cNvGraphicFramePr>
+          <p:nvPr>
+            <p:extLst>
+              <p:ext uri="{D42A27DB-BD31-4B8C-83A1-F6EECF244321}">
+                <p14:modId xmlns:p14="http://schemas.microsoft.com/office/powerpoint/2010/main" val="1138019637"/>
+              </p:ext>
+            </p:extLst>
+          </p:nvPr>
+        </p:nvGraphicFramePr>
+        <p:xfrm>
+          <a:off x="2944677" y="1852454"/>
+          <a:ext cx="6549390" cy="4124386"/>
+        </p:xfrm>
+        <a:graphic>
+          <a:graphicData uri="http://schemas.openxmlformats.org/drawingml/2006/table">
+            <a:tbl>
+              <a:tblPr/>
+              <a:tblGrid>
+                <a:gridCol w="1692021">
+                  <a:extLst>
+                    <a:ext uri="{9D8B030D-6E8A-4147-A177-3AD203B41FA5}">
+                      <a16:colId xmlns:a16="http://schemas.microsoft.com/office/drawing/2014/main" val="11032085"/>
+                    </a:ext>
+                  </a:extLst>
+                </a:gridCol>
+                <a:gridCol w="4857369">
+                  <a:extLst>
+                    <a:ext uri="{9D8B030D-6E8A-4147-A177-3AD203B41FA5}">
+                      <a16:colId xmlns:a16="http://schemas.microsoft.com/office/drawing/2014/main" val="4194023257"/>
+                    </a:ext>
+                  </a:extLst>
+                </a:gridCol>
+              </a:tblGrid>
+              <a:tr h="529361">
+                <a:tc>
+                  <a:txBody>
+                    <a:bodyPr/>
+                    <a:lstStyle/>
+                    <a:p>
+                      <a:pPr algn="just" rtl="0" fontAlgn="t">
+                        <a:spcBef>
+                          <a:spcPts val="0"/>
+                        </a:spcBef>
+                        <a:spcAft>
+                          <a:spcPts val="0"/>
+                        </a:spcAft>
+                      </a:pPr>
+                      <a:r>
+                        <a:rPr lang="en-US" sz="1600" b="1" i="0" u="none" strike="noStrike" dirty="0" err="1">
+                          <a:solidFill>
+                            <a:srgbClr val="000000"/>
+                          </a:solidFill>
+                          <a:effectLst/>
+                          <a:latin typeface="Arial" panose="020B0604020202020204" pitchFamily="34" charset="0"/>
+                        </a:rPr>
+                        <a:t>Identificación</a:t>
+                      </a:r>
+                      <a:r>
+                        <a:rPr lang="en-US" sz="1600" b="1" i="0" u="none" strike="noStrike" dirty="0">
+                          <a:solidFill>
+                            <a:srgbClr val="000000"/>
+                          </a:solidFill>
+                          <a:effectLst/>
+                          <a:latin typeface="Arial" panose="020B0604020202020204" pitchFamily="34" charset="0"/>
+                        </a:rPr>
+                        <a:t> del </a:t>
+                      </a:r>
+                      <a:r>
+                        <a:rPr lang="en-US" sz="1600" b="1" i="0" u="none" strike="noStrike" dirty="0" err="1">
+                          <a:solidFill>
+                            <a:srgbClr val="000000"/>
+                          </a:solidFill>
+                          <a:effectLst/>
+                          <a:latin typeface="Arial" panose="020B0604020202020204" pitchFamily="34" charset="0"/>
+                        </a:rPr>
+                        <a:t>requerimiento</a:t>
+                      </a:r>
+                      <a:r>
+                        <a:rPr lang="en-US" sz="1600" b="1" i="0" u="none" strike="noStrike" dirty="0">
+                          <a:solidFill>
+                            <a:srgbClr val="000000"/>
+                          </a:solidFill>
+                          <a:effectLst/>
+                          <a:latin typeface="Arial" panose="020B0604020202020204" pitchFamily="34" charset="0"/>
+                        </a:rPr>
+                        <a:t>:</a:t>
+                      </a:r>
+                      <a:endParaRPr lang="en-US" sz="1600" dirty="0">
+                        <a:effectLst/>
+                      </a:endParaRPr>
+                    </a:p>
+                  </a:txBody>
+                  <a:tcPr marL="68580" marR="68580">
+                    <a:lnL w="6350" cap="flat" cmpd="sng" algn="ctr">
+                      <a:solidFill>
+                        <a:srgbClr val="000000"/>
+                      </a:solidFill>
+                      <a:prstDash val="solid"/>
+                      <a:round/>
+                      <a:headEnd type="none" w="med" len="med"/>
+                      <a:tailEnd type="none" w="med" len="med"/>
+                    </a:lnL>
+                    <a:lnR w="6350" cap="flat" cmpd="sng" algn="ctr">
+                      <a:solidFill>
+                        <a:srgbClr val="000000"/>
+                      </a:solidFill>
+                      <a:prstDash val="solid"/>
+                      <a:round/>
+                      <a:headEnd type="none" w="med" len="med"/>
+                      <a:tailEnd type="none" w="med" len="med"/>
+                    </a:lnR>
+                    <a:lnT w="6350" cap="flat" cmpd="sng" algn="ctr">
+                      <a:solidFill>
+                        <a:srgbClr val="000000"/>
+                      </a:solidFill>
+                      <a:prstDash val="solid"/>
+                      <a:round/>
+                      <a:headEnd type="none" w="med" len="med"/>
+                      <a:tailEnd type="none" w="med" len="med"/>
+                    </a:lnT>
+                    <a:lnB w="6350" cap="flat" cmpd="sng" algn="ctr">
+                      <a:solidFill>
+                        <a:srgbClr val="000000"/>
+                      </a:solidFill>
+                      <a:prstDash val="solid"/>
+                      <a:round/>
+                      <a:headEnd type="none" w="med" len="med"/>
+                      <a:tailEnd type="none" w="med" len="med"/>
+                    </a:lnB>
+                  </a:tcPr>
+                </a:tc>
+                <a:tc>
+                  <a:txBody>
+                    <a:bodyPr/>
+                    <a:lstStyle/>
+                    <a:p>
+                      <a:pPr algn="just" rtl="0" fontAlgn="t">
+                        <a:spcBef>
+                          <a:spcPts val="0"/>
+                        </a:spcBef>
+                        <a:spcAft>
+                          <a:spcPts val="0"/>
+                        </a:spcAft>
+                      </a:pPr>
+                      <a:r>
+                        <a:rPr lang="en-US" sz="1600" b="1" i="0" u="none" strike="noStrike" dirty="0">
+                          <a:solidFill>
+                            <a:srgbClr val="000000"/>
+                          </a:solidFill>
+                          <a:effectLst/>
+                          <a:latin typeface="Arial" panose="020B0604020202020204" pitchFamily="34" charset="0"/>
+                        </a:rPr>
+                        <a:t>RequerimientoF1</a:t>
+                      </a:r>
+                      <a:endParaRPr lang="en-US" sz="1600" dirty="0">
+                        <a:effectLst/>
+                      </a:endParaRPr>
+                    </a:p>
+                  </a:txBody>
+                  <a:tcPr marL="68580" marR="68580">
+                    <a:lnL w="6350" cap="flat" cmpd="sng" algn="ctr">
+                      <a:solidFill>
+                        <a:srgbClr val="000000"/>
+                      </a:solidFill>
+                      <a:prstDash val="solid"/>
+                      <a:round/>
+                      <a:headEnd type="none" w="med" len="med"/>
+                      <a:tailEnd type="none" w="med" len="med"/>
+                    </a:lnL>
+                    <a:lnR w="6350" cap="flat" cmpd="sng" algn="ctr">
+                      <a:solidFill>
+                        <a:srgbClr val="000000"/>
+                      </a:solidFill>
+                      <a:prstDash val="solid"/>
+                      <a:round/>
+                      <a:headEnd type="none" w="med" len="med"/>
+                      <a:tailEnd type="none" w="med" len="med"/>
+                    </a:lnR>
+                    <a:lnT w="6350" cap="flat" cmpd="sng" algn="ctr">
+                      <a:solidFill>
+                        <a:srgbClr val="000000"/>
+                      </a:solidFill>
+                      <a:prstDash val="solid"/>
+                      <a:round/>
+                      <a:headEnd type="none" w="med" len="med"/>
+                      <a:tailEnd type="none" w="med" len="med"/>
+                    </a:lnT>
+                    <a:lnB w="6350" cap="flat" cmpd="sng" algn="ctr">
+                      <a:solidFill>
+                        <a:srgbClr val="000000"/>
+                      </a:solidFill>
+                      <a:prstDash val="solid"/>
+                      <a:round/>
+                      <a:headEnd type="none" w="med" len="med"/>
+                      <a:tailEnd type="none" w="med" len="med"/>
+                    </a:lnB>
+                  </a:tcPr>
+                </a:tc>
+                <a:extLst>
+                  <a:ext uri="{0D108BD9-81ED-4DB2-BD59-A6C34878D82A}">
+                    <a16:rowId xmlns:a16="http://schemas.microsoft.com/office/drawing/2014/main" val="992008679"/>
+                  </a:ext>
+                </a:extLst>
+              </a:tr>
+              <a:tr h="529361">
+                <a:tc>
+                  <a:txBody>
+                    <a:bodyPr/>
+                    <a:lstStyle/>
+                    <a:p>
+                      <a:pPr algn="just" rtl="0" fontAlgn="t">
+                        <a:spcBef>
+                          <a:spcPts val="0"/>
+                        </a:spcBef>
+                        <a:spcAft>
+                          <a:spcPts val="0"/>
+                        </a:spcAft>
+                      </a:pPr>
+                      <a:r>
+                        <a:rPr lang="en-US" sz="1600" b="1" i="0" u="none" strike="noStrike" dirty="0" err="1">
+                          <a:solidFill>
+                            <a:srgbClr val="000000"/>
+                          </a:solidFill>
+                          <a:effectLst/>
+                          <a:latin typeface="Arial" panose="020B0604020202020204" pitchFamily="34" charset="0"/>
+                        </a:rPr>
+                        <a:t>Nombre</a:t>
+                      </a:r>
+                      <a:r>
+                        <a:rPr lang="en-US" sz="1600" b="1" i="0" u="none" strike="noStrike" dirty="0">
+                          <a:solidFill>
+                            <a:srgbClr val="000000"/>
+                          </a:solidFill>
+                          <a:effectLst/>
+                          <a:latin typeface="Arial" panose="020B0604020202020204" pitchFamily="34" charset="0"/>
+                        </a:rPr>
+                        <a:t> del </a:t>
+                      </a:r>
+                      <a:r>
+                        <a:rPr lang="en-US" sz="1600" b="1" i="0" u="none" strike="noStrike" dirty="0" err="1">
+                          <a:solidFill>
+                            <a:srgbClr val="000000"/>
+                          </a:solidFill>
+                          <a:effectLst/>
+                          <a:latin typeface="Arial" panose="020B0604020202020204" pitchFamily="34" charset="0"/>
+                        </a:rPr>
+                        <a:t>requerimiento</a:t>
+                      </a:r>
+                      <a:r>
+                        <a:rPr lang="en-US" sz="1600" b="1" i="0" u="none" strike="noStrike" dirty="0">
+                          <a:solidFill>
+                            <a:srgbClr val="000000"/>
+                          </a:solidFill>
+                          <a:effectLst/>
+                          <a:latin typeface="Arial" panose="020B0604020202020204" pitchFamily="34" charset="0"/>
+                        </a:rPr>
+                        <a:t>:</a:t>
+                      </a:r>
+                      <a:endParaRPr lang="en-US" sz="1600" dirty="0">
+                        <a:effectLst/>
+                      </a:endParaRPr>
+                    </a:p>
+                  </a:txBody>
+                  <a:tcPr marL="68580" marR="68580">
+                    <a:lnL w="6350" cap="flat" cmpd="sng" algn="ctr">
+                      <a:solidFill>
+                        <a:srgbClr val="000000"/>
+                      </a:solidFill>
+                      <a:prstDash val="solid"/>
+                      <a:round/>
+                      <a:headEnd type="none" w="med" len="med"/>
+                      <a:tailEnd type="none" w="med" len="med"/>
+                    </a:lnL>
+                    <a:lnR w="6350" cap="flat" cmpd="sng" algn="ctr">
+                      <a:solidFill>
+                        <a:srgbClr val="000000"/>
+                      </a:solidFill>
+                      <a:prstDash val="solid"/>
+                      <a:round/>
+                      <a:headEnd type="none" w="med" len="med"/>
+                      <a:tailEnd type="none" w="med" len="med"/>
+                    </a:lnR>
+                    <a:lnT w="6350" cap="flat" cmpd="sng" algn="ctr">
+                      <a:solidFill>
+                        <a:srgbClr val="000000"/>
+                      </a:solidFill>
+                      <a:prstDash val="solid"/>
+                      <a:round/>
+                      <a:headEnd type="none" w="med" len="med"/>
+                      <a:tailEnd type="none" w="med" len="med"/>
+                    </a:lnT>
+                    <a:lnB w="6350" cap="flat" cmpd="sng" algn="ctr">
+                      <a:solidFill>
+                        <a:srgbClr val="000000"/>
+                      </a:solidFill>
+                      <a:prstDash val="solid"/>
+                      <a:round/>
+                      <a:headEnd type="none" w="med" len="med"/>
+                      <a:tailEnd type="none" w="med" len="med"/>
+                    </a:lnB>
+                  </a:tcPr>
+                </a:tc>
+                <a:tc>
+                  <a:txBody>
+                    <a:bodyPr/>
+                    <a:lstStyle/>
+                    <a:p>
+                      <a:pPr algn="just" rtl="0" fontAlgn="t">
+                        <a:spcBef>
+                          <a:spcPts val="0"/>
+                        </a:spcBef>
+                        <a:spcAft>
+                          <a:spcPts val="0"/>
+                        </a:spcAft>
+                      </a:pPr>
+                      <a:r>
+                        <a:rPr lang="en-US" sz="1600" b="0" i="0" u="none" strike="noStrike">
+                          <a:solidFill>
+                            <a:srgbClr val="000000"/>
+                          </a:solidFill>
+                          <a:effectLst/>
+                          <a:latin typeface="Arial" panose="020B0604020202020204" pitchFamily="34" charset="0"/>
+                        </a:rPr>
+                        <a:t>Registro usuario </a:t>
+                      </a:r>
+                      <a:endParaRPr lang="en-US" sz="1600">
+                        <a:effectLst/>
+                      </a:endParaRPr>
+                    </a:p>
+                  </a:txBody>
+                  <a:tcPr marL="68580" marR="68580">
+                    <a:lnL w="6350" cap="flat" cmpd="sng" algn="ctr">
+                      <a:solidFill>
+                        <a:srgbClr val="000000"/>
+                      </a:solidFill>
+                      <a:prstDash val="solid"/>
+                      <a:round/>
+                      <a:headEnd type="none" w="med" len="med"/>
+                      <a:tailEnd type="none" w="med" len="med"/>
+                    </a:lnL>
+                    <a:lnR w="6350" cap="flat" cmpd="sng" algn="ctr">
+                      <a:solidFill>
+                        <a:srgbClr val="000000"/>
+                      </a:solidFill>
+                      <a:prstDash val="solid"/>
+                      <a:round/>
+                      <a:headEnd type="none" w="med" len="med"/>
+                      <a:tailEnd type="none" w="med" len="med"/>
+                    </a:lnR>
+                    <a:lnT w="6350" cap="flat" cmpd="sng" algn="ctr">
+                      <a:solidFill>
+                        <a:srgbClr val="000000"/>
+                      </a:solidFill>
+                      <a:prstDash val="solid"/>
+                      <a:round/>
+                      <a:headEnd type="none" w="med" len="med"/>
+                      <a:tailEnd type="none" w="med" len="med"/>
+                    </a:lnT>
+                    <a:lnB w="6350" cap="flat" cmpd="sng" algn="ctr">
+                      <a:solidFill>
+                        <a:srgbClr val="000000"/>
+                      </a:solidFill>
+                      <a:prstDash val="solid"/>
+                      <a:round/>
+                      <a:headEnd type="none" w="med" len="med"/>
+                      <a:tailEnd type="none" w="med" len="med"/>
+                    </a:lnB>
+                  </a:tcPr>
+                </a:tc>
+                <a:extLst>
+                  <a:ext uri="{0D108BD9-81ED-4DB2-BD59-A6C34878D82A}">
+                    <a16:rowId xmlns:a16="http://schemas.microsoft.com/office/drawing/2014/main" val="755763324"/>
+                  </a:ext>
+                </a:extLst>
+              </a:tr>
+              <a:tr h="529361">
+                <a:tc>
+                  <a:txBody>
+                    <a:bodyPr/>
+                    <a:lstStyle/>
+                    <a:p>
+                      <a:pPr algn="just" rtl="0" fontAlgn="t">
+                        <a:spcBef>
+                          <a:spcPts val="0"/>
+                        </a:spcBef>
+                        <a:spcAft>
+                          <a:spcPts val="0"/>
+                        </a:spcAft>
+                      </a:pPr>
+                      <a:r>
+                        <a:rPr lang="en-US" sz="1600" b="1" i="0" u="none" strike="noStrike" dirty="0" err="1">
+                          <a:solidFill>
+                            <a:srgbClr val="000000"/>
+                          </a:solidFill>
+                          <a:effectLst/>
+                          <a:latin typeface="Arial" panose="020B0604020202020204" pitchFamily="34" charset="0"/>
+                        </a:rPr>
+                        <a:t>Características</a:t>
+                      </a:r>
+                      <a:endParaRPr lang="en-US" sz="1600" dirty="0">
+                        <a:effectLst/>
+                      </a:endParaRPr>
+                    </a:p>
+                  </a:txBody>
+                  <a:tcPr marL="68580" marR="68580">
+                    <a:lnL w="6350" cap="flat" cmpd="sng" algn="ctr">
+                      <a:solidFill>
+                        <a:srgbClr val="000000"/>
+                      </a:solidFill>
+                      <a:prstDash val="solid"/>
+                      <a:round/>
+                      <a:headEnd type="none" w="med" len="med"/>
+                      <a:tailEnd type="none" w="med" len="med"/>
+                    </a:lnL>
+                    <a:lnR w="6350" cap="flat" cmpd="sng" algn="ctr">
+                      <a:solidFill>
+                        <a:srgbClr val="000000"/>
+                      </a:solidFill>
+                      <a:prstDash val="solid"/>
+                      <a:round/>
+                      <a:headEnd type="none" w="med" len="med"/>
+                      <a:tailEnd type="none" w="med" len="med"/>
+                    </a:lnR>
+                    <a:lnT w="6350" cap="flat" cmpd="sng" algn="ctr">
+                      <a:solidFill>
+                        <a:srgbClr val="000000"/>
+                      </a:solidFill>
+                      <a:prstDash val="solid"/>
+                      <a:round/>
+                      <a:headEnd type="none" w="med" len="med"/>
+                      <a:tailEnd type="none" w="med" len="med"/>
+                    </a:lnT>
+                    <a:lnB w="6350" cap="flat" cmpd="sng" algn="ctr">
+                      <a:solidFill>
+                        <a:srgbClr val="000000"/>
+                      </a:solidFill>
+                      <a:prstDash val="solid"/>
+                      <a:round/>
+                      <a:headEnd type="none" w="med" len="med"/>
+                      <a:tailEnd type="none" w="med" len="med"/>
+                    </a:lnB>
+                  </a:tcPr>
+                </a:tc>
+                <a:tc>
+                  <a:txBody>
+                    <a:bodyPr/>
+                    <a:lstStyle/>
+                    <a:p>
+                      <a:pPr algn="just" rtl="0" fontAlgn="t">
+                        <a:spcBef>
+                          <a:spcPts val="0"/>
+                        </a:spcBef>
+                        <a:spcAft>
+                          <a:spcPts val="0"/>
+                        </a:spcAft>
+                      </a:pPr>
+                      <a:r>
+                        <a:rPr lang="es-ES" sz="1600" b="0" i="0" u="none" strike="noStrike" dirty="0">
+                          <a:solidFill>
+                            <a:srgbClr val="000000"/>
+                          </a:solidFill>
+                          <a:effectLst/>
+                          <a:latin typeface="Arial" panose="020B0604020202020204" pitchFamily="34" charset="0"/>
+                        </a:rPr>
+                        <a:t>El usuario deberá registrarse para poder usar la </a:t>
+                      </a:r>
+                      <a:r>
+                        <a:rPr lang="es-ES" sz="1600" b="0" i="0" u="none" strike="noStrike" dirty="0" err="1">
+                          <a:solidFill>
+                            <a:srgbClr val="000000"/>
+                          </a:solidFill>
+                          <a:effectLst/>
+                          <a:latin typeface="Arial" panose="020B0604020202020204" pitchFamily="34" charset="0"/>
+                        </a:rPr>
+                        <a:t>aplicacion</a:t>
+                      </a:r>
+                      <a:endParaRPr lang="es-ES" sz="1600" dirty="0">
+                        <a:effectLst/>
+                      </a:endParaRPr>
+                    </a:p>
+                  </a:txBody>
+                  <a:tcPr marL="68580" marR="68580">
+                    <a:lnL w="6350" cap="flat" cmpd="sng" algn="ctr">
+                      <a:solidFill>
+                        <a:srgbClr val="000000"/>
+                      </a:solidFill>
+                      <a:prstDash val="solid"/>
+                      <a:round/>
+                      <a:headEnd type="none" w="med" len="med"/>
+                      <a:tailEnd type="none" w="med" len="med"/>
+                    </a:lnL>
+                    <a:lnR w="6350" cap="flat" cmpd="sng" algn="ctr">
+                      <a:solidFill>
+                        <a:srgbClr val="000000"/>
+                      </a:solidFill>
+                      <a:prstDash val="solid"/>
+                      <a:round/>
+                      <a:headEnd type="none" w="med" len="med"/>
+                      <a:tailEnd type="none" w="med" len="med"/>
+                    </a:lnR>
+                    <a:lnT w="6350" cap="flat" cmpd="sng" algn="ctr">
+                      <a:solidFill>
+                        <a:srgbClr val="000000"/>
+                      </a:solidFill>
+                      <a:prstDash val="solid"/>
+                      <a:round/>
+                      <a:headEnd type="none" w="med" len="med"/>
+                      <a:tailEnd type="none" w="med" len="med"/>
+                    </a:lnT>
+                    <a:lnB w="6350" cap="flat" cmpd="sng" algn="ctr">
+                      <a:solidFill>
+                        <a:srgbClr val="000000"/>
+                      </a:solidFill>
+                      <a:prstDash val="solid"/>
+                      <a:round/>
+                      <a:headEnd type="none" w="med" len="med"/>
+                      <a:tailEnd type="none" w="med" len="med"/>
+                    </a:lnB>
+                  </a:tcPr>
+                </a:tc>
+                <a:extLst>
+                  <a:ext uri="{0D108BD9-81ED-4DB2-BD59-A6C34878D82A}">
+                    <a16:rowId xmlns:a16="http://schemas.microsoft.com/office/drawing/2014/main" val="1825541529"/>
+                  </a:ext>
+                </a:extLst>
+              </a:tr>
+              <a:tr h="741106">
+                <a:tc>
+                  <a:txBody>
+                    <a:bodyPr/>
+                    <a:lstStyle/>
+                    <a:p>
+                      <a:pPr algn="just" rtl="0" fontAlgn="t">
+                        <a:spcBef>
+                          <a:spcPts val="0"/>
+                        </a:spcBef>
+                        <a:spcAft>
+                          <a:spcPts val="0"/>
+                        </a:spcAft>
+                      </a:pPr>
+                      <a:r>
+                        <a:rPr lang="en-US" sz="1600" b="1" i="0" u="none" strike="noStrike">
+                          <a:solidFill>
+                            <a:srgbClr val="000000"/>
+                          </a:solidFill>
+                          <a:effectLst/>
+                          <a:latin typeface="Arial" panose="020B0604020202020204" pitchFamily="34" charset="0"/>
+                        </a:rPr>
+                        <a:t>Descripción del requerimiento:</a:t>
+                      </a:r>
+                      <a:endParaRPr lang="en-US" sz="1600">
+                        <a:effectLst/>
+                      </a:endParaRPr>
+                    </a:p>
+                  </a:txBody>
+                  <a:tcPr marL="68580" marR="68580">
+                    <a:lnL w="6350" cap="flat" cmpd="sng" algn="ctr">
+                      <a:solidFill>
+                        <a:srgbClr val="000000"/>
+                      </a:solidFill>
+                      <a:prstDash val="solid"/>
+                      <a:round/>
+                      <a:headEnd type="none" w="med" len="med"/>
+                      <a:tailEnd type="none" w="med" len="med"/>
+                    </a:lnL>
+                    <a:lnR w="6350" cap="flat" cmpd="sng" algn="ctr">
+                      <a:solidFill>
+                        <a:srgbClr val="000000"/>
+                      </a:solidFill>
+                      <a:prstDash val="solid"/>
+                      <a:round/>
+                      <a:headEnd type="none" w="med" len="med"/>
+                      <a:tailEnd type="none" w="med" len="med"/>
+                    </a:lnR>
+                    <a:lnT w="6350" cap="flat" cmpd="sng" algn="ctr">
+                      <a:solidFill>
+                        <a:srgbClr val="000000"/>
+                      </a:solidFill>
+                      <a:prstDash val="solid"/>
+                      <a:round/>
+                      <a:headEnd type="none" w="med" len="med"/>
+                      <a:tailEnd type="none" w="med" len="med"/>
+                    </a:lnT>
+                    <a:lnB w="6350" cap="flat" cmpd="sng" algn="ctr">
+                      <a:solidFill>
+                        <a:srgbClr val="000000"/>
+                      </a:solidFill>
+                      <a:prstDash val="solid"/>
+                      <a:round/>
+                      <a:headEnd type="none" w="med" len="med"/>
+                      <a:tailEnd type="none" w="med" len="med"/>
+                    </a:lnB>
+                  </a:tcPr>
+                </a:tc>
+                <a:tc>
+                  <a:txBody>
+                    <a:bodyPr/>
+                    <a:lstStyle/>
+                    <a:p>
+                      <a:pPr algn="just" rtl="0" fontAlgn="t">
+                        <a:spcBef>
+                          <a:spcPts val="0"/>
+                        </a:spcBef>
+                        <a:spcAft>
+                          <a:spcPts val="0"/>
+                        </a:spcAft>
+                      </a:pPr>
+                      <a:r>
+                        <a:rPr lang="es-ES" sz="1600" b="0" i="0" u="none" strike="noStrike" dirty="0">
+                          <a:solidFill>
+                            <a:srgbClr val="000000"/>
+                          </a:solidFill>
+                          <a:effectLst/>
+                          <a:latin typeface="Arial" panose="020B0604020202020204" pitchFamily="34" charset="0"/>
+                        </a:rPr>
+                        <a:t>la interfaz le pedirá datos tales como: Fecha de nacimiento, Nombre y apellido, correo electrónico y contraseña.</a:t>
+                      </a:r>
+                      <a:endParaRPr lang="es-ES" sz="1600" dirty="0">
+                        <a:effectLst/>
+                      </a:endParaRPr>
+                    </a:p>
+                  </a:txBody>
+                  <a:tcPr marL="68580" marR="68580">
+                    <a:lnL w="6350" cap="flat" cmpd="sng" algn="ctr">
+                      <a:solidFill>
+                        <a:srgbClr val="000000"/>
+                      </a:solidFill>
+                      <a:prstDash val="solid"/>
+                      <a:round/>
+                      <a:headEnd type="none" w="med" len="med"/>
+                      <a:tailEnd type="none" w="med" len="med"/>
+                    </a:lnL>
+                    <a:lnR w="6350" cap="flat" cmpd="sng" algn="ctr">
+                      <a:solidFill>
+                        <a:srgbClr val="000000"/>
+                      </a:solidFill>
+                      <a:prstDash val="solid"/>
+                      <a:round/>
+                      <a:headEnd type="none" w="med" len="med"/>
+                      <a:tailEnd type="none" w="med" len="med"/>
+                    </a:lnR>
+                    <a:lnT w="6350" cap="flat" cmpd="sng" algn="ctr">
+                      <a:solidFill>
+                        <a:srgbClr val="000000"/>
+                      </a:solidFill>
+                      <a:prstDash val="solid"/>
+                      <a:round/>
+                      <a:headEnd type="none" w="med" len="med"/>
+                      <a:tailEnd type="none" w="med" len="med"/>
+                    </a:lnT>
+                    <a:lnB w="6350" cap="flat" cmpd="sng" algn="ctr">
+                      <a:solidFill>
+                        <a:srgbClr val="000000"/>
+                      </a:solidFill>
+                      <a:prstDash val="solid"/>
+                      <a:round/>
+                      <a:headEnd type="none" w="med" len="med"/>
+                      <a:tailEnd type="none" w="med" len="med"/>
+                    </a:lnB>
+                  </a:tcPr>
+                </a:tc>
+                <a:extLst>
+                  <a:ext uri="{0D108BD9-81ED-4DB2-BD59-A6C34878D82A}">
+                    <a16:rowId xmlns:a16="http://schemas.microsoft.com/office/drawing/2014/main" val="1194887078"/>
+                  </a:ext>
+                </a:extLst>
+              </a:tr>
+              <a:tr h="741106">
+                <a:tc>
+                  <a:txBody>
+                    <a:bodyPr/>
+                    <a:lstStyle/>
+                    <a:p>
+                      <a:pPr algn="just" rtl="0" fontAlgn="t">
+                        <a:spcBef>
+                          <a:spcPts val="0"/>
+                        </a:spcBef>
+                        <a:spcAft>
+                          <a:spcPts val="0"/>
+                        </a:spcAft>
+                      </a:pPr>
+                      <a:r>
+                        <a:rPr lang="en-US" sz="1600" b="1" i="0" u="none" strike="noStrike">
+                          <a:solidFill>
+                            <a:srgbClr val="000000"/>
+                          </a:solidFill>
+                          <a:effectLst/>
+                          <a:latin typeface="Arial" panose="020B0604020202020204" pitchFamily="34" charset="0"/>
+                        </a:rPr>
+                        <a:t>Requerimientos no funcionales:</a:t>
+                      </a:r>
+                      <a:endParaRPr lang="en-US" sz="1600">
+                        <a:effectLst/>
+                      </a:endParaRPr>
+                    </a:p>
+                  </a:txBody>
+                  <a:tcPr marL="68580" marR="68580">
+                    <a:lnL w="6350" cap="flat" cmpd="sng" algn="ctr">
+                      <a:solidFill>
+                        <a:srgbClr val="000000"/>
+                      </a:solidFill>
+                      <a:prstDash val="solid"/>
+                      <a:round/>
+                      <a:headEnd type="none" w="med" len="med"/>
+                      <a:tailEnd type="none" w="med" len="med"/>
+                    </a:lnL>
+                    <a:lnR w="6350" cap="flat" cmpd="sng" algn="ctr">
+                      <a:solidFill>
+                        <a:srgbClr val="000000"/>
+                      </a:solidFill>
+                      <a:prstDash val="solid"/>
+                      <a:round/>
+                      <a:headEnd type="none" w="med" len="med"/>
+                      <a:tailEnd type="none" w="med" len="med"/>
+                    </a:lnR>
+                    <a:lnT w="6350" cap="flat" cmpd="sng" algn="ctr">
+                      <a:solidFill>
+                        <a:srgbClr val="000000"/>
+                      </a:solidFill>
+                      <a:prstDash val="solid"/>
+                      <a:round/>
+                      <a:headEnd type="none" w="med" len="med"/>
+                      <a:tailEnd type="none" w="med" len="med"/>
+                    </a:lnT>
+                    <a:lnB w="6350" cap="flat" cmpd="sng" algn="ctr">
+                      <a:solidFill>
+                        <a:srgbClr val="000000"/>
+                      </a:solidFill>
+                      <a:prstDash val="solid"/>
+                      <a:round/>
+                      <a:headEnd type="none" w="med" len="med"/>
+                      <a:tailEnd type="none" w="med" len="med"/>
+                    </a:lnB>
+                  </a:tcPr>
+                </a:tc>
+                <a:tc>
+                  <a:txBody>
+                    <a:bodyPr/>
+                    <a:lstStyle/>
+                    <a:p>
+                      <a:pPr fontAlgn="t"/>
+                      <a:r>
+                        <a:rPr lang="en-US" sz="1600" dirty="0">
+                          <a:effectLst/>
+                        </a:rPr>
+                        <a:t/>
+                      </a:r>
+                      <a:br>
+                        <a:rPr lang="en-US" sz="1600" dirty="0">
+                          <a:effectLst/>
+                        </a:rPr>
+                      </a:br>
+                      <a:endParaRPr lang="en-US" sz="1600" dirty="0">
+                        <a:effectLst/>
+                      </a:endParaRPr>
+                    </a:p>
+                  </a:txBody>
+                  <a:tcPr marL="68580" marR="68580">
+                    <a:lnL w="6350" cap="flat" cmpd="sng" algn="ctr">
+                      <a:solidFill>
+                        <a:srgbClr val="000000"/>
+                      </a:solidFill>
+                      <a:prstDash val="solid"/>
+                      <a:round/>
+                      <a:headEnd type="none" w="med" len="med"/>
+                      <a:tailEnd type="none" w="med" len="med"/>
+                    </a:lnL>
+                    <a:lnR w="6350" cap="flat" cmpd="sng" algn="ctr">
+                      <a:solidFill>
+                        <a:srgbClr val="000000"/>
+                      </a:solidFill>
+                      <a:prstDash val="solid"/>
+                      <a:round/>
+                      <a:headEnd type="none" w="med" len="med"/>
+                      <a:tailEnd type="none" w="med" len="med"/>
+                    </a:lnR>
+                    <a:lnT w="6350" cap="flat" cmpd="sng" algn="ctr">
+                      <a:solidFill>
+                        <a:srgbClr val="000000"/>
+                      </a:solidFill>
+                      <a:prstDash val="solid"/>
+                      <a:round/>
+                      <a:headEnd type="none" w="med" len="med"/>
+                      <a:tailEnd type="none" w="med" len="med"/>
+                    </a:lnT>
+                    <a:lnB w="6350" cap="flat" cmpd="sng" algn="ctr">
+                      <a:solidFill>
+                        <a:srgbClr val="000000"/>
+                      </a:solidFill>
+                      <a:prstDash val="solid"/>
+                      <a:round/>
+                      <a:headEnd type="none" w="med" len="med"/>
+                      <a:tailEnd type="none" w="med" len="med"/>
+                    </a:lnB>
+                  </a:tcPr>
+                </a:tc>
+                <a:extLst>
+                  <a:ext uri="{0D108BD9-81ED-4DB2-BD59-A6C34878D82A}">
+                    <a16:rowId xmlns:a16="http://schemas.microsoft.com/office/drawing/2014/main" val="2787254839"/>
+                  </a:ext>
+                </a:extLst>
+              </a:tr>
+              <a:tr h="529361">
+                <a:tc>
+                  <a:txBody>
+                    <a:bodyPr/>
+                    <a:lstStyle/>
+                    <a:p>
+                      <a:pPr algn="just" rtl="0" fontAlgn="t">
+                        <a:spcBef>
+                          <a:spcPts val="0"/>
+                        </a:spcBef>
+                        <a:spcAft>
+                          <a:spcPts val="0"/>
+                        </a:spcAft>
+                      </a:pPr>
+                      <a:r>
+                        <a:rPr lang="en-US" sz="1600" b="1" i="0" u="none" strike="noStrike">
+                          <a:solidFill>
+                            <a:srgbClr val="000000"/>
+                          </a:solidFill>
+                          <a:effectLst/>
+                          <a:latin typeface="Arial" panose="020B0604020202020204" pitchFamily="34" charset="0"/>
+                        </a:rPr>
+                        <a:t>Prioridad de requerimiento:</a:t>
+                      </a:r>
+                      <a:endParaRPr lang="en-US" sz="1600">
+                        <a:effectLst/>
+                      </a:endParaRPr>
+                    </a:p>
+                  </a:txBody>
+                  <a:tcPr marL="68580" marR="68580">
+                    <a:lnL w="6350" cap="flat" cmpd="sng" algn="ctr">
+                      <a:solidFill>
+                        <a:srgbClr val="000000"/>
+                      </a:solidFill>
+                      <a:prstDash val="solid"/>
+                      <a:round/>
+                      <a:headEnd type="none" w="med" len="med"/>
+                      <a:tailEnd type="none" w="med" len="med"/>
+                    </a:lnL>
+                    <a:lnR w="6350" cap="flat" cmpd="sng" algn="ctr">
+                      <a:solidFill>
+                        <a:srgbClr val="000000"/>
+                      </a:solidFill>
+                      <a:prstDash val="solid"/>
+                      <a:round/>
+                      <a:headEnd type="none" w="med" len="med"/>
+                      <a:tailEnd type="none" w="med" len="med"/>
+                    </a:lnR>
+                    <a:lnT w="6350" cap="flat" cmpd="sng" algn="ctr">
+                      <a:solidFill>
+                        <a:srgbClr val="000000"/>
+                      </a:solidFill>
+                      <a:prstDash val="solid"/>
+                      <a:round/>
+                      <a:headEnd type="none" w="med" len="med"/>
+                      <a:tailEnd type="none" w="med" len="med"/>
+                    </a:lnT>
+                    <a:lnB w="6350" cap="flat" cmpd="sng" algn="ctr">
+                      <a:solidFill>
+                        <a:srgbClr val="000000"/>
+                      </a:solidFill>
+                      <a:prstDash val="solid"/>
+                      <a:round/>
+                      <a:headEnd type="none" w="med" len="med"/>
+                      <a:tailEnd type="none" w="med" len="med"/>
+                    </a:lnB>
+                  </a:tcPr>
+                </a:tc>
+                <a:tc>
+                  <a:txBody>
+                    <a:bodyPr/>
+                    <a:lstStyle/>
+                    <a:p>
+                      <a:pPr algn="just" rtl="0" fontAlgn="t">
+                        <a:spcBef>
+                          <a:spcPts val="0"/>
+                        </a:spcBef>
+                        <a:spcAft>
+                          <a:spcPts val="0"/>
+                        </a:spcAft>
+                      </a:pPr>
+                      <a:r>
+                        <a:rPr lang="en-US" sz="1600" b="0" i="0" u="none" strike="noStrike" dirty="0">
+                          <a:solidFill>
+                            <a:srgbClr val="000000"/>
+                          </a:solidFill>
+                          <a:effectLst/>
+                          <a:latin typeface="Arial" panose="020B0604020202020204" pitchFamily="34" charset="0"/>
+                        </a:rPr>
+                        <a:t>    Alta ( x  )         media (    )                </a:t>
+                      </a:r>
+                      <a:r>
+                        <a:rPr lang="en-US" sz="1600" b="0" i="0" u="none" strike="noStrike" dirty="0" err="1">
+                          <a:solidFill>
+                            <a:srgbClr val="000000"/>
+                          </a:solidFill>
+                          <a:effectLst/>
+                          <a:latin typeface="Arial" panose="020B0604020202020204" pitchFamily="34" charset="0"/>
+                        </a:rPr>
+                        <a:t>baja</a:t>
+                      </a:r>
+                      <a:r>
+                        <a:rPr lang="en-US" sz="1600" b="0" i="0" u="none" strike="noStrike" dirty="0">
+                          <a:solidFill>
+                            <a:srgbClr val="000000"/>
+                          </a:solidFill>
+                          <a:effectLst/>
+                          <a:latin typeface="Arial" panose="020B0604020202020204" pitchFamily="34" charset="0"/>
+                        </a:rPr>
+                        <a:t>(      )</a:t>
+                      </a:r>
+                      <a:endParaRPr lang="en-US" sz="1600" dirty="0">
+                        <a:effectLst/>
+                      </a:endParaRPr>
+                    </a:p>
+                  </a:txBody>
+                  <a:tcPr marL="68580" marR="68580">
+                    <a:lnL w="6350" cap="flat" cmpd="sng" algn="ctr">
+                      <a:solidFill>
+                        <a:srgbClr val="000000"/>
+                      </a:solidFill>
+                      <a:prstDash val="solid"/>
+                      <a:round/>
+                      <a:headEnd type="none" w="med" len="med"/>
+                      <a:tailEnd type="none" w="med" len="med"/>
+                    </a:lnL>
+                    <a:lnR w="6350" cap="flat" cmpd="sng" algn="ctr">
+                      <a:solidFill>
+                        <a:srgbClr val="000000"/>
+                      </a:solidFill>
+                      <a:prstDash val="solid"/>
+                      <a:round/>
+                      <a:headEnd type="none" w="med" len="med"/>
+                      <a:tailEnd type="none" w="med" len="med"/>
+                    </a:lnR>
+                    <a:lnT w="6350" cap="flat" cmpd="sng" algn="ctr">
+                      <a:solidFill>
+                        <a:srgbClr val="000000"/>
+                      </a:solidFill>
+                      <a:prstDash val="solid"/>
+                      <a:round/>
+                      <a:headEnd type="none" w="med" len="med"/>
+                      <a:tailEnd type="none" w="med" len="med"/>
+                    </a:lnT>
+                    <a:lnB w="6350" cap="flat" cmpd="sng" algn="ctr">
+                      <a:solidFill>
+                        <a:srgbClr val="000000"/>
+                      </a:solidFill>
+                      <a:prstDash val="solid"/>
+                      <a:round/>
+                      <a:headEnd type="none" w="med" len="med"/>
+                      <a:tailEnd type="none" w="med" len="med"/>
+                    </a:lnB>
+                  </a:tcPr>
+                </a:tc>
+                <a:extLst>
+                  <a:ext uri="{0D108BD9-81ED-4DB2-BD59-A6C34878D82A}">
+                    <a16:rowId xmlns:a16="http://schemas.microsoft.com/office/drawing/2014/main" val="59072564"/>
+                  </a:ext>
+                </a:extLst>
+              </a:tr>
+            </a:tbl>
+          </a:graphicData>
+        </a:graphic>
+      </p:graphicFrame>
+      <p:sp>
+        <p:nvSpPr>
+          <p:cNvPr id="5" name="Rectangle 1"/>
+          <p:cNvSpPr>
+            <a:spLocks noChangeArrowheads="1"/>
+          </p:cNvSpPr>
+          <p:nvPr/>
+        </p:nvSpPr>
+        <p:spPr bwMode="auto">
+          <a:xfrm>
+            <a:off x="3386138" y="2446338"/>
+            <a:ext cx="12192000" cy="457200"/>
+          </a:xfrm>
+          <a:prstGeom prst="rect">
+            <a:avLst/>
+          </a:prstGeom>
+          <a:noFill/>
+          <a:ln>
+            <a:noFill/>
+          </a:ln>
+          <a:effectLst/>
+          <a:extLst>
+            <a:ext uri="{909E8E84-426E-40DD-AFC4-6F175D3DCCD1}">
+              <a14:hiddenFill xmlns:a14="http://schemas.microsoft.com/office/drawing/2010/main">
+                <a:solidFill>
+                  <a:schemeClr val="accent1"/>
+                </a:solidFill>
+              </a14:hiddenFill>
+            </a:ext>
+            <a:ext uri="{91240B29-F687-4F45-9708-019B960494DF}">
+              <a14:hiddenLine xmlns:a14="http://schemas.microsoft.com/office/drawing/2010/main" w="9525">
+                <a:solidFill>
+                  <a:schemeClr val="tx1"/>
+                </a:solidFill>
+                <a:miter lim="800000"/>
+                <a:headEnd/>
+                <a:tailEnd/>
+              </a14:hiddenLine>
+            </a:ext>
+            <a:ext uri="{AF507438-7753-43E0-B8FC-AC1667EBCBE1}">
+              <a14:hiddenEffects xmlns:a14="http://schemas.microsoft.com/office/drawing/2010/main">
+                <a:effectLst>
+                  <a:outerShdw dist="35921" dir="2700000" algn="ctr" rotWithShape="0">
+                    <a:schemeClr val="bg2"/>
+                  </a:outerShdw>
+                </a:effectLst>
+              </a14:hiddenEffects>
+            </a:ext>
+          </a:extLst>
+        </p:spPr>
+        <p:txBody>
+          <a:bodyPr vert="horz" wrap="none" lIns="91440" tIns="45720" rIns="91440" bIns="45720" numCol="1" anchor="ctr" anchorCtr="0" compatLnSpc="1">
+            <a:prstTxWarp prst="textNoShape">
+              <a:avLst/>
+            </a:prstTxWarp>
+            <a:spAutoFit/>
+          </a:bodyPr>
+          <a:lstStyle/>
+          <a:p>
+            <a:endParaRPr lang="en-US"/>
+          </a:p>
+        </p:txBody>
+      </p:sp>
     </p:spTree>
+    <p:extLst>
+      <p:ext uri="{BB962C8B-B14F-4D97-AF65-F5344CB8AC3E}">
+        <p14:creationId xmlns:p14="http://schemas.microsoft.com/office/powerpoint/2010/main" val="1648681846"/>
+      </p:ext>
+    </p:extLst>
+  </p:cSld>
+  <p:clrMapOvr>
+    <a:masterClrMapping/>
+  </p:clrMapOvr>
+</p:sld>
+</file>
+
+<file path=ppt/slides/slide17.xml><?xml version="1.0" encoding="utf-8"?>
+<p:sld xmlns:a="http://schemas.openxmlformats.org/drawingml/2006/main" xmlns:r="http://schemas.openxmlformats.org/officeDocument/2006/relationships" xmlns:p="http://schemas.openxmlformats.org/presentationml/2006/main">
+  <p:cSld>
+    <p:spTree>
+      <p:nvGrpSpPr>
+        <p:cNvPr id="1" name=""/>
+        <p:cNvGrpSpPr/>
+        <p:nvPr/>
+      </p:nvGrpSpPr>
+      <p:grpSpPr>
+        <a:xfrm>
+          <a:off x="0" y="0"/>
+          <a:ext cx="0" cy="0"/>
+          <a:chOff x="0" y="0"/>
+          <a:chExt cx="0" cy="0"/>
+        </a:xfrm>
+      </p:grpSpPr>
+      <p:graphicFrame>
+        <p:nvGraphicFramePr>
+          <p:cNvPr id="2" name="Tabla 1"/>
+          <p:cNvGraphicFramePr>
+            <a:graphicFrameLocks noGrp="1"/>
+          </p:cNvGraphicFramePr>
+          <p:nvPr>
+            <p:extLst>
+              <p:ext uri="{D42A27DB-BD31-4B8C-83A1-F6EECF244321}">
+                <p14:modId xmlns:p14="http://schemas.microsoft.com/office/powerpoint/2010/main" val="1650088045"/>
+              </p:ext>
+            </p:extLst>
+          </p:nvPr>
+        </p:nvGraphicFramePr>
+        <p:xfrm>
+          <a:off x="2583180" y="1261428"/>
+          <a:ext cx="7806690" cy="4202111"/>
+        </p:xfrm>
+        <a:graphic>
+          <a:graphicData uri="http://schemas.openxmlformats.org/drawingml/2006/table">
+            <a:tbl>
+              <a:tblPr/>
+              <a:tblGrid>
+                <a:gridCol w="2016842">
+                  <a:extLst>
+                    <a:ext uri="{9D8B030D-6E8A-4147-A177-3AD203B41FA5}">
+                      <a16:colId xmlns:a16="http://schemas.microsoft.com/office/drawing/2014/main" val="3995361912"/>
+                    </a:ext>
+                  </a:extLst>
+                </a:gridCol>
+                <a:gridCol w="5789848">
+                  <a:extLst>
+                    <a:ext uri="{9D8B030D-6E8A-4147-A177-3AD203B41FA5}">
+                      <a16:colId xmlns:a16="http://schemas.microsoft.com/office/drawing/2014/main" val="3267248685"/>
+                    </a:ext>
+                  </a:extLst>
+                </a:gridCol>
+              </a:tblGrid>
+              <a:tr h="654427">
+                <a:tc>
+                  <a:txBody>
+                    <a:bodyPr/>
+                    <a:lstStyle/>
+                    <a:p>
+                      <a:pPr algn="just" rtl="0" fontAlgn="t">
+                        <a:spcBef>
+                          <a:spcPts val="0"/>
+                        </a:spcBef>
+                        <a:spcAft>
+                          <a:spcPts val="0"/>
+                        </a:spcAft>
+                      </a:pPr>
+                      <a:r>
+                        <a:rPr lang="en-US" sz="1600" b="1" i="0" u="none" strike="noStrike" dirty="0" err="1">
+                          <a:solidFill>
+                            <a:srgbClr val="000000"/>
+                          </a:solidFill>
+                          <a:effectLst/>
+                          <a:latin typeface="Arial" panose="020B0604020202020204" pitchFamily="34" charset="0"/>
+                        </a:rPr>
+                        <a:t>Identificación</a:t>
+                      </a:r>
+                      <a:r>
+                        <a:rPr lang="en-US" sz="1600" b="1" i="0" u="none" strike="noStrike" dirty="0">
+                          <a:solidFill>
+                            <a:srgbClr val="000000"/>
+                          </a:solidFill>
+                          <a:effectLst/>
+                          <a:latin typeface="Arial" panose="020B0604020202020204" pitchFamily="34" charset="0"/>
+                        </a:rPr>
+                        <a:t> del </a:t>
+                      </a:r>
+                      <a:r>
+                        <a:rPr lang="en-US" sz="1600" b="1" i="0" u="none" strike="noStrike" dirty="0" err="1">
+                          <a:solidFill>
+                            <a:srgbClr val="000000"/>
+                          </a:solidFill>
+                          <a:effectLst/>
+                          <a:latin typeface="Arial" panose="020B0604020202020204" pitchFamily="34" charset="0"/>
+                        </a:rPr>
+                        <a:t>requerimiento</a:t>
+                      </a:r>
+                      <a:r>
+                        <a:rPr lang="en-US" sz="1600" b="1" i="0" u="none" strike="noStrike" dirty="0">
+                          <a:solidFill>
+                            <a:srgbClr val="000000"/>
+                          </a:solidFill>
+                          <a:effectLst/>
+                          <a:latin typeface="Arial" panose="020B0604020202020204" pitchFamily="34" charset="0"/>
+                        </a:rPr>
+                        <a:t>:</a:t>
+                      </a:r>
+                      <a:endParaRPr lang="en-US" sz="1600" dirty="0">
+                        <a:effectLst/>
+                      </a:endParaRPr>
+                    </a:p>
+                  </a:txBody>
+                  <a:tcPr marL="68580" marR="68580">
+                    <a:lnL w="6350" cap="flat" cmpd="sng" algn="ctr">
+                      <a:solidFill>
+                        <a:srgbClr val="000000"/>
+                      </a:solidFill>
+                      <a:prstDash val="solid"/>
+                      <a:round/>
+                      <a:headEnd type="none" w="med" len="med"/>
+                      <a:tailEnd type="none" w="med" len="med"/>
+                    </a:lnL>
+                    <a:lnR w="6350" cap="flat" cmpd="sng" algn="ctr">
+                      <a:solidFill>
+                        <a:srgbClr val="000000"/>
+                      </a:solidFill>
+                      <a:prstDash val="solid"/>
+                      <a:round/>
+                      <a:headEnd type="none" w="med" len="med"/>
+                      <a:tailEnd type="none" w="med" len="med"/>
+                    </a:lnR>
+                    <a:lnT w="6350" cap="flat" cmpd="sng" algn="ctr">
+                      <a:solidFill>
+                        <a:srgbClr val="000000"/>
+                      </a:solidFill>
+                      <a:prstDash val="solid"/>
+                      <a:round/>
+                      <a:headEnd type="none" w="med" len="med"/>
+                      <a:tailEnd type="none" w="med" len="med"/>
+                    </a:lnT>
+                    <a:lnB w="6350" cap="flat" cmpd="sng" algn="ctr">
+                      <a:solidFill>
+                        <a:srgbClr val="000000"/>
+                      </a:solidFill>
+                      <a:prstDash val="solid"/>
+                      <a:round/>
+                      <a:headEnd type="none" w="med" len="med"/>
+                      <a:tailEnd type="none" w="med" len="med"/>
+                    </a:lnB>
+                  </a:tcPr>
+                </a:tc>
+                <a:tc>
+                  <a:txBody>
+                    <a:bodyPr/>
+                    <a:lstStyle/>
+                    <a:p>
+                      <a:pPr algn="just" rtl="0" fontAlgn="t">
+                        <a:spcBef>
+                          <a:spcPts val="0"/>
+                        </a:spcBef>
+                        <a:spcAft>
+                          <a:spcPts val="0"/>
+                        </a:spcAft>
+                      </a:pPr>
+                      <a:r>
+                        <a:rPr lang="en-US" sz="1600" b="1" i="0" u="none" strike="noStrike" dirty="0" err="1">
+                          <a:solidFill>
+                            <a:srgbClr val="000000"/>
+                          </a:solidFill>
+                          <a:effectLst/>
+                          <a:latin typeface="Arial" panose="020B0604020202020204" pitchFamily="34" charset="0"/>
+                        </a:rPr>
+                        <a:t>Requerimiento</a:t>
+                      </a:r>
+                      <a:r>
+                        <a:rPr lang="en-US" sz="1600" b="1" i="0" u="none" strike="noStrike" dirty="0">
+                          <a:solidFill>
+                            <a:srgbClr val="000000"/>
+                          </a:solidFill>
+                          <a:effectLst/>
+                          <a:latin typeface="Arial" panose="020B0604020202020204" pitchFamily="34" charset="0"/>
+                        </a:rPr>
+                        <a:t> F2</a:t>
+                      </a:r>
+                      <a:endParaRPr lang="en-US" sz="1600" dirty="0">
+                        <a:effectLst/>
+                      </a:endParaRPr>
+                    </a:p>
+                  </a:txBody>
+                  <a:tcPr marL="68580" marR="68580">
+                    <a:lnL w="6350" cap="flat" cmpd="sng" algn="ctr">
+                      <a:solidFill>
+                        <a:srgbClr val="000000"/>
+                      </a:solidFill>
+                      <a:prstDash val="solid"/>
+                      <a:round/>
+                      <a:headEnd type="none" w="med" len="med"/>
+                      <a:tailEnd type="none" w="med" len="med"/>
+                    </a:lnL>
+                    <a:lnR w="6350" cap="flat" cmpd="sng" algn="ctr">
+                      <a:solidFill>
+                        <a:srgbClr val="000000"/>
+                      </a:solidFill>
+                      <a:prstDash val="solid"/>
+                      <a:round/>
+                      <a:headEnd type="none" w="med" len="med"/>
+                      <a:tailEnd type="none" w="med" len="med"/>
+                    </a:lnR>
+                    <a:lnT w="6350" cap="flat" cmpd="sng" algn="ctr">
+                      <a:solidFill>
+                        <a:srgbClr val="000000"/>
+                      </a:solidFill>
+                      <a:prstDash val="solid"/>
+                      <a:round/>
+                      <a:headEnd type="none" w="med" len="med"/>
+                      <a:tailEnd type="none" w="med" len="med"/>
+                    </a:lnT>
+                    <a:lnB w="6350" cap="flat" cmpd="sng" algn="ctr">
+                      <a:solidFill>
+                        <a:srgbClr val="000000"/>
+                      </a:solidFill>
+                      <a:prstDash val="solid"/>
+                      <a:round/>
+                      <a:headEnd type="none" w="med" len="med"/>
+                      <a:tailEnd type="none" w="med" len="med"/>
+                    </a:lnB>
+                  </a:tcPr>
+                </a:tc>
+                <a:extLst>
+                  <a:ext uri="{0D108BD9-81ED-4DB2-BD59-A6C34878D82A}">
+                    <a16:rowId xmlns:a16="http://schemas.microsoft.com/office/drawing/2014/main" val="1540310558"/>
+                  </a:ext>
+                </a:extLst>
+              </a:tr>
+              <a:tr h="654427">
+                <a:tc>
+                  <a:txBody>
+                    <a:bodyPr/>
+                    <a:lstStyle/>
+                    <a:p>
+                      <a:pPr algn="just" rtl="0" fontAlgn="t">
+                        <a:spcBef>
+                          <a:spcPts val="0"/>
+                        </a:spcBef>
+                        <a:spcAft>
+                          <a:spcPts val="0"/>
+                        </a:spcAft>
+                      </a:pPr>
+                      <a:r>
+                        <a:rPr lang="en-US" sz="1600" b="1" i="0" u="none" strike="noStrike" dirty="0" err="1">
+                          <a:solidFill>
+                            <a:srgbClr val="000000"/>
+                          </a:solidFill>
+                          <a:effectLst/>
+                          <a:latin typeface="Arial" panose="020B0604020202020204" pitchFamily="34" charset="0"/>
+                        </a:rPr>
+                        <a:t>Nombre</a:t>
+                      </a:r>
+                      <a:r>
+                        <a:rPr lang="en-US" sz="1600" b="1" i="0" u="none" strike="noStrike" dirty="0">
+                          <a:solidFill>
+                            <a:srgbClr val="000000"/>
+                          </a:solidFill>
+                          <a:effectLst/>
+                          <a:latin typeface="Arial" panose="020B0604020202020204" pitchFamily="34" charset="0"/>
+                        </a:rPr>
+                        <a:t> del </a:t>
+                      </a:r>
+                      <a:r>
+                        <a:rPr lang="en-US" sz="1600" b="1" i="0" u="none" strike="noStrike" dirty="0" err="1">
+                          <a:solidFill>
+                            <a:srgbClr val="000000"/>
+                          </a:solidFill>
+                          <a:effectLst/>
+                          <a:latin typeface="Arial" panose="020B0604020202020204" pitchFamily="34" charset="0"/>
+                        </a:rPr>
+                        <a:t>requerimiento</a:t>
+                      </a:r>
+                      <a:r>
+                        <a:rPr lang="en-US" sz="1600" b="1" i="0" u="none" strike="noStrike" dirty="0">
+                          <a:solidFill>
+                            <a:srgbClr val="000000"/>
+                          </a:solidFill>
+                          <a:effectLst/>
+                          <a:latin typeface="Arial" panose="020B0604020202020204" pitchFamily="34" charset="0"/>
+                        </a:rPr>
+                        <a:t>:</a:t>
+                      </a:r>
+                      <a:endParaRPr lang="en-US" sz="1600" dirty="0">
+                        <a:effectLst/>
+                      </a:endParaRPr>
+                    </a:p>
+                  </a:txBody>
+                  <a:tcPr marL="68580" marR="68580">
+                    <a:lnL w="6350" cap="flat" cmpd="sng" algn="ctr">
+                      <a:solidFill>
+                        <a:srgbClr val="000000"/>
+                      </a:solidFill>
+                      <a:prstDash val="solid"/>
+                      <a:round/>
+                      <a:headEnd type="none" w="med" len="med"/>
+                      <a:tailEnd type="none" w="med" len="med"/>
+                    </a:lnL>
+                    <a:lnR w="6350" cap="flat" cmpd="sng" algn="ctr">
+                      <a:solidFill>
+                        <a:srgbClr val="000000"/>
+                      </a:solidFill>
+                      <a:prstDash val="solid"/>
+                      <a:round/>
+                      <a:headEnd type="none" w="med" len="med"/>
+                      <a:tailEnd type="none" w="med" len="med"/>
+                    </a:lnR>
+                    <a:lnT w="6350" cap="flat" cmpd="sng" algn="ctr">
+                      <a:solidFill>
+                        <a:srgbClr val="000000"/>
+                      </a:solidFill>
+                      <a:prstDash val="solid"/>
+                      <a:round/>
+                      <a:headEnd type="none" w="med" len="med"/>
+                      <a:tailEnd type="none" w="med" len="med"/>
+                    </a:lnT>
+                    <a:lnB w="6350" cap="flat" cmpd="sng" algn="ctr">
+                      <a:solidFill>
+                        <a:srgbClr val="000000"/>
+                      </a:solidFill>
+                      <a:prstDash val="solid"/>
+                      <a:round/>
+                      <a:headEnd type="none" w="med" len="med"/>
+                      <a:tailEnd type="none" w="med" len="med"/>
+                    </a:lnB>
+                  </a:tcPr>
+                </a:tc>
+                <a:tc>
+                  <a:txBody>
+                    <a:bodyPr/>
+                    <a:lstStyle/>
+                    <a:p>
+                      <a:pPr algn="just" rtl="0" fontAlgn="t">
+                        <a:spcBef>
+                          <a:spcPts val="0"/>
+                        </a:spcBef>
+                        <a:spcAft>
+                          <a:spcPts val="0"/>
+                        </a:spcAft>
+                      </a:pPr>
+                      <a:r>
+                        <a:rPr lang="en-US" sz="1600" b="0" i="0" u="none" strike="noStrike" dirty="0" err="1">
+                          <a:solidFill>
+                            <a:srgbClr val="000000"/>
+                          </a:solidFill>
+                          <a:effectLst/>
+                          <a:latin typeface="Arial" panose="020B0604020202020204" pitchFamily="34" charset="0"/>
+                        </a:rPr>
+                        <a:t>Inicio</a:t>
+                      </a:r>
+                      <a:r>
+                        <a:rPr lang="en-US" sz="1600" b="0" i="0" u="none" strike="noStrike" dirty="0">
+                          <a:solidFill>
+                            <a:srgbClr val="000000"/>
+                          </a:solidFill>
+                          <a:effectLst/>
+                          <a:latin typeface="Arial" panose="020B0604020202020204" pitchFamily="34" charset="0"/>
+                        </a:rPr>
+                        <a:t> de </a:t>
+                      </a:r>
+                      <a:r>
+                        <a:rPr lang="en-US" sz="1600" b="0" i="0" u="none" strike="noStrike" dirty="0" err="1">
+                          <a:solidFill>
+                            <a:srgbClr val="000000"/>
+                          </a:solidFill>
+                          <a:effectLst/>
+                          <a:latin typeface="Arial" panose="020B0604020202020204" pitchFamily="34" charset="0"/>
+                        </a:rPr>
+                        <a:t>sesión</a:t>
+                      </a:r>
+                      <a:r>
+                        <a:rPr lang="en-US" sz="1600" b="0" i="0" u="none" strike="noStrike" dirty="0">
+                          <a:solidFill>
+                            <a:srgbClr val="000000"/>
+                          </a:solidFill>
+                          <a:effectLst/>
+                          <a:latin typeface="Arial" panose="020B0604020202020204" pitchFamily="34" charset="0"/>
+                        </a:rPr>
+                        <a:t> </a:t>
+                      </a:r>
+                      <a:endParaRPr lang="en-US" sz="1600" dirty="0">
+                        <a:effectLst/>
+                      </a:endParaRPr>
+                    </a:p>
+                  </a:txBody>
+                  <a:tcPr marL="68580" marR="68580">
+                    <a:lnL w="6350" cap="flat" cmpd="sng" algn="ctr">
+                      <a:solidFill>
+                        <a:srgbClr val="000000"/>
+                      </a:solidFill>
+                      <a:prstDash val="solid"/>
+                      <a:round/>
+                      <a:headEnd type="none" w="med" len="med"/>
+                      <a:tailEnd type="none" w="med" len="med"/>
+                    </a:lnL>
+                    <a:lnR w="6350" cap="flat" cmpd="sng" algn="ctr">
+                      <a:solidFill>
+                        <a:srgbClr val="000000"/>
+                      </a:solidFill>
+                      <a:prstDash val="solid"/>
+                      <a:round/>
+                      <a:headEnd type="none" w="med" len="med"/>
+                      <a:tailEnd type="none" w="med" len="med"/>
+                    </a:lnR>
+                    <a:lnT w="6350" cap="flat" cmpd="sng" algn="ctr">
+                      <a:solidFill>
+                        <a:srgbClr val="000000"/>
+                      </a:solidFill>
+                      <a:prstDash val="solid"/>
+                      <a:round/>
+                      <a:headEnd type="none" w="med" len="med"/>
+                      <a:tailEnd type="none" w="med" len="med"/>
+                    </a:lnT>
+                    <a:lnB w="6350" cap="flat" cmpd="sng" algn="ctr">
+                      <a:solidFill>
+                        <a:srgbClr val="000000"/>
+                      </a:solidFill>
+                      <a:prstDash val="solid"/>
+                      <a:round/>
+                      <a:headEnd type="none" w="med" len="med"/>
+                      <a:tailEnd type="none" w="med" len="med"/>
+                    </a:lnB>
+                  </a:tcPr>
+                </a:tc>
+                <a:extLst>
+                  <a:ext uri="{0D108BD9-81ED-4DB2-BD59-A6C34878D82A}">
+                    <a16:rowId xmlns:a16="http://schemas.microsoft.com/office/drawing/2014/main" val="2880336835"/>
+                  </a:ext>
+                </a:extLst>
+              </a:tr>
+              <a:tr h="654427">
+                <a:tc>
+                  <a:txBody>
+                    <a:bodyPr/>
+                    <a:lstStyle/>
+                    <a:p>
+                      <a:pPr algn="just" rtl="0" fontAlgn="t">
+                        <a:spcBef>
+                          <a:spcPts val="0"/>
+                        </a:spcBef>
+                        <a:spcAft>
+                          <a:spcPts val="0"/>
+                        </a:spcAft>
+                      </a:pPr>
+                      <a:r>
+                        <a:rPr lang="en-US" sz="1600" b="1" i="0" u="none" strike="noStrike">
+                          <a:solidFill>
+                            <a:srgbClr val="000000"/>
+                          </a:solidFill>
+                          <a:effectLst/>
+                          <a:latin typeface="Arial" panose="020B0604020202020204" pitchFamily="34" charset="0"/>
+                        </a:rPr>
+                        <a:t>Características</a:t>
+                      </a:r>
+                      <a:endParaRPr lang="en-US" sz="1600">
+                        <a:effectLst/>
+                      </a:endParaRPr>
+                    </a:p>
+                  </a:txBody>
+                  <a:tcPr marL="68580" marR="68580">
+                    <a:lnL w="6350" cap="flat" cmpd="sng" algn="ctr">
+                      <a:solidFill>
+                        <a:srgbClr val="000000"/>
+                      </a:solidFill>
+                      <a:prstDash val="solid"/>
+                      <a:round/>
+                      <a:headEnd type="none" w="med" len="med"/>
+                      <a:tailEnd type="none" w="med" len="med"/>
+                    </a:lnL>
+                    <a:lnR w="6350" cap="flat" cmpd="sng" algn="ctr">
+                      <a:solidFill>
+                        <a:srgbClr val="000000"/>
+                      </a:solidFill>
+                      <a:prstDash val="solid"/>
+                      <a:round/>
+                      <a:headEnd type="none" w="med" len="med"/>
+                      <a:tailEnd type="none" w="med" len="med"/>
+                    </a:lnR>
+                    <a:lnT w="6350" cap="flat" cmpd="sng" algn="ctr">
+                      <a:solidFill>
+                        <a:srgbClr val="000000"/>
+                      </a:solidFill>
+                      <a:prstDash val="solid"/>
+                      <a:round/>
+                      <a:headEnd type="none" w="med" len="med"/>
+                      <a:tailEnd type="none" w="med" len="med"/>
+                    </a:lnT>
+                    <a:lnB w="6350" cap="flat" cmpd="sng" algn="ctr">
+                      <a:solidFill>
+                        <a:srgbClr val="000000"/>
+                      </a:solidFill>
+                      <a:prstDash val="solid"/>
+                      <a:round/>
+                      <a:headEnd type="none" w="med" len="med"/>
+                      <a:tailEnd type="none" w="med" len="med"/>
+                    </a:lnB>
+                  </a:tcPr>
+                </a:tc>
+                <a:tc>
+                  <a:txBody>
+                    <a:bodyPr/>
+                    <a:lstStyle/>
+                    <a:p>
+                      <a:pPr algn="just" rtl="0" fontAlgn="t">
+                        <a:spcBef>
+                          <a:spcPts val="0"/>
+                        </a:spcBef>
+                        <a:spcAft>
+                          <a:spcPts val="0"/>
+                        </a:spcAft>
+                      </a:pPr>
+                      <a:r>
+                        <a:rPr lang="es-ES" sz="1600" b="0" i="0" u="none" strike="noStrike" dirty="0">
+                          <a:solidFill>
+                            <a:srgbClr val="000000"/>
+                          </a:solidFill>
+                          <a:effectLst/>
+                          <a:latin typeface="Arial" panose="020B0604020202020204" pitchFamily="34" charset="0"/>
+                        </a:rPr>
+                        <a:t>Los usuarios deberán ingresar su nombre  y contraseña para ingresar al sistema </a:t>
+                      </a:r>
+                      <a:endParaRPr lang="es-ES" sz="1600" dirty="0">
+                        <a:effectLst/>
+                      </a:endParaRPr>
+                    </a:p>
+                  </a:txBody>
+                  <a:tcPr marL="68580" marR="68580">
+                    <a:lnL w="6350" cap="flat" cmpd="sng" algn="ctr">
+                      <a:solidFill>
+                        <a:srgbClr val="000000"/>
+                      </a:solidFill>
+                      <a:prstDash val="solid"/>
+                      <a:round/>
+                      <a:headEnd type="none" w="med" len="med"/>
+                      <a:tailEnd type="none" w="med" len="med"/>
+                    </a:lnL>
+                    <a:lnR w="6350" cap="flat" cmpd="sng" algn="ctr">
+                      <a:solidFill>
+                        <a:srgbClr val="000000"/>
+                      </a:solidFill>
+                      <a:prstDash val="solid"/>
+                      <a:round/>
+                      <a:headEnd type="none" w="med" len="med"/>
+                      <a:tailEnd type="none" w="med" len="med"/>
+                    </a:lnR>
+                    <a:lnT w="6350" cap="flat" cmpd="sng" algn="ctr">
+                      <a:solidFill>
+                        <a:srgbClr val="000000"/>
+                      </a:solidFill>
+                      <a:prstDash val="solid"/>
+                      <a:round/>
+                      <a:headEnd type="none" w="med" len="med"/>
+                      <a:tailEnd type="none" w="med" len="med"/>
+                    </a:lnT>
+                    <a:lnB w="6350" cap="flat" cmpd="sng" algn="ctr">
+                      <a:solidFill>
+                        <a:srgbClr val="000000"/>
+                      </a:solidFill>
+                      <a:prstDash val="solid"/>
+                      <a:round/>
+                      <a:headEnd type="none" w="med" len="med"/>
+                      <a:tailEnd type="none" w="med" len="med"/>
+                    </a:lnB>
+                  </a:tcPr>
+                </a:tc>
+                <a:extLst>
+                  <a:ext uri="{0D108BD9-81ED-4DB2-BD59-A6C34878D82A}">
+                    <a16:rowId xmlns:a16="http://schemas.microsoft.com/office/drawing/2014/main" val="3247254693"/>
+                  </a:ext>
+                </a:extLst>
+              </a:tr>
+              <a:tr h="929976">
+                <a:tc>
+                  <a:txBody>
+                    <a:bodyPr/>
+                    <a:lstStyle/>
+                    <a:p>
+                      <a:pPr algn="just" rtl="0" fontAlgn="t">
+                        <a:spcBef>
+                          <a:spcPts val="0"/>
+                        </a:spcBef>
+                        <a:spcAft>
+                          <a:spcPts val="0"/>
+                        </a:spcAft>
+                      </a:pPr>
+                      <a:r>
+                        <a:rPr lang="en-US" sz="1600" b="1" i="0" u="none" strike="noStrike">
+                          <a:solidFill>
+                            <a:srgbClr val="000000"/>
+                          </a:solidFill>
+                          <a:effectLst/>
+                          <a:latin typeface="Arial" panose="020B0604020202020204" pitchFamily="34" charset="0"/>
+                        </a:rPr>
+                        <a:t>Descripción del requerimiento:</a:t>
+                      </a:r>
+                      <a:endParaRPr lang="en-US" sz="1600">
+                        <a:effectLst/>
+                      </a:endParaRPr>
+                    </a:p>
+                  </a:txBody>
+                  <a:tcPr marL="68580" marR="68580">
+                    <a:lnL w="6350" cap="flat" cmpd="sng" algn="ctr">
+                      <a:solidFill>
+                        <a:srgbClr val="000000"/>
+                      </a:solidFill>
+                      <a:prstDash val="solid"/>
+                      <a:round/>
+                      <a:headEnd type="none" w="med" len="med"/>
+                      <a:tailEnd type="none" w="med" len="med"/>
+                    </a:lnL>
+                    <a:lnR w="6350" cap="flat" cmpd="sng" algn="ctr">
+                      <a:solidFill>
+                        <a:srgbClr val="000000"/>
+                      </a:solidFill>
+                      <a:prstDash val="solid"/>
+                      <a:round/>
+                      <a:headEnd type="none" w="med" len="med"/>
+                      <a:tailEnd type="none" w="med" len="med"/>
+                    </a:lnR>
+                    <a:lnT w="6350" cap="flat" cmpd="sng" algn="ctr">
+                      <a:solidFill>
+                        <a:srgbClr val="000000"/>
+                      </a:solidFill>
+                      <a:prstDash val="solid"/>
+                      <a:round/>
+                      <a:headEnd type="none" w="med" len="med"/>
+                      <a:tailEnd type="none" w="med" len="med"/>
+                    </a:lnT>
+                    <a:lnB w="6350" cap="flat" cmpd="sng" algn="ctr">
+                      <a:solidFill>
+                        <a:srgbClr val="000000"/>
+                      </a:solidFill>
+                      <a:prstDash val="solid"/>
+                      <a:round/>
+                      <a:headEnd type="none" w="med" len="med"/>
+                      <a:tailEnd type="none" w="med" len="med"/>
+                    </a:lnB>
+                  </a:tcPr>
+                </a:tc>
+                <a:tc>
+                  <a:txBody>
+                    <a:bodyPr/>
+                    <a:lstStyle/>
+                    <a:p>
+                      <a:pPr algn="just" rtl="0" fontAlgn="t">
+                        <a:spcBef>
+                          <a:spcPts val="0"/>
+                        </a:spcBef>
+                        <a:spcAft>
+                          <a:spcPts val="0"/>
+                        </a:spcAft>
+                      </a:pPr>
+                      <a:r>
+                        <a:rPr lang="es-ES" sz="1600" b="0" i="0" u="none" strike="noStrike" dirty="0">
+                          <a:solidFill>
+                            <a:srgbClr val="000000"/>
+                          </a:solidFill>
+                          <a:effectLst/>
+                          <a:latin typeface="Arial" panose="020B0604020202020204" pitchFamily="34" charset="0"/>
+                        </a:rPr>
+                        <a:t>Deberá digitar su correo y contraseña previamente registrados para poder hacer uso de las herramientas de las que dispone la aplicación.</a:t>
+                      </a:r>
+                      <a:endParaRPr lang="es-ES" sz="1600" dirty="0">
+                        <a:effectLst/>
+                      </a:endParaRPr>
+                    </a:p>
+                  </a:txBody>
+                  <a:tcPr marL="68580" marR="68580">
+                    <a:lnL w="6350" cap="flat" cmpd="sng" algn="ctr">
+                      <a:solidFill>
+                        <a:srgbClr val="000000"/>
+                      </a:solidFill>
+                      <a:prstDash val="solid"/>
+                      <a:round/>
+                      <a:headEnd type="none" w="med" len="med"/>
+                      <a:tailEnd type="none" w="med" len="med"/>
+                    </a:lnL>
+                    <a:lnR w="6350" cap="flat" cmpd="sng" algn="ctr">
+                      <a:solidFill>
+                        <a:srgbClr val="000000"/>
+                      </a:solidFill>
+                      <a:prstDash val="solid"/>
+                      <a:round/>
+                      <a:headEnd type="none" w="med" len="med"/>
+                      <a:tailEnd type="none" w="med" len="med"/>
+                    </a:lnR>
+                    <a:lnT w="6350" cap="flat" cmpd="sng" algn="ctr">
+                      <a:solidFill>
+                        <a:srgbClr val="000000"/>
+                      </a:solidFill>
+                      <a:prstDash val="solid"/>
+                      <a:round/>
+                      <a:headEnd type="none" w="med" len="med"/>
+                      <a:tailEnd type="none" w="med" len="med"/>
+                    </a:lnT>
+                    <a:lnB w="6350" cap="flat" cmpd="sng" algn="ctr">
+                      <a:solidFill>
+                        <a:srgbClr val="000000"/>
+                      </a:solidFill>
+                      <a:prstDash val="solid"/>
+                      <a:round/>
+                      <a:headEnd type="none" w="med" len="med"/>
+                      <a:tailEnd type="none" w="med" len="med"/>
+                    </a:lnB>
+                  </a:tcPr>
+                </a:tc>
+                <a:extLst>
+                  <a:ext uri="{0D108BD9-81ED-4DB2-BD59-A6C34878D82A}">
+                    <a16:rowId xmlns:a16="http://schemas.microsoft.com/office/drawing/2014/main" val="959698159"/>
+                  </a:ext>
+                </a:extLst>
+              </a:tr>
+              <a:tr h="654427">
+                <a:tc>
+                  <a:txBody>
+                    <a:bodyPr/>
+                    <a:lstStyle/>
+                    <a:p>
+                      <a:pPr algn="just" rtl="0" fontAlgn="t">
+                        <a:spcBef>
+                          <a:spcPts val="0"/>
+                        </a:spcBef>
+                        <a:spcAft>
+                          <a:spcPts val="0"/>
+                        </a:spcAft>
+                      </a:pPr>
+                      <a:r>
+                        <a:rPr lang="en-US" sz="1600" b="1" i="0" u="none" strike="noStrike">
+                          <a:solidFill>
+                            <a:srgbClr val="000000"/>
+                          </a:solidFill>
+                          <a:effectLst/>
+                          <a:latin typeface="Arial" panose="020B0604020202020204" pitchFamily="34" charset="0"/>
+                        </a:rPr>
+                        <a:t>Requerimientos no funcionales:</a:t>
+                      </a:r>
+                      <a:endParaRPr lang="en-US" sz="1600">
+                        <a:effectLst/>
+                      </a:endParaRPr>
+                    </a:p>
+                  </a:txBody>
+                  <a:tcPr marL="68580" marR="68580">
+                    <a:lnL w="6350" cap="flat" cmpd="sng" algn="ctr">
+                      <a:solidFill>
+                        <a:srgbClr val="000000"/>
+                      </a:solidFill>
+                      <a:prstDash val="solid"/>
+                      <a:round/>
+                      <a:headEnd type="none" w="med" len="med"/>
+                      <a:tailEnd type="none" w="med" len="med"/>
+                    </a:lnL>
+                    <a:lnR w="6350" cap="flat" cmpd="sng" algn="ctr">
+                      <a:solidFill>
+                        <a:srgbClr val="000000"/>
+                      </a:solidFill>
+                      <a:prstDash val="solid"/>
+                      <a:round/>
+                      <a:headEnd type="none" w="med" len="med"/>
+                      <a:tailEnd type="none" w="med" len="med"/>
+                    </a:lnR>
+                    <a:lnT w="6350" cap="flat" cmpd="sng" algn="ctr">
+                      <a:solidFill>
+                        <a:srgbClr val="000000"/>
+                      </a:solidFill>
+                      <a:prstDash val="solid"/>
+                      <a:round/>
+                      <a:headEnd type="none" w="med" len="med"/>
+                      <a:tailEnd type="none" w="med" len="med"/>
+                    </a:lnT>
+                    <a:lnB w="6350" cap="flat" cmpd="sng" algn="ctr">
+                      <a:solidFill>
+                        <a:srgbClr val="000000"/>
+                      </a:solidFill>
+                      <a:prstDash val="solid"/>
+                      <a:round/>
+                      <a:headEnd type="none" w="med" len="med"/>
+                      <a:tailEnd type="none" w="med" len="med"/>
+                    </a:lnB>
+                  </a:tcPr>
+                </a:tc>
+                <a:tc>
+                  <a:txBody>
+                    <a:bodyPr/>
+                    <a:lstStyle/>
+                    <a:p>
+                      <a:pPr fontAlgn="t"/>
+                      <a:r>
+                        <a:rPr lang="en-US" sz="1600" dirty="0">
+                          <a:effectLst/>
+                        </a:rPr>
+                        <a:t/>
+                      </a:r>
+                      <a:br>
+                        <a:rPr lang="en-US" sz="1600" dirty="0">
+                          <a:effectLst/>
+                        </a:rPr>
+                      </a:br>
+                      <a:endParaRPr lang="en-US" sz="1600" dirty="0">
+                        <a:effectLst/>
+                      </a:endParaRPr>
+                    </a:p>
+                  </a:txBody>
+                  <a:tcPr marL="68580" marR="68580">
+                    <a:lnL w="6350" cap="flat" cmpd="sng" algn="ctr">
+                      <a:solidFill>
+                        <a:srgbClr val="000000"/>
+                      </a:solidFill>
+                      <a:prstDash val="solid"/>
+                      <a:round/>
+                      <a:headEnd type="none" w="med" len="med"/>
+                      <a:tailEnd type="none" w="med" len="med"/>
+                    </a:lnL>
+                    <a:lnR w="6350" cap="flat" cmpd="sng" algn="ctr">
+                      <a:solidFill>
+                        <a:srgbClr val="000000"/>
+                      </a:solidFill>
+                      <a:prstDash val="solid"/>
+                      <a:round/>
+                      <a:headEnd type="none" w="med" len="med"/>
+                      <a:tailEnd type="none" w="med" len="med"/>
+                    </a:lnR>
+                    <a:lnT w="6350" cap="flat" cmpd="sng" algn="ctr">
+                      <a:solidFill>
+                        <a:srgbClr val="000000"/>
+                      </a:solidFill>
+                      <a:prstDash val="solid"/>
+                      <a:round/>
+                      <a:headEnd type="none" w="med" len="med"/>
+                      <a:tailEnd type="none" w="med" len="med"/>
+                    </a:lnT>
+                    <a:lnB w="6350" cap="flat" cmpd="sng" algn="ctr">
+                      <a:solidFill>
+                        <a:srgbClr val="000000"/>
+                      </a:solidFill>
+                      <a:prstDash val="solid"/>
+                      <a:round/>
+                      <a:headEnd type="none" w="med" len="med"/>
+                      <a:tailEnd type="none" w="med" len="med"/>
+                    </a:lnB>
+                  </a:tcPr>
+                </a:tc>
+                <a:extLst>
+                  <a:ext uri="{0D108BD9-81ED-4DB2-BD59-A6C34878D82A}">
+                    <a16:rowId xmlns:a16="http://schemas.microsoft.com/office/drawing/2014/main" val="1919124757"/>
+                  </a:ext>
+                </a:extLst>
+              </a:tr>
+              <a:tr h="654427">
+                <a:tc>
+                  <a:txBody>
+                    <a:bodyPr/>
+                    <a:lstStyle/>
+                    <a:p>
+                      <a:pPr algn="just" rtl="0" fontAlgn="t">
+                        <a:spcBef>
+                          <a:spcPts val="0"/>
+                        </a:spcBef>
+                        <a:spcAft>
+                          <a:spcPts val="0"/>
+                        </a:spcAft>
+                      </a:pPr>
+                      <a:r>
+                        <a:rPr lang="en-US" sz="1600" b="1" i="0" u="none" strike="noStrike">
+                          <a:solidFill>
+                            <a:srgbClr val="000000"/>
+                          </a:solidFill>
+                          <a:effectLst/>
+                          <a:latin typeface="Arial" panose="020B0604020202020204" pitchFamily="34" charset="0"/>
+                        </a:rPr>
+                        <a:t>Prioridad de requerimiento:</a:t>
+                      </a:r>
+                      <a:endParaRPr lang="en-US" sz="1600">
+                        <a:effectLst/>
+                      </a:endParaRPr>
+                    </a:p>
+                  </a:txBody>
+                  <a:tcPr marL="68580" marR="68580">
+                    <a:lnL w="6350" cap="flat" cmpd="sng" algn="ctr">
+                      <a:solidFill>
+                        <a:srgbClr val="000000"/>
+                      </a:solidFill>
+                      <a:prstDash val="solid"/>
+                      <a:round/>
+                      <a:headEnd type="none" w="med" len="med"/>
+                      <a:tailEnd type="none" w="med" len="med"/>
+                    </a:lnL>
+                    <a:lnR w="6350" cap="flat" cmpd="sng" algn="ctr">
+                      <a:solidFill>
+                        <a:srgbClr val="000000"/>
+                      </a:solidFill>
+                      <a:prstDash val="solid"/>
+                      <a:round/>
+                      <a:headEnd type="none" w="med" len="med"/>
+                      <a:tailEnd type="none" w="med" len="med"/>
+                    </a:lnR>
+                    <a:lnT w="6350" cap="flat" cmpd="sng" algn="ctr">
+                      <a:solidFill>
+                        <a:srgbClr val="000000"/>
+                      </a:solidFill>
+                      <a:prstDash val="solid"/>
+                      <a:round/>
+                      <a:headEnd type="none" w="med" len="med"/>
+                      <a:tailEnd type="none" w="med" len="med"/>
+                    </a:lnT>
+                    <a:lnB w="6350" cap="flat" cmpd="sng" algn="ctr">
+                      <a:solidFill>
+                        <a:srgbClr val="000000"/>
+                      </a:solidFill>
+                      <a:prstDash val="solid"/>
+                      <a:round/>
+                      <a:headEnd type="none" w="med" len="med"/>
+                      <a:tailEnd type="none" w="med" len="med"/>
+                    </a:lnB>
+                  </a:tcPr>
+                </a:tc>
+                <a:tc>
+                  <a:txBody>
+                    <a:bodyPr/>
+                    <a:lstStyle/>
+                    <a:p>
+                      <a:pPr algn="just" rtl="0" fontAlgn="t">
+                        <a:spcBef>
+                          <a:spcPts val="0"/>
+                        </a:spcBef>
+                        <a:spcAft>
+                          <a:spcPts val="0"/>
+                        </a:spcAft>
+                      </a:pPr>
+                      <a:r>
+                        <a:rPr lang="en-US" sz="1600" b="0" i="0" u="none" strike="noStrike" dirty="0">
+                          <a:solidFill>
+                            <a:srgbClr val="000000"/>
+                          </a:solidFill>
+                          <a:effectLst/>
+                          <a:latin typeface="Arial" panose="020B0604020202020204" pitchFamily="34" charset="0"/>
+                        </a:rPr>
+                        <a:t>    Alta ( x  )         media (    )                </a:t>
+                      </a:r>
+                      <a:r>
+                        <a:rPr lang="en-US" sz="1600" b="0" i="0" u="none" strike="noStrike" dirty="0" err="1">
+                          <a:solidFill>
+                            <a:srgbClr val="000000"/>
+                          </a:solidFill>
+                          <a:effectLst/>
+                          <a:latin typeface="Arial" panose="020B0604020202020204" pitchFamily="34" charset="0"/>
+                        </a:rPr>
+                        <a:t>baja</a:t>
+                      </a:r>
+                      <a:r>
+                        <a:rPr lang="en-US" sz="1600" b="0" i="0" u="none" strike="noStrike" dirty="0">
+                          <a:solidFill>
+                            <a:srgbClr val="000000"/>
+                          </a:solidFill>
+                          <a:effectLst/>
+                          <a:latin typeface="Arial" panose="020B0604020202020204" pitchFamily="34" charset="0"/>
+                        </a:rPr>
+                        <a:t>(      )</a:t>
+                      </a:r>
+                      <a:endParaRPr lang="en-US" sz="1600" dirty="0">
+                        <a:effectLst/>
+                      </a:endParaRPr>
+                    </a:p>
+                  </a:txBody>
+                  <a:tcPr marL="68580" marR="68580">
+                    <a:lnL w="6350" cap="flat" cmpd="sng" algn="ctr">
+                      <a:solidFill>
+                        <a:srgbClr val="000000"/>
+                      </a:solidFill>
+                      <a:prstDash val="solid"/>
+                      <a:round/>
+                      <a:headEnd type="none" w="med" len="med"/>
+                      <a:tailEnd type="none" w="med" len="med"/>
+                    </a:lnL>
+                    <a:lnR w="6350" cap="flat" cmpd="sng" algn="ctr">
+                      <a:solidFill>
+                        <a:srgbClr val="000000"/>
+                      </a:solidFill>
+                      <a:prstDash val="solid"/>
+                      <a:round/>
+                      <a:headEnd type="none" w="med" len="med"/>
+                      <a:tailEnd type="none" w="med" len="med"/>
+                    </a:lnR>
+                    <a:lnT w="6350" cap="flat" cmpd="sng" algn="ctr">
+                      <a:solidFill>
+                        <a:srgbClr val="000000"/>
+                      </a:solidFill>
+                      <a:prstDash val="solid"/>
+                      <a:round/>
+                      <a:headEnd type="none" w="med" len="med"/>
+                      <a:tailEnd type="none" w="med" len="med"/>
+                    </a:lnT>
+                    <a:lnB w="6350" cap="flat" cmpd="sng" algn="ctr">
+                      <a:solidFill>
+                        <a:srgbClr val="000000"/>
+                      </a:solidFill>
+                      <a:prstDash val="solid"/>
+                      <a:round/>
+                      <a:headEnd type="none" w="med" len="med"/>
+                      <a:tailEnd type="none" w="med" len="med"/>
+                    </a:lnB>
+                  </a:tcPr>
+                </a:tc>
+                <a:extLst>
+                  <a:ext uri="{0D108BD9-81ED-4DB2-BD59-A6C34878D82A}">
+                    <a16:rowId xmlns:a16="http://schemas.microsoft.com/office/drawing/2014/main" val="1412254151"/>
+                  </a:ext>
+                </a:extLst>
+              </a:tr>
+            </a:tbl>
+          </a:graphicData>
+        </a:graphic>
+      </p:graphicFrame>
+      <p:sp>
+        <p:nvSpPr>
+          <p:cNvPr id="3" name="Rectangle 1"/>
+          <p:cNvSpPr>
+            <a:spLocks noChangeArrowheads="1"/>
+          </p:cNvSpPr>
+          <p:nvPr/>
+        </p:nvSpPr>
+        <p:spPr bwMode="auto">
+          <a:xfrm>
+            <a:off x="3386138" y="2446338"/>
+            <a:ext cx="12192000" cy="457200"/>
+          </a:xfrm>
+          <a:prstGeom prst="rect">
+            <a:avLst/>
+          </a:prstGeom>
+          <a:noFill/>
+          <a:ln>
+            <a:noFill/>
+          </a:ln>
+          <a:effectLst/>
+          <a:extLst>
+            <a:ext uri="{909E8E84-426E-40DD-AFC4-6F175D3DCCD1}">
+              <a14:hiddenFill xmlns:a14="http://schemas.microsoft.com/office/drawing/2010/main">
+                <a:solidFill>
+                  <a:schemeClr val="accent1"/>
+                </a:solidFill>
+              </a14:hiddenFill>
+            </a:ext>
+            <a:ext uri="{91240B29-F687-4F45-9708-019B960494DF}">
+              <a14:hiddenLine xmlns:a14="http://schemas.microsoft.com/office/drawing/2010/main" w="9525">
+                <a:solidFill>
+                  <a:schemeClr val="tx1"/>
+                </a:solidFill>
+                <a:miter lim="800000"/>
+                <a:headEnd/>
+                <a:tailEnd/>
+              </a14:hiddenLine>
+            </a:ext>
+            <a:ext uri="{AF507438-7753-43E0-B8FC-AC1667EBCBE1}">
+              <a14:hiddenEffects xmlns:a14="http://schemas.microsoft.com/office/drawing/2010/main">
+                <a:effectLst>
+                  <a:outerShdw dist="35921" dir="2700000" algn="ctr" rotWithShape="0">
+                    <a:schemeClr val="bg2"/>
+                  </a:outerShdw>
+                </a:effectLst>
+              </a14:hiddenEffects>
+            </a:ext>
+          </a:extLst>
+        </p:spPr>
+        <p:txBody>
+          <a:bodyPr vert="horz" wrap="none" lIns="91440" tIns="45720" rIns="91440" bIns="45720" numCol="1" anchor="ctr" anchorCtr="0" compatLnSpc="1">
+            <a:prstTxWarp prst="textNoShape">
+              <a:avLst/>
+            </a:prstTxWarp>
+            <a:spAutoFit/>
+          </a:bodyPr>
+          <a:lstStyle/>
+          <a:p>
+            <a:endParaRPr lang="en-US"/>
+          </a:p>
+        </p:txBody>
+      </p:sp>
+    </p:spTree>
+    <p:extLst>
+      <p:ext uri="{BB962C8B-B14F-4D97-AF65-F5344CB8AC3E}">
+        <p14:creationId xmlns:p14="http://schemas.microsoft.com/office/powerpoint/2010/main" val="2306887414"/>
+      </p:ext>
+    </p:extLst>
+  </p:cSld>
+  <p:clrMapOvr>
+    <a:masterClrMapping/>
+  </p:clrMapOvr>
+</p:sld>
+</file>
+
+<file path=ppt/slides/slide18.xml><?xml version="1.0" encoding="utf-8"?>
+<p:sld xmlns:a="http://schemas.openxmlformats.org/drawingml/2006/main" xmlns:r="http://schemas.openxmlformats.org/officeDocument/2006/relationships" xmlns:p="http://schemas.openxmlformats.org/presentationml/2006/main">
+  <p:cSld>
+    <p:spTree>
+      <p:nvGrpSpPr>
+        <p:cNvPr id="1" name=""/>
+        <p:cNvGrpSpPr/>
+        <p:nvPr/>
+      </p:nvGrpSpPr>
+      <p:grpSpPr>
+        <a:xfrm>
+          <a:off x="0" y="0"/>
+          <a:ext cx="0" cy="0"/>
+          <a:chOff x="0" y="0"/>
+          <a:chExt cx="0" cy="0"/>
+        </a:xfrm>
+      </p:grpSpPr>
+      <p:graphicFrame>
+        <p:nvGraphicFramePr>
+          <p:cNvPr id="2" name="Tabla 1"/>
+          <p:cNvGraphicFramePr>
+            <a:graphicFrameLocks noGrp="1"/>
+          </p:cNvGraphicFramePr>
+          <p:nvPr>
+            <p:extLst>
+              <p:ext uri="{D42A27DB-BD31-4B8C-83A1-F6EECF244321}">
+                <p14:modId xmlns:p14="http://schemas.microsoft.com/office/powerpoint/2010/main" val="1305046041"/>
+              </p:ext>
+            </p:extLst>
+          </p:nvPr>
+        </p:nvGraphicFramePr>
+        <p:xfrm>
+          <a:off x="2754631" y="1326674"/>
+          <a:ext cx="7498080" cy="4206240"/>
+        </p:xfrm>
+        <a:graphic>
+          <a:graphicData uri="http://schemas.openxmlformats.org/drawingml/2006/table">
+            <a:tbl>
+              <a:tblPr/>
+              <a:tblGrid>
+                <a:gridCol w="1937113">
+                  <a:extLst>
+                    <a:ext uri="{9D8B030D-6E8A-4147-A177-3AD203B41FA5}">
+                      <a16:colId xmlns:a16="http://schemas.microsoft.com/office/drawing/2014/main" val="309966008"/>
+                    </a:ext>
+                  </a:extLst>
+                </a:gridCol>
+                <a:gridCol w="5560967">
+                  <a:extLst>
+                    <a:ext uri="{9D8B030D-6E8A-4147-A177-3AD203B41FA5}">
+                      <a16:colId xmlns:a16="http://schemas.microsoft.com/office/drawing/2014/main" val="1586641102"/>
+                    </a:ext>
+                  </a:extLst>
+                </a:gridCol>
+              </a:tblGrid>
+              <a:tr h="0">
+                <a:tc>
+                  <a:txBody>
+                    <a:bodyPr/>
+                    <a:lstStyle/>
+                    <a:p>
+                      <a:pPr algn="just" rtl="0" fontAlgn="t">
+                        <a:spcBef>
+                          <a:spcPts val="0"/>
+                        </a:spcBef>
+                        <a:spcAft>
+                          <a:spcPts val="0"/>
+                        </a:spcAft>
+                      </a:pPr>
+                      <a:r>
+                        <a:rPr lang="en-US" sz="1600" b="1" i="0" u="none" strike="noStrike" dirty="0" err="1">
+                          <a:solidFill>
+                            <a:srgbClr val="000000"/>
+                          </a:solidFill>
+                          <a:effectLst/>
+                          <a:latin typeface="Arial" panose="020B0604020202020204" pitchFamily="34" charset="0"/>
+                        </a:rPr>
+                        <a:t>Identificación</a:t>
+                      </a:r>
+                      <a:r>
+                        <a:rPr lang="en-US" sz="1600" b="1" i="0" u="none" strike="noStrike" dirty="0">
+                          <a:solidFill>
+                            <a:srgbClr val="000000"/>
+                          </a:solidFill>
+                          <a:effectLst/>
+                          <a:latin typeface="Arial" panose="020B0604020202020204" pitchFamily="34" charset="0"/>
+                        </a:rPr>
+                        <a:t> del </a:t>
+                      </a:r>
+                      <a:r>
+                        <a:rPr lang="en-US" sz="1600" b="1" i="0" u="none" strike="noStrike" dirty="0" err="1">
+                          <a:solidFill>
+                            <a:srgbClr val="000000"/>
+                          </a:solidFill>
+                          <a:effectLst/>
+                          <a:latin typeface="Arial" panose="020B0604020202020204" pitchFamily="34" charset="0"/>
+                        </a:rPr>
+                        <a:t>requerimiento</a:t>
+                      </a:r>
+                      <a:r>
+                        <a:rPr lang="en-US" sz="1600" b="1" i="0" u="none" strike="noStrike" dirty="0">
+                          <a:solidFill>
+                            <a:srgbClr val="000000"/>
+                          </a:solidFill>
+                          <a:effectLst/>
+                          <a:latin typeface="Arial" panose="020B0604020202020204" pitchFamily="34" charset="0"/>
+                        </a:rPr>
+                        <a:t>:</a:t>
+                      </a:r>
+                      <a:endParaRPr lang="en-US" sz="1600" dirty="0">
+                        <a:effectLst/>
+                      </a:endParaRPr>
+                    </a:p>
+                  </a:txBody>
+                  <a:tcPr marL="68580" marR="68580">
+                    <a:lnL w="6350" cap="flat" cmpd="sng" algn="ctr">
+                      <a:solidFill>
+                        <a:srgbClr val="000000"/>
+                      </a:solidFill>
+                      <a:prstDash val="solid"/>
+                      <a:round/>
+                      <a:headEnd type="none" w="med" len="med"/>
+                      <a:tailEnd type="none" w="med" len="med"/>
+                    </a:lnL>
+                    <a:lnR w="6350" cap="flat" cmpd="sng" algn="ctr">
+                      <a:solidFill>
+                        <a:srgbClr val="000000"/>
+                      </a:solidFill>
+                      <a:prstDash val="solid"/>
+                      <a:round/>
+                      <a:headEnd type="none" w="med" len="med"/>
+                      <a:tailEnd type="none" w="med" len="med"/>
+                    </a:lnR>
+                    <a:lnT w="6350" cap="flat" cmpd="sng" algn="ctr">
+                      <a:solidFill>
+                        <a:srgbClr val="000000"/>
+                      </a:solidFill>
+                      <a:prstDash val="solid"/>
+                      <a:round/>
+                      <a:headEnd type="none" w="med" len="med"/>
+                      <a:tailEnd type="none" w="med" len="med"/>
+                    </a:lnT>
+                    <a:lnB w="6350" cap="flat" cmpd="sng" algn="ctr">
+                      <a:solidFill>
+                        <a:srgbClr val="000000"/>
+                      </a:solidFill>
+                      <a:prstDash val="solid"/>
+                      <a:round/>
+                      <a:headEnd type="none" w="med" len="med"/>
+                      <a:tailEnd type="none" w="med" len="med"/>
+                    </a:lnB>
+                  </a:tcPr>
+                </a:tc>
+                <a:tc>
+                  <a:txBody>
+                    <a:bodyPr/>
+                    <a:lstStyle/>
+                    <a:p>
+                      <a:pPr algn="just" rtl="0" fontAlgn="t">
+                        <a:spcBef>
+                          <a:spcPts val="0"/>
+                        </a:spcBef>
+                        <a:spcAft>
+                          <a:spcPts val="0"/>
+                        </a:spcAft>
+                      </a:pPr>
+                      <a:r>
+                        <a:rPr lang="en-US" sz="1600" b="1" i="0" u="none" strike="noStrike" dirty="0" err="1">
+                          <a:solidFill>
+                            <a:srgbClr val="000000"/>
+                          </a:solidFill>
+                          <a:effectLst/>
+                          <a:latin typeface="Arial" panose="020B0604020202020204" pitchFamily="34" charset="0"/>
+                        </a:rPr>
+                        <a:t>Requerimiento</a:t>
+                      </a:r>
+                      <a:r>
+                        <a:rPr lang="en-US" sz="1600" b="1" i="0" u="none" strike="noStrike" dirty="0">
+                          <a:solidFill>
+                            <a:srgbClr val="000000"/>
+                          </a:solidFill>
+                          <a:effectLst/>
+                          <a:latin typeface="Arial" panose="020B0604020202020204" pitchFamily="34" charset="0"/>
+                        </a:rPr>
+                        <a:t> F3</a:t>
+                      </a:r>
+                      <a:endParaRPr lang="en-US" sz="1600" dirty="0">
+                        <a:effectLst/>
+                      </a:endParaRPr>
+                    </a:p>
+                  </a:txBody>
+                  <a:tcPr marL="68580" marR="68580">
+                    <a:lnL w="6350" cap="flat" cmpd="sng" algn="ctr">
+                      <a:solidFill>
+                        <a:srgbClr val="000000"/>
+                      </a:solidFill>
+                      <a:prstDash val="solid"/>
+                      <a:round/>
+                      <a:headEnd type="none" w="med" len="med"/>
+                      <a:tailEnd type="none" w="med" len="med"/>
+                    </a:lnL>
+                    <a:lnR w="6350" cap="flat" cmpd="sng" algn="ctr">
+                      <a:solidFill>
+                        <a:srgbClr val="000000"/>
+                      </a:solidFill>
+                      <a:prstDash val="solid"/>
+                      <a:round/>
+                      <a:headEnd type="none" w="med" len="med"/>
+                      <a:tailEnd type="none" w="med" len="med"/>
+                    </a:lnR>
+                    <a:lnT w="6350" cap="flat" cmpd="sng" algn="ctr">
+                      <a:solidFill>
+                        <a:srgbClr val="000000"/>
+                      </a:solidFill>
+                      <a:prstDash val="solid"/>
+                      <a:round/>
+                      <a:headEnd type="none" w="med" len="med"/>
+                      <a:tailEnd type="none" w="med" len="med"/>
+                    </a:lnT>
+                    <a:lnB w="6350" cap="flat" cmpd="sng" algn="ctr">
+                      <a:solidFill>
+                        <a:srgbClr val="000000"/>
+                      </a:solidFill>
+                      <a:prstDash val="solid"/>
+                      <a:round/>
+                      <a:headEnd type="none" w="med" len="med"/>
+                      <a:tailEnd type="none" w="med" len="med"/>
+                    </a:lnB>
+                  </a:tcPr>
+                </a:tc>
+                <a:extLst>
+                  <a:ext uri="{0D108BD9-81ED-4DB2-BD59-A6C34878D82A}">
+                    <a16:rowId xmlns:a16="http://schemas.microsoft.com/office/drawing/2014/main" val="1785481276"/>
+                  </a:ext>
+                </a:extLst>
+              </a:tr>
+              <a:tr h="0">
+                <a:tc>
+                  <a:txBody>
+                    <a:bodyPr/>
+                    <a:lstStyle/>
+                    <a:p>
+                      <a:pPr algn="just" rtl="0" fontAlgn="t">
+                        <a:spcBef>
+                          <a:spcPts val="0"/>
+                        </a:spcBef>
+                        <a:spcAft>
+                          <a:spcPts val="0"/>
+                        </a:spcAft>
+                      </a:pPr>
+                      <a:r>
+                        <a:rPr lang="en-US" sz="1600" b="1" i="0" u="none" strike="noStrike" dirty="0" err="1">
+                          <a:solidFill>
+                            <a:srgbClr val="000000"/>
+                          </a:solidFill>
+                          <a:effectLst/>
+                          <a:latin typeface="Arial" panose="020B0604020202020204" pitchFamily="34" charset="0"/>
+                        </a:rPr>
+                        <a:t>Nombre</a:t>
+                      </a:r>
+                      <a:r>
+                        <a:rPr lang="en-US" sz="1600" b="1" i="0" u="none" strike="noStrike" dirty="0">
+                          <a:solidFill>
+                            <a:srgbClr val="000000"/>
+                          </a:solidFill>
+                          <a:effectLst/>
+                          <a:latin typeface="Arial" panose="020B0604020202020204" pitchFamily="34" charset="0"/>
+                        </a:rPr>
+                        <a:t> del </a:t>
+                      </a:r>
+                      <a:r>
+                        <a:rPr lang="en-US" sz="1600" b="1" i="0" u="none" strike="noStrike" dirty="0" err="1">
+                          <a:solidFill>
+                            <a:srgbClr val="000000"/>
+                          </a:solidFill>
+                          <a:effectLst/>
+                          <a:latin typeface="Arial" panose="020B0604020202020204" pitchFamily="34" charset="0"/>
+                        </a:rPr>
+                        <a:t>requerimiento</a:t>
+                      </a:r>
+                      <a:r>
+                        <a:rPr lang="en-US" sz="1600" b="1" i="0" u="none" strike="noStrike" dirty="0">
+                          <a:solidFill>
+                            <a:srgbClr val="000000"/>
+                          </a:solidFill>
+                          <a:effectLst/>
+                          <a:latin typeface="Arial" panose="020B0604020202020204" pitchFamily="34" charset="0"/>
+                        </a:rPr>
+                        <a:t>:</a:t>
+                      </a:r>
+                      <a:endParaRPr lang="en-US" sz="1600" dirty="0">
+                        <a:effectLst/>
+                      </a:endParaRPr>
+                    </a:p>
+                  </a:txBody>
+                  <a:tcPr marL="68580" marR="68580">
+                    <a:lnL w="6350" cap="flat" cmpd="sng" algn="ctr">
+                      <a:solidFill>
+                        <a:srgbClr val="000000"/>
+                      </a:solidFill>
+                      <a:prstDash val="solid"/>
+                      <a:round/>
+                      <a:headEnd type="none" w="med" len="med"/>
+                      <a:tailEnd type="none" w="med" len="med"/>
+                    </a:lnL>
+                    <a:lnR w="6350" cap="flat" cmpd="sng" algn="ctr">
+                      <a:solidFill>
+                        <a:srgbClr val="000000"/>
+                      </a:solidFill>
+                      <a:prstDash val="solid"/>
+                      <a:round/>
+                      <a:headEnd type="none" w="med" len="med"/>
+                      <a:tailEnd type="none" w="med" len="med"/>
+                    </a:lnR>
+                    <a:lnT w="6350" cap="flat" cmpd="sng" algn="ctr">
+                      <a:solidFill>
+                        <a:srgbClr val="000000"/>
+                      </a:solidFill>
+                      <a:prstDash val="solid"/>
+                      <a:round/>
+                      <a:headEnd type="none" w="med" len="med"/>
+                      <a:tailEnd type="none" w="med" len="med"/>
+                    </a:lnT>
+                    <a:lnB w="6350" cap="flat" cmpd="sng" algn="ctr">
+                      <a:solidFill>
+                        <a:srgbClr val="000000"/>
+                      </a:solidFill>
+                      <a:prstDash val="solid"/>
+                      <a:round/>
+                      <a:headEnd type="none" w="med" len="med"/>
+                      <a:tailEnd type="none" w="med" len="med"/>
+                    </a:lnB>
+                  </a:tcPr>
+                </a:tc>
+                <a:tc>
+                  <a:txBody>
+                    <a:bodyPr/>
+                    <a:lstStyle/>
+                    <a:p>
+                      <a:pPr algn="just" rtl="0" fontAlgn="t">
+                        <a:spcBef>
+                          <a:spcPts val="0"/>
+                        </a:spcBef>
+                        <a:spcAft>
+                          <a:spcPts val="0"/>
+                        </a:spcAft>
+                      </a:pPr>
+                      <a:r>
+                        <a:rPr lang="en-US" sz="1600" b="0" i="0" u="none" strike="noStrike" dirty="0" err="1">
+                          <a:solidFill>
+                            <a:srgbClr val="000000"/>
+                          </a:solidFill>
+                          <a:effectLst/>
+                          <a:latin typeface="Arial" panose="020B0604020202020204" pitchFamily="34" charset="0"/>
+                        </a:rPr>
+                        <a:t>Buscar</a:t>
+                      </a:r>
+                      <a:r>
+                        <a:rPr lang="en-US" sz="1600" b="0" i="0" u="none" strike="noStrike" dirty="0">
+                          <a:solidFill>
+                            <a:srgbClr val="000000"/>
+                          </a:solidFill>
+                          <a:effectLst/>
+                          <a:latin typeface="Arial" panose="020B0604020202020204" pitchFamily="34" charset="0"/>
+                        </a:rPr>
+                        <a:t> </a:t>
+                      </a:r>
+                      <a:r>
+                        <a:rPr lang="en-US" sz="1600" b="0" i="0" u="none" strike="noStrike" dirty="0" err="1">
+                          <a:solidFill>
+                            <a:srgbClr val="000000"/>
+                          </a:solidFill>
+                          <a:effectLst/>
+                          <a:latin typeface="Arial" panose="020B0604020202020204" pitchFamily="34" charset="0"/>
+                        </a:rPr>
+                        <a:t>ubicación</a:t>
+                      </a:r>
+                      <a:r>
+                        <a:rPr lang="en-US" sz="1600" b="0" i="0" u="none" strike="noStrike" dirty="0">
+                          <a:solidFill>
+                            <a:srgbClr val="000000"/>
+                          </a:solidFill>
+                          <a:effectLst/>
+                          <a:latin typeface="Arial" panose="020B0604020202020204" pitchFamily="34" charset="0"/>
+                        </a:rPr>
+                        <a:t> </a:t>
+                      </a:r>
+                      <a:r>
+                        <a:rPr lang="en-US" sz="1600" b="0" i="0" u="none" strike="noStrike" dirty="0" err="1">
+                          <a:solidFill>
+                            <a:srgbClr val="000000"/>
+                          </a:solidFill>
+                          <a:effectLst/>
+                          <a:latin typeface="Arial" panose="020B0604020202020204" pitchFamily="34" charset="0"/>
+                        </a:rPr>
+                        <a:t>parqueadero</a:t>
+                      </a:r>
+                      <a:endParaRPr lang="en-US" sz="1600" dirty="0">
+                        <a:effectLst/>
+                      </a:endParaRPr>
+                    </a:p>
+                  </a:txBody>
+                  <a:tcPr marL="68580" marR="68580">
+                    <a:lnL w="6350" cap="flat" cmpd="sng" algn="ctr">
+                      <a:solidFill>
+                        <a:srgbClr val="000000"/>
+                      </a:solidFill>
+                      <a:prstDash val="solid"/>
+                      <a:round/>
+                      <a:headEnd type="none" w="med" len="med"/>
+                      <a:tailEnd type="none" w="med" len="med"/>
+                    </a:lnL>
+                    <a:lnR w="6350" cap="flat" cmpd="sng" algn="ctr">
+                      <a:solidFill>
+                        <a:srgbClr val="000000"/>
+                      </a:solidFill>
+                      <a:prstDash val="solid"/>
+                      <a:round/>
+                      <a:headEnd type="none" w="med" len="med"/>
+                      <a:tailEnd type="none" w="med" len="med"/>
+                    </a:lnR>
+                    <a:lnT w="6350" cap="flat" cmpd="sng" algn="ctr">
+                      <a:solidFill>
+                        <a:srgbClr val="000000"/>
+                      </a:solidFill>
+                      <a:prstDash val="solid"/>
+                      <a:round/>
+                      <a:headEnd type="none" w="med" len="med"/>
+                      <a:tailEnd type="none" w="med" len="med"/>
+                    </a:lnT>
+                    <a:lnB w="6350" cap="flat" cmpd="sng" algn="ctr">
+                      <a:solidFill>
+                        <a:srgbClr val="000000"/>
+                      </a:solidFill>
+                      <a:prstDash val="solid"/>
+                      <a:round/>
+                      <a:headEnd type="none" w="med" len="med"/>
+                      <a:tailEnd type="none" w="med" len="med"/>
+                    </a:lnB>
+                  </a:tcPr>
+                </a:tc>
+                <a:extLst>
+                  <a:ext uri="{0D108BD9-81ED-4DB2-BD59-A6C34878D82A}">
+                    <a16:rowId xmlns:a16="http://schemas.microsoft.com/office/drawing/2014/main" val="3286706369"/>
+                  </a:ext>
+                </a:extLst>
+              </a:tr>
+              <a:tr h="290830">
+                <a:tc>
+                  <a:txBody>
+                    <a:bodyPr/>
+                    <a:lstStyle/>
+                    <a:p>
+                      <a:pPr algn="just" rtl="0" fontAlgn="t">
+                        <a:spcBef>
+                          <a:spcPts val="0"/>
+                        </a:spcBef>
+                        <a:spcAft>
+                          <a:spcPts val="0"/>
+                        </a:spcAft>
+                      </a:pPr>
+                      <a:r>
+                        <a:rPr lang="en-US" sz="1600" b="1" i="0" u="none" strike="noStrike">
+                          <a:solidFill>
+                            <a:srgbClr val="000000"/>
+                          </a:solidFill>
+                          <a:effectLst/>
+                          <a:latin typeface="Arial" panose="020B0604020202020204" pitchFamily="34" charset="0"/>
+                        </a:rPr>
+                        <a:t>Características</a:t>
+                      </a:r>
+                      <a:endParaRPr lang="en-US" sz="1600">
+                        <a:effectLst/>
+                      </a:endParaRPr>
+                    </a:p>
+                  </a:txBody>
+                  <a:tcPr marL="68580" marR="68580">
+                    <a:lnL w="6350" cap="flat" cmpd="sng" algn="ctr">
+                      <a:solidFill>
+                        <a:srgbClr val="000000"/>
+                      </a:solidFill>
+                      <a:prstDash val="solid"/>
+                      <a:round/>
+                      <a:headEnd type="none" w="med" len="med"/>
+                      <a:tailEnd type="none" w="med" len="med"/>
+                    </a:lnL>
+                    <a:lnR w="6350" cap="flat" cmpd="sng" algn="ctr">
+                      <a:solidFill>
+                        <a:srgbClr val="000000"/>
+                      </a:solidFill>
+                      <a:prstDash val="solid"/>
+                      <a:round/>
+                      <a:headEnd type="none" w="med" len="med"/>
+                      <a:tailEnd type="none" w="med" len="med"/>
+                    </a:lnR>
+                    <a:lnT w="6350" cap="flat" cmpd="sng" algn="ctr">
+                      <a:solidFill>
+                        <a:srgbClr val="000000"/>
+                      </a:solidFill>
+                      <a:prstDash val="solid"/>
+                      <a:round/>
+                      <a:headEnd type="none" w="med" len="med"/>
+                      <a:tailEnd type="none" w="med" len="med"/>
+                    </a:lnT>
+                    <a:lnB w="6350" cap="flat" cmpd="sng" algn="ctr">
+                      <a:solidFill>
+                        <a:srgbClr val="000000"/>
+                      </a:solidFill>
+                      <a:prstDash val="solid"/>
+                      <a:round/>
+                      <a:headEnd type="none" w="med" len="med"/>
+                      <a:tailEnd type="none" w="med" len="med"/>
+                    </a:lnB>
+                  </a:tcPr>
+                </a:tc>
+                <a:tc>
+                  <a:txBody>
+                    <a:bodyPr/>
+                    <a:lstStyle/>
+                    <a:p>
+                      <a:pPr algn="just" rtl="0" fontAlgn="t">
+                        <a:spcBef>
+                          <a:spcPts val="0"/>
+                        </a:spcBef>
+                        <a:spcAft>
+                          <a:spcPts val="0"/>
+                        </a:spcAft>
+                      </a:pPr>
+                      <a:r>
+                        <a:rPr lang="es-ES" sz="1600" b="0" i="0" u="none" strike="noStrike" dirty="0">
+                          <a:solidFill>
+                            <a:srgbClr val="000000"/>
+                          </a:solidFill>
+                          <a:effectLst/>
+                          <a:latin typeface="Arial" panose="020B0604020202020204" pitchFamily="34" charset="0"/>
+                        </a:rPr>
+                        <a:t>Encontrar la ubicación de un parqueadero en la ubicación donde está o a la que se dirija.</a:t>
+                      </a:r>
+                      <a:endParaRPr lang="es-ES" sz="1600" dirty="0">
+                        <a:effectLst/>
+                      </a:endParaRPr>
+                    </a:p>
+                  </a:txBody>
+                  <a:tcPr marL="68580" marR="68580">
+                    <a:lnL w="6350" cap="flat" cmpd="sng" algn="ctr">
+                      <a:solidFill>
+                        <a:srgbClr val="000000"/>
+                      </a:solidFill>
+                      <a:prstDash val="solid"/>
+                      <a:round/>
+                      <a:headEnd type="none" w="med" len="med"/>
+                      <a:tailEnd type="none" w="med" len="med"/>
+                    </a:lnL>
+                    <a:lnR w="6350" cap="flat" cmpd="sng" algn="ctr">
+                      <a:solidFill>
+                        <a:srgbClr val="000000"/>
+                      </a:solidFill>
+                      <a:prstDash val="solid"/>
+                      <a:round/>
+                      <a:headEnd type="none" w="med" len="med"/>
+                      <a:tailEnd type="none" w="med" len="med"/>
+                    </a:lnR>
+                    <a:lnT w="6350" cap="flat" cmpd="sng" algn="ctr">
+                      <a:solidFill>
+                        <a:srgbClr val="000000"/>
+                      </a:solidFill>
+                      <a:prstDash val="solid"/>
+                      <a:round/>
+                      <a:headEnd type="none" w="med" len="med"/>
+                      <a:tailEnd type="none" w="med" len="med"/>
+                    </a:lnT>
+                    <a:lnB w="6350" cap="flat" cmpd="sng" algn="ctr">
+                      <a:solidFill>
+                        <a:srgbClr val="000000"/>
+                      </a:solidFill>
+                      <a:prstDash val="solid"/>
+                      <a:round/>
+                      <a:headEnd type="none" w="med" len="med"/>
+                      <a:tailEnd type="none" w="med" len="med"/>
+                    </a:lnB>
+                  </a:tcPr>
+                </a:tc>
+                <a:extLst>
+                  <a:ext uri="{0D108BD9-81ED-4DB2-BD59-A6C34878D82A}">
+                    <a16:rowId xmlns:a16="http://schemas.microsoft.com/office/drawing/2014/main" val="1210929771"/>
+                  </a:ext>
+                </a:extLst>
+              </a:tr>
+              <a:tr h="0">
+                <a:tc>
+                  <a:txBody>
+                    <a:bodyPr/>
+                    <a:lstStyle/>
+                    <a:p>
+                      <a:pPr algn="just" rtl="0" fontAlgn="t">
+                        <a:spcBef>
+                          <a:spcPts val="0"/>
+                        </a:spcBef>
+                        <a:spcAft>
+                          <a:spcPts val="0"/>
+                        </a:spcAft>
+                      </a:pPr>
+                      <a:r>
+                        <a:rPr lang="en-US" sz="1600" b="1" i="0" u="none" strike="noStrike">
+                          <a:solidFill>
+                            <a:srgbClr val="000000"/>
+                          </a:solidFill>
+                          <a:effectLst/>
+                          <a:latin typeface="Arial" panose="020B0604020202020204" pitchFamily="34" charset="0"/>
+                        </a:rPr>
+                        <a:t>Descripción del requerimiento:</a:t>
+                      </a:r>
+                      <a:endParaRPr lang="en-US" sz="1600">
+                        <a:effectLst/>
+                      </a:endParaRPr>
+                    </a:p>
+                  </a:txBody>
+                  <a:tcPr marL="68580" marR="68580">
+                    <a:lnL w="6350" cap="flat" cmpd="sng" algn="ctr">
+                      <a:solidFill>
+                        <a:srgbClr val="000000"/>
+                      </a:solidFill>
+                      <a:prstDash val="solid"/>
+                      <a:round/>
+                      <a:headEnd type="none" w="med" len="med"/>
+                      <a:tailEnd type="none" w="med" len="med"/>
+                    </a:lnL>
+                    <a:lnR w="6350" cap="flat" cmpd="sng" algn="ctr">
+                      <a:solidFill>
+                        <a:srgbClr val="000000"/>
+                      </a:solidFill>
+                      <a:prstDash val="solid"/>
+                      <a:round/>
+                      <a:headEnd type="none" w="med" len="med"/>
+                      <a:tailEnd type="none" w="med" len="med"/>
+                    </a:lnR>
+                    <a:lnT w="6350" cap="flat" cmpd="sng" algn="ctr">
+                      <a:solidFill>
+                        <a:srgbClr val="000000"/>
+                      </a:solidFill>
+                      <a:prstDash val="solid"/>
+                      <a:round/>
+                      <a:headEnd type="none" w="med" len="med"/>
+                      <a:tailEnd type="none" w="med" len="med"/>
+                    </a:lnT>
+                    <a:lnB w="6350" cap="flat" cmpd="sng" algn="ctr">
+                      <a:solidFill>
+                        <a:srgbClr val="000000"/>
+                      </a:solidFill>
+                      <a:prstDash val="solid"/>
+                      <a:round/>
+                      <a:headEnd type="none" w="med" len="med"/>
+                      <a:tailEnd type="none" w="med" len="med"/>
+                    </a:lnB>
+                  </a:tcPr>
+                </a:tc>
+                <a:tc>
+                  <a:txBody>
+                    <a:bodyPr/>
+                    <a:lstStyle/>
+                    <a:p>
+                      <a:pPr algn="just" rtl="0" fontAlgn="t">
+                        <a:spcBef>
+                          <a:spcPts val="0"/>
+                        </a:spcBef>
+                        <a:spcAft>
+                          <a:spcPts val="0"/>
+                        </a:spcAft>
+                      </a:pPr>
+                      <a:r>
+                        <a:rPr lang="es-ES" sz="1600" b="0" i="0" u="none" strike="noStrike" dirty="0">
+                          <a:solidFill>
+                            <a:srgbClr val="000000"/>
+                          </a:solidFill>
+                          <a:effectLst/>
+                          <a:latin typeface="Arial" panose="020B0604020202020204" pitchFamily="34" charset="0"/>
+                        </a:rPr>
+                        <a:t>Tendrá un mapa y diferentes herramientas como buscador para digitar una dirección, una sección para que lo guíe hacia el establecimiento, solo deberá ingresar el lugar específico donde desea encontrar parqueaderos cercanos y la aplicación lo guiara.</a:t>
+                      </a:r>
+                      <a:endParaRPr lang="es-ES" sz="1600" dirty="0">
+                        <a:effectLst/>
+                      </a:endParaRPr>
+                    </a:p>
+                  </a:txBody>
+                  <a:tcPr marL="68580" marR="68580">
+                    <a:lnL w="6350" cap="flat" cmpd="sng" algn="ctr">
+                      <a:solidFill>
+                        <a:srgbClr val="000000"/>
+                      </a:solidFill>
+                      <a:prstDash val="solid"/>
+                      <a:round/>
+                      <a:headEnd type="none" w="med" len="med"/>
+                      <a:tailEnd type="none" w="med" len="med"/>
+                    </a:lnL>
+                    <a:lnR w="6350" cap="flat" cmpd="sng" algn="ctr">
+                      <a:solidFill>
+                        <a:srgbClr val="000000"/>
+                      </a:solidFill>
+                      <a:prstDash val="solid"/>
+                      <a:round/>
+                      <a:headEnd type="none" w="med" len="med"/>
+                      <a:tailEnd type="none" w="med" len="med"/>
+                    </a:lnR>
+                    <a:lnT w="6350" cap="flat" cmpd="sng" algn="ctr">
+                      <a:solidFill>
+                        <a:srgbClr val="000000"/>
+                      </a:solidFill>
+                      <a:prstDash val="solid"/>
+                      <a:round/>
+                      <a:headEnd type="none" w="med" len="med"/>
+                      <a:tailEnd type="none" w="med" len="med"/>
+                    </a:lnT>
+                    <a:lnB w="6350" cap="flat" cmpd="sng" algn="ctr">
+                      <a:solidFill>
+                        <a:srgbClr val="000000"/>
+                      </a:solidFill>
+                      <a:prstDash val="solid"/>
+                      <a:round/>
+                      <a:headEnd type="none" w="med" len="med"/>
+                      <a:tailEnd type="none" w="med" len="med"/>
+                    </a:lnB>
+                  </a:tcPr>
+                </a:tc>
+                <a:extLst>
+                  <a:ext uri="{0D108BD9-81ED-4DB2-BD59-A6C34878D82A}">
+                    <a16:rowId xmlns:a16="http://schemas.microsoft.com/office/drawing/2014/main" val="818454358"/>
+                  </a:ext>
+                </a:extLst>
+              </a:tr>
+              <a:tr h="0">
+                <a:tc>
+                  <a:txBody>
+                    <a:bodyPr/>
+                    <a:lstStyle/>
+                    <a:p>
+                      <a:pPr algn="just" rtl="0" fontAlgn="t">
+                        <a:spcBef>
+                          <a:spcPts val="0"/>
+                        </a:spcBef>
+                        <a:spcAft>
+                          <a:spcPts val="0"/>
+                        </a:spcAft>
+                      </a:pPr>
+                      <a:r>
+                        <a:rPr lang="en-US" sz="1600" b="1" i="0" u="none" strike="noStrike">
+                          <a:solidFill>
+                            <a:srgbClr val="000000"/>
+                          </a:solidFill>
+                          <a:effectLst/>
+                          <a:latin typeface="Arial" panose="020B0604020202020204" pitchFamily="34" charset="0"/>
+                        </a:rPr>
+                        <a:t>Requerimientos no funcionales:</a:t>
+                      </a:r>
+                      <a:endParaRPr lang="en-US" sz="1600">
+                        <a:effectLst/>
+                      </a:endParaRPr>
+                    </a:p>
+                  </a:txBody>
+                  <a:tcPr marL="68580" marR="68580">
+                    <a:lnL w="6350" cap="flat" cmpd="sng" algn="ctr">
+                      <a:solidFill>
+                        <a:srgbClr val="000000"/>
+                      </a:solidFill>
+                      <a:prstDash val="solid"/>
+                      <a:round/>
+                      <a:headEnd type="none" w="med" len="med"/>
+                      <a:tailEnd type="none" w="med" len="med"/>
+                    </a:lnL>
+                    <a:lnR w="6350" cap="flat" cmpd="sng" algn="ctr">
+                      <a:solidFill>
+                        <a:srgbClr val="000000"/>
+                      </a:solidFill>
+                      <a:prstDash val="solid"/>
+                      <a:round/>
+                      <a:headEnd type="none" w="med" len="med"/>
+                      <a:tailEnd type="none" w="med" len="med"/>
+                    </a:lnR>
+                    <a:lnT w="6350" cap="flat" cmpd="sng" algn="ctr">
+                      <a:solidFill>
+                        <a:srgbClr val="000000"/>
+                      </a:solidFill>
+                      <a:prstDash val="solid"/>
+                      <a:round/>
+                      <a:headEnd type="none" w="med" len="med"/>
+                      <a:tailEnd type="none" w="med" len="med"/>
+                    </a:lnT>
+                    <a:lnB w="6350" cap="flat" cmpd="sng" algn="ctr">
+                      <a:solidFill>
+                        <a:srgbClr val="000000"/>
+                      </a:solidFill>
+                      <a:prstDash val="solid"/>
+                      <a:round/>
+                      <a:headEnd type="none" w="med" len="med"/>
+                      <a:tailEnd type="none" w="med" len="med"/>
+                    </a:lnB>
+                  </a:tcPr>
+                </a:tc>
+                <a:tc>
+                  <a:txBody>
+                    <a:bodyPr/>
+                    <a:lstStyle/>
+                    <a:p>
+                      <a:pPr fontAlgn="t"/>
+                      <a:r>
+                        <a:rPr lang="en-US" sz="1600" dirty="0">
+                          <a:effectLst/>
+                        </a:rPr>
+                        <a:t/>
+                      </a:r>
+                      <a:br>
+                        <a:rPr lang="en-US" sz="1600" dirty="0">
+                          <a:effectLst/>
+                        </a:rPr>
+                      </a:br>
+                      <a:endParaRPr lang="en-US" sz="1600" dirty="0">
+                        <a:effectLst/>
+                      </a:endParaRPr>
+                    </a:p>
+                  </a:txBody>
+                  <a:tcPr marL="68580" marR="68580">
+                    <a:lnL w="6350" cap="flat" cmpd="sng" algn="ctr">
+                      <a:solidFill>
+                        <a:srgbClr val="000000"/>
+                      </a:solidFill>
+                      <a:prstDash val="solid"/>
+                      <a:round/>
+                      <a:headEnd type="none" w="med" len="med"/>
+                      <a:tailEnd type="none" w="med" len="med"/>
+                    </a:lnL>
+                    <a:lnR w="6350" cap="flat" cmpd="sng" algn="ctr">
+                      <a:solidFill>
+                        <a:srgbClr val="000000"/>
+                      </a:solidFill>
+                      <a:prstDash val="solid"/>
+                      <a:round/>
+                      <a:headEnd type="none" w="med" len="med"/>
+                      <a:tailEnd type="none" w="med" len="med"/>
+                    </a:lnR>
+                    <a:lnT w="6350" cap="flat" cmpd="sng" algn="ctr">
+                      <a:solidFill>
+                        <a:srgbClr val="000000"/>
+                      </a:solidFill>
+                      <a:prstDash val="solid"/>
+                      <a:round/>
+                      <a:headEnd type="none" w="med" len="med"/>
+                      <a:tailEnd type="none" w="med" len="med"/>
+                    </a:lnT>
+                    <a:lnB w="6350" cap="flat" cmpd="sng" algn="ctr">
+                      <a:solidFill>
+                        <a:srgbClr val="000000"/>
+                      </a:solidFill>
+                      <a:prstDash val="solid"/>
+                      <a:round/>
+                      <a:headEnd type="none" w="med" len="med"/>
+                      <a:tailEnd type="none" w="med" len="med"/>
+                    </a:lnB>
+                  </a:tcPr>
+                </a:tc>
+                <a:extLst>
+                  <a:ext uri="{0D108BD9-81ED-4DB2-BD59-A6C34878D82A}">
+                    <a16:rowId xmlns:a16="http://schemas.microsoft.com/office/drawing/2014/main" val="2868415175"/>
+                  </a:ext>
+                </a:extLst>
+              </a:tr>
+              <a:tr h="0">
+                <a:tc>
+                  <a:txBody>
+                    <a:bodyPr/>
+                    <a:lstStyle/>
+                    <a:p>
+                      <a:pPr algn="just" rtl="0" fontAlgn="t">
+                        <a:spcBef>
+                          <a:spcPts val="0"/>
+                        </a:spcBef>
+                        <a:spcAft>
+                          <a:spcPts val="0"/>
+                        </a:spcAft>
+                      </a:pPr>
+                      <a:r>
+                        <a:rPr lang="en-US" sz="1600" b="1" i="0" u="none" strike="noStrike">
+                          <a:solidFill>
+                            <a:srgbClr val="000000"/>
+                          </a:solidFill>
+                          <a:effectLst/>
+                          <a:latin typeface="Arial" panose="020B0604020202020204" pitchFamily="34" charset="0"/>
+                        </a:rPr>
+                        <a:t>Prioridad de requerimiento:</a:t>
+                      </a:r>
+                      <a:endParaRPr lang="en-US" sz="1600">
+                        <a:effectLst/>
+                      </a:endParaRPr>
+                    </a:p>
+                  </a:txBody>
+                  <a:tcPr marL="68580" marR="68580">
+                    <a:lnL w="6350" cap="flat" cmpd="sng" algn="ctr">
+                      <a:solidFill>
+                        <a:srgbClr val="000000"/>
+                      </a:solidFill>
+                      <a:prstDash val="solid"/>
+                      <a:round/>
+                      <a:headEnd type="none" w="med" len="med"/>
+                      <a:tailEnd type="none" w="med" len="med"/>
+                    </a:lnL>
+                    <a:lnR w="6350" cap="flat" cmpd="sng" algn="ctr">
+                      <a:solidFill>
+                        <a:srgbClr val="000000"/>
+                      </a:solidFill>
+                      <a:prstDash val="solid"/>
+                      <a:round/>
+                      <a:headEnd type="none" w="med" len="med"/>
+                      <a:tailEnd type="none" w="med" len="med"/>
+                    </a:lnR>
+                    <a:lnT w="6350" cap="flat" cmpd="sng" algn="ctr">
+                      <a:solidFill>
+                        <a:srgbClr val="000000"/>
+                      </a:solidFill>
+                      <a:prstDash val="solid"/>
+                      <a:round/>
+                      <a:headEnd type="none" w="med" len="med"/>
+                      <a:tailEnd type="none" w="med" len="med"/>
+                    </a:lnT>
+                    <a:lnB w="6350" cap="flat" cmpd="sng" algn="ctr">
+                      <a:solidFill>
+                        <a:srgbClr val="000000"/>
+                      </a:solidFill>
+                      <a:prstDash val="solid"/>
+                      <a:round/>
+                      <a:headEnd type="none" w="med" len="med"/>
+                      <a:tailEnd type="none" w="med" len="med"/>
+                    </a:lnB>
+                  </a:tcPr>
+                </a:tc>
+                <a:tc>
+                  <a:txBody>
+                    <a:bodyPr/>
+                    <a:lstStyle/>
+                    <a:p>
+                      <a:pPr algn="just" rtl="0" fontAlgn="t">
+                        <a:spcBef>
+                          <a:spcPts val="0"/>
+                        </a:spcBef>
+                        <a:spcAft>
+                          <a:spcPts val="0"/>
+                        </a:spcAft>
+                      </a:pPr>
+                      <a:r>
+                        <a:rPr lang="en-US" sz="1600" b="0" i="0" u="none" strike="noStrike" dirty="0">
+                          <a:solidFill>
+                            <a:srgbClr val="000000"/>
+                          </a:solidFill>
+                          <a:effectLst/>
+                          <a:latin typeface="Arial" panose="020B0604020202020204" pitchFamily="34" charset="0"/>
+                        </a:rPr>
+                        <a:t>    Alta ( x  )         media (    )                </a:t>
+                      </a:r>
+                      <a:r>
+                        <a:rPr lang="en-US" sz="1600" b="0" i="0" u="none" strike="noStrike" dirty="0" err="1">
+                          <a:solidFill>
+                            <a:srgbClr val="000000"/>
+                          </a:solidFill>
+                          <a:effectLst/>
+                          <a:latin typeface="Arial" panose="020B0604020202020204" pitchFamily="34" charset="0"/>
+                        </a:rPr>
+                        <a:t>baja</a:t>
+                      </a:r>
+                      <a:r>
+                        <a:rPr lang="en-US" sz="1600" b="0" i="0" u="none" strike="noStrike" dirty="0">
+                          <a:solidFill>
+                            <a:srgbClr val="000000"/>
+                          </a:solidFill>
+                          <a:effectLst/>
+                          <a:latin typeface="Arial" panose="020B0604020202020204" pitchFamily="34" charset="0"/>
+                        </a:rPr>
+                        <a:t>(      )</a:t>
+                      </a:r>
+                      <a:endParaRPr lang="en-US" sz="1600" dirty="0">
+                        <a:effectLst/>
+                      </a:endParaRPr>
+                    </a:p>
+                  </a:txBody>
+                  <a:tcPr marL="68580" marR="68580">
+                    <a:lnL w="6350" cap="flat" cmpd="sng" algn="ctr">
+                      <a:solidFill>
+                        <a:srgbClr val="000000"/>
+                      </a:solidFill>
+                      <a:prstDash val="solid"/>
+                      <a:round/>
+                      <a:headEnd type="none" w="med" len="med"/>
+                      <a:tailEnd type="none" w="med" len="med"/>
+                    </a:lnL>
+                    <a:lnR w="6350" cap="flat" cmpd="sng" algn="ctr">
+                      <a:solidFill>
+                        <a:srgbClr val="000000"/>
+                      </a:solidFill>
+                      <a:prstDash val="solid"/>
+                      <a:round/>
+                      <a:headEnd type="none" w="med" len="med"/>
+                      <a:tailEnd type="none" w="med" len="med"/>
+                    </a:lnR>
+                    <a:lnT w="6350" cap="flat" cmpd="sng" algn="ctr">
+                      <a:solidFill>
+                        <a:srgbClr val="000000"/>
+                      </a:solidFill>
+                      <a:prstDash val="solid"/>
+                      <a:round/>
+                      <a:headEnd type="none" w="med" len="med"/>
+                      <a:tailEnd type="none" w="med" len="med"/>
+                    </a:lnT>
+                    <a:lnB w="6350" cap="flat" cmpd="sng" algn="ctr">
+                      <a:solidFill>
+                        <a:srgbClr val="000000"/>
+                      </a:solidFill>
+                      <a:prstDash val="solid"/>
+                      <a:round/>
+                      <a:headEnd type="none" w="med" len="med"/>
+                      <a:tailEnd type="none" w="med" len="med"/>
+                    </a:lnB>
+                  </a:tcPr>
+                </a:tc>
+                <a:extLst>
+                  <a:ext uri="{0D108BD9-81ED-4DB2-BD59-A6C34878D82A}">
+                    <a16:rowId xmlns:a16="http://schemas.microsoft.com/office/drawing/2014/main" val="4145913296"/>
+                  </a:ext>
+                </a:extLst>
+              </a:tr>
+            </a:tbl>
+          </a:graphicData>
+        </a:graphic>
+      </p:graphicFrame>
+      <p:sp>
+        <p:nvSpPr>
+          <p:cNvPr id="3" name="Rectangle 1"/>
+          <p:cNvSpPr>
+            <a:spLocks noChangeArrowheads="1"/>
+          </p:cNvSpPr>
+          <p:nvPr/>
+        </p:nvSpPr>
+        <p:spPr bwMode="auto">
+          <a:xfrm>
+            <a:off x="3386138" y="2263775"/>
+            <a:ext cx="12192000" cy="457200"/>
+          </a:xfrm>
+          <a:prstGeom prst="rect">
+            <a:avLst/>
+          </a:prstGeom>
+          <a:noFill/>
+          <a:ln>
+            <a:noFill/>
+          </a:ln>
+          <a:effectLst/>
+          <a:extLst>
+            <a:ext uri="{909E8E84-426E-40DD-AFC4-6F175D3DCCD1}">
+              <a14:hiddenFill xmlns:a14="http://schemas.microsoft.com/office/drawing/2010/main">
+                <a:solidFill>
+                  <a:schemeClr val="accent1"/>
+                </a:solidFill>
+              </a14:hiddenFill>
+            </a:ext>
+            <a:ext uri="{91240B29-F687-4F45-9708-019B960494DF}">
+              <a14:hiddenLine xmlns:a14="http://schemas.microsoft.com/office/drawing/2010/main" w="9525">
+                <a:solidFill>
+                  <a:schemeClr val="tx1"/>
+                </a:solidFill>
+                <a:miter lim="800000"/>
+                <a:headEnd/>
+                <a:tailEnd/>
+              </a14:hiddenLine>
+            </a:ext>
+            <a:ext uri="{AF507438-7753-43E0-B8FC-AC1667EBCBE1}">
+              <a14:hiddenEffects xmlns:a14="http://schemas.microsoft.com/office/drawing/2010/main">
+                <a:effectLst>
+                  <a:outerShdw dist="35921" dir="2700000" algn="ctr" rotWithShape="0">
+                    <a:schemeClr val="bg2"/>
+                  </a:outerShdw>
+                </a:effectLst>
+              </a14:hiddenEffects>
+            </a:ext>
+          </a:extLst>
+        </p:spPr>
+        <p:txBody>
+          <a:bodyPr vert="horz" wrap="none" lIns="91440" tIns="45720" rIns="91440" bIns="45720" numCol="1" anchor="ctr" anchorCtr="0" compatLnSpc="1">
+            <a:prstTxWarp prst="textNoShape">
+              <a:avLst/>
+            </a:prstTxWarp>
+            <a:spAutoFit/>
+          </a:bodyPr>
+          <a:lstStyle/>
+          <a:p>
+            <a:endParaRPr lang="en-US"/>
+          </a:p>
+        </p:txBody>
+      </p:sp>
+    </p:spTree>
+    <p:extLst>
+      <p:ext uri="{BB962C8B-B14F-4D97-AF65-F5344CB8AC3E}">
+        <p14:creationId xmlns:p14="http://schemas.microsoft.com/office/powerpoint/2010/main" val="2331007777"/>
+      </p:ext>
+    </p:extLst>
+  </p:cSld>
+  <p:clrMapOvr>
+    <a:masterClrMapping/>
+  </p:clrMapOvr>
+</p:sld>
+</file>
+
+<file path=ppt/slides/slide19.xml><?xml version="1.0" encoding="utf-8"?>
+<p:sld xmlns:a="http://schemas.openxmlformats.org/drawingml/2006/main" xmlns:r="http://schemas.openxmlformats.org/officeDocument/2006/relationships" xmlns:p="http://schemas.openxmlformats.org/presentationml/2006/main">
+  <p:cSld>
+    <p:spTree>
+      <p:nvGrpSpPr>
+        <p:cNvPr id="1" name=""/>
+        <p:cNvGrpSpPr/>
+        <p:nvPr/>
+      </p:nvGrpSpPr>
+      <p:grpSpPr>
+        <a:xfrm>
+          <a:off x="0" y="0"/>
+          <a:ext cx="0" cy="0"/>
+          <a:chOff x="0" y="0"/>
+          <a:chExt cx="0" cy="0"/>
+        </a:xfrm>
+      </p:grpSpPr>
+      <p:sp>
+        <p:nvSpPr>
+          <p:cNvPr id="3" name="Rectangle 1"/>
+          <p:cNvSpPr>
+            <a:spLocks noChangeArrowheads="1"/>
+          </p:cNvSpPr>
+          <p:nvPr/>
+        </p:nvSpPr>
+        <p:spPr bwMode="auto">
+          <a:xfrm>
+            <a:off x="3386138" y="2849563"/>
+            <a:ext cx="12192000" cy="457200"/>
+          </a:xfrm>
+          <a:prstGeom prst="rect">
+            <a:avLst/>
+          </a:prstGeom>
+          <a:noFill/>
+          <a:ln>
+            <a:noFill/>
+          </a:ln>
+          <a:effectLst/>
+          <a:extLst>
+            <a:ext uri="{909E8E84-426E-40DD-AFC4-6F175D3DCCD1}">
+              <a14:hiddenFill xmlns:a14="http://schemas.microsoft.com/office/drawing/2010/main">
+                <a:solidFill>
+                  <a:schemeClr val="accent1"/>
+                </a:solidFill>
+              </a14:hiddenFill>
+            </a:ext>
+            <a:ext uri="{91240B29-F687-4F45-9708-019B960494DF}">
+              <a14:hiddenLine xmlns:a14="http://schemas.microsoft.com/office/drawing/2010/main" w="9525">
+                <a:solidFill>
+                  <a:schemeClr val="tx1"/>
+                </a:solidFill>
+                <a:miter lim="800000"/>
+                <a:headEnd/>
+                <a:tailEnd/>
+              </a14:hiddenLine>
+            </a:ext>
+            <a:ext uri="{AF507438-7753-43E0-B8FC-AC1667EBCBE1}">
+              <a14:hiddenEffects xmlns:a14="http://schemas.microsoft.com/office/drawing/2010/main">
+                <a:effectLst>
+                  <a:outerShdw dist="35921" dir="2700000" algn="ctr" rotWithShape="0">
+                    <a:schemeClr val="bg2"/>
+                  </a:outerShdw>
+                </a:effectLst>
+              </a14:hiddenEffects>
+            </a:ext>
+          </a:extLst>
+        </p:spPr>
+        <p:txBody>
+          <a:bodyPr vert="horz" wrap="none" lIns="91440" tIns="45720" rIns="91440" bIns="45720" numCol="1" anchor="ctr" anchorCtr="0" compatLnSpc="1">
+            <a:prstTxWarp prst="textNoShape">
+              <a:avLst/>
+            </a:prstTxWarp>
+            <a:spAutoFit/>
+          </a:bodyPr>
+          <a:lstStyle/>
+          <a:p>
+            <a:endParaRPr lang="en-US"/>
+          </a:p>
+        </p:txBody>
+      </p:sp>
+    </p:spTree>
+    <p:extLst>
+      <p:ext uri="{BB962C8B-B14F-4D97-AF65-F5344CB8AC3E}">
+        <p14:creationId xmlns:p14="http://schemas.microsoft.com/office/powerpoint/2010/main" val="3648388821"/>
+      </p:ext>
+    </p:extLst>
   </p:cSld>
   <p:clrMapOvr>
     <a:masterClrMapping/>
@@ -7424,6 +11021,217 @@
           </a:ln>
         </p:spPr>
       </p:pic>
+    </p:spTree>
+  </p:cSld>
+  <p:clrMapOvr>
+    <a:masterClrMapping/>
+  </p:clrMapOvr>
+</p:sld>
+</file>
+
+<file path=ppt/slides/slide20.xml><?xml version="1.0" encoding="utf-8"?>
+<p:sld xmlns:a="http://schemas.openxmlformats.org/drawingml/2006/main" xmlns:r="http://schemas.openxmlformats.org/officeDocument/2006/relationships" xmlns:p="http://schemas.openxmlformats.org/presentationml/2006/main">
+  <p:cSld>
+    <p:spTree>
+      <p:nvGrpSpPr>
+        <p:cNvPr id="1" name=""/>
+        <p:cNvGrpSpPr/>
+        <p:nvPr/>
+      </p:nvGrpSpPr>
+      <p:grpSpPr>
+        <a:xfrm>
+          <a:off x="0" y="0"/>
+          <a:ext cx="0" cy="0"/>
+          <a:chOff x="0" y="0"/>
+          <a:chExt cx="0" cy="0"/>
+        </a:xfrm>
+      </p:grpSpPr>
+      <p:sp>
+        <p:nvSpPr>
+          <p:cNvPr id="3" name="Rectangle 1"/>
+          <p:cNvSpPr>
+            <a:spLocks noChangeArrowheads="1"/>
+          </p:cNvSpPr>
+          <p:nvPr/>
+        </p:nvSpPr>
+        <p:spPr bwMode="auto">
+          <a:xfrm>
+            <a:off x="3386138" y="2941638"/>
+            <a:ext cx="12192000" cy="457200"/>
+          </a:xfrm>
+          <a:prstGeom prst="rect">
+            <a:avLst/>
+          </a:prstGeom>
+          <a:noFill/>
+          <a:ln>
+            <a:noFill/>
+          </a:ln>
+          <a:effectLst/>
+          <a:extLst>
+            <a:ext uri="{909E8E84-426E-40DD-AFC4-6F175D3DCCD1}">
+              <a14:hiddenFill xmlns:a14="http://schemas.microsoft.com/office/drawing/2010/main">
+                <a:solidFill>
+                  <a:schemeClr val="accent1"/>
+                </a:solidFill>
+              </a14:hiddenFill>
+            </a:ext>
+            <a:ext uri="{91240B29-F687-4F45-9708-019B960494DF}">
+              <a14:hiddenLine xmlns:a14="http://schemas.microsoft.com/office/drawing/2010/main" w="9525">
+                <a:solidFill>
+                  <a:schemeClr val="tx1"/>
+                </a:solidFill>
+                <a:miter lim="800000"/>
+                <a:headEnd/>
+                <a:tailEnd/>
+              </a14:hiddenLine>
+            </a:ext>
+            <a:ext uri="{AF507438-7753-43E0-B8FC-AC1667EBCBE1}">
+              <a14:hiddenEffects xmlns:a14="http://schemas.microsoft.com/office/drawing/2010/main">
+                <a:effectLst>
+                  <a:outerShdw dist="35921" dir="2700000" algn="ctr" rotWithShape="0">
+                    <a:schemeClr val="bg2"/>
+                  </a:outerShdw>
+                </a:effectLst>
+              </a14:hiddenEffects>
+            </a:ext>
+          </a:extLst>
+        </p:spPr>
+        <p:txBody>
+          <a:bodyPr vert="horz" wrap="none" lIns="91440" tIns="45720" rIns="91440" bIns="45720" numCol="1" anchor="ctr" anchorCtr="0" compatLnSpc="1">
+            <a:prstTxWarp prst="textNoShape">
+              <a:avLst/>
+            </a:prstTxWarp>
+            <a:spAutoFit/>
+          </a:bodyPr>
+          <a:lstStyle/>
+          <a:p>
+            <a:endParaRPr lang="en-US"/>
+          </a:p>
+        </p:txBody>
+      </p:sp>
+    </p:spTree>
+    <p:extLst>
+      <p:ext uri="{BB962C8B-B14F-4D97-AF65-F5344CB8AC3E}">
+        <p14:creationId xmlns:p14="http://schemas.microsoft.com/office/powerpoint/2010/main" val="2728970102"/>
+      </p:ext>
+    </p:extLst>
+  </p:cSld>
+  <p:clrMapOvr>
+    <a:masterClrMapping/>
+  </p:clrMapOvr>
+</p:sld>
+</file>
+
+<file path=ppt/slides/slide21.xml><?xml version="1.0" encoding="utf-8"?>
+<p:sld xmlns:a="http://schemas.openxmlformats.org/drawingml/2006/main" xmlns:r="http://schemas.openxmlformats.org/officeDocument/2006/relationships" xmlns:p="http://schemas.openxmlformats.org/presentationml/2006/main">
+  <p:cSld>
+    <p:spTree>
+      <p:nvGrpSpPr>
+        <p:cNvPr id="1" name=""/>
+        <p:cNvGrpSpPr/>
+        <p:nvPr/>
+      </p:nvGrpSpPr>
+      <p:grpSpPr>
+        <a:xfrm>
+          <a:off x="0" y="0"/>
+          <a:ext cx="0" cy="0"/>
+          <a:chOff x="0" y="0"/>
+          <a:chExt cx="0" cy="0"/>
+        </a:xfrm>
+      </p:grpSpPr>
+      <p:sp>
+        <p:nvSpPr>
+          <p:cNvPr id="3" name="Rectangle 1"/>
+          <p:cNvSpPr>
+            <a:spLocks noChangeArrowheads="1"/>
+          </p:cNvSpPr>
+          <p:nvPr/>
+        </p:nvSpPr>
+        <p:spPr bwMode="auto">
+          <a:xfrm>
+            <a:off x="3386138" y="2674938"/>
+            <a:ext cx="12192000" cy="457200"/>
+          </a:xfrm>
+          <a:prstGeom prst="rect">
+            <a:avLst/>
+          </a:prstGeom>
+          <a:noFill/>
+          <a:ln>
+            <a:noFill/>
+          </a:ln>
+          <a:effectLst/>
+          <a:extLst>
+            <a:ext uri="{909E8E84-426E-40DD-AFC4-6F175D3DCCD1}">
+              <a14:hiddenFill xmlns:a14="http://schemas.microsoft.com/office/drawing/2010/main">
+                <a:solidFill>
+                  <a:schemeClr val="accent1"/>
+                </a:solidFill>
+              </a14:hiddenFill>
+            </a:ext>
+            <a:ext uri="{91240B29-F687-4F45-9708-019B960494DF}">
+              <a14:hiddenLine xmlns:a14="http://schemas.microsoft.com/office/drawing/2010/main" w="9525">
+                <a:solidFill>
+                  <a:schemeClr val="tx1"/>
+                </a:solidFill>
+                <a:miter lim="800000"/>
+                <a:headEnd/>
+                <a:tailEnd/>
+              </a14:hiddenLine>
+            </a:ext>
+            <a:ext uri="{AF507438-7753-43E0-B8FC-AC1667EBCBE1}">
+              <a14:hiddenEffects xmlns:a14="http://schemas.microsoft.com/office/drawing/2010/main">
+                <a:effectLst>
+                  <a:outerShdw dist="35921" dir="2700000" algn="ctr" rotWithShape="0">
+                    <a:schemeClr val="bg2"/>
+                  </a:outerShdw>
+                </a:effectLst>
+              </a14:hiddenEffects>
+            </a:ext>
+          </a:extLst>
+        </p:spPr>
+        <p:txBody>
+          <a:bodyPr vert="horz" wrap="none" lIns="91440" tIns="45720" rIns="91440" bIns="45720" numCol="1" anchor="ctr" anchorCtr="0" compatLnSpc="1">
+            <a:prstTxWarp prst="textNoShape">
+              <a:avLst/>
+            </a:prstTxWarp>
+            <a:spAutoFit/>
+          </a:bodyPr>
+          <a:lstStyle/>
+          <a:p>
+            <a:endParaRPr lang="en-US"/>
+          </a:p>
+        </p:txBody>
+      </p:sp>
+    </p:spTree>
+    <p:extLst>
+      <p:ext uri="{BB962C8B-B14F-4D97-AF65-F5344CB8AC3E}">
+        <p14:creationId xmlns:p14="http://schemas.microsoft.com/office/powerpoint/2010/main" val="2974836131"/>
+      </p:ext>
+    </p:extLst>
+  </p:cSld>
+  <p:clrMapOvr>
+    <a:masterClrMapping/>
+  </p:clrMapOvr>
+</p:sld>
+</file>
+
+<file path=ppt/slides/slide22.xml><?xml version="1.0" encoding="utf-8"?>
+<p:sld xmlns:a="http://schemas.openxmlformats.org/drawingml/2006/main" xmlns:r="http://schemas.openxmlformats.org/officeDocument/2006/relationships" xmlns:p="http://schemas.openxmlformats.org/presentationml/2006/main">
+  <p:cSld>
+    <p:spTree>
+      <p:nvGrpSpPr>
+        <p:cNvPr id="1" name="Shape 190"/>
+        <p:cNvGrpSpPr/>
+        <p:nvPr/>
+      </p:nvGrpSpPr>
+      <p:grpSpPr>
+        <a:xfrm>
+          <a:off x="0" y="0"/>
+          <a:ext cx="0" cy="0"/>
+          <a:chOff x="0" y="0"/>
+          <a:chExt cx="0" cy="0"/>
+        </a:xfrm>
+      </p:grpSpPr>
     </p:spTree>
   </p:cSld>
   <p:clrMapOvr>

--- a/PLANTILLA_PRESENTACION_AVANCES_PROYECTO_.pptx
+++ b/PLANTILLA_PRESENTACION_AVANCES_PROYECTO_.pptx
@@ -134,6 +134,176 @@
     </p:ext>
   </p:extLst>
 </p:presentation>
+</file>
+
+<file path=ppt/changesInfos/changesInfo1.xml><?xml version="1.0" encoding="utf-8"?>
+<pc:chgInfo xmlns:a="http://schemas.openxmlformats.org/drawingml/2006/main" xmlns:r="http://schemas.openxmlformats.org/officeDocument/2006/relationships" xmlns:ac="http://schemas.microsoft.com/office/drawing/2013/main/command" xmlns:pc="http://schemas.microsoft.com/office/powerpoint/2013/main/command">
+  <pc:docChgLst>
+    <pc:chgData name="Karen Echeverry" userId="d7e10dca6c305140" providerId="LiveId" clId="{BBAD8E3E-2A51-4F1C-9A54-EDEC237BCAD2}"/>
+    <pc:docChg chg="undo custSel addSld delSld modSld">
+      <pc:chgData name="Karen Echeverry" userId="d7e10dca6c305140" providerId="LiveId" clId="{BBAD8E3E-2A51-4F1C-9A54-EDEC237BCAD2}" dt="2021-12-03T06:42:49.714" v="93" actId="2890"/>
+      <pc:docMkLst>
+        <pc:docMk/>
+      </pc:docMkLst>
+      <pc:sldChg chg="addSp delSp modSp mod">
+        <pc:chgData name="Karen Echeverry" userId="d7e10dca6c305140" providerId="LiveId" clId="{BBAD8E3E-2A51-4F1C-9A54-EDEC237BCAD2}" dt="2021-12-03T06:39:23.152" v="64" actId="1076"/>
+        <pc:sldMkLst>
+          <pc:docMk/>
+          <pc:sldMk cId="3648388821" sldId="290"/>
+        </pc:sldMkLst>
+        <pc:spChg chg="add del mod">
+          <ac:chgData name="Karen Echeverry" userId="d7e10dca6c305140" providerId="LiveId" clId="{BBAD8E3E-2A51-4F1C-9A54-EDEC237BCAD2}" dt="2021-12-03T06:35:49.397" v="34" actId="21"/>
+          <ac:spMkLst>
+            <pc:docMk/>
+            <pc:sldMk cId="3648388821" sldId="290"/>
+            <ac:spMk id="2" creationId="{6536907E-0A54-4011-8B37-2DA0F77C11F1}"/>
+          </ac:spMkLst>
+        </pc:spChg>
+        <pc:spChg chg="del">
+          <ac:chgData name="Karen Echeverry" userId="d7e10dca6c305140" providerId="LiveId" clId="{BBAD8E3E-2A51-4F1C-9A54-EDEC237BCAD2}" dt="2021-12-03T06:36:28.842" v="42" actId="478"/>
+          <ac:spMkLst>
+            <pc:docMk/>
+            <pc:sldMk cId="3648388821" sldId="290"/>
+            <ac:spMk id="3" creationId="{00000000-0000-0000-0000-000000000000}"/>
+          </ac:spMkLst>
+        </pc:spChg>
+        <pc:spChg chg="add del mod">
+          <ac:chgData name="Karen Echeverry" userId="d7e10dca6c305140" providerId="LiveId" clId="{BBAD8E3E-2A51-4F1C-9A54-EDEC237BCAD2}" dt="2021-12-03T06:36:36.496" v="44" actId="478"/>
+          <ac:spMkLst>
+            <pc:docMk/>
+            <pc:sldMk cId="3648388821" sldId="290"/>
+            <ac:spMk id="4" creationId="{69BBDACF-FD08-41EA-AF6E-698FB5006D06}"/>
+          </ac:spMkLst>
+        </pc:spChg>
+        <pc:spChg chg="add mod">
+          <ac:chgData name="Karen Echeverry" userId="d7e10dca6c305140" providerId="LiveId" clId="{BBAD8E3E-2A51-4F1C-9A54-EDEC237BCAD2}" dt="2021-12-03T06:36:26.528" v="41" actId="14100"/>
+          <ac:spMkLst>
+            <pc:docMk/>
+            <pc:sldMk cId="3648388821" sldId="290"/>
+            <ac:spMk id="5" creationId="{2EE50C56-8401-440C-84EF-806490906A21}"/>
+          </ac:spMkLst>
+        </pc:spChg>
+        <pc:spChg chg="add del mod">
+          <ac:chgData name="Karen Echeverry" userId="d7e10dca6c305140" providerId="LiveId" clId="{BBAD8E3E-2A51-4F1C-9A54-EDEC237BCAD2}" dt="2021-12-03T06:37:37.361" v="46" actId="478"/>
+          <ac:spMkLst>
+            <pc:docMk/>
+            <pc:sldMk cId="3648388821" sldId="290"/>
+            <ac:spMk id="7" creationId="{AEDE7F4B-EAD4-403B-BE33-9B19298C8F8D}"/>
+          </ac:spMkLst>
+        </pc:spChg>
+        <pc:spChg chg="add del mod">
+          <ac:chgData name="Karen Echeverry" userId="d7e10dca6c305140" providerId="LiveId" clId="{BBAD8E3E-2A51-4F1C-9A54-EDEC237BCAD2}" dt="2021-12-03T06:38:09.956" v="49" actId="478"/>
+          <ac:spMkLst>
+            <pc:docMk/>
+            <pc:sldMk cId="3648388821" sldId="290"/>
+            <ac:spMk id="9" creationId="{95065DAA-3D1A-419E-AD57-E705411D8049}"/>
+          </ac:spMkLst>
+        </pc:spChg>
+        <pc:spChg chg="add del mod">
+          <ac:chgData name="Karen Echeverry" userId="d7e10dca6c305140" providerId="LiveId" clId="{BBAD8E3E-2A51-4F1C-9A54-EDEC237BCAD2}" dt="2021-12-03T06:38:17.893" v="51" actId="478"/>
+          <ac:spMkLst>
+            <pc:docMk/>
+            <pc:sldMk cId="3648388821" sldId="290"/>
+            <ac:spMk id="11" creationId="{D7A1226F-70B6-4C86-9461-AF217C7898BE}"/>
+          </ac:spMkLst>
+        </pc:spChg>
+        <pc:spChg chg="add mod">
+          <ac:chgData name="Karen Echeverry" userId="d7e10dca6c305140" providerId="LiveId" clId="{BBAD8E3E-2A51-4F1C-9A54-EDEC237BCAD2}" dt="2021-12-03T06:38:46.114" v="57" actId="14100"/>
+          <ac:spMkLst>
+            <pc:docMk/>
+            <pc:sldMk cId="3648388821" sldId="290"/>
+            <ac:spMk id="13" creationId="{BFF8EB6D-4A98-4737-893D-841F3930E557}"/>
+          </ac:spMkLst>
+        </pc:spChg>
+        <pc:graphicFrameChg chg="add del mod">
+          <ac:chgData name="Karen Echeverry" userId="d7e10dca6c305140" providerId="LiveId" clId="{BBAD8E3E-2A51-4F1C-9A54-EDEC237BCAD2}" dt="2021-12-03T06:37:37.361" v="46" actId="478"/>
+          <ac:graphicFrameMkLst>
+            <pc:docMk/>
+            <pc:sldMk cId="3648388821" sldId="290"/>
+            <ac:graphicFrameMk id="6" creationId="{941BD714-3F68-41BC-82F5-8E34102D8946}"/>
+          </ac:graphicFrameMkLst>
+        </pc:graphicFrameChg>
+        <pc:graphicFrameChg chg="add del mod">
+          <ac:chgData name="Karen Echeverry" userId="d7e10dca6c305140" providerId="LiveId" clId="{BBAD8E3E-2A51-4F1C-9A54-EDEC237BCAD2}" dt="2021-12-03T06:38:09.956" v="49" actId="478"/>
+          <ac:graphicFrameMkLst>
+            <pc:docMk/>
+            <pc:sldMk cId="3648388821" sldId="290"/>
+            <ac:graphicFrameMk id="8" creationId="{18E6E936-D2CB-4924-B4FA-62EFF0682649}"/>
+          </ac:graphicFrameMkLst>
+        </pc:graphicFrameChg>
+        <pc:graphicFrameChg chg="add del mod">
+          <ac:chgData name="Karen Echeverry" userId="d7e10dca6c305140" providerId="LiveId" clId="{BBAD8E3E-2A51-4F1C-9A54-EDEC237BCAD2}" dt="2021-12-03T06:38:17.893" v="51" actId="478"/>
+          <ac:graphicFrameMkLst>
+            <pc:docMk/>
+            <pc:sldMk cId="3648388821" sldId="290"/>
+            <ac:graphicFrameMk id="10" creationId="{C413CFE0-5D52-4DBA-BFD2-DEF970469990}"/>
+          </ac:graphicFrameMkLst>
+        </pc:graphicFrameChg>
+        <pc:graphicFrameChg chg="add mod modGraphic">
+          <ac:chgData name="Karen Echeverry" userId="d7e10dca6c305140" providerId="LiveId" clId="{BBAD8E3E-2A51-4F1C-9A54-EDEC237BCAD2}" dt="2021-12-03T06:39:23.152" v="64" actId="1076"/>
+          <ac:graphicFrameMkLst>
+            <pc:docMk/>
+            <pc:sldMk cId="3648388821" sldId="290"/>
+            <ac:graphicFrameMk id="12" creationId="{68EE03BA-F317-4432-BCEB-7AE560E42975}"/>
+          </ac:graphicFrameMkLst>
+        </pc:graphicFrameChg>
+      </pc:sldChg>
+      <pc:sldChg chg="addSp modSp mod">
+        <pc:chgData name="Karen Echeverry" userId="d7e10dca6c305140" providerId="LiveId" clId="{BBAD8E3E-2A51-4F1C-9A54-EDEC237BCAD2}" dt="2021-12-03T06:42:24.521" v="91" actId="1076"/>
+        <pc:sldMkLst>
+          <pc:docMk/>
+          <pc:sldMk cId="2728970102" sldId="291"/>
+        </pc:sldMkLst>
+        <pc:spChg chg="add mod">
+          <ac:chgData name="Karen Echeverry" userId="d7e10dca6c305140" providerId="LiveId" clId="{BBAD8E3E-2A51-4F1C-9A54-EDEC237BCAD2}" dt="2021-12-03T06:39:56.979" v="65"/>
+          <ac:spMkLst>
+            <pc:docMk/>
+            <pc:sldMk cId="2728970102" sldId="291"/>
+            <ac:spMk id="4" creationId="{171A0991-7883-4C0D-B9A2-36C10F9BBDD6}"/>
+          </ac:spMkLst>
+        </pc:spChg>
+        <pc:graphicFrameChg chg="add mod modGraphic">
+          <ac:chgData name="Karen Echeverry" userId="d7e10dca6c305140" providerId="LiveId" clId="{BBAD8E3E-2A51-4F1C-9A54-EDEC237BCAD2}" dt="2021-12-03T06:42:24.521" v="91" actId="1076"/>
+          <ac:graphicFrameMkLst>
+            <pc:docMk/>
+            <pc:sldMk cId="2728970102" sldId="291"/>
+            <ac:graphicFrameMk id="2" creationId="{19C268FF-B179-4507-B4C5-6C6A6F02F40F}"/>
+          </ac:graphicFrameMkLst>
+        </pc:graphicFrameChg>
+      </pc:sldChg>
+      <pc:sldChg chg="addSp modSp mod">
+        <pc:chgData name="Karen Echeverry" userId="d7e10dca6c305140" providerId="LiveId" clId="{BBAD8E3E-2A51-4F1C-9A54-EDEC237BCAD2}" dt="2021-12-03T06:42:11.168" v="89" actId="1076"/>
+        <pc:sldMkLst>
+          <pc:docMk/>
+          <pc:sldMk cId="2974836131" sldId="292"/>
+        </pc:sldMkLst>
+        <pc:spChg chg="add mod">
+          <ac:chgData name="Karen Echeverry" userId="d7e10dca6c305140" providerId="LiveId" clId="{BBAD8E3E-2A51-4F1C-9A54-EDEC237BCAD2}" dt="2021-12-03T06:41:18.292" v="79"/>
+          <ac:spMkLst>
+            <pc:docMk/>
+            <pc:sldMk cId="2974836131" sldId="292"/>
+            <ac:spMk id="4" creationId="{DBB4D4B1-5C46-4C55-AE58-6037EDDD64A0}"/>
+          </ac:spMkLst>
+        </pc:spChg>
+        <pc:graphicFrameChg chg="add mod modGraphic">
+          <ac:chgData name="Karen Echeverry" userId="d7e10dca6c305140" providerId="LiveId" clId="{BBAD8E3E-2A51-4F1C-9A54-EDEC237BCAD2}" dt="2021-12-03T06:42:11.168" v="89" actId="1076"/>
+          <ac:graphicFrameMkLst>
+            <pc:docMk/>
+            <pc:sldMk cId="2974836131" sldId="292"/>
+            <ac:graphicFrameMk id="2" creationId="{F7BF092E-D0B5-4D48-8778-A13AC61B3FAD}"/>
+          </ac:graphicFrameMkLst>
+        </pc:graphicFrameChg>
+      </pc:sldChg>
+      <pc:sldChg chg="add del">
+        <pc:chgData name="Karen Echeverry" userId="d7e10dca6c305140" providerId="LiveId" clId="{BBAD8E3E-2A51-4F1C-9A54-EDEC237BCAD2}" dt="2021-12-03T06:42:49.714" v="93" actId="2890"/>
+        <pc:sldMkLst>
+          <pc:docMk/>
+          <pc:sldMk cId="217026992" sldId="293"/>
+        </pc:sldMkLst>
+      </pc:sldChg>
+    </pc:docChg>
+  </pc:docChgLst>
+</pc:chgInfo>
 </file>
 
 <file path=ppt/notesMasters/notesMaster1.xml><?xml version="1.0" encoding="utf-8"?>
@@ -7309,7 +7479,7 @@
           <a:p>
             <a:pPr algn="ctr"/>
             <a:r>
-              <a:rPr lang="es-CO" sz="2800" b="1" dirty="0" smtClean="0">
+              <a:rPr lang="es-CO" sz="2800" b="1" dirty="0">
                 <a:solidFill>
                   <a:srgbClr val="0070C0"/>
                 </a:solidFill>
@@ -7318,13 +7488,6 @@
               </a:rPr>
               <a:t>REQUERIMIENTOS FUNCIONALES</a:t>
             </a:r>
-            <a:endParaRPr lang="es-CO" sz="2800" b="1" dirty="0">
-              <a:solidFill>
-                <a:srgbClr val="0070C0"/>
-              </a:solidFill>
-              <a:latin typeface="Arial" panose="020B0604020202020204" pitchFamily="34" charset="0"/>
-              <a:cs typeface="Arial" panose="020B0604020202020204" pitchFamily="34" charset="0"/>
-            </a:endParaRPr>
           </a:p>
         </p:txBody>
       </p:sp>
@@ -8074,12 +8237,6 @@
                     <a:lstStyle/>
                     <a:p>
                       <a:pPr fontAlgn="t"/>
-                      <a:r>
-                        <a:rPr lang="en-US" sz="1600" dirty="0">
-                          <a:effectLst/>
-                        </a:rPr>
-                        <a:t/>
-                      </a:r>
                       <a:br>
                         <a:rPr lang="en-US" sz="1600" dirty="0">
                           <a:effectLst/>
@@ -9169,12 +9326,6 @@
                     <a:lstStyle/>
                     <a:p>
                       <a:pPr fontAlgn="t"/>
-                      <a:r>
-                        <a:rPr lang="en-US" sz="1600" dirty="0">
-                          <a:effectLst/>
-                        </a:rPr>
-                        <a:t/>
-                      </a:r>
                       <a:br>
                         <a:rPr lang="en-US" sz="1600" dirty="0">
                           <a:effectLst/>
@@ -10274,12 +10425,6 @@
                     <a:lstStyle/>
                     <a:p>
                       <a:pPr fontAlgn="t"/>
-                      <a:r>
-                        <a:rPr lang="en-US" sz="1600" dirty="0">
-                          <a:effectLst/>
-                        </a:rPr>
-                        <a:t/>
-                      </a:r>
                       <a:br>
                         <a:rPr lang="en-US" sz="1600" dirty="0">
                           <a:effectLst/>
@@ -10595,7 +10740,808 @@
       </p:grpSpPr>
       <p:sp>
         <p:nvSpPr>
-          <p:cNvPr id="3" name="Rectangle 1"/>
+          <p:cNvPr id="5" name="CuadroTexto 4">
+            <a:extLst>
+              <a:ext uri="{FF2B5EF4-FFF2-40B4-BE49-F238E27FC236}">
+                <a16:creationId xmlns:a16="http://schemas.microsoft.com/office/drawing/2014/main" id="{2EE50C56-8401-440C-84EF-806490906A21}"/>
+              </a:ext>
+            </a:extLst>
+          </p:cNvPr>
+          <p:cNvSpPr txBox="1"/>
+          <p:nvPr/>
+        </p:nvSpPr>
+        <p:spPr>
+          <a:xfrm>
+            <a:off x="2538248" y="600015"/>
+            <a:ext cx="6881524" cy="523220"/>
+          </a:xfrm>
+          <a:prstGeom prst="rect">
+            <a:avLst/>
+          </a:prstGeom>
+          <a:noFill/>
+        </p:spPr>
+        <p:txBody>
+          <a:bodyPr wrap="square" rtlCol="0">
+            <a:spAutoFit/>
+          </a:bodyPr>
+          <a:lstStyle/>
+          <a:p>
+            <a:pPr algn="ctr"/>
+            <a:r>
+              <a:rPr lang="es-CO" sz="2800" b="1" dirty="0">
+                <a:solidFill>
+                  <a:srgbClr val="0070C0"/>
+                </a:solidFill>
+                <a:latin typeface="Arial" panose="020B0604020202020204" pitchFamily="34" charset="0"/>
+                <a:cs typeface="Arial" panose="020B0604020202020204" pitchFamily="34" charset="0"/>
+              </a:rPr>
+              <a:t>REQUERIMIENTOS NO FUNCIONALES</a:t>
+            </a:r>
+          </a:p>
+        </p:txBody>
+      </p:sp>
+      <p:graphicFrame>
+        <p:nvGraphicFramePr>
+          <p:cNvPr id="12" name="Tabla 11">
+            <a:extLst>
+              <a:ext uri="{FF2B5EF4-FFF2-40B4-BE49-F238E27FC236}">
+                <a16:creationId xmlns:a16="http://schemas.microsoft.com/office/drawing/2014/main" id="{68EE03BA-F317-4432-BCEB-7AE560E42975}"/>
+              </a:ext>
+            </a:extLst>
+          </p:cNvPr>
+          <p:cNvGraphicFramePr>
+            <a:graphicFrameLocks noGrp="1"/>
+          </p:cNvGraphicFramePr>
+          <p:nvPr>
+            <p:extLst>
+              <p:ext uri="{D42A27DB-BD31-4B8C-83A1-F6EECF244321}">
+                <p14:modId xmlns:p14="http://schemas.microsoft.com/office/powerpoint/2010/main" val="2361745850"/>
+              </p:ext>
+            </p:extLst>
+          </p:nvPr>
+        </p:nvGraphicFramePr>
+        <p:xfrm>
+          <a:off x="1135118" y="1714921"/>
+          <a:ext cx="9443545" cy="4197146"/>
+        </p:xfrm>
+        <a:graphic>
+          <a:graphicData uri="http://schemas.openxmlformats.org/drawingml/2006/table">
+            <a:tbl>
+              <a:tblPr/>
+              <a:tblGrid>
+                <a:gridCol w="2439722">
+                  <a:extLst>
+                    <a:ext uri="{9D8B030D-6E8A-4147-A177-3AD203B41FA5}">
+                      <a16:colId xmlns:a16="http://schemas.microsoft.com/office/drawing/2014/main" val="2929723416"/>
+                    </a:ext>
+                  </a:extLst>
+                </a:gridCol>
+                <a:gridCol w="7003823">
+                  <a:extLst>
+                    <a:ext uri="{9D8B030D-6E8A-4147-A177-3AD203B41FA5}">
+                      <a16:colId xmlns:a16="http://schemas.microsoft.com/office/drawing/2014/main" val="3116110457"/>
+                    </a:ext>
+                  </a:extLst>
+                </a:gridCol>
+              </a:tblGrid>
+              <a:tr h="905316">
+                <a:tc>
+                  <a:txBody>
+                    <a:bodyPr/>
+                    <a:lstStyle/>
+                    <a:p>
+                      <a:pPr algn="just" rtl="0" fontAlgn="t">
+                        <a:spcBef>
+                          <a:spcPts val="0"/>
+                        </a:spcBef>
+                        <a:spcAft>
+                          <a:spcPts val="0"/>
+                        </a:spcAft>
+                      </a:pPr>
+                      <a:r>
+                        <a:rPr lang="es-CO" sz="1600" b="1" i="0" u="none" strike="noStrike">
+                          <a:solidFill>
+                            <a:srgbClr val="000000"/>
+                          </a:solidFill>
+                          <a:effectLst/>
+                          <a:latin typeface="Arial" panose="020B0604020202020204" pitchFamily="34" charset="0"/>
+                        </a:rPr>
+                        <a:t>Identificación del requerimiento:</a:t>
+                      </a:r>
+                      <a:endParaRPr lang="es-CO" sz="2400">
+                        <a:effectLst/>
+                      </a:endParaRPr>
+                    </a:p>
+                  </a:txBody>
+                  <a:tcPr marL="68580" marR="68580">
+                    <a:lnL w="6350" cap="flat" cmpd="sng" algn="ctr">
+                      <a:solidFill>
+                        <a:srgbClr val="000000"/>
+                      </a:solidFill>
+                      <a:prstDash val="solid"/>
+                      <a:round/>
+                      <a:headEnd type="none" w="med" len="med"/>
+                      <a:tailEnd type="none" w="med" len="med"/>
+                    </a:lnL>
+                    <a:lnR w="6350" cap="flat" cmpd="sng" algn="ctr">
+                      <a:solidFill>
+                        <a:srgbClr val="000000"/>
+                      </a:solidFill>
+                      <a:prstDash val="solid"/>
+                      <a:round/>
+                      <a:headEnd type="none" w="med" len="med"/>
+                      <a:tailEnd type="none" w="med" len="med"/>
+                    </a:lnR>
+                    <a:lnT w="6350" cap="flat" cmpd="sng" algn="ctr">
+                      <a:solidFill>
+                        <a:srgbClr val="000000"/>
+                      </a:solidFill>
+                      <a:prstDash val="solid"/>
+                      <a:round/>
+                      <a:headEnd type="none" w="med" len="med"/>
+                      <a:tailEnd type="none" w="med" len="med"/>
+                    </a:lnT>
+                    <a:lnB w="6350" cap="flat" cmpd="sng" algn="ctr">
+                      <a:solidFill>
+                        <a:srgbClr val="000000"/>
+                      </a:solidFill>
+                      <a:prstDash val="solid"/>
+                      <a:round/>
+                      <a:headEnd type="none" w="med" len="med"/>
+                      <a:tailEnd type="none" w="med" len="med"/>
+                    </a:lnB>
+                  </a:tcPr>
+                </a:tc>
+                <a:tc>
+                  <a:txBody>
+                    <a:bodyPr/>
+                    <a:lstStyle/>
+                    <a:p>
+                      <a:pPr algn="just" rtl="0" fontAlgn="t">
+                        <a:spcBef>
+                          <a:spcPts val="0"/>
+                        </a:spcBef>
+                        <a:spcAft>
+                          <a:spcPts val="0"/>
+                        </a:spcAft>
+                      </a:pPr>
+                      <a:r>
+                        <a:rPr lang="es-CO" sz="1600" b="1" i="0" u="none" strike="noStrike">
+                          <a:solidFill>
+                            <a:srgbClr val="000000"/>
+                          </a:solidFill>
+                          <a:effectLst/>
+                          <a:latin typeface="Arial" panose="020B0604020202020204" pitchFamily="34" charset="0"/>
+                        </a:rPr>
+                        <a:t>RequerimientoNF1</a:t>
+                      </a:r>
+                      <a:endParaRPr lang="es-CO" sz="2400">
+                        <a:effectLst/>
+                      </a:endParaRPr>
+                    </a:p>
+                  </a:txBody>
+                  <a:tcPr marL="68580" marR="68580">
+                    <a:lnL w="6350" cap="flat" cmpd="sng" algn="ctr">
+                      <a:solidFill>
+                        <a:srgbClr val="000000"/>
+                      </a:solidFill>
+                      <a:prstDash val="solid"/>
+                      <a:round/>
+                      <a:headEnd type="none" w="med" len="med"/>
+                      <a:tailEnd type="none" w="med" len="med"/>
+                    </a:lnL>
+                    <a:lnR w="6350" cap="flat" cmpd="sng" algn="ctr">
+                      <a:solidFill>
+                        <a:srgbClr val="000000"/>
+                      </a:solidFill>
+                      <a:prstDash val="solid"/>
+                      <a:round/>
+                      <a:headEnd type="none" w="med" len="med"/>
+                      <a:tailEnd type="none" w="med" len="med"/>
+                    </a:lnR>
+                    <a:lnT w="6350" cap="flat" cmpd="sng" algn="ctr">
+                      <a:solidFill>
+                        <a:srgbClr val="000000"/>
+                      </a:solidFill>
+                      <a:prstDash val="solid"/>
+                      <a:round/>
+                      <a:headEnd type="none" w="med" len="med"/>
+                      <a:tailEnd type="none" w="med" len="med"/>
+                    </a:lnT>
+                    <a:lnB w="6350" cap="flat" cmpd="sng" algn="ctr">
+                      <a:solidFill>
+                        <a:srgbClr val="000000"/>
+                      </a:solidFill>
+                      <a:prstDash val="solid"/>
+                      <a:round/>
+                      <a:headEnd type="none" w="med" len="med"/>
+                      <a:tailEnd type="none" w="med" len="med"/>
+                    </a:lnB>
+                  </a:tcPr>
+                </a:tc>
+                <a:extLst>
+                  <a:ext uri="{0D108BD9-81ED-4DB2-BD59-A6C34878D82A}">
+                    <a16:rowId xmlns:a16="http://schemas.microsoft.com/office/drawing/2014/main" val="992282977"/>
+                  </a:ext>
+                </a:extLst>
+              </a:tr>
+              <a:tr h="905316">
+                <a:tc>
+                  <a:txBody>
+                    <a:bodyPr/>
+                    <a:lstStyle/>
+                    <a:p>
+                      <a:pPr algn="just" rtl="0" fontAlgn="t">
+                        <a:spcBef>
+                          <a:spcPts val="0"/>
+                        </a:spcBef>
+                        <a:spcAft>
+                          <a:spcPts val="0"/>
+                        </a:spcAft>
+                      </a:pPr>
+                      <a:r>
+                        <a:rPr lang="es-CO" sz="1600" b="1" i="0" u="none" strike="noStrike">
+                          <a:solidFill>
+                            <a:srgbClr val="000000"/>
+                          </a:solidFill>
+                          <a:effectLst/>
+                          <a:latin typeface="Arial" panose="020B0604020202020204" pitchFamily="34" charset="0"/>
+                        </a:rPr>
+                        <a:t>Nombre del requerimiento:</a:t>
+                      </a:r>
+                      <a:endParaRPr lang="es-CO" sz="2400">
+                        <a:effectLst/>
+                      </a:endParaRPr>
+                    </a:p>
+                  </a:txBody>
+                  <a:tcPr marL="68580" marR="68580">
+                    <a:lnL w="6350" cap="flat" cmpd="sng" algn="ctr">
+                      <a:solidFill>
+                        <a:srgbClr val="000000"/>
+                      </a:solidFill>
+                      <a:prstDash val="solid"/>
+                      <a:round/>
+                      <a:headEnd type="none" w="med" len="med"/>
+                      <a:tailEnd type="none" w="med" len="med"/>
+                    </a:lnL>
+                    <a:lnR w="6350" cap="flat" cmpd="sng" algn="ctr">
+                      <a:solidFill>
+                        <a:srgbClr val="000000"/>
+                      </a:solidFill>
+                      <a:prstDash val="solid"/>
+                      <a:round/>
+                      <a:headEnd type="none" w="med" len="med"/>
+                      <a:tailEnd type="none" w="med" len="med"/>
+                    </a:lnR>
+                    <a:lnT w="6350" cap="flat" cmpd="sng" algn="ctr">
+                      <a:solidFill>
+                        <a:srgbClr val="000000"/>
+                      </a:solidFill>
+                      <a:prstDash val="solid"/>
+                      <a:round/>
+                      <a:headEnd type="none" w="med" len="med"/>
+                      <a:tailEnd type="none" w="med" len="med"/>
+                    </a:lnT>
+                    <a:lnB w="6350" cap="flat" cmpd="sng" algn="ctr">
+                      <a:solidFill>
+                        <a:srgbClr val="000000"/>
+                      </a:solidFill>
+                      <a:prstDash val="solid"/>
+                      <a:round/>
+                      <a:headEnd type="none" w="med" len="med"/>
+                      <a:tailEnd type="none" w="med" len="med"/>
+                    </a:lnB>
+                  </a:tcPr>
+                </a:tc>
+                <a:tc>
+                  <a:txBody>
+                    <a:bodyPr/>
+                    <a:lstStyle/>
+                    <a:p>
+                      <a:pPr algn="just" rtl="0" fontAlgn="t">
+                        <a:spcBef>
+                          <a:spcPts val="0"/>
+                        </a:spcBef>
+                        <a:spcAft>
+                          <a:spcPts val="0"/>
+                        </a:spcAft>
+                      </a:pPr>
+                      <a:r>
+                        <a:rPr lang="es-CO" sz="1600" b="0" i="0" u="none" strike="noStrike">
+                          <a:solidFill>
+                            <a:srgbClr val="000000"/>
+                          </a:solidFill>
+                          <a:effectLst/>
+                          <a:latin typeface="Arial" panose="020B0604020202020204" pitchFamily="34" charset="0"/>
+                        </a:rPr>
+                        <a:t>Control de seguridad</a:t>
+                      </a:r>
+                      <a:endParaRPr lang="es-CO" sz="2400">
+                        <a:effectLst/>
+                      </a:endParaRPr>
+                    </a:p>
+                  </a:txBody>
+                  <a:tcPr marL="68580" marR="68580">
+                    <a:lnL w="6350" cap="flat" cmpd="sng" algn="ctr">
+                      <a:solidFill>
+                        <a:srgbClr val="000000"/>
+                      </a:solidFill>
+                      <a:prstDash val="solid"/>
+                      <a:round/>
+                      <a:headEnd type="none" w="med" len="med"/>
+                      <a:tailEnd type="none" w="med" len="med"/>
+                    </a:lnL>
+                    <a:lnR w="6350" cap="flat" cmpd="sng" algn="ctr">
+                      <a:solidFill>
+                        <a:srgbClr val="000000"/>
+                      </a:solidFill>
+                      <a:prstDash val="solid"/>
+                      <a:round/>
+                      <a:headEnd type="none" w="med" len="med"/>
+                      <a:tailEnd type="none" w="med" len="med"/>
+                    </a:lnR>
+                    <a:lnT w="6350" cap="flat" cmpd="sng" algn="ctr">
+                      <a:solidFill>
+                        <a:srgbClr val="000000"/>
+                      </a:solidFill>
+                      <a:prstDash val="solid"/>
+                      <a:round/>
+                      <a:headEnd type="none" w="med" len="med"/>
+                      <a:tailEnd type="none" w="med" len="med"/>
+                    </a:lnT>
+                    <a:lnB w="6350" cap="flat" cmpd="sng" algn="ctr">
+                      <a:solidFill>
+                        <a:srgbClr val="000000"/>
+                      </a:solidFill>
+                      <a:prstDash val="solid"/>
+                      <a:round/>
+                      <a:headEnd type="none" w="med" len="med"/>
+                      <a:tailEnd type="none" w="med" len="med"/>
+                    </a:lnB>
+                  </a:tcPr>
+                </a:tc>
+                <a:extLst>
+                  <a:ext uri="{0D108BD9-81ED-4DB2-BD59-A6C34878D82A}">
+                    <a16:rowId xmlns:a16="http://schemas.microsoft.com/office/drawing/2014/main" val="3281616088"/>
+                  </a:ext>
+                </a:extLst>
+              </a:tr>
+              <a:tr h="575882">
+                <a:tc>
+                  <a:txBody>
+                    <a:bodyPr/>
+                    <a:lstStyle/>
+                    <a:p>
+                      <a:pPr algn="just" rtl="0" fontAlgn="t">
+                        <a:spcBef>
+                          <a:spcPts val="0"/>
+                        </a:spcBef>
+                        <a:spcAft>
+                          <a:spcPts val="0"/>
+                        </a:spcAft>
+                      </a:pPr>
+                      <a:r>
+                        <a:rPr lang="es-CO" sz="1600" b="1" i="0" u="none" strike="noStrike">
+                          <a:solidFill>
+                            <a:srgbClr val="000000"/>
+                          </a:solidFill>
+                          <a:effectLst/>
+                          <a:latin typeface="Arial" panose="020B0604020202020204" pitchFamily="34" charset="0"/>
+                        </a:rPr>
+                        <a:t>Características</a:t>
+                      </a:r>
+                      <a:endParaRPr lang="es-CO" sz="2400">
+                        <a:effectLst/>
+                      </a:endParaRPr>
+                    </a:p>
+                  </a:txBody>
+                  <a:tcPr marL="68580" marR="68580">
+                    <a:lnL w="6350" cap="flat" cmpd="sng" algn="ctr">
+                      <a:solidFill>
+                        <a:srgbClr val="000000"/>
+                      </a:solidFill>
+                      <a:prstDash val="solid"/>
+                      <a:round/>
+                      <a:headEnd type="none" w="med" len="med"/>
+                      <a:tailEnd type="none" w="med" len="med"/>
+                    </a:lnL>
+                    <a:lnR w="6350" cap="flat" cmpd="sng" algn="ctr">
+                      <a:solidFill>
+                        <a:srgbClr val="000000"/>
+                      </a:solidFill>
+                      <a:prstDash val="solid"/>
+                      <a:round/>
+                      <a:headEnd type="none" w="med" len="med"/>
+                      <a:tailEnd type="none" w="med" len="med"/>
+                    </a:lnR>
+                    <a:lnT w="6350" cap="flat" cmpd="sng" algn="ctr">
+                      <a:solidFill>
+                        <a:srgbClr val="000000"/>
+                      </a:solidFill>
+                      <a:prstDash val="solid"/>
+                      <a:round/>
+                      <a:headEnd type="none" w="med" len="med"/>
+                      <a:tailEnd type="none" w="med" len="med"/>
+                    </a:lnT>
+                    <a:lnB w="6350" cap="flat" cmpd="sng" algn="ctr">
+                      <a:solidFill>
+                        <a:srgbClr val="000000"/>
+                      </a:solidFill>
+                      <a:prstDash val="solid"/>
+                      <a:round/>
+                      <a:headEnd type="none" w="med" len="med"/>
+                      <a:tailEnd type="none" w="med" len="med"/>
+                    </a:lnB>
+                  </a:tcPr>
+                </a:tc>
+                <a:tc>
+                  <a:txBody>
+                    <a:bodyPr/>
+                    <a:lstStyle/>
+                    <a:p>
+                      <a:pPr algn="just" rtl="0" fontAlgn="t">
+                        <a:spcBef>
+                          <a:spcPts val="0"/>
+                        </a:spcBef>
+                        <a:spcAft>
+                          <a:spcPts val="0"/>
+                        </a:spcAft>
+                      </a:pPr>
+                      <a:r>
+                        <a:rPr lang="es-ES" sz="1600" b="0" i="0" u="none" strike="noStrike" dirty="0">
+                          <a:solidFill>
+                            <a:srgbClr val="000000"/>
+                          </a:solidFill>
+                          <a:effectLst/>
+                          <a:latin typeface="Arial" panose="020B0604020202020204" pitchFamily="34" charset="0"/>
+                        </a:rPr>
+                        <a:t>Se verifica por medio de e-mail el registro en el sistema</a:t>
+                      </a:r>
+                      <a:endParaRPr lang="es-ES" sz="2400" dirty="0">
+                        <a:effectLst/>
+                      </a:endParaRPr>
+                    </a:p>
+                  </a:txBody>
+                  <a:tcPr marL="68580" marR="68580">
+                    <a:lnL w="6350" cap="flat" cmpd="sng" algn="ctr">
+                      <a:solidFill>
+                        <a:srgbClr val="000000"/>
+                      </a:solidFill>
+                      <a:prstDash val="solid"/>
+                      <a:round/>
+                      <a:headEnd type="none" w="med" len="med"/>
+                      <a:tailEnd type="none" w="med" len="med"/>
+                    </a:lnL>
+                    <a:lnR w="6350" cap="flat" cmpd="sng" algn="ctr">
+                      <a:solidFill>
+                        <a:srgbClr val="000000"/>
+                      </a:solidFill>
+                      <a:prstDash val="solid"/>
+                      <a:round/>
+                      <a:headEnd type="none" w="med" len="med"/>
+                      <a:tailEnd type="none" w="med" len="med"/>
+                    </a:lnR>
+                    <a:lnT w="6350" cap="flat" cmpd="sng" algn="ctr">
+                      <a:solidFill>
+                        <a:srgbClr val="000000"/>
+                      </a:solidFill>
+                      <a:prstDash val="solid"/>
+                      <a:round/>
+                      <a:headEnd type="none" w="med" len="med"/>
+                      <a:tailEnd type="none" w="med" len="med"/>
+                    </a:lnT>
+                    <a:lnB w="6350" cap="flat" cmpd="sng" algn="ctr">
+                      <a:solidFill>
+                        <a:srgbClr val="000000"/>
+                      </a:solidFill>
+                      <a:prstDash val="solid"/>
+                      <a:round/>
+                      <a:headEnd type="none" w="med" len="med"/>
+                      <a:tailEnd type="none" w="med" len="med"/>
+                    </a:lnB>
+                  </a:tcPr>
+                </a:tc>
+                <a:extLst>
+                  <a:ext uri="{0D108BD9-81ED-4DB2-BD59-A6C34878D82A}">
+                    <a16:rowId xmlns:a16="http://schemas.microsoft.com/office/drawing/2014/main" val="1696014055"/>
+                  </a:ext>
+                </a:extLst>
+              </a:tr>
+              <a:tr h="905316">
+                <a:tc>
+                  <a:txBody>
+                    <a:bodyPr/>
+                    <a:lstStyle/>
+                    <a:p>
+                      <a:pPr algn="just" rtl="0" fontAlgn="t">
+                        <a:spcBef>
+                          <a:spcPts val="0"/>
+                        </a:spcBef>
+                        <a:spcAft>
+                          <a:spcPts val="0"/>
+                        </a:spcAft>
+                      </a:pPr>
+                      <a:r>
+                        <a:rPr lang="es-CO" sz="1600" b="1" i="0" u="none" strike="noStrike">
+                          <a:solidFill>
+                            <a:srgbClr val="000000"/>
+                          </a:solidFill>
+                          <a:effectLst/>
+                          <a:latin typeface="Arial" panose="020B0604020202020204" pitchFamily="34" charset="0"/>
+                        </a:rPr>
+                        <a:t>Descripción del requerimiento:</a:t>
+                      </a:r>
+                      <a:endParaRPr lang="es-CO" sz="2400">
+                        <a:effectLst/>
+                      </a:endParaRPr>
+                    </a:p>
+                  </a:txBody>
+                  <a:tcPr marL="68580" marR="68580">
+                    <a:lnL w="6350" cap="flat" cmpd="sng" algn="ctr">
+                      <a:solidFill>
+                        <a:srgbClr val="000000"/>
+                      </a:solidFill>
+                      <a:prstDash val="solid"/>
+                      <a:round/>
+                      <a:headEnd type="none" w="med" len="med"/>
+                      <a:tailEnd type="none" w="med" len="med"/>
+                    </a:lnL>
+                    <a:lnR w="6350" cap="flat" cmpd="sng" algn="ctr">
+                      <a:solidFill>
+                        <a:srgbClr val="000000"/>
+                      </a:solidFill>
+                      <a:prstDash val="solid"/>
+                      <a:round/>
+                      <a:headEnd type="none" w="med" len="med"/>
+                      <a:tailEnd type="none" w="med" len="med"/>
+                    </a:lnR>
+                    <a:lnT w="6350" cap="flat" cmpd="sng" algn="ctr">
+                      <a:solidFill>
+                        <a:srgbClr val="000000"/>
+                      </a:solidFill>
+                      <a:prstDash val="solid"/>
+                      <a:round/>
+                      <a:headEnd type="none" w="med" len="med"/>
+                      <a:tailEnd type="none" w="med" len="med"/>
+                    </a:lnT>
+                    <a:lnB w="6350" cap="flat" cmpd="sng" algn="ctr">
+                      <a:solidFill>
+                        <a:srgbClr val="000000"/>
+                      </a:solidFill>
+                      <a:prstDash val="solid"/>
+                      <a:round/>
+                      <a:headEnd type="none" w="med" len="med"/>
+                      <a:tailEnd type="none" w="med" len="med"/>
+                    </a:lnB>
+                  </a:tcPr>
+                </a:tc>
+                <a:tc>
+                  <a:txBody>
+                    <a:bodyPr/>
+                    <a:lstStyle/>
+                    <a:p>
+                      <a:pPr algn="just" rtl="0" fontAlgn="t">
+                        <a:spcBef>
+                          <a:spcPts val="0"/>
+                        </a:spcBef>
+                        <a:spcAft>
+                          <a:spcPts val="0"/>
+                        </a:spcAft>
+                      </a:pPr>
+                      <a:r>
+                        <a:rPr lang="es-ES" sz="1600" b="0" i="0" u="none" strike="noStrike">
+                          <a:solidFill>
+                            <a:srgbClr val="000000"/>
+                          </a:solidFill>
+                          <a:effectLst/>
+                          <a:latin typeface="Arial" panose="020B0604020202020204" pitchFamily="34" charset="0"/>
+                        </a:rPr>
+                        <a:t>El sistema arrojará un código de verificación al correo  con el propósito de asegurar el inicio de sesión correcto por el usuario.</a:t>
+                      </a:r>
+                      <a:endParaRPr lang="es-ES" sz="2400">
+                        <a:effectLst/>
+                      </a:endParaRPr>
+                    </a:p>
+                  </a:txBody>
+                  <a:tcPr marL="68580" marR="68580">
+                    <a:lnL w="6350" cap="flat" cmpd="sng" algn="ctr">
+                      <a:solidFill>
+                        <a:srgbClr val="000000"/>
+                      </a:solidFill>
+                      <a:prstDash val="solid"/>
+                      <a:round/>
+                      <a:headEnd type="none" w="med" len="med"/>
+                      <a:tailEnd type="none" w="med" len="med"/>
+                    </a:lnL>
+                    <a:lnR w="6350" cap="flat" cmpd="sng" algn="ctr">
+                      <a:solidFill>
+                        <a:srgbClr val="000000"/>
+                      </a:solidFill>
+                      <a:prstDash val="solid"/>
+                      <a:round/>
+                      <a:headEnd type="none" w="med" len="med"/>
+                      <a:tailEnd type="none" w="med" len="med"/>
+                    </a:lnR>
+                    <a:lnT w="6350" cap="flat" cmpd="sng" algn="ctr">
+                      <a:solidFill>
+                        <a:srgbClr val="000000"/>
+                      </a:solidFill>
+                      <a:prstDash val="solid"/>
+                      <a:round/>
+                      <a:headEnd type="none" w="med" len="med"/>
+                      <a:tailEnd type="none" w="med" len="med"/>
+                    </a:lnT>
+                    <a:lnB w="6350" cap="flat" cmpd="sng" algn="ctr">
+                      <a:solidFill>
+                        <a:srgbClr val="000000"/>
+                      </a:solidFill>
+                      <a:prstDash val="solid"/>
+                      <a:round/>
+                      <a:headEnd type="none" w="med" len="med"/>
+                      <a:tailEnd type="none" w="med" len="med"/>
+                    </a:lnB>
+                  </a:tcPr>
+                </a:tc>
+                <a:extLst>
+                  <a:ext uri="{0D108BD9-81ED-4DB2-BD59-A6C34878D82A}">
+                    <a16:rowId xmlns:a16="http://schemas.microsoft.com/office/drawing/2014/main" val="1759133867"/>
+                  </a:ext>
+                </a:extLst>
+              </a:tr>
+              <a:tr h="905316">
+                <a:tc>
+                  <a:txBody>
+                    <a:bodyPr/>
+                    <a:lstStyle/>
+                    <a:p>
+                      <a:pPr algn="just" rtl="0" fontAlgn="t">
+                        <a:spcBef>
+                          <a:spcPts val="0"/>
+                        </a:spcBef>
+                        <a:spcAft>
+                          <a:spcPts val="0"/>
+                        </a:spcAft>
+                      </a:pPr>
+                      <a:r>
+                        <a:rPr lang="es-CO" sz="1600" b="1" i="0" u="none" strike="noStrike">
+                          <a:solidFill>
+                            <a:srgbClr val="000000"/>
+                          </a:solidFill>
+                          <a:effectLst/>
+                          <a:latin typeface="Arial" panose="020B0604020202020204" pitchFamily="34" charset="0"/>
+                        </a:rPr>
+                        <a:t>Prioridad de requerimiento:</a:t>
+                      </a:r>
+                      <a:endParaRPr lang="es-CO" sz="2400">
+                        <a:effectLst/>
+                      </a:endParaRPr>
+                    </a:p>
+                  </a:txBody>
+                  <a:tcPr marL="68580" marR="68580">
+                    <a:lnL w="6350" cap="flat" cmpd="sng" algn="ctr">
+                      <a:solidFill>
+                        <a:srgbClr val="000000"/>
+                      </a:solidFill>
+                      <a:prstDash val="solid"/>
+                      <a:round/>
+                      <a:headEnd type="none" w="med" len="med"/>
+                      <a:tailEnd type="none" w="med" len="med"/>
+                    </a:lnL>
+                    <a:lnR w="6350" cap="flat" cmpd="sng" algn="ctr">
+                      <a:solidFill>
+                        <a:srgbClr val="000000"/>
+                      </a:solidFill>
+                      <a:prstDash val="solid"/>
+                      <a:round/>
+                      <a:headEnd type="none" w="med" len="med"/>
+                      <a:tailEnd type="none" w="med" len="med"/>
+                    </a:lnR>
+                    <a:lnT w="6350" cap="flat" cmpd="sng" algn="ctr">
+                      <a:solidFill>
+                        <a:srgbClr val="000000"/>
+                      </a:solidFill>
+                      <a:prstDash val="solid"/>
+                      <a:round/>
+                      <a:headEnd type="none" w="med" len="med"/>
+                      <a:tailEnd type="none" w="med" len="med"/>
+                    </a:lnT>
+                    <a:lnB w="6350" cap="flat" cmpd="sng" algn="ctr">
+                      <a:solidFill>
+                        <a:srgbClr val="000000"/>
+                      </a:solidFill>
+                      <a:prstDash val="solid"/>
+                      <a:round/>
+                      <a:headEnd type="none" w="med" len="med"/>
+                      <a:tailEnd type="none" w="med" len="med"/>
+                    </a:lnB>
+                  </a:tcPr>
+                </a:tc>
+                <a:tc>
+                  <a:txBody>
+                    <a:bodyPr/>
+                    <a:lstStyle/>
+                    <a:p>
+                      <a:pPr algn="just" rtl="0" fontAlgn="t">
+                        <a:spcBef>
+                          <a:spcPts val="0"/>
+                        </a:spcBef>
+                        <a:spcAft>
+                          <a:spcPts val="0"/>
+                        </a:spcAft>
+                      </a:pPr>
+                      <a:r>
+                        <a:rPr lang="es-CO" sz="1600" b="0" i="0" u="none" strike="noStrike" dirty="0">
+                          <a:solidFill>
+                            <a:srgbClr val="000000"/>
+                          </a:solidFill>
+                          <a:effectLst/>
+                          <a:latin typeface="Arial" panose="020B0604020202020204" pitchFamily="34" charset="0"/>
+                        </a:rPr>
+                        <a:t>        Alta ( x  )         media (    )                baja(      )</a:t>
+                      </a:r>
+                      <a:endParaRPr lang="es-CO" sz="2400" dirty="0">
+                        <a:effectLst/>
+                      </a:endParaRPr>
+                    </a:p>
+                  </a:txBody>
+                  <a:tcPr marL="68580" marR="68580">
+                    <a:lnL w="6350" cap="flat" cmpd="sng" algn="ctr">
+                      <a:solidFill>
+                        <a:srgbClr val="000000"/>
+                      </a:solidFill>
+                      <a:prstDash val="solid"/>
+                      <a:round/>
+                      <a:headEnd type="none" w="med" len="med"/>
+                      <a:tailEnd type="none" w="med" len="med"/>
+                    </a:lnL>
+                    <a:lnR w="6350" cap="flat" cmpd="sng" algn="ctr">
+                      <a:solidFill>
+                        <a:srgbClr val="000000"/>
+                      </a:solidFill>
+                      <a:prstDash val="solid"/>
+                      <a:round/>
+                      <a:headEnd type="none" w="med" len="med"/>
+                      <a:tailEnd type="none" w="med" len="med"/>
+                    </a:lnR>
+                    <a:lnT w="6350" cap="flat" cmpd="sng" algn="ctr">
+                      <a:solidFill>
+                        <a:srgbClr val="000000"/>
+                      </a:solidFill>
+                      <a:prstDash val="solid"/>
+                      <a:round/>
+                      <a:headEnd type="none" w="med" len="med"/>
+                      <a:tailEnd type="none" w="med" len="med"/>
+                    </a:lnT>
+                    <a:lnB w="6350" cap="flat" cmpd="sng" algn="ctr">
+                      <a:solidFill>
+                        <a:srgbClr val="000000"/>
+                      </a:solidFill>
+                      <a:prstDash val="solid"/>
+                      <a:round/>
+                      <a:headEnd type="none" w="med" len="med"/>
+                      <a:tailEnd type="none" w="med" len="med"/>
+                    </a:lnB>
+                  </a:tcPr>
+                </a:tc>
+                <a:extLst>
+                  <a:ext uri="{0D108BD9-81ED-4DB2-BD59-A6C34878D82A}">
+                    <a16:rowId xmlns:a16="http://schemas.microsoft.com/office/drawing/2014/main" val="3048815690"/>
+                  </a:ext>
+                </a:extLst>
+              </a:tr>
+            </a:tbl>
+          </a:graphicData>
+        </a:graphic>
+      </p:graphicFrame>
+      <p:sp>
+        <p:nvSpPr>
+          <p:cNvPr id="13" name="Rectangle 4">
+            <a:extLst>
+              <a:ext uri="{FF2B5EF4-FFF2-40B4-BE49-F238E27FC236}">
+                <a16:creationId xmlns:a16="http://schemas.microsoft.com/office/drawing/2014/main" id="{BFF8EB6D-4A98-4737-893D-841F3930E557}"/>
+              </a:ext>
+            </a:extLst>
+          </p:cNvPr>
           <p:cNvSpPr>
             <a:spLocks noChangeArrowheads="1"/>
           </p:cNvSpPr>
@@ -10603,8 +11549,8 @@
         </p:nvSpPr>
         <p:spPr bwMode="auto">
           <a:xfrm>
-            <a:off x="3386138" y="2849563"/>
-            <a:ext cx="12192000" cy="457200"/>
+            <a:off x="835905" y="1887866"/>
+            <a:ext cx="13829475" cy="457200"/>
           </a:xfrm>
           <a:prstGeom prst="rect">
             <a:avLst/>
@@ -10644,7 +11590,7 @@
           </a:extLst>
         </p:spPr>
         <p:txBody>
-          <a:bodyPr vert="horz" wrap="none" lIns="91440" tIns="45720" rIns="91440" bIns="45720" numCol="1" anchor="ctr" anchorCtr="0" compatLnSpc="1">
+          <a:bodyPr vert="horz" wrap="square" lIns="91440" tIns="45720" rIns="91440" bIns="45720" numCol="1" anchor="ctr" anchorCtr="0" compatLnSpc="1">
             <a:prstTxWarp prst="textNoShape">
               <a:avLst/>
             </a:prstTxWarp>
@@ -10652,7 +11598,7 @@
           </a:bodyPr>
           <a:lstStyle/>
           <a:p>
-            <a:endParaRPr lang="en-US"/>
+            <a:endParaRPr lang="es-ES"/>
           </a:p>
         </p:txBody>
       </p:sp>
@@ -11109,6 +12055,828 @@
           </a:p>
         </p:txBody>
       </p:sp>
+      <p:graphicFrame>
+        <p:nvGraphicFramePr>
+          <p:cNvPr id="2" name="Tabla 1">
+            <a:extLst>
+              <a:ext uri="{FF2B5EF4-FFF2-40B4-BE49-F238E27FC236}">
+                <a16:creationId xmlns:a16="http://schemas.microsoft.com/office/drawing/2014/main" id="{19C268FF-B179-4507-B4C5-6C6A6F02F40F}"/>
+              </a:ext>
+            </a:extLst>
+          </p:cNvPr>
+          <p:cNvGraphicFramePr>
+            <a:graphicFrameLocks noGrp="1"/>
+          </p:cNvGraphicFramePr>
+          <p:nvPr>
+            <p:extLst>
+              <p:ext uri="{D42A27DB-BD31-4B8C-83A1-F6EECF244321}">
+                <p14:modId xmlns:p14="http://schemas.microsoft.com/office/powerpoint/2010/main" val="3695061909"/>
+              </p:ext>
+            </p:extLst>
+          </p:nvPr>
+        </p:nvGraphicFramePr>
+        <p:xfrm>
+          <a:off x="1705303" y="1330817"/>
+          <a:ext cx="8781394" cy="4256691"/>
+        </p:xfrm>
+        <a:graphic>
+          <a:graphicData uri="http://schemas.openxmlformats.org/drawingml/2006/table">
+            <a:tbl>
+              <a:tblPr/>
+              <a:tblGrid>
+                <a:gridCol w="2268655">
+                  <a:extLst>
+                    <a:ext uri="{9D8B030D-6E8A-4147-A177-3AD203B41FA5}">
+                      <a16:colId xmlns:a16="http://schemas.microsoft.com/office/drawing/2014/main" val="392216144"/>
+                    </a:ext>
+                  </a:extLst>
+                </a:gridCol>
+                <a:gridCol w="6512739">
+                  <a:extLst>
+                    <a:ext uri="{9D8B030D-6E8A-4147-A177-3AD203B41FA5}">
+                      <a16:colId xmlns:a16="http://schemas.microsoft.com/office/drawing/2014/main" val="4030321868"/>
+                    </a:ext>
+                  </a:extLst>
+                </a:gridCol>
+              </a:tblGrid>
+              <a:tr h="929622">
+                <a:tc>
+                  <a:txBody>
+                    <a:bodyPr/>
+                    <a:lstStyle/>
+                    <a:p>
+                      <a:pPr algn="just" rtl="0" fontAlgn="t">
+                        <a:spcBef>
+                          <a:spcPts val="0"/>
+                        </a:spcBef>
+                        <a:spcAft>
+                          <a:spcPts val="0"/>
+                        </a:spcAft>
+                      </a:pPr>
+                      <a:r>
+                        <a:rPr lang="es-CO" sz="1600" b="1" i="0" u="none" strike="noStrike">
+                          <a:solidFill>
+                            <a:srgbClr val="000000"/>
+                          </a:solidFill>
+                          <a:effectLst/>
+                          <a:latin typeface="Arial" panose="020B0604020202020204" pitchFamily="34" charset="0"/>
+                        </a:rPr>
+                        <a:t>Identificación del requerimiento:</a:t>
+                      </a:r>
+                      <a:endParaRPr lang="es-CO" sz="2400">
+                        <a:effectLst/>
+                      </a:endParaRPr>
+                    </a:p>
+                  </a:txBody>
+                  <a:tcPr marL="68580" marR="68580">
+                    <a:lnL w="6350" cap="flat" cmpd="sng" algn="ctr">
+                      <a:solidFill>
+                        <a:srgbClr val="000000"/>
+                      </a:solidFill>
+                      <a:prstDash val="solid"/>
+                      <a:round/>
+                      <a:headEnd type="none" w="med" len="med"/>
+                      <a:tailEnd type="none" w="med" len="med"/>
+                    </a:lnL>
+                    <a:lnR w="6350" cap="flat" cmpd="sng" algn="ctr">
+                      <a:solidFill>
+                        <a:srgbClr val="000000"/>
+                      </a:solidFill>
+                      <a:prstDash val="solid"/>
+                      <a:round/>
+                      <a:headEnd type="none" w="med" len="med"/>
+                      <a:tailEnd type="none" w="med" len="med"/>
+                    </a:lnR>
+                    <a:lnT w="6350" cap="flat" cmpd="sng" algn="ctr">
+                      <a:solidFill>
+                        <a:srgbClr val="000000"/>
+                      </a:solidFill>
+                      <a:prstDash val="solid"/>
+                      <a:round/>
+                      <a:headEnd type="none" w="med" len="med"/>
+                      <a:tailEnd type="none" w="med" len="med"/>
+                    </a:lnT>
+                    <a:lnB w="6350" cap="flat" cmpd="sng" algn="ctr">
+                      <a:solidFill>
+                        <a:srgbClr val="000000"/>
+                      </a:solidFill>
+                      <a:prstDash val="solid"/>
+                      <a:round/>
+                      <a:headEnd type="none" w="med" len="med"/>
+                      <a:tailEnd type="none" w="med" len="med"/>
+                    </a:lnB>
+                  </a:tcPr>
+                </a:tc>
+                <a:tc>
+                  <a:txBody>
+                    <a:bodyPr/>
+                    <a:lstStyle/>
+                    <a:p>
+                      <a:pPr algn="just" rtl="0" fontAlgn="t">
+                        <a:spcBef>
+                          <a:spcPts val="0"/>
+                        </a:spcBef>
+                        <a:spcAft>
+                          <a:spcPts val="0"/>
+                        </a:spcAft>
+                      </a:pPr>
+                      <a:r>
+                        <a:rPr lang="es-CO" sz="1600" b="1" i="0" u="none" strike="noStrike" dirty="0">
+                          <a:solidFill>
+                            <a:srgbClr val="000000"/>
+                          </a:solidFill>
+                          <a:effectLst/>
+                          <a:latin typeface="Arial" panose="020B0604020202020204" pitchFamily="34" charset="0"/>
+                        </a:rPr>
+                        <a:t>Requerimiento F2</a:t>
+                      </a:r>
+                      <a:endParaRPr lang="es-CO" sz="2400" dirty="0">
+                        <a:effectLst/>
+                      </a:endParaRPr>
+                    </a:p>
+                  </a:txBody>
+                  <a:tcPr marL="68580" marR="68580">
+                    <a:lnL w="6350" cap="flat" cmpd="sng" algn="ctr">
+                      <a:solidFill>
+                        <a:srgbClr val="000000"/>
+                      </a:solidFill>
+                      <a:prstDash val="solid"/>
+                      <a:round/>
+                      <a:headEnd type="none" w="med" len="med"/>
+                      <a:tailEnd type="none" w="med" len="med"/>
+                    </a:lnL>
+                    <a:lnR w="6350" cap="flat" cmpd="sng" algn="ctr">
+                      <a:solidFill>
+                        <a:srgbClr val="000000"/>
+                      </a:solidFill>
+                      <a:prstDash val="solid"/>
+                      <a:round/>
+                      <a:headEnd type="none" w="med" len="med"/>
+                      <a:tailEnd type="none" w="med" len="med"/>
+                    </a:lnR>
+                    <a:lnT w="6350" cap="flat" cmpd="sng" algn="ctr">
+                      <a:solidFill>
+                        <a:srgbClr val="000000"/>
+                      </a:solidFill>
+                      <a:prstDash val="solid"/>
+                      <a:round/>
+                      <a:headEnd type="none" w="med" len="med"/>
+                      <a:tailEnd type="none" w="med" len="med"/>
+                    </a:lnT>
+                    <a:lnB w="6350" cap="flat" cmpd="sng" algn="ctr">
+                      <a:solidFill>
+                        <a:srgbClr val="000000"/>
+                      </a:solidFill>
+                      <a:prstDash val="solid"/>
+                      <a:round/>
+                      <a:headEnd type="none" w="med" len="med"/>
+                      <a:tailEnd type="none" w="med" len="med"/>
+                    </a:lnB>
+                  </a:tcPr>
+                </a:tc>
+                <a:extLst>
+                  <a:ext uri="{0D108BD9-81ED-4DB2-BD59-A6C34878D82A}">
+                    <a16:rowId xmlns:a16="http://schemas.microsoft.com/office/drawing/2014/main" val="3435110233"/>
+                  </a:ext>
+                </a:extLst>
+              </a:tr>
+              <a:tr h="929622">
+                <a:tc>
+                  <a:txBody>
+                    <a:bodyPr/>
+                    <a:lstStyle/>
+                    <a:p>
+                      <a:pPr algn="just" rtl="0" fontAlgn="t">
+                        <a:spcBef>
+                          <a:spcPts val="0"/>
+                        </a:spcBef>
+                        <a:spcAft>
+                          <a:spcPts val="0"/>
+                        </a:spcAft>
+                      </a:pPr>
+                      <a:r>
+                        <a:rPr lang="es-CO" sz="1600" b="1" i="0" u="none" strike="noStrike" dirty="0">
+                          <a:solidFill>
+                            <a:srgbClr val="000000"/>
+                          </a:solidFill>
+                          <a:effectLst/>
+                          <a:latin typeface="Arial" panose="020B0604020202020204" pitchFamily="34" charset="0"/>
+                        </a:rPr>
+                        <a:t>Nombre del requerimiento:</a:t>
+                      </a:r>
+                      <a:endParaRPr lang="es-CO" sz="2400" dirty="0">
+                        <a:effectLst/>
+                      </a:endParaRPr>
+                    </a:p>
+                  </a:txBody>
+                  <a:tcPr marL="68580" marR="68580">
+                    <a:lnL w="6350" cap="flat" cmpd="sng" algn="ctr">
+                      <a:solidFill>
+                        <a:srgbClr val="000000"/>
+                      </a:solidFill>
+                      <a:prstDash val="solid"/>
+                      <a:round/>
+                      <a:headEnd type="none" w="med" len="med"/>
+                      <a:tailEnd type="none" w="med" len="med"/>
+                    </a:lnL>
+                    <a:lnR w="6350" cap="flat" cmpd="sng" algn="ctr">
+                      <a:solidFill>
+                        <a:srgbClr val="000000"/>
+                      </a:solidFill>
+                      <a:prstDash val="solid"/>
+                      <a:round/>
+                      <a:headEnd type="none" w="med" len="med"/>
+                      <a:tailEnd type="none" w="med" len="med"/>
+                    </a:lnR>
+                    <a:lnT w="6350" cap="flat" cmpd="sng" algn="ctr">
+                      <a:solidFill>
+                        <a:srgbClr val="000000"/>
+                      </a:solidFill>
+                      <a:prstDash val="solid"/>
+                      <a:round/>
+                      <a:headEnd type="none" w="med" len="med"/>
+                      <a:tailEnd type="none" w="med" len="med"/>
+                    </a:lnT>
+                    <a:lnB w="6350" cap="flat" cmpd="sng" algn="ctr">
+                      <a:solidFill>
+                        <a:srgbClr val="000000"/>
+                      </a:solidFill>
+                      <a:prstDash val="solid"/>
+                      <a:round/>
+                      <a:headEnd type="none" w="med" len="med"/>
+                      <a:tailEnd type="none" w="med" len="med"/>
+                    </a:lnB>
+                  </a:tcPr>
+                </a:tc>
+                <a:tc>
+                  <a:txBody>
+                    <a:bodyPr/>
+                    <a:lstStyle/>
+                    <a:p>
+                      <a:pPr algn="just" rtl="0" fontAlgn="t">
+                        <a:spcBef>
+                          <a:spcPts val="0"/>
+                        </a:spcBef>
+                        <a:spcAft>
+                          <a:spcPts val="0"/>
+                        </a:spcAft>
+                      </a:pPr>
+                      <a:r>
+                        <a:rPr lang="es-CO" sz="1600" b="0" i="0" u="none" strike="noStrike" dirty="0">
+                          <a:solidFill>
+                            <a:srgbClr val="000000"/>
+                          </a:solidFill>
+                          <a:effectLst/>
+                          <a:latin typeface="Arial" panose="020B0604020202020204" pitchFamily="34" charset="0"/>
+                        </a:rPr>
+                        <a:t>Interfaz sencilla </a:t>
+                      </a:r>
+                      <a:endParaRPr lang="es-CO" sz="2400" dirty="0">
+                        <a:effectLst/>
+                      </a:endParaRPr>
+                    </a:p>
+                  </a:txBody>
+                  <a:tcPr marL="68580" marR="68580">
+                    <a:lnL w="6350" cap="flat" cmpd="sng" algn="ctr">
+                      <a:solidFill>
+                        <a:srgbClr val="000000"/>
+                      </a:solidFill>
+                      <a:prstDash val="solid"/>
+                      <a:round/>
+                      <a:headEnd type="none" w="med" len="med"/>
+                      <a:tailEnd type="none" w="med" len="med"/>
+                    </a:lnL>
+                    <a:lnR w="6350" cap="flat" cmpd="sng" algn="ctr">
+                      <a:solidFill>
+                        <a:srgbClr val="000000"/>
+                      </a:solidFill>
+                      <a:prstDash val="solid"/>
+                      <a:round/>
+                      <a:headEnd type="none" w="med" len="med"/>
+                      <a:tailEnd type="none" w="med" len="med"/>
+                    </a:lnR>
+                    <a:lnT w="6350" cap="flat" cmpd="sng" algn="ctr">
+                      <a:solidFill>
+                        <a:srgbClr val="000000"/>
+                      </a:solidFill>
+                      <a:prstDash val="solid"/>
+                      <a:round/>
+                      <a:headEnd type="none" w="med" len="med"/>
+                      <a:tailEnd type="none" w="med" len="med"/>
+                    </a:lnT>
+                    <a:lnB w="6350" cap="flat" cmpd="sng" algn="ctr">
+                      <a:solidFill>
+                        <a:srgbClr val="000000"/>
+                      </a:solidFill>
+                      <a:prstDash val="solid"/>
+                      <a:round/>
+                      <a:headEnd type="none" w="med" len="med"/>
+                      <a:tailEnd type="none" w="med" len="med"/>
+                    </a:lnB>
+                  </a:tcPr>
+                </a:tc>
+                <a:extLst>
+                  <a:ext uri="{0D108BD9-81ED-4DB2-BD59-A6C34878D82A}">
+                    <a16:rowId xmlns:a16="http://schemas.microsoft.com/office/drawing/2014/main" val="3247523296"/>
+                  </a:ext>
+                </a:extLst>
+              </a:tr>
+              <a:tr h="538203">
+                <a:tc>
+                  <a:txBody>
+                    <a:bodyPr/>
+                    <a:lstStyle/>
+                    <a:p>
+                      <a:pPr algn="just" rtl="0" fontAlgn="t">
+                        <a:spcBef>
+                          <a:spcPts val="0"/>
+                        </a:spcBef>
+                        <a:spcAft>
+                          <a:spcPts val="0"/>
+                        </a:spcAft>
+                      </a:pPr>
+                      <a:r>
+                        <a:rPr lang="es-CO" sz="1600" b="1" i="0" u="none" strike="noStrike">
+                          <a:solidFill>
+                            <a:srgbClr val="000000"/>
+                          </a:solidFill>
+                          <a:effectLst/>
+                          <a:latin typeface="Arial" panose="020B0604020202020204" pitchFamily="34" charset="0"/>
+                        </a:rPr>
+                        <a:t>Características</a:t>
+                      </a:r>
+                      <a:endParaRPr lang="es-CO" sz="2400">
+                        <a:effectLst/>
+                      </a:endParaRPr>
+                    </a:p>
+                  </a:txBody>
+                  <a:tcPr marL="68580" marR="68580">
+                    <a:lnL w="6350" cap="flat" cmpd="sng" algn="ctr">
+                      <a:solidFill>
+                        <a:srgbClr val="000000"/>
+                      </a:solidFill>
+                      <a:prstDash val="solid"/>
+                      <a:round/>
+                      <a:headEnd type="none" w="med" len="med"/>
+                      <a:tailEnd type="none" w="med" len="med"/>
+                    </a:lnL>
+                    <a:lnR w="6350" cap="flat" cmpd="sng" algn="ctr">
+                      <a:solidFill>
+                        <a:srgbClr val="000000"/>
+                      </a:solidFill>
+                      <a:prstDash val="solid"/>
+                      <a:round/>
+                      <a:headEnd type="none" w="med" len="med"/>
+                      <a:tailEnd type="none" w="med" len="med"/>
+                    </a:lnR>
+                    <a:lnT w="6350" cap="flat" cmpd="sng" algn="ctr">
+                      <a:solidFill>
+                        <a:srgbClr val="000000"/>
+                      </a:solidFill>
+                      <a:prstDash val="solid"/>
+                      <a:round/>
+                      <a:headEnd type="none" w="med" len="med"/>
+                      <a:tailEnd type="none" w="med" len="med"/>
+                    </a:lnT>
+                    <a:lnB w="6350" cap="flat" cmpd="sng" algn="ctr">
+                      <a:solidFill>
+                        <a:srgbClr val="000000"/>
+                      </a:solidFill>
+                      <a:prstDash val="solid"/>
+                      <a:round/>
+                      <a:headEnd type="none" w="med" len="med"/>
+                      <a:tailEnd type="none" w="med" len="med"/>
+                    </a:lnB>
+                  </a:tcPr>
+                </a:tc>
+                <a:tc>
+                  <a:txBody>
+                    <a:bodyPr/>
+                    <a:lstStyle/>
+                    <a:p>
+                      <a:pPr algn="just" rtl="0" fontAlgn="t">
+                        <a:spcBef>
+                          <a:spcPts val="0"/>
+                        </a:spcBef>
+                        <a:spcAft>
+                          <a:spcPts val="0"/>
+                        </a:spcAft>
+                      </a:pPr>
+                      <a:r>
+                        <a:rPr lang="es-CO" sz="1600" b="0" i="0" u="none" strike="noStrike">
+                          <a:solidFill>
+                            <a:srgbClr val="000000"/>
+                          </a:solidFill>
+                          <a:effectLst/>
+                          <a:latin typeface="Arial" panose="020B0604020202020204" pitchFamily="34" charset="0"/>
+                        </a:rPr>
+                        <a:t>Plataforma intuitiva </a:t>
+                      </a:r>
+                      <a:endParaRPr lang="es-CO" sz="2400">
+                        <a:effectLst/>
+                      </a:endParaRPr>
+                    </a:p>
+                  </a:txBody>
+                  <a:tcPr marL="68580" marR="68580">
+                    <a:lnL w="6350" cap="flat" cmpd="sng" algn="ctr">
+                      <a:solidFill>
+                        <a:srgbClr val="000000"/>
+                      </a:solidFill>
+                      <a:prstDash val="solid"/>
+                      <a:round/>
+                      <a:headEnd type="none" w="med" len="med"/>
+                      <a:tailEnd type="none" w="med" len="med"/>
+                    </a:lnL>
+                    <a:lnR w="6350" cap="flat" cmpd="sng" algn="ctr">
+                      <a:solidFill>
+                        <a:srgbClr val="000000"/>
+                      </a:solidFill>
+                      <a:prstDash val="solid"/>
+                      <a:round/>
+                      <a:headEnd type="none" w="med" len="med"/>
+                      <a:tailEnd type="none" w="med" len="med"/>
+                    </a:lnR>
+                    <a:lnT w="6350" cap="flat" cmpd="sng" algn="ctr">
+                      <a:solidFill>
+                        <a:srgbClr val="000000"/>
+                      </a:solidFill>
+                      <a:prstDash val="solid"/>
+                      <a:round/>
+                      <a:headEnd type="none" w="med" len="med"/>
+                      <a:tailEnd type="none" w="med" len="med"/>
+                    </a:lnT>
+                    <a:lnB w="6350" cap="flat" cmpd="sng" algn="ctr">
+                      <a:solidFill>
+                        <a:srgbClr val="000000"/>
+                      </a:solidFill>
+                      <a:prstDash val="solid"/>
+                      <a:round/>
+                      <a:headEnd type="none" w="med" len="med"/>
+                      <a:tailEnd type="none" w="med" len="med"/>
+                    </a:lnB>
+                  </a:tcPr>
+                </a:tc>
+                <a:extLst>
+                  <a:ext uri="{0D108BD9-81ED-4DB2-BD59-A6C34878D82A}">
+                    <a16:rowId xmlns:a16="http://schemas.microsoft.com/office/drawing/2014/main" val="143020761"/>
+                  </a:ext>
+                </a:extLst>
+              </a:tr>
+              <a:tr h="929622">
+                <a:tc>
+                  <a:txBody>
+                    <a:bodyPr/>
+                    <a:lstStyle/>
+                    <a:p>
+                      <a:pPr algn="just" rtl="0" fontAlgn="t">
+                        <a:spcBef>
+                          <a:spcPts val="0"/>
+                        </a:spcBef>
+                        <a:spcAft>
+                          <a:spcPts val="0"/>
+                        </a:spcAft>
+                      </a:pPr>
+                      <a:r>
+                        <a:rPr lang="es-CO" sz="1600" b="1" i="0" u="none" strike="noStrike">
+                          <a:solidFill>
+                            <a:srgbClr val="000000"/>
+                          </a:solidFill>
+                          <a:effectLst/>
+                          <a:latin typeface="Arial" panose="020B0604020202020204" pitchFamily="34" charset="0"/>
+                        </a:rPr>
+                        <a:t>Descripción del requerimiento:</a:t>
+                      </a:r>
+                      <a:endParaRPr lang="es-CO" sz="2400">
+                        <a:effectLst/>
+                      </a:endParaRPr>
+                    </a:p>
+                  </a:txBody>
+                  <a:tcPr marL="68580" marR="68580">
+                    <a:lnL w="6350" cap="flat" cmpd="sng" algn="ctr">
+                      <a:solidFill>
+                        <a:srgbClr val="000000"/>
+                      </a:solidFill>
+                      <a:prstDash val="solid"/>
+                      <a:round/>
+                      <a:headEnd type="none" w="med" len="med"/>
+                      <a:tailEnd type="none" w="med" len="med"/>
+                    </a:lnL>
+                    <a:lnR w="6350" cap="flat" cmpd="sng" algn="ctr">
+                      <a:solidFill>
+                        <a:srgbClr val="000000"/>
+                      </a:solidFill>
+                      <a:prstDash val="solid"/>
+                      <a:round/>
+                      <a:headEnd type="none" w="med" len="med"/>
+                      <a:tailEnd type="none" w="med" len="med"/>
+                    </a:lnR>
+                    <a:lnT w="6350" cap="flat" cmpd="sng" algn="ctr">
+                      <a:solidFill>
+                        <a:srgbClr val="000000"/>
+                      </a:solidFill>
+                      <a:prstDash val="solid"/>
+                      <a:round/>
+                      <a:headEnd type="none" w="med" len="med"/>
+                      <a:tailEnd type="none" w="med" len="med"/>
+                    </a:lnT>
+                    <a:lnB w="6350" cap="flat" cmpd="sng" algn="ctr">
+                      <a:solidFill>
+                        <a:srgbClr val="000000"/>
+                      </a:solidFill>
+                      <a:prstDash val="solid"/>
+                      <a:round/>
+                      <a:headEnd type="none" w="med" len="med"/>
+                      <a:tailEnd type="none" w="med" len="med"/>
+                    </a:lnB>
+                  </a:tcPr>
+                </a:tc>
+                <a:tc>
+                  <a:txBody>
+                    <a:bodyPr/>
+                    <a:lstStyle/>
+                    <a:p>
+                      <a:pPr algn="just" rtl="0" fontAlgn="t">
+                        <a:spcBef>
+                          <a:spcPts val="0"/>
+                        </a:spcBef>
+                        <a:spcAft>
+                          <a:spcPts val="0"/>
+                        </a:spcAft>
+                      </a:pPr>
+                      <a:r>
+                        <a:rPr lang="es-ES" sz="1600" b="0" i="0" u="none" strike="noStrike">
+                          <a:solidFill>
+                            <a:srgbClr val="000000"/>
+                          </a:solidFill>
+                          <a:effectLst/>
+                          <a:latin typeface="Arial" panose="020B0604020202020204" pitchFamily="34" charset="0"/>
+                        </a:rPr>
+                        <a:t>La interfaz del sistema será sencilla, clara y concisa generando una experiencia agradable al usuario. </a:t>
+                      </a:r>
+                      <a:endParaRPr lang="es-ES" sz="2400">
+                        <a:effectLst/>
+                      </a:endParaRPr>
+                    </a:p>
+                  </a:txBody>
+                  <a:tcPr marL="68580" marR="68580">
+                    <a:lnL w="6350" cap="flat" cmpd="sng" algn="ctr">
+                      <a:solidFill>
+                        <a:srgbClr val="000000"/>
+                      </a:solidFill>
+                      <a:prstDash val="solid"/>
+                      <a:round/>
+                      <a:headEnd type="none" w="med" len="med"/>
+                      <a:tailEnd type="none" w="med" len="med"/>
+                    </a:lnL>
+                    <a:lnR w="6350" cap="flat" cmpd="sng" algn="ctr">
+                      <a:solidFill>
+                        <a:srgbClr val="000000"/>
+                      </a:solidFill>
+                      <a:prstDash val="solid"/>
+                      <a:round/>
+                      <a:headEnd type="none" w="med" len="med"/>
+                      <a:tailEnd type="none" w="med" len="med"/>
+                    </a:lnR>
+                    <a:lnT w="6350" cap="flat" cmpd="sng" algn="ctr">
+                      <a:solidFill>
+                        <a:srgbClr val="000000"/>
+                      </a:solidFill>
+                      <a:prstDash val="solid"/>
+                      <a:round/>
+                      <a:headEnd type="none" w="med" len="med"/>
+                      <a:tailEnd type="none" w="med" len="med"/>
+                    </a:lnT>
+                    <a:lnB w="6350" cap="flat" cmpd="sng" algn="ctr">
+                      <a:solidFill>
+                        <a:srgbClr val="000000"/>
+                      </a:solidFill>
+                      <a:prstDash val="solid"/>
+                      <a:round/>
+                      <a:headEnd type="none" w="med" len="med"/>
+                      <a:tailEnd type="none" w="med" len="med"/>
+                    </a:lnB>
+                  </a:tcPr>
+                </a:tc>
+                <a:extLst>
+                  <a:ext uri="{0D108BD9-81ED-4DB2-BD59-A6C34878D82A}">
+                    <a16:rowId xmlns:a16="http://schemas.microsoft.com/office/drawing/2014/main" val="2752259960"/>
+                  </a:ext>
+                </a:extLst>
+              </a:tr>
+              <a:tr h="929622">
+                <a:tc>
+                  <a:txBody>
+                    <a:bodyPr/>
+                    <a:lstStyle/>
+                    <a:p>
+                      <a:pPr algn="just" rtl="0" fontAlgn="t">
+                        <a:spcBef>
+                          <a:spcPts val="0"/>
+                        </a:spcBef>
+                        <a:spcAft>
+                          <a:spcPts val="0"/>
+                        </a:spcAft>
+                      </a:pPr>
+                      <a:r>
+                        <a:rPr lang="es-CO" sz="1600" b="1" i="0" u="none" strike="noStrike">
+                          <a:solidFill>
+                            <a:srgbClr val="000000"/>
+                          </a:solidFill>
+                          <a:effectLst/>
+                          <a:latin typeface="Arial" panose="020B0604020202020204" pitchFamily="34" charset="0"/>
+                        </a:rPr>
+                        <a:t>Prioridad de requerimiento:</a:t>
+                      </a:r>
+                      <a:endParaRPr lang="es-CO" sz="2400">
+                        <a:effectLst/>
+                      </a:endParaRPr>
+                    </a:p>
+                  </a:txBody>
+                  <a:tcPr marL="68580" marR="68580">
+                    <a:lnL w="6350" cap="flat" cmpd="sng" algn="ctr">
+                      <a:solidFill>
+                        <a:srgbClr val="000000"/>
+                      </a:solidFill>
+                      <a:prstDash val="solid"/>
+                      <a:round/>
+                      <a:headEnd type="none" w="med" len="med"/>
+                      <a:tailEnd type="none" w="med" len="med"/>
+                    </a:lnL>
+                    <a:lnR w="6350" cap="flat" cmpd="sng" algn="ctr">
+                      <a:solidFill>
+                        <a:srgbClr val="000000"/>
+                      </a:solidFill>
+                      <a:prstDash val="solid"/>
+                      <a:round/>
+                      <a:headEnd type="none" w="med" len="med"/>
+                      <a:tailEnd type="none" w="med" len="med"/>
+                    </a:lnR>
+                    <a:lnT w="6350" cap="flat" cmpd="sng" algn="ctr">
+                      <a:solidFill>
+                        <a:srgbClr val="000000"/>
+                      </a:solidFill>
+                      <a:prstDash val="solid"/>
+                      <a:round/>
+                      <a:headEnd type="none" w="med" len="med"/>
+                      <a:tailEnd type="none" w="med" len="med"/>
+                    </a:lnT>
+                    <a:lnB w="6350" cap="flat" cmpd="sng" algn="ctr">
+                      <a:solidFill>
+                        <a:srgbClr val="000000"/>
+                      </a:solidFill>
+                      <a:prstDash val="solid"/>
+                      <a:round/>
+                      <a:headEnd type="none" w="med" len="med"/>
+                      <a:tailEnd type="none" w="med" len="med"/>
+                    </a:lnB>
+                  </a:tcPr>
+                </a:tc>
+                <a:tc>
+                  <a:txBody>
+                    <a:bodyPr/>
+                    <a:lstStyle/>
+                    <a:p>
+                      <a:pPr algn="just" rtl="0" fontAlgn="t">
+                        <a:spcBef>
+                          <a:spcPts val="0"/>
+                        </a:spcBef>
+                        <a:spcAft>
+                          <a:spcPts val="0"/>
+                        </a:spcAft>
+                      </a:pPr>
+                      <a:r>
+                        <a:rPr lang="es-CO" sz="1600" b="0" i="0" u="none" strike="noStrike" dirty="0">
+                          <a:solidFill>
+                            <a:srgbClr val="000000"/>
+                          </a:solidFill>
+                          <a:effectLst/>
+                          <a:latin typeface="Arial" panose="020B0604020202020204" pitchFamily="34" charset="0"/>
+                        </a:rPr>
+                        <a:t>        Alta ( x  )         media (    )                baja(      )</a:t>
+                      </a:r>
+                      <a:endParaRPr lang="es-CO" sz="2400" dirty="0">
+                        <a:effectLst/>
+                      </a:endParaRPr>
+                    </a:p>
+                  </a:txBody>
+                  <a:tcPr marL="68580" marR="68580">
+                    <a:lnL w="6350" cap="flat" cmpd="sng" algn="ctr">
+                      <a:solidFill>
+                        <a:srgbClr val="000000"/>
+                      </a:solidFill>
+                      <a:prstDash val="solid"/>
+                      <a:round/>
+                      <a:headEnd type="none" w="med" len="med"/>
+                      <a:tailEnd type="none" w="med" len="med"/>
+                    </a:lnL>
+                    <a:lnR w="6350" cap="flat" cmpd="sng" algn="ctr">
+                      <a:solidFill>
+                        <a:srgbClr val="000000"/>
+                      </a:solidFill>
+                      <a:prstDash val="solid"/>
+                      <a:round/>
+                      <a:headEnd type="none" w="med" len="med"/>
+                      <a:tailEnd type="none" w="med" len="med"/>
+                    </a:lnR>
+                    <a:lnT w="6350" cap="flat" cmpd="sng" algn="ctr">
+                      <a:solidFill>
+                        <a:srgbClr val="000000"/>
+                      </a:solidFill>
+                      <a:prstDash val="solid"/>
+                      <a:round/>
+                      <a:headEnd type="none" w="med" len="med"/>
+                      <a:tailEnd type="none" w="med" len="med"/>
+                    </a:lnT>
+                    <a:lnB w="6350" cap="flat" cmpd="sng" algn="ctr">
+                      <a:solidFill>
+                        <a:srgbClr val="000000"/>
+                      </a:solidFill>
+                      <a:prstDash val="solid"/>
+                      <a:round/>
+                      <a:headEnd type="none" w="med" len="med"/>
+                      <a:tailEnd type="none" w="med" len="med"/>
+                    </a:lnB>
+                  </a:tcPr>
+                </a:tc>
+                <a:extLst>
+                  <a:ext uri="{0D108BD9-81ED-4DB2-BD59-A6C34878D82A}">
+                    <a16:rowId xmlns:a16="http://schemas.microsoft.com/office/drawing/2014/main" val="791450600"/>
+                  </a:ext>
+                </a:extLst>
+              </a:tr>
+            </a:tbl>
+          </a:graphicData>
+        </a:graphic>
+      </p:graphicFrame>
+      <p:sp>
+        <p:nvSpPr>
+          <p:cNvPr id="4" name="Rectangle 1">
+            <a:extLst>
+              <a:ext uri="{FF2B5EF4-FFF2-40B4-BE49-F238E27FC236}">
+                <a16:creationId xmlns:a16="http://schemas.microsoft.com/office/drawing/2014/main" id="{171A0991-7883-4C0D-B9A2-36C10F9BBDD6}"/>
+              </a:ext>
+            </a:extLst>
+          </p:cNvPr>
+          <p:cNvSpPr>
+            <a:spLocks noChangeArrowheads="1"/>
+          </p:cNvSpPr>
+          <p:nvPr/>
+        </p:nvSpPr>
+        <p:spPr bwMode="auto">
+          <a:xfrm>
+            <a:off x="3386138" y="2941638"/>
+            <a:ext cx="12192000" cy="457200"/>
+          </a:xfrm>
+          <a:prstGeom prst="rect">
+            <a:avLst/>
+          </a:prstGeom>
+          <a:noFill/>
+          <a:ln>
+            <a:noFill/>
+          </a:ln>
+          <a:effectLst/>
+          <a:extLst>
+            <a:ext uri="{909E8E84-426E-40DD-AFC4-6F175D3DCCD1}">
+              <a14:hiddenFill xmlns:a14="http://schemas.microsoft.com/office/drawing/2010/main">
+                <a:solidFill>
+                  <a:schemeClr val="accent1"/>
+                </a:solidFill>
+              </a14:hiddenFill>
+            </a:ext>
+            <a:ext uri="{91240B29-F687-4F45-9708-019B960494DF}">
+              <a14:hiddenLine xmlns:a14="http://schemas.microsoft.com/office/drawing/2010/main" w="9525">
+                <a:solidFill>
+                  <a:schemeClr val="tx1"/>
+                </a:solidFill>
+                <a:miter lim="800000"/>
+                <a:headEnd/>
+                <a:tailEnd/>
+              </a14:hiddenLine>
+            </a:ext>
+            <a:ext uri="{AF507438-7753-43E0-B8FC-AC1667EBCBE1}">
+              <a14:hiddenEffects xmlns:a14="http://schemas.microsoft.com/office/drawing/2010/main">
+                <a:effectLst>
+                  <a:outerShdw dist="35921" dir="2700000" algn="ctr" rotWithShape="0">
+                    <a:schemeClr val="bg2"/>
+                  </a:outerShdw>
+                </a:effectLst>
+              </a14:hiddenEffects>
+            </a:ext>
+          </a:extLst>
+        </p:spPr>
+        <p:txBody>
+          <a:bodyPr vert="horz" wrap="none" lIns="91440" tIns="45720" rIns="91440" bIns="45720" numCol="1" anchor="ctr" anchorCtr="0" compatLnSpc="1">
+            <a:prstTxWarp prst="textNoShape">
+              <a:avLst/>
+            </a:prstTxWarp>
+            <a:spAutoFit/>
+          </a:bodyPr>
+          <a:lstStyle/>
+          <a:p>
+            <a:endParaRPr lang="es-ES"/>
+          </a:p>
+        </p:txBody>
+      </p:sp>
     </p:spTree>
     <p:extLst>
       <p:ext uri="{BB962C8B-B14F-4D97-AF65-F5344CB8AC3E}">
@@ -11199,6 +12967,884 @@
           <a:lstStyle/>
           <a:p>
             <a:endParaRPr lang="en-US"/>
+          </a:p>
+        </p:txBody>
+      </p:sp>
+      <p:graphicFrame>
+        <p:nvGraphicFramePr>
+          <p:cNvPr id="2" name="Tabla 1">
+            <a:extLst>
+              <a:ext uri="{FF2B5EF4-FFF2-40B4-BE49-F238E27FC236}">
+                <a16:creationId xmlns:a16="http://schemas.microsoft.com/office/drawing/2014/main" id="{F7BF092E-D0B5-4D48-8778-A13AC61B3FAD}"/>
+              </a:ext>
+            </a:extLst>
+          </p:cNvPr>
+          <p:cNvGraphicFramePr>
+            <a:graphicFrameLocks noGrp="1"/>
+          </p:cNvGraphicFramePr>
+          <p:nvPr>
+            <p:extLst>
+              <p:ext uri="{D42A27DB-BD31-4B8C-83A1-F6EECF244321}">
+                <p14:modId xmlns:p14="http://schemas.microsoft.com/office/powerpoint/2010/main" val="3168089638"/>
+              </p:ext>
+            </p:extLst>
+          </p:nvPr>
+        </p:nvGraphicFramePr>
+        <p:xfrm>
+          <a:off x="1768365" y="1540297"/>
+          <a:ext cx="8655269" cy="4024930"/>
+        </p:xfrm>
+        <a:graphic>
+          <a:graphicData uri="http://schemas.openxmlformats.org/drawingml/2006/table">
+            <a:tbl>
+              <a:tblPr/>
+              <a:tblGrid>
+                <a:gridCol w="2236071">
+                  <a:extLst>
+                    <a:ext uri="{9D8B030D-6E8A-4147-A177-3AD203B41FA5}">
+                      <a16:colId xmlns:a16="http://schemas.microsoft.com/office/drawing/2014/main" val="3890412939"/>
+                    </a:ext>
+                  </a:extLst>
+                </a:gridCol>
+                <a:gridCol w="6419198">
+                  <a:extLst>
+                    <a:ext uri="{9D8B030D-6E8A-4147-A177-3AD203B41FA5}">
+                      <a16:colId xmlns:a16="http://schemas.microsoft.com/office/drawing/2014/main" val="2156892889"/>
+                    </a:ext>
+                  </a:extLst>
+                </a:gridCol>
+              </a:tblGrid>
+              <a:tr h="804986">
+                <a:tc>
+                  <a:txBody>
+                    <a:bodyPr/>
+                    <a:lstStyle/>
+                    <a:p>
+                      <a:pPr algn="just" rtl="0" fontAlgn="t">
+                        <a:spcBef>
+                          <a:spcPts val="0"/>
+                        </a:spcBef>
+                        <a:spcAft>
+                          <a:spcPts val="0"/>
+                        </a:spcAft>
+                      </a:pPr>
+                      <a:r>
+                        <a:rPr lang="es-CO" sz="1600" b="1" i="0" u="none" strike="noStrike">
+                          <a:solidFill>
+                            <a:srgbClr val="000000"/>
+                          </a:solidFill>
+                          <a:effectLst/>
+                          <a:latin typeface="Arial" panose="020B0604020202020204" pitchFamily="34" charset="0"/>
+                          <a:cs typeface="Arial" panose="020B0604020202020204" pitchFamily="34" charset="0"/>
+                        </a:rPr>
+                        <a:t>Identificación del requerimiento:</a:t>
+                      </a:r>
+                      <a:endParaRPr lang="es-CO" sz="2400">
+                        <a:effectLst/>
+                        <a:latin typeface="Arial" panose="020B0604020202020204" pitchFamily="34" charset="0"/>
+                        <a:cs typeface="Arial" panose="020B0604020202020204" pitchFamily="34" charset="0"/>
+                      </a:endParaRPr>
+                    </a:p>
+                  </a:txBody>
+                  <a:tcPr marL="68580" marR="68580">
+                    <a:lnL w="6350" cap="flat" cmpd="sng" algn="ctr">
+                      <a:solidFill>
+                        <a:srgbClr val="000000"/>
+                      </a:solidFill>
+                      <a:prstDash val="solid"/>
+                      <a:round/>
+                      <a:headEnd type="none" w="med" len="med"/>
+                      <a:tailEnd type="none" w="med" len="med"/>
+                    </a:lnL>
+                    <a:lnR w="6350" cap="flat" cmpd="sng" algn="ctr">
+                      <a:solidFill>
+                        <a:srgbClr val="000000"/>
+                      </a:solidFill>
+                      <a:prstDash val="solid"/>
+                      <a:round/>
+                      <a:headEnd type="none" w="med" len="med"/>
+                      <a:tailEnd type="none" w="med" len="med"/>
+                    </a:lnR>
+                    <a:lnT w="6350" cap="flat" cmpd="sng" algn="ctr">
+                      <a:solidFill>
+                        <a:srgbClr val="000000"/>
+                      </a:solidFill>
+                      <a:prstDash val="solid"/>
+                      <a:round/>
+                      <a:headEnd type="none" w="med" len="med"/>
+                      <a:tailEnd type="none" w="med" len="med"/>
+                    </a:lnT>
+                    <a:lnB w="6350" cap="flat" cmpd="sng" algn="ctr">
+                      <a:solidFill>
+                        <a:srgbClr val="000000"/>
+                      </a:solidFill>
+                      <a:prstDash val="solid"/>
+                      <a:round/>
+                      <a:headEnd type="none" w="med" len="med"/>
+                      <a:tailEnd type="none" w="med" len="med"/>
+                    </a:lnB>
+                  </a:tcPr>
+                </a:tc>
+                <a:tc>
+                  <a:txBody>
+                    <a:bodyPr/>
+                    <a:lstStyle/>
+                    <a:p>
+                      <a:pPr algn="just" rtl="0" fontAlgn="t">
+                        <a:spcBef>
+                          <a:spcPts val="0"/>
+                        </a:spcBef>
+                        <a:spcAft>
+                          <a:spcPts val="0"/>
+                        </a:spcAft>
+                      </a:pPr>
+                      <a:r>
+                        <a:rPr lang="es-CO" sz="1600" b="1" i="0" u="none" strike="noStrike">
+                          <a:solidFill>
+                            <a:srgbClr val="000000"/>
+                          </a:solidFill>
+                          <a:effectLst/>
+                          <a:latin typeface="Arial" panose="020B0604020202020204" pitchFamily="34" charset="0"/>
+                          <a:cs typeface="Arial" panose="020B0604020202020204" pitchFamily="34" charset="0"/>
+                        </a:rPr>
+                        <a:t>RequerimientoNF3</a:t>
+                      </a:r>
+                      <a:endParaRPr lang="es-CO" sz="2400">
+                        <a:effectLst/>
+                        <a:latin typeface="Arial" panose="020B0604020202020204" pitchFamily="34" charset="0"/>
+                        <a:cs typeface="Arial" panose="020B0604020202020204" pitchFamily="34" charset="0"/>
+                      </a:endParaRPr>
+                    </a:p>
+                  </a:txBody>
+                  <a:tcPr marL="68580" marR="68580">
+                    <a:lnL w="6350" cap="flat" cmpd="sng" algn="ctr">
+                      <a:solidFill>
+                        <a:srgbClr val="000000"/>
+                      </a:solidFill>
+                      <a:prstDash val="solid"/>
+                      <a:round/>
+                      <a:headEnd type="none" w="med" len="med"/>
+                      <a:tailEnd type="none" w="med" len="med"/>
+                    </a:lnL>
+                    <a:lnR w="6350" cap="flat" cmpd="sng" algn="ctr">
+                      <a:solidFill>
+                        <a:srgbClr val="000000"/>
+                      </a:solidFill>
+                      <a:prstDash val="solid"/>
+                      <a:round/>
+                      <a:headEnd type="none" w="med" len="med"/>
+                      <a:tailEnd type="none" w="med" len="med"/>
+                    </a:lnR>
+                    <a:lnT w="6350" cap="flat" cmpd="sng" algn="ctr">
+                      <a:solidFill>
+                        <a:srgbClr val="000000"/>
+                      </a:solidFill>
+                      <a:prstDash val="solid"/>
+                      <a:round/>
+                      <a:headEnd type="none" w="med" len="med"/>
+                      <a:tailEnd type="none" w="med" len="med"/>
+                    </a:lnT>
+                    <a:lnB w="6350" cap="flat" cmpd="sng" algn="ctr">
+                      <a:solidFill>
+                        <a:srgbClr val="000000"/>
+                      </a:solidFill>
+                      <a:prstDash val="solid"/>
+                      <a:round/>
+                      <a:headEnd type="none" w="med" len="med"/>
+                      <a:tailEnd type="none" w="med" len="med"/>
+                    </a:lnB>
+                  </a:tcPr>
+                </a:tc>
+                <a:extLst>
+                  <a:ext uri="{0D108BD9-81ED-4DB2-BD59-A6C34878D82A}">
+                    <a16:rowId xmlns:a16="http://schemas.microsoft.com/office/drawing/2014/main" val="3852472248"/>
+                  </a:ext>
+                </a:extLst>
+              </a:tr>
+              <a:tr h="804986">
+                <a:tc>
+                  <a:txBody>
+                    <a:bodyPr/>
+                    <a:lstStyle/>
+                    <a:p>
+                      <a:pPr algn="just" rtl="0" fontAlgn="t">
+                        <a:spcBef>
+                          <a:spcPts val="0"/>
+                        </a:spcBef>
+                        <a:spcAft>
+                          <a:spcPts val="0"/>
+                        </a:spcAft>
+                      </a:pPr>
+                      <a:r>
+                        <a:rPr lang="es-CO" sz="1600" b="1" i="0" u="none" strike="noStrike">
+                          <a:solidFill>
+                            <a:srgbClr val="000000"/>
+                          </a:solidFill>
+                          <a:effectLst/>
+                          <a:latin typeface="Arial" panose="020B0604020202020204" pitchFamily="34" charset="0"/>
+                          <a:cs typeface="Arial" panose="020B0604020202020204" pitchFamily="34" charset="0"/>
+                        </a:rPr>
+                        <a:t>Nombre del requerimiento:</a:t>
+                      </a:r>
+                      <a:endParaRPr lang="es-CO" sz="2400">
+                        <a:effectLst/>
+                        <a:latin typeface="Arial" panose="020B0604020202020204" pitchFamily="34" charset="0"/>
+                        <a:cs typeface="Arial" panose="020B0604020202020204" pitchFamily="34" charset="0"/>
+                      </a:endParaRPr>
+                    </a:p>
+                  </a:txBody>
+                  <a:tcPr marL="68580" marR="68580">
+                    <a:lnL w="6350" cap="flat" cmpd="sng" algn="ctr">
+                      <a:solidFill>
+                        <a:srgbClr val="000000"/>
+                      </a:solidFill>
+                      <a:prstDash val="solid"/>
+                      <a:round/>
+                      <a:headEnd type="none" w="med" len="med"/>
+                      <a:tailEnd type="none" w="med" len="med"/>
+                    </a:lnL>
+                    <a:lnR w="6350" cap="flat" cmpd="sng" algn="ctr">
+                      <a:solidFill>
+                        <a:srgbClr val="000000"/>
+                      </a:solidFill>
+                      <a:prstDash val="solid"/>
+                      <a:round/>
+                      <a:headEnd type="none" w="med" len="med"/>
+                      <a:tailEnd type="none" w="med" len="med"/>
+                    </a:lnR>
+                    <a:lnT w="6350" cap="flat" cmpd="sng" algn="ctr">
+                      <a:solidFill>
+                        <a:srgbClr val="000000"/>
+                      </a:solidFill>
+                      <a:prstDash val="solid"/>
+                      <a:round/>
+                      <a:headEnd type="none" w="med" len="med"/>
+                      <a:tailEnd type="none" w="med" len="med"/>
+                    </a:lnT>
+                    <a:lnB w="6350" cap="flat" cmpd="sng" algn="ctr">
+                      <a:solidFill>
+                        <a:srgbClr val="000000"/>
+                      </a:solidFill>
+                      <a:prstDash val="solid"/>
+                      <a:round/>
+                      <a:headEnd type="none" w="med" len="med"/>
+                      <a:tailEnd type="none" w="med" len="med"/>
+                    </a:lnB>
+                  </a:tcPr>
+                </a:tc>
+                <a:tc>
+                  <a:txBody>
+                    <a:bodyPr/>
+                    <a:lstStyle/>
+                    <a:p>
+                      <a:pPr algn="just" rtl="0" fontAlgn="t">
+                        <a:spcBef>
+                          <a:spcPts val="0"/>
+                        </a:spcBef>
+                        <a:spcAft>
+                          <a:spcPts val="0"/>
+                        </a:spcAft>
+                      </a:pPr>
+                      <a:r>
+                        <a:rPr lang="es-CO" sz="1600" b="0" i="0" u="none" strike="noStrike" dirty="0">
+                          <a:solidFill>
+                            <a:srgbClr val="000000"/>
+                          </a:solidFill>
+                          <a:effectLst/>
+                          <a:latin typeface="Arial" panose="020B0604020202020204" pitchFamily="34" charset="0"/>
+                          <a:cs typeface="Arial" panose="020B0604020202020204" pitchFamily="34" charset="0"/>
+                        </a:rPr>
+                        <a:t>Seguridad de información </a:t>
+                      </a:r>
+                      <a:endParaRPr lang="es-CO" sz="2400" dirty="0">
+                        <a:effectLst/>
+                        <a:latin typeface="Arial" panose="020B0604020202020204" pitchFamily="34" charset="0"/>
+                        <a:cs typeface="Arial" panose="020B0604020202020204" pitchFamily="34" charset="0"/>
+                      </a:endParaRPr>
+                    </a:p>
+                  </a:txBody>
+                  <a:tcPr marL="68580" marR="68580">
+                    <a:lnL w="6350" cap="flat" cmpd="sng" algn="ctr">
+                      <a:solidFill>
+                        <a:srgbClr val="000000"/>
+                      </a:solidFill>
+                      <a:prstDash val="solid"/>
+                      <a:round/>
+                      <a:headEnd type="none" w="med" len="med"/>
+                      <a:tailEnd type="none" w="med" len="med"/>
+                    </a:lnL>
+                    <a:lnR w="6350" cap="flat" cmpd="sng" algn="ctr">
+                      <a:solidFill>
+                        <a:srgbClr val="000000"/>
+                      </a:solidFill>
+                      <a:prstDash val="solid"/>
+                      <a:round/>
+                      <a:headEnd type="none" w="med" len="med"/>
+                      <a:tailEnd type="none" w="med" len="med"/>
+                    </a:lnR>
+                    <a:lnT w="6350" cap="flat" cmpd="sng" algn="ctr">
+                      <a:solidFill>
+                        <a:srgbClr val="000000"/>
+                      </a:solidFill>
+                      <a:prstDash val="solid"/>
+                      <a:round/>
+                      <a:headEnd type="none" w="med" len="med"/>
+                      <a:tailEnd type="none" w="med" len="med"/>
+                    </a:lnT>
+                    <a:lnB w="6350" cap="flat" cmpd="sng" algn="ctr">
+                      <a:solidFill>
+                        <a:srgbClr val="000000"/>
+                      </a:solidFill>
+                      <a:prstDash val="solid"/>
+                      <a:round/>
+                      <a:headEnd type="none" w="med" len="med"/>
+                      <a:tailEnd type="none" w="med" len="med"/>
+                    </a:lnB>
+                  </a:tcPr>
+                </a:tc>
+                <a:extLst>
+                  <a:ext uri="{0D108BD9-81ED-4DB2-BD59-A6C34878D82A}">
+                    <a16:rowId xmlns:a16="http://schemas.microsoft.com/office/drawing/2014/main" val="807983678"/>
+                  </a:ext>
+                </a:extLst>
+              </a:tr>
+              <a:tr h="804986">
+                <a:tc>
+                  <a:txBody>
+                    <a:bodyPr/>
+                    <a:lstStyle/>
+                    <a:p>
+                      <a:pPr algn="just" rtl="0" fontAlgn="t">
+                        <a:spcBef>
+                          <a:spcPts val="0"/>
+                        </a:spcBef>
+                        <a:spcAft>
+                          <a:spcPts val="0"/>
+                        </a:spcAft>
+                      </a:pPr>
+                      <a:r>
+                        <a:rPr lang="es-CO" sz="1600" b="1" i="0" u="none" strike="noStrike">
+                          <a:solidFill>
+                            <a:srgbClr val="000000"/>
+                          </a:solidFill>
+                          <a:effectLst/>
+                          <a:latin typeface="Arial" panose="020B0604020202020204" pitchFamily="34" charset="0"/>
+                          <a:cs typeface="Arial" panose="020B0604020202020204" pitchFamily="34" charset="0"/>
+                        </a:rPr>
+                        <a:t>Características</a:t>
+                      </a:r>
+                      <a:endParaRPr lang="es-CO" sz="2400">
+                        <a:effectLst/>
+                        <a:latin typeface="Arial" panose="020B0604020202020204" pitchFamily="34" charset="0"/>
+                        <a:cs typeface="Arial" panose="020B0604020202020204" pitchFamily="34" charset="0"/>
+                      </a:endParaRPr>
+                    </a:p>
+                  </a:txBody>
+                  <a:tcPr marL="68580" marR="68580">
+                    <a:lnL w="6350" cap="flat" cmpd="sng" algn="ctr">
+                      <a:solidFill>
+                        <a:srgbClr val="000000"/>
+                      </a:solidFill>
+                      <a:prstDash val="solid"/>
+                      <a:round/>
+                      <a:headEnd type="none" w="med" len="med"/>
+                      <a:tailEnd type="none" w="med" len="med"/>
+                    </a:lnL>
+                    <a:lnR w="6350" cap="flat" cmpd="sng" algn="ctr">
+                      <a:solidFill>
+                        <a:srgbClr val="000000"/>
+                      </a:solidFill>
+                      <a:prstDash val="solid"/>
+                      <a:round/>
+                      <a:headEnd type="none" w="med" len="med"/>
+                      <a:tailEnd type="none" w="med" len="med"/>
+                    </a:lnR>
+                    <a:lnT w="6350" cap="flat" cmpd="sng" algn="ctr">
+                      <a:solidFill>
+                        <a:srgbClr val="000000"/>
+                      </a:solidFill>
+                      <a:prstDash val="solid"/>
+                      <a:round/>
+                      <a:headEnd type="none" w="med" len="med"/>
+                      <a:tailEnd type="none" w="med" len="med"/>
+                    </a:lnT>
+                    <a:lnB w="6350" cap="flat" cmpd="sng" algn="ctr">
+                      <a:solidFill>
+                        <a:srgbClr val="000000"/>
+                      </a:solidFill>
+                      <a:prstDash val="solid"/>
+                      <a:round/>
+                      <a:headEnd type="none" w="med" len="med"/>
+                      <a:tailEnd type="none" w="med" len="med"/>
+                    </a:lnB>
+                  </a:tcPr>
+                </a:tc>
+                <a:tc>
+                  <a:txBody>
+                    <a:bodyPr/>
+                    <a:lstStyle/>
+                    <a:p>
+                      <a:pPr algn="just" rtl="0" fontAlgn="t">
+                        <a:spcBef>
+                          <a:spcPts val="0"/>
+                        </a:spcBef>
+                        <a:spcAft>
+                          <a:spcPts val="0"/>
+                        </a:spcAft>
+                      </a:pPr>
+                      <a:r>
+                        <a:rPr lang="es-ES" sz="1600" b="0" i="0" u="none" strike="noStrike">
+                          <a:solidFill>
+                            <a:srgbClr val="000000"/>
+                          </a:solidFill>
+                          <a:effectLst/>
+                          <a:latin typeface="Arial" panose="020B0604020202020204" pitchFamily="34" charset="0"/>
+                          <a:cs typeface="Arial" panose="020B0604020202020204" pitchFamily="34" charset="0"/>
+                        </a:rPr>
+                        <a:t>El sistema verificará por medio </a:t>
+                      </a:r>
+                      <a:endParaRPr lang="es-ES" sz="2400">
+                        <a:effectLst/>
+                        <a:latin typeface="Arial" panose="020B0604020202020204" pitchFamily="34" charset="0"/>
+                        <a:cs typeface="Arial" panose="020B0604020202020204" pitchFamily="34" charset="0"/>
+                      </a:endParaRPr>
+                    </a:p>
+                    <a:p>
+                      <a:pPr algn="just" rtl="0" fontAlgn="t">
+                        <a:spcBef>
+                          <a:spcPts val="0"/>
+                        </a:spcBef>
+                        <a:spcAft>
+                          <a:spcPts val="0"/>
+                        </a:spcAft>
+                      </a:pPr>
+                      <a:r>
+                        <a:rPr lang="es-ES" sz="1600" b="0" i="0" u="none" strike="noStrike">
+                          <a:solidFill>
+                            <a:srgbClr val="000000"/>
+                          </a:solidFill>
+                          <a:effectLst/>
+                          <a:latin typeface="Arial" panose="020B0604020202020204" pitchFamily="34" charset="0"/>
+                          <a:cs typeface="Arial" panose="020B0604020202020204" pitchFamily="34" charset="0"/>
+                        </a:rPr>
+                        <a:t>del ID y contraseña que la información del usuario sea la correcta.</a:t>
+                      </a:r>
+                      <a:endParaRPr lang="es-ES" sz="2400">
+                        <a:effectLst/>
+                        <a:latin typeface="Arial" panose="020B0604020202020204" pitchFamily="34" charset="0"/>
+                        <a:cs typeface="Arial" panose="020B0604020202020204" pitchFamily="34" charset="0"/>
+                      </a:endParaRPr>
+                    </a:p>
+                  </a:txBody>
+                  <a:tcPr marL="68580" marR="68580">
+                    <a:lnL w="6350" cap="flat" cmpd="sng" algn="ctr">
+                      <a:solidFill>
+                        <a:srgbClr val="000000"/>
+                      </a:solidFill>
+                      <a:prstDash val="solid"/>
+                      <a:round/>
+                      <a:headEnd type="none" w="med" len="med"/>
+                      <a:tailEnd type="none" w="med" len="med"/>
+                    </a:lnL>
+                    <a:lnR w="6350" cap="flat" cmpd="sng" algn="ctr">
+                      <a:solidFill>
+                        <a:srgbClr val="000000"/>
+                      </a:solidFill>
+                      <a:prstDash val="solid"/>
+                      <a:round/>
+                      <a:headEnd type="none" w="med" len="med"/>
+                      <a:tailEnd type="none" w="med" len="med"/>
+                    </a:lnR>
+                    <a:lnT w="6350" cap="flat" cmpd="sng" algn="ctr">
+                      <a:solidFill>
+                        <a:srgbClr val="000000"/>
+                      </a:solidFill>
+                      <a:prstDash val="solid"/>
+                      <a:round/>
+                      <a:headEnd type="none" w="med" len="med"/>
+                      <a:tailEnd type="none" w="med" len="med"/>
+                    </a:lnT>
+                    <a:lnB w="6350" cap="flat" cmpd="sng" algn="ctr">
+                      <a:solidFill>
+                        <a:srgbClr val="000000"/>
+                      </a:solidFill>
+                      <a:prstDash val="solid"/>
+                      <a:round/>
+                      <a:headEnd type="none" w="med" len="med"/>
+                      <a:tailEnd type="none" w="med" len="med"/>
+                    </a:lnB>
+                  </a:tcPr>
+                </a:tc>
+                <a:extLst>
+                  <a:ext uri="{0D108BD9-81ED-4DB2-BD59-A6C34878D82A}">
+                    <a16:rowId xmlns:a16="http://schemas.microsoft.com/office/drawing/2014/main" val="147538130"/>
+                  </a:ext>
+                </a:extLst>
+              </a:tr>
+              <a:tr h="804986">
+                <a:tc>
+                  <a:txBody>
+                    <a:bodyPr/>
+                    <a:lstStyle/>
+                    <a:p>
+                      <a:pPr algn="just" rtl="0" fontAlgn="t">
+                        <a:spcBef>
+                          <a:spcPts val="0"/>
+                        </a:spcBef>
+                        <a:spcAft>
+                          <a:spcPts val="0"/>
+                        </a:spcAft>
+                      </a:pPr>
+                      <a:r>
+                        <a:rPr lang="es-CO" sz="1600" b="1" i="0" u="none" strike="noStrike">
+                          <a:solidFill>
+                            <a:srgbClr val="000000"/>
+                          </a:solidFill>
+                          <a:effectLst/>
+                          <a:latin typeface="Arial" panose="020B0604020202020204" pitchFamily="34" charset="0"/>
+                          <a:cs typeface="Arial" panose="020B0604020202020204" pitchFamily="34" charset="0"/>
+                        </a:rPr>
+                        <a:t>Descripción del requerimiento:</a:t>
+                      </a:r>
+                      <a:endParaRPr lang="es-CO" sz="2400">
+                        <a:effectLst/>
+                        <a:latin typeface="Arial" panose="020B0604020202020204" pitchFamily="34" charset="0"/>
+                        <a:cs typeface="Arial" panose="020B0604020202020204" pitchFamily="34" charset="0"/>
+                      </a:endParaRPr>
+                    </a:p>
+                  </a:txBody>
+                  <a:tcPr marL="68580" marR="68580">
+                    <a:lnL w="6350" cap="flat" cmpd="sng" algn="ctr">
+                      <a:solidFill>
+                        <a:srgbClr val="000000"/>
+                      </a:solidFill>
+                      <a:prstDash val="solid"/>
+                      <a:round/>
+                      <a:headEnd type="none" w="med" len="med"/>
+                      <a:tailEnd type="none" w="med" len="med"/>
+                    </a:lnL>
+                    <a:lnR w="6350" cap="flat" cmpd="sng" algn="ctr">
+                      <a:solidFill>
+                        <a:srgbClr val="000000"/>
+                      </a:solidFill>
+                      <a:prstDash val="solid"/>
+                      <a:round/>
+                      <a:headEnd type="none" w="med" len="med"/>
+                      <a:tailEnd type="none" w="med" len="med"/>
+                    </a:lnR>
+                    <a:lnT w="6350" cap="flat" cmpd="sng" algn="ctr">
+                      <a:solidFill>
+                        <a:srgbClr val="000000"/>
+                      </a:solidFill>
+                      <a:prstDash val="solid"/>
+                      <a:round/>
+                      <a:headEnd type="none" w="med" len="med"/>
+                      <a:tailEnd type="none" w="med" len="med"/>
+                    </a:lnT>
+                    <a:lnB w="6350" cap="flat" cmpd="sng" algn="ctr">
+                      <a:solidFill>
+                        <a:srgbClr val="000000"/>
+                      </a:solidFill>
+                      <a:prstDash val="solid"/>
+                      <a:round/>
+                      <a:headEnd type="none" w="med" len="med"/>
+                      <a:tailEnd type="none" w="med" len="med"/>
+                    </a:lnB>
+                  </a:tcPr>
+                </a:tc>
+                <a:tc>
+                  <a:txBody>
+                    <a:bodyPr/>
+                    <a:lstStyle/>
+                    <a:p>
+                      <a:pPr algn="just" rtl="0" fontAlgn="t">
+                        <a:spcBef>
+                          <a:spcPts val="0"/>
+                        </a:spcBef>
+                        <a:spcAft>
+                          <a:spcPts val="0"/>
+                        </a:spcAft>
+                      </a:pPr>
+                      <a:r>
+                        <a:rPr lang="es-ES" sz="1600" b="0" i="0" u="none" strike="noStrike" dirty="0">
+                          <a:solidFill>
+                            <a:srgbClr val="000000"/>
+                          </a:solidFill>
+                          <a:effectLst/>
+                          <a:latin typeface="Arial" panose="020B0604020202020204" pitchFamily="34" charset="0"/>
+                          <a:cs typeface="Arial" panose="020B0604020202020204" pitchFamily="34" charset="0"/>
+                        </a:rPr>
+                        <a:t>El sistema será exigente a la hora de tratar los datos de usuario de esta forma se evita el mal uso de la información personal. </a:t>
+                      </a:r>
+                      <a:endParaRPr lang="es-ES" sz="2400" dirty="0">
+                        <a:effectLst/>
+                        <a:latin typeface="Arial" panose="020B0604020202020204" pitchFamily="34" charset="0"/>
+                        <a:cs typeface="Arial" panose="020B0604020202020204" pitchFamily="34" charset="0"/>
+                      </a:endParaRPr>
+                    </a:p>
+                  </a:txBody>
+                  <a:tcPr marL="68580" marR="68580">
+                    <a:lnL w="6350" cap="flat" cmpd="sng" algn="ctr">
+                      <a:solidFill>
+                        <a:srgbClr val="000000"/>
+                      </a:solidFill>
+                      <a:prstDash val="solid"/>
+                      <a:round/>
+                      <a:headEnd type="none" w="med" len="med"/>
+                      <a:tailEnd type="none" w="med" len="med"/>
+                    </a:lnL>
+                    <a:lnR w="6350" cap="flat" cmpd="sng" algn="ctr">
+                      <a:solidFill>
+                        <a:srgbClr val="000000"/>
+                      </a:solidFill>
+                      <a:prstDash val="solid"/>
+                      <a:round/>
+                      <a:headEnd type="none" w="med" len="med"/>
+                      <a:tailEnd type="none" w="med" len="med"/>
+                    </a:lnR>
+                    <a:lnT w="6350" cap="flat" cmpd="sng" algn="ctr">
+                      <a:solidFill>
+                        <a:srgbClr val="000000"/>
+                      </a:solidFill>
+                      <a:prstDash val="solid"/>
+                      <a:round/>
+                      <a:headEnd type="none" w="med" len="med"/>
+                      <a:tailEnd type="none" w="med" len="med"/>
+                    </a:lnT>
+                    <a:lnB w="6350" cap="flat" cmpd="sng" algn="ctr">
+                      <a:solidFill>
+                        <a:srgbClr val="000000"/>
+                      </a:solidFill>
+                      <a:prstDash val="solid"/>
+                      <a:round/>
+                      <a:headEnd type="none" w="med" len="med"/>
+                      <a:tailEnd type="none" w="med" len="med"/>
+                    </a:lnB>
+                  </a:tcPr>
+                </a:tc>
+                <a:extLst>
+                  <a:ext uri="{0D108BD9-81ED-4DB2-BD59-A6C34878D82A}">
+                    <a16:rowId xmlns:a16="http://schemas.microsoft.com/office/drawing/2014/main" val="455942941"/>
+                  </a:ext>
+                </a:extLst>
+              </a:tr>
+              <a:tr h="804986">
+                <a:tc>
+                  <a:txBody>
+                    <a:bodyPr/>
+                    <a:lstStyle/>
+                    <a:p>
+                      <a:pPr algn="just" rtl="0" fontAlgn="t">
+                        <a:spcBef>
+                          <a:spcPts val="0"/>
+                        </a:spcBef>
+                        <a:spcAft>
+                          <a:spcPts val="0"/>
+                        </a:spcAft>
+                      </a:pPr>
+                      <a:r>
+                        <a:rPr lang="es-CO" sz="1600" b="1" i="0" u="none" strike="noStrike">
+                          <a:solidFill>
+                            <a:srgbClr val="000000"/>
+                          </a:solidFill>
+                          <a:effectLst/>
+                          <a:latin typeface="Arial" panose="020B0604020202020204" pitchFamily="34" charset="0"/>
+                          <a:cs typeface="Arial" panose="020B0604020202020204" pitchFamily="34" charset="0"/>
+                        </a:rPr>
+                        <a:t>Prioridad de requerimiento:</a:t>
+                      </a:r>
+                      <a:endParaRPr lang="es-CO" sz="2400">
+                        <a:effectLst/>
+                        <a:latin typeface="Arial" panose="020B0604020202020204" pitchFamily="34" charset="0"/>
+                        <a:cs typeface="Arial" panose="020B0604020202020204" pitchFamily="34" charset="0"/>
+                      </a:endParaRPr>
+                    </a:p>
+                  </a:txBody>
+                  <a:tcPr marL="68580" marR="68580">
+                    <a:lnL w="6350" cap="flat" cmpd="sng" algn="ctr">
+                      <a:solidFill>
+                        <a:srgbClr val="000000"/>
+                      </a:solidFill>
+                      <a:prstDash val="solid"/>
+                      <a:round/>
+                      <a:headEnd type="none" w="med" len="med"/>
+                      <a:tailEnd type="none" w="med" len="med"/>
+                    </a:lnL>
+                    <a:lnR w="6350" cap="flat" cmpd="sng" algn="ctr">
+                      <a:solidFill>
+                        <a:srgbClr val="000000"/>
+                      </a:solidFill>
+                      <a:prstDash val="solid"/>
+                      <a:round/>
+                      <a:headEnd type="none" w="med" len="med"/>
+                      <a:tailEnd type="none" w="med" len="med"/>
+                    </a:lnR>
+                    <a:lnT w="6350" cap="flat" cmpd="sng" algn="ctr">
+                      <a:solidFill>
+                        <a:srgbClr val="000000"/>
+                      </a:solidFill>
+                      <a:prstDash val="solid"/>
+                      <a:round/>
+                      <a:headEnd type="none" w="med" len="med"/>
+                      <a:tailEnd type="none" w="med" len="med"/>
+                    </a:lnT>
+                    <a:lnB w="6350" cap="flat" cmpd="sng" algn="ctr">
+                      <a:solidFill>
+                        <a:srgbClr val="000000"/>
+                      </a:solidFill>
+                      <a:prstDash val="solid"/>
+                      <a:round/>
+                      <a:headEnd type="none" w="med" len="med"/>
+                      <a:tailEnd type="none" w="med" len="med"/>
+                    </a:lnB>
+                  </a:tcPr>
+                </a:tc>
+                <a:tc>
+                  <a:txBody>
+                    <a:bodyPr/>
+                    <a:lstStyle/>
+                    <a:p>
+                      <a:pPr algn="just" rtl="0" fontAlgn="t">
+                        <a:spcBef>
+                          <a:spcPts val="0"/>
+                        </a:spcBef>
+                        <a:spcAft>
+                          <a:spcPts val="0"/>
+                        </a:spcAft>
+                      </a:pPr>
+                      <a:r>
+                        <a:rPr lang="es-CO" sz="1600" b="0" i="0" u="none" strike="noStrike" dirty="0">
+                          <a:solidFill>
+                            <a:srgbClr val="000000"/>
+                          </a:solidFill>
+                          <a:effectLst/>
+                          <a:latin typeface="Arial" panose="020B0604020202020204" pitchFamily="34" charset="0"/>
+                          <a:cs typeface="Arial" panose="020B0604020202020204" pitchFamily="34" charset="0"/>
+                        </a:rPr>
+                        <a:t>    Alta ( x  )         media (    )                baja(      )</a:t>
+                      </a:r>
+                      <a:endParaRPr lang="es-CO" sz="2400" dirty="0">
+                        <a:effectLst/>
+                        <a:latin typeface="Arial" panose="020B0604020202020204" pitchFamily="34" charset="0"/>
+                        <a:cs typeface="Arial" panose="020B0604020202020204" pitchFamily="34" charset="0"/>
+                      </a:endParaRPr>
+                    </a:p>
+                  </a:txBody>
+                  <a:tcPr marL="68580" marR="68580">
+                    <a:lnL w="6350" cap="flat" cmpd="sng" algn="ctr">
+                      <a:solidFill>
+                        <a:srgbClr val="000000"/>
+                      </a:solidFill>
+                      <a:prstDash val="solid"/>
+                      <a:round/>
+                      <a:headEnd type="none" w="med" len="med"/>
+                      <a:tailEnd type="none" w="med" len="med"/>
+                    </a:lnL>
+                    <a:lnR w="6350" cap="flat" cmpd="sng" algn="ctr">
+                      <a:solidFill>
+                        <a:srgbClr val="000000"/>
+                      </a:solidFill>
+                      <a:prstDash val="solid"/>
+                      <a:round/>
+                      <a:headEnd type="none" w="med" len="med"/>
+                      <a:tailEnd type="none" w="med" len="med"/>
+                    </a:lnR>
+                    <a:lnT w="6350" cap="flat" cmpd="sng" algn="ctr">
+                      <a:solidFill>
+                        <a:srgbClr val="000000"/>
+                      </a:solidFill>
+                      <a:prstDash val="solid"/>
+                      <a:round/>
+                      <a:headEnd type="none" w="med" len="med"/>
+                      <a:tailEnd type="none" w="med" len="med"/>
+                    </a:lnT>
+                    <a:lnB w="6350" cap="flat" cmpd="sng" algn="ctr">
+                      <a:solidFill>
+                        <a:srgbClr val="000000"/>
+                      </a:solidFill>
+                      <a:prstDash val="solid"/>
+                      <a:round/>
+                      <a:headEnd type="none" w="med" len="med"/>
+                      <a:tailEnd type="none" w="med" len="med"/>
+                    </a:lnB>
+                  </a:tcPr>
+                </a:tc>
+                <a:extLst>
+                  <a:ext uri="{0D108BD9-81ED-4DB2-BD59-A6C34878D82A}">
+                    <a16:rowId xmlns:a16="http://schemas.microsoft.com/office/drawing/2014/main" val="35577797"/>
+                  </a:ext>
+                </a:extLst>
+              </a:tr>
+            </a:tbl>
+          </a:graphicData>
+        </a:graphic>
+      </p:graphicFrame>
+      <p:sp>
+        <p:nvSpPr>
+          <p:cNvPr id="4" name="Rectangle 1">
+            <a:extLst>
+              <a:ext uri="{FF2B5EF4-FFF2-40B4-BE49-F238E27FC236}">
+                <a16:creationId xmlns:a16="http://schemas.microsoft.com/office/drawing/2014/main" id="{DBB4D4B1-5C46-4C55-AE58-6037EDDD64A0}"/>
+              </a:ext>
+            </a:extLst>
+          </p:cNvPr>
+          <p:cNvSpPr>
+            <a:spLocks noChangeArrowheads="1"/>
+          </p:cNvSpPr>
+          <p:nvPr/>
+        </p:nvSpPr>
+        <p:spPr bwMode="auto">
+          <a:xfrm>
+            <a:off x="3386138" y="2674938"/>
+            <a:ext cx="12192000" cy="457200"/>
+          </a:xfrm>
+          <a:prstGeom prst="rect">
+            <a:avLst/>
+          </a:prstGeom>
+          <a:noFill/>
+          <a:ln>
+            <a:noFill/>
+          </a:ln>
+          <a:effectLst/>
+          <a:extLst>
+            <a:ext uri="{909E8E84-426E-40DD-AFC4-6F175D3DCCD1}">
+              <a14:hiddenFill xmlns:a14="http://schemas.microsoft.com/office/drawing/2010/main">
+                <a:solidFill>
+                  <a:schemeClr val="accent1"/>
+                </a:solidFill>
+              </a14:hiddenFill>
+            </a:ext>
+            <a:ext uri="{91240B29-F687-4F45-9708-019B960494DF}">
+              <a14:hiddenLine xmlns:a14="http://schemas.microsoft.com/office/drawing/2010/main" w="9525">
+                <a:solidFill>
+                  <a:schemeClr val="tx1"/>
+                </a:solidFill>
+                <a:miter lim="800000"/>
+                <a:headEnd/>
+                <a:tailEnd/>
+              </a14:hiddenLine>
+            </a:ext>
+            <a:ext uri="{AF507438-7753-43E0-B8FC-AC1667EBCBE1}">
+              <a14:hiddenEffects xmlns:a14="http://schemas.microsoft.com/office/drawing/2010/main">
+                <a:effectLst>
+                  <a:outerShdw dist="35921" dir="2700000" algn="ctr" rotWithShape="0">
+                    <a:schemeClr val="bg2"/>
+                  </a:outerShdw>
+                </a:effectLst>
+              </a14:hiddenEffects>
+            </a:ext>
+          </a:extLst>
+        </p:spPr>
+        <p:txBody>
+          <a:bodyPr vert="horz" wrap="none" lIns="91440" tIns="45720" rIns="91440" bIns="45720" numCol="1" anchor="ctr" anchorCtr="0" compatLnSpc="1">
+            <a:prstTxWarp prst="textNoShape">
+              <a:avLst/>
+            </a:prstTxWarp>
+            <a:spAutoFit/>
+          </a:bodyPr>
+          <a:lstStyle/>
+          <a:p>
+            <a:endParaRPr lang="es-ES"/>
           </a:p>
         </p:txBody>
       </p:sp>

--- a/PLANTILLA_PRESENTACION_AVANCES_PROYECTO_.pptx
+++ b/PLANTILLA_PRESENTACION_AVANCES_PROYECTO_.pptx
@@ -5,7 +5,7 @@
     <p:sldMasterId id="2147483648" r:id="rId1"/>
   </p:sldMasterIdLst>
   <p:notesMasterIdLst>
-    <p:notesMasterId r:id="rId24"/>
+    <p:notesMasterId r:id="rId27"/>
   </p:notesMasterIdLst>
   <p:sldIdLst>
     <p:sldId id="257" r:id="rId2"/>
@@ -29,7 +29,10 @@
     <p:sldId id="290" r:id="rId20"/>
     <p:sldId id="291" r:id="rId21"/>
     <p:sldId id="292" r:id="rId22"/>
-    <p:sldId id="273" r:id="rId23"/>
+    <p:sldId id="294" r:id="rId23"/>
+    <p:sldId id="295" r:id="rId24"/>
+    <p:sldId id="293" r:id="rId25"/>
+    <p:sldId id="273" r:id="rId26"/>
   </p:sldIdLst>
   <p:sldSz cx="12192000" cy="6858000"/>
   <p:notesSz cx="6858000" cy="9144000"/>
@@ -388,7 +391,7 @@
           <a:p>
             <a:fld id="{9F8AA230-26E9-4845-90B2-987FEDAD6952}" type="datetimeFigureOut">
               <a:rPr lang="es-CO" smtClean="0"/>
-              <a:t>3/12/2021</a:t>
+              <a:t>4/12/2021</a:t>
             </a:fld>
             <a:endParaRPr lang="es-CO"/>
           </a:p>
@@ -1255,6 +1258,239 @@
   <p:cSld>
     <p:spTree>
       <p:nvGrpSpPr>
+        <p:cNvPr id="1" name="Shape 121"/>
+        <p:cNvGrpSpPr/>
+        <p:nvPr/>
+      </p:nvGrpSpPr>
+      <p:grpSpPr>
+        <a:xfrm>
+          <a:off x="0" y="0"/>
+          <a:ext cx="0" cy="0"/>
+          <a:chOff x="0" y="0"/>
+          <a:chExt cx="0" cy="0"/>
+        </a:xfrm>
+      </p:grpSpPr>
+      <p:sp>
+        <p:nvSpPr>
+          <p:cNvPr id="122" name="Google Shape;122;p5:notes"/>
+          <p:cNvSpPr>
+            <a:spLocks noGrp="1" noRot="1" noChangeAspect="1"/>
+          </p:cNvSpPr>
+          <p:nvPr>
+            <p:ph type="sldImg" idx="2"/>
+          </p:nvPr>
+        </p:nvSpPr>
+        <p:spPr>
+          <a:xfrm>
+            <a:off x="381000" y="685800"/>
+            <a:ext cx="6096000" cy="3429000"/>
+          </a:xfrm>
+          <a:custGeom>
+            <a:avLst/>
+            <a:gdLst/>
+            <a:ahLst/>
+            <a:cxnLst/>
+            <a:rect l="l" t="t" r="r" b="b"/>
+            <a:pathLst>
+              <a:path w="120000" h="120000" extrusionOk="0">
+                <a:moveTo>
+                  <a:pt x="0" y="0"/>
+                </a:moveTo>
+                <a:lnTo>
+                  <a:pt x="120000" y="0"/>
+                </a:lnTo>
+                <a:lnTo>
+                  <a:pt x="120000" y="120000"/>
+                </a:lnTo>
+                <a:lnTo>
+                  <a:pt x="0" y="120000"/>
+                </a:lnTo>
+                <a:close/>
+              </a:path>
+            </a:pathLst>
+          </a:custGeom>
+          <a:noFill/>
+          <a:ln w="12700" cap="flat" cmpd="sng">
+            <a:solidFill>
+              <a:srgbClr val="000000"/>
+            </a:solidFill>
+            <a:prstDash val="solid"/>
+            <a:round/>
+            <a:headEnd type="none" w="sm" len="sm"/>
+            <a:tailEnd type="none" w="sm" len="sm"/>
+          </a:ln>
+        </p:spPr>
+      </p:sp>
+      <p:sp>
+        <p:nvSpPr>
+          <p:cNvPr id="123" name="Google Shape;123;p5:notes"/>
+          <p:cNvSpPr txBox="1">
+            <a:spLocks noGrp="1"/>
+          </p:cNvSpPr>
+          <p:nvPr>
+            <p:ph type="body" idx="1"/>
+          </p:nvPr>
+        </p:nvSpPr>
+        <p:spPr>
+          <a:xfrm>
+            <a:off x="685800" y="4343400"/>
+            <a:ext cx="5486400" cy="4114800"/>
+          </a:xfrm>
+          <a:prstGeom prst="rect">
+            <a:avLst/>
+          </a:prstGeom>
+          <a:noFill/>
+          <a:ln>
+            <a:noFill/>
+          </a:ln>
+        </p:spPr>
+        <p:txBody>
+          <a:bodyPr spcFirstLastPara="1" wrap="square" lIns="91425" tIns="45700" rIns="91425" bIns="45700" anchor="t" anchorCtr="0">
+            <a:noAutofit/>
+          </a:bodyPr>
+          <a:lstStyle/>
+          <a:p>
+            <a:pPr marL="171450" lvl="0" indent="-171450" algn="l" rtl="0">
+              <a:lnSpc>
+                <a:spcPct val="100000"/>
+              </a:lnSpc>
+              <a:spcBef>
+                <a:spcPts val="0"/>
+              </a:spcBef>
+              <a:spcAft>
+                <a:spcPts val="0"/>
+              </a:spcAft>
+              <a:buClr>
+                <a:schemeClr val="dk1"/>
+              </a:buClr>
+              <a:buSzPts val="1200"/>
+              <a:buFont typeface="Calibri"/>
+              <a:buChar char="-"/>
+            </a:pPr>
+            <a:r>
+              <a:rPr lang="es-ES" dirty="0"/>
+              <a:t>Utilice esta diapositiva si necesita incluir textos más extensos.</a:t>
+            </a:r>
+            <a:endParaRPr dirty="0"/>
+          </a:p>
+          <a:p>
+            <a:pPr marL="171450" lvl="0" indent="-171450" algn="l" rtl="0">
+              <a:lnSpc>
+                <a:spcPct val="100000"/>
+              </a:lnSpc>
+              <a:spcBef>
+                <a:spcPts val="0"/>
+              </a:spcBef>
+              <a:spcAft>
+                <a:spcPts val="0"/>
+              </a:spcAft>
+              <a:buClr>
+                <a:schemeClr val="dk1"/>
+              </a:buClr>
+              <a:buSzPts val="1200"/>
+              <a:buFont typeface="Calibri"/>
+              <a:buChar char="-"/>
+            </a:pPr>
+            <a:r>
+              <a:rPr lang="es-ES" dirty="0"/>
+              <a:t>Los textos deben ir en azul (utilice el azul que aparece en la opciones de color de letra - -&gt; colores recientes) en tipografía Arial y justificados.</a:t>
+            </a:r>
+            <a:endParaRPr dirty="0"/>
+          </a:p>
+          <a:p>
+            <a:pPr marL="171450" lvl="0" indent="-171450" algn="l" rtl="0">
+              <a:lnSpc>
+                <a:spcPct val="100000"/>
+              </a:lnSpc>
+              <a:spcBef>
+                <a:spcPts val="0"/>
+              </a:spcBef>
+              <a:spcAft>
+                <a:spcPts val="0"/>
+              </a:spcAft>
+              <a:buClr>
+                <a:schemeClr val="dk1"/>
+              </a:buClr>
+              <a:buSzPts val="1200"/>
+              <a:buFont typeface="Calibri"/>
+              <a:buChar char="-"/>
+            </a:pPr>
+            <a:r>
+              <a:rPr lang="es-ES" dirty="0"/>
+              <a:t>Asegúrese que los textos no se monten sobre la franja verde.</a:t>
+            </a:r>
+            <a:endParaRPr dirty="0"/>
+          </a:p>
+        </p:txBody>
+      </p:sp>
+      <p:sp>
+        <p:nvSpPr>
+          <p:cNvPr id="124" name="Google Shape;124;p5:notes"/>
+          <p:cNvSpPr txBox="1">
+            <a:spLocks noGrp="1"/>
+          </p:cNvSpPr>
+          <p:nvPr>
+            <p:ph type="sldNum" idx="12"/>
+          </p:nvPr>
+        </p:nvSpPr>
+        <p:spPr>
+          <a:xfrm>
+            <a:off x="3884613" y="8685213"/>
+            <a:ext cx="2971800" cy="457200"/>
+          </a:xfrm>
+          <a:prstGeom prst="rect">
+            <a:avLst/>
+          </a:prstGeom>
+          <a:noFill/>
+          <a:ln>
+            <a:noFill/>
+          </a:ln>
+        </p:spPr>
+        <p:txBody>
+          <a:bodyPr spcFirstLastPara="1" wrap="square" lIns="91425" tIns="45700" rIns="91425" bIns="45700" anchor="b" anchorCtr="0">
+            <a:noAutofit/>
+          </a:bodyPr>
+          <a:lstStyle/>
+          <a:p>
+            <a:pPr marL="0" lvl="0" indent="0" algn="r" rtl="0">
+              <a:lnSpc>
+                <a:spcPct val="100000"/>
+              </a:lnSpc>
+              <a:spcBef>
+                <a:spcPts val="0"/>
+              </a:spcBef>
+              <a:spcAft>
+                <a:spcPts val="0"/>
+              </a:spcAft>
+              <a:buSzPts val="1400"/>
+              <a:buNone/>
+            </a:pPr>
+            <a:fld id="{00000000-1234-1234-1234-123412341234}" type="slidenum">
+              <a:rPr lang="es-ES"/>
+              <a:t>24</a:t>
+            </a:fld>
+            <a:endParaRPr/>
+          </a:p>
+        </p:txBody>
+      </p:sp>
+    </p:spTree>
+    <p:extLst>
+      <p:ext uri="{BB962C8B-B14F-4D97-AF65-F5344CB8AC3E}">
+        <p14:creationId xmlns:p14="http://schemas.microsoft.com/office/powerpoint/2010/main" val="549059945"/>
+      </p:ext>
+    </p:extLst>
+  </p:cSld>
+  <p:clrMapOvr>
+    <a:masterClrMapping/>
+  </p:clrMapOvr>
+</p:notes>
+</file>
+
+<file path=ppt/notesSlides/notesSlide13.xml><?xml version="1.0" encoding="utf-8"?>
+<p:notes xmlns:a="http://schemas.openxmlformats.org/drawingml/2006/main" xmlns:r="http://schemas.openxmlformats.org/officeDocument/2006/relationships" xmlns:p="http://schemas.openxmlformats.org/presentationml/2006/main" showMasterSp="0" showMasterPhAnim="0">
+  <p:cSld>
+    <p:spTree>
+      <p:nvGrpSpPr>
         <p:cNvPr id="1" name="Shape 186"/>
         <p:cNvGrpSpPr/>
         <p:nvPr/>
@@ -1440,7 +1676,7 @@
             </a:pPr>
             <a:fld id="{00000000-1234-1234-1234-123412341234}" type="slidenum">
               <a:rPr lang="es-ES"/>
-              <a:t>22</a:t>
+              <a:t>25</a:t>
             </a:fld>
             <a:endParaRPr/>
           </a:p>
@@ -3407,7 +3643,7 @@
           <a:p>
             <a:fld id="{45896B23-B6B7-4DC1-BF89-EF3D7CBACBEB}" type="datetimeFigureOut">
               <a:rPr lang="es-CO" smtClean="0"/>
-              <a:t>3/12/2021</a:t>
+              <a:t>4/12/2021</a:t>
             </a:fld>
             <a:endParaRPr lang="es-CO"/>
           </a:p>
@@ -3607,7 +3843,7 @@
           <a:p>
             <a:fld id="{45896B23-B6B7-4DC1-BF89-EF3D7CBACBEB}" type="datetimeFigureOut">
               <a:rPr lang="es-CO" smtClean="0"/>
-              <a:t>3/12/2021</a:t>
+              <a:t>4/12/2021</a:t>
             </a:fld>
             <a:endParaRPr lang="es-CO"/>
           </a:p>
@@ -3817,7 +4053,7 @@
           <a:p>
             <a:fld id="{45896B23-B6B7-4DC1-BF89-EF3D7CBACBEB}" type="datetimeFigureOut">
               <a:rPr lang="es-CO" smtClean="0"/>
-              <a:t>3/12/2021</a:t>
+              <a:t>4/12/2021</a:t>
             </a:fld>
             <a:endParaRPr lang="es-CO"/>
           </a:p>
@@ -4302,7 +4538,7 @@
           <a:p>
             <a:fld id="{45896B23-B6B7-4DC1-BF89-EF3D7CBACBEB}" type="datetimeFigureOut">
               <a:rPr lang="es-CO" smtClean="0"/>
-              <a:t>3/12/2021</a:t>
+              <a:t>4/12/2021</a:t>
             </a:fld>
             <a:endParaRPr lang="es-CO"/>
           </a:p>
@@ -4578,7 +4814,7 @@
           <a:p>
             <a:fld id="{45896B23-B6B7-4DC1-BF89-EF3D7CBACBEB}" type="datetimeFigureOut">
               <a:rPr lang="es-CO" smtClean="0"/>
-              <a:t>3/12/2021</a:t>
+              <a:t>4/12/2021</a:t>
             </a:fld>
             <a:endParaRPr lang="es-CO"/>
           </a:p>
@@ -4846,7 +5082,7 @@
           <a:p>
             <a:fld id="{45896B23-B6B7-4DC1-BF89-EF3D7CBACBEB}" type="datetimeFigureOut">
               <a:rPr lang="es-CO" smtClean="0"/>
-              <a:t>3/12/2021</a:t>
+              <a:t>4/12/2021</a:t>
             </a:fld>
             <a:endParaRPr lang="es-CO"/>
           </a:p>
@@ -5261,7 +5497,7 @@
           <a:p>
             <a:fld id="{45896B23-B6B7-4DC1-BF89-EF3D7CBACBEB}" type="datetimeFigureOut">
               <a:rPr lang="es-CO" smtClean="0"/>
-              <a:t>3/12/2021</a:t>
+              <a:t>4/12/2021</a:t>
             </a:fld>
             <a:endParaRPr lang="es-CO"/>
           </a:p>
@@ -5403,7 +5639,7 @@
           <a:p>
             <a:fld id="{45896B23-B6B7-4DC1-BF89-EF3D7CBACBEB}" type="datetimeFigureOut">
               <a:rPr lang="es-CO" smtClean="0"/>
-              <a:t>3/12/2021</a:t>
+              <a:t>4/12/2021</a:t>
             </a:fld>
             <a:endParaRPr lang="es-CO"/>
           </a:p>
@@ -5516,7 +5752,7 @@
           <a:p>
             <a:fld id="{45896B23-B6B7-4DC1-BF89-EF3D7CBACBEB}" type="datetimeFigureOut">
               <a:rPr lang="es-CO" smtClean="0"/>
-              <a:t>3/12/2021</a:t>
+              <a:t>4/12/2021</a:t>
             </a:fld>
             <a:endParaRPr lang="es-CO"/>
           </a:p>
@@ -5829,7 +6065,7 @@
           <a:p>
             <a:fld id="{45896B23-B6B7-4DC1-BF89-EF3D7CBACBEB}" type="datetimeFigureOut">
               <a:rPr lang="es-CO" smtClean="0"/>
-              <a:t>3/12/2021</a:t>
+              <a:t>4/12/2021</a:t>
             </a:fld>
             <a:endParaRPr lang="es-CO"/>
           </a:p>
@@ -6118,7 +6354,7 @@
           <a:p>
             <a:fld id="{45896B23-B6B7-4DC1-BF89-EF3D7CBACBEB}" type="datetimeFigureOut">
               <a:rPr lang="es-CO" smtClean="0"/>
-              <a:t>3/12/2021</a:t>
+              <a:t>4/12/2021</a:t>
             </a:fld>
             <a:endParaRPr lang="es-CO"/>
           </a:p>
@@ -6361,7 +6597,7 @@
           <a:p>
             <a:fld id="{45896B23-B6B7-4DC1-BF89-EF3D7CBACBEB}" type="datetimeFigureOut">
               <a:rPr lang="es-CO" smtClean="0"/>
-              <a:t>3/12/2021</a:t>
+              <a:t>4/12/2021</a:t>
             </a:fld>
             <a:endParaRPr lang="es-CO"/>
           </a:p>
@@ -7070,6 +7306,7 @@
       <p:sp>
         <p:nvSpPr>
           <p:cNvPr id="10" name="CuadroTexto 9">
+            <a:hlinkClick r:id="rId5" action="ppaction://hlinkfile"/>
             <a:extLst>
               <a:ext uri="{FF2B5EF4-FFF2-40B4-BE49-F238E27FC236}">
                 <a16:creationId xmlns:a16="http://schemas.microsoft.com/office/drawing/2014/main" id="{CB45A7F1-13BC-4A87-94BB-6BCF71E7B80F}"/>
@@ -7081,8 +7318,8 @@
         </p:nvSpPr>
         <p:spPr>
           <a:xfrm>
-            <a:off x="4775201" y="6023429"/>
-            <a:ext cx="2888342" cy="646331"/>
+            <a:off x="3726873" y="5575336"/>
+            <a:ext cx="4391891" cy="369332"/>
           </a:xfrm>
           <a:prstGeom prst="rect">
             <a:avLst/>
@@ -7095,16 +7332,24 @@
           </a:bodyPr>
           <a:lstStyle/>
           <a:p>
-            <a:r>
-              <a:rPr lang="es-CO" dirty="0">
+            <a:pPr algn="ctr"/>
+            <a:r>
+              <a:rPr lang="es-CO" b="1" dirty="0" smtClean="0">
                 <a:solidFill>
                   <a:srgbClr val="0070C0"/>
                 </a:solidFill>
                 <a:latin typeface="Arial" panose="020B0604020202020204" pitchFamily="34" charset="0"/>
                 <a:cs typeface="Arial" panose="020B0604020202020204" pitchFamily="34" charset="0"/>
               </a:rPr>
-              <a:t>DOCUMENTO(agregar vinculo)</a:t>
-            </a:r>
+              <a:t>DOCUMENTO</a:t>
+            </a:r>
+            <a:endParaRPr lang="es-CO" b="1" dirty="0">
+              <a:solidFill>
+                <a:srgbClr val="0070C0"/>
+              </a:solidFill>
+              <a:latin typeface="Arial" panose="020B0604020202020204" pitchFamily="34" charset="0"/>
+              <a:cs typeface="Arial" panose="020B0604020202020204" pitchFamily="34" charset="0"/>
+            </a:endParaRPr>
           </a:p>
         </p:txBody>
       </p:sp>
@@ -8237,6 +8482,12 @@
                     <a:lstStyle/>
                     <a:p>
                       <a:pPr fontAlgn="t"/>
+                      <a:r>
+                        <a:rPr lang="en-US" sz="1600" dirty="0">
+                          <a:effectLst/>
+                        </a:rPr>
+                        <a:t/>
+                      </a:r>
                       <a:br>
                         <a:rPr lang="en-US" sz="1600" dirty="0">
                           <a:effectLst/>
@@ -9326,6 +9577,12 @@
                     <a:lstStyle/>
                     <a:p>
                       <a:pPr fontAlgn="t"/>
+                      <a:r>
+                        <a:rPr lang="en-US" sz="1600" dirty="0">
+                          <a:effectLst/>
+                        </a:rPr>
+                        <a:t/>
+                      </a:r>
                       <a:br>
                         <a:rPr lang="en-US" sz="1600" dirty="0">
                           <a:effectLst/>
@@ -10425,6 +10682,12 @@
                     <a:lstStyle/>
                     <a:p>
                       <a:pPr fontAlgn="t"/>
+                      <a:r>
+                        <a:rPr lang="en-US" sz="1600" dirty="0">
+                          <a:effectLst/>
+                        </a:rPr>
+                        <a:t/>
+                      </a:r>
                       <a:br>
                         <a:rPr lang="en-US" sz="1600" dirty="0">
                           <a:effectLst/>
@@ -13862,6 +14125,510 @@
 </file>
 
 <file path=ppt/slides/slide22.xml><?xml version="1.0" encoding="utf-8"?>
+<p:sld xmlns:a="http://schemas.openxmlformats.org/drawingml/2006/main" xmlns:r="http://schemas.openxmlformats.org/officeDocument/2006/relationships" xmlns:p="http://schemas.openxmlformats.org/presentationml/2006/main">
+  <p:cSld>
+    <p:spTree>
+      <p:nvGrpSpPr>
+        <p:cNvPr id="1" name=""/>
+        <p:cNvGrpSpPr/>
+        <p:nvPr/>
+      </p:nvGrpSpPr>
+      <p:grpSpPr>
+        <a:xfrm>
+          <a:off x="0" y="0"/>
+          <a:ext cx="0" cy="0"/>
+          <a:chOff x="0" y="0"/>
+          <a:chExt cx="0" cy="0"/>
+        </a:xfrm>
+      </p:grpSpPr>
+      <p:sp>
+        <p:nvSpPr>
+          <p:cNvPr id="3" name="Rectangle 1"/>
+          <p:cNvSpPr>
+            <a:spLocks noChangeArrowheads="1"/>
+          </p:cNvSpPr>
+          <p:nvPr/>
+        </p:nvSpPr>
+        <p:spPr bwMode="auto">
+          <a:xfrm>
+            <a:off x="3386138" y="2674938"/>
+            <a:ext cx="12192000" cy="457200"/>
+          </a:xfrm>
+          <a:prstGeom prst="rect">
+            <a:avLst/>
+          </a:prstGeom>
+          <a:noFill/>
+          <a:ln>
+            <a:noFill/>
+          </a:ln>
+          <a:effectLst/>
+          <a:extLst>
+            <a:ext uri="{909E8E84-426E-40DD-AFC4-6F175D3DCCD1}">
+              <a14:hiddenFill xmlns:a14="http://schemas.microsoft.com/office/drawing/2010/main">
+                <a:solidFill>
+                  <a:schemeClr val="accent1"/>
+                </a:solidFill>
+              </a14:hiddenFill>
+            </a:ext>
+            <a:ext uri="{91240B29-F687-4F45-9708-019B960494DF}">
+              <a14:hiddenLine xmlns:a14="http://schemas.microsoft.com/office/drawing/2010/main" w="9525">
+                <a:solidFill>
+                  <a:schemeClr val="tx1"/>
+                </a:solidFill>
+                <a:miter lim="800000"/>
+                <a:headEnd/>
+                <a:tailEnd/>
+              </a14:hiddenLine>
+            </a:ext>
+            <a:ext uri="{AF507438-7753-43E0-B8FC-AC1667EBCBE1}">
+              <a14:hiddenEffects xmlns:a14="http://schemas.microsoft.com/office/drawing/2010/main">
+                <a:effectLst>
+                  <a:outerShdw dist="35921" dir="2700000" algn="ctr" rotWithShape="0">
+                    <a:schemeClr val="bg2"/>
+                  </a:outerShdw>
+                </a:effectLst>
+              </a14:hiddenEffects>
+            </a:ext>
+          </a:extLst>
+        </p:spPr>
+        <p:txBody>
+          <a:bodyPr vert="horz" wrap="none" lIns="91440" tIns="45720" rIns="91440" bIns="45720" numCol="1" anchor="ctr" anchorCtr="0" compatLnSpc="1">
+            <a:prstTxWarp prst="textNoShape">
+              <a:avLst/>
+            </a:prstTxWarp>
+            <a:spAutoFit/>
+          </a:bodyPr>
+          <a:lstStyle/>
+          <a:p>
+            <a:endParaRPr lang="en-US"/>
+          </a:p>
+        </p:txBody>
+      </p:sp>
+      <p:sp>
+        <p:nvSpPr>
+          <p:cNvPr id="4" name="Rectangle 1">
+            <a:extLst>
+              <a:ext uri="{FF2B5EF4-FFF2-40B4-BE49-F238E27FC236}">
+                <a16:creationId xmlns:a16="http://schemas.microsoft.com/office/drawing/2014/main" id="{DBB4D4B1-5C46-4C55-AE58-6037EDDD64A0}"/>
+              </a:ext>
+            </a:extLst>
+          </p:cNvPr>
+          <p:cNvSpPr>
+            <a:spLocks noChangeArrowheads="1"/>
+          </p:cNvSpPr>
+          <p:nvPr/>
+        </p:nvSpPr>
+        <p:spPr bwMode="auto">
+          <a:xfrm>
+            <a:off x="3386138" y="2674938"/>
+            <a:ext cx="12192000" cy="457200"/>
+          </a:xfrm>
+          <a:prstGeom prst="rect">
+            <a:avLst/>
+          </a:prstGeom>
+          <a:noFill/>
+          <a:ln>
+            <a:noFill/>
+          </a:ln>
+          <a:effectLst/>
+          <a:extLst>
+            <a:ext uri="{909E8E84-426E-40DD-AFC4-6F175D3DCCD1}">
+              <a14:hiddenFill xmlns:a14="http://schemas.microsoft.com/office/drawing/2010/main">
+                <a:solidFill>
+                  <a:schemeClr val="accent1"/>
+                </a:solidFill>
+              </a14:hiddenFill>
+            </a:ext>
+            <a:ext uri="{91240B29-F687-4F45-9708-019B960494DF}">
+              <a14:hiddenLine xmlns:a14="http://schemas.microsoft.com/office/drawing/2010/main" w="9525">
+                <a:solidFill>
+                  <a:schemeClr val="tx1"/>
+                </a:solidFill>
+                <a:miter lim="800000"/>
+                <a:headEnd/>
+                <a:tailEnd/>
+              </a14:hiddenLine>
+            </a:ext>
+            <a:ext uri="{AF507438-7753-43E0-B8FC-AC1667EBCBE1}">
+              <a14:hiddenEffects xmlns:a14="http://schemas.microsoft.com/office/drawing/2010/main">
+                <a:effectLst>
+                  <a:outerShdw dist="35921" dir="2700000" algn="ctr" rotWithShape="0">
+                    <a:schemeClr val="bg2"/>
+                  </a:outerShdw>
+                </a:effectLst>
+              </a14:hiddenEffects>
+            </a:ext>
+          </a:extLst>
+        </p:spPr>
+        <p:txBody>
+          <a:bodyPr vert="horz" wrap="none" lIns="91440" tIns="45720" rIns="91440" bIns="45720" numCol="1" anchor="ctr" anchorCtr="0" compatLnSpc="1">
+            <a:prstTxWarp prst="textNoShape">
+              <a:avLst/>
+            </a:prstTxWarp>
+            <a:spAutoFit/>
+          </a:bodyPr>
+          <a:lstStyle/>
+          <a:p>
+            <a:endParaRPr lang="es-ES"/>
+          </a:p>
+        </p:txBody>
+      </p:sp>
+      <p:sp>
+        <p:nvSpPr>
+          <p:cNvPr id="6" name="CuadroTexto 5"/>
+          <p:cNvSpPr txBox="1"/>
+          <p:nvPr/>
+        </p:nvSpPr>
+        <p:spPr>
+          <a:xfrm>
+            <a:off x="1500188" y="685799"/>
+            <a:ext cx="8515350" cy="646331"/>
+          </a:xfrm>
+          <a:prstGeom prst="rect">
+            <a:avLst/>
+          </a:prstGeom>
+          <a:noFill/>
+        </p:spPr>
+        <p:txBody>
+          <a:bodyPr wrap="square" rtlCol="0">
+            <a:spAutoFit/>
+          </a:bodyPr>
+          <a:lstStyle/>
+          <a:p>
+            <a:pPr algn="ctr"/>
+            <a:r>
+              <a:rPr lang="es-CO" sz="3600" b="1" dirty="0" smtClean="0">
+                <a:solidFill>
+                  <a:srgbClr val="0070C0"/>
+                </a:solidFill>
+              </a:rPr>
+              <a:t>DIAGRAMA GENERAL</a:t>
+            </a:r>
+            <a:endParaRPr lang="en-US" sz="3600" b="1" dirty="0">
+              <a:solidFill>
+                <a:srgbClr val="0070C0"/>
+              </a:solidFill>
+            </a:endParaRPr>
+          </a:p>
+        </p:txBody>
+      </p:sp>
+      <p:pic>
+        <p:nvPicPr>
+          <p:cNvPr id="7" name="Imagen 6">
+            <a:hlinkClick r:id="rId2" action="ppaction://hlinkfile"/>
+          </p:cNvPr>
+          <p:cNvPicPr>
+            <a:picLocks noChangeAspect="1"/>
+          </p:cNvPicPr>
+          <p:nvPr/>
+        </p:nvPicPr>
+        <p:blipFill>
+          <a:blip r:embed="rId3">
+            <a:extLst>
+              <a:ext uri="{28A0092B-C50C-407E-A947-70E740481C1C}">
+                <a14:useLocalDpi xmlns:a14="http://schemas.microsoft.com/office/drawing/2010/main" val="0"/>
+              </a:ext>
+            </a:extLst>
+          </a:blip>
+          <a:stretch>
+            <a:fillRect/>
+          </a:stretch>
+        </p:blipFill>
+        <p:spPr>
+          <a:xfrm>
+            <a:off x="1118337" y="1485901"/>
+            <a:ext cx="10058400" cy="4643438"/>
+          </a:xfrm>
+          <a:prstGeom prst="rect">
+            <a:avLst/>
+          </a:prstGeom>
+        </p:spPr>
+      </p:pic>
+    </p:spTree>
+    <p:extLst>
+      <p:ext uri="{BB962C8B-B14F-4D97-AF65-F5344CB8AC3E}">
+        <p14:creationId xmlns:p14="http://schemas.microsoft.com/office/powerpoint/2010/main" val="1568686128"/>
+      </p:ext>
+    </p:extLst>
+  </p:cSld>
+  <p:clrMapOvr>
+    <a:masterClrMapping/>
+  </p:clrMapOvr>
+</p:sld>
+</file>
+
+<file path=ppt/slides/slide23.xml><?xml version="1.0" encoding="utf-8"?>
+<p:sld xmlns:a="http://schemas.openxmlformats.org/drawingml/2006/main" xmlns:r="http://schemas.openxmlformats.org/officeDocument/2006/relationships" xmlns:p="http://schemas.openxmlformats.org/presentationml/2006/main">
+  <p:cSld>
+    <p:spTree>
+      <p:nvGrpSpPr>
+        <p:cNvPr id="1" name=""/>
+        <p:cNvGrpSpPr/>
+        <p:nvPr/>
+      </p:nvGrpSpPr>
+      <p:grpSpPr>
+        <a:xfrm>
+          <a:off x="0" y="0"/>
+          <a:ext cx="0" cy="0"/>
+          <a:chOff x="0" y="0"/>
+          <a:chExt cx="0" cy="0"/>
+        </a:xfrm>
+      </p:grpSpPr>
+      <p:sp>
+        <p:nvSpPr>
+          <p:cNvPr id="2" name="CuadroTexto 1"/>
+          <p:cNvSpPr txBox="1"/>
+          <p:nvPr/>
+        </p:nvSpPr>
+        <p:spPr>
+          <a:xfrm>
+            <a:off x="2618508" y="734290"/>
+            <a:ext cx="6497781" cy="461665"/>
+          </a:xfrm>
+          <a:prstGeom prst="rect">
+            <a:avLst/>
+          </a:prstGeom>
+          <a:noFill/>
+        </p:spPr>
+        <p:txBody>
+          <a:bodyPr wrap="square" rtlCol="0">
+            <a:spAutoFit/>
+          </a:bodyPr>
+          <a:lstStyle/>
+          <a:p>
+            <a:pPr algn="ctr"/>
+            <a:r>
+              <a:rPr lang="es-CO" sz="2400" b="1" dirty="0" smtClean="0">
+                <a:solidFill>
+                  <a:srgbClr val="0070C0"/>
+                </a:solidFill>
+                <a:latin typeface="Arial" panose="020B0604020202020204" pitchFamily="34" charset="0"/>
+                <a:cs typeface="Arial" panose="020B0604020202020204" pitchFamily="34" charset="0"/>
+              </a:rPr>
+              <a:t>DOCUMENTACION DE CASOS DE USO</a:t>
+            </a:r>
+            <a:endParaRPr lang="en-US" sz="2400" b="1" dirty="0">
+              <a:solidFill>
+                <a:srgbClr val="0070C0"/>
+              </a:solidFill>
+              <a:latin typeface="Arial" panose="020B0604020202020204" pitchFamily="34" charset="0"/>
+              <a:cs typeface="Arial" panose="020B0604020202020204" pitchFamily="34" charset="0"/>
+            </a:endParaRPr>
+          </a:p>
+        </p:txBody>
+      </p:sp>
+      <p:pic>
+        <p:nvPicPr>
+          <p:cNvPr id="3" name="Imagen 2">
+            <a:hlinkClick r:id="rId2" action="ppaction://hlinkfile"/>
+          </p:cNvPr>
+          <p:cNvPicPr>
+            <a:picLocks noChangeAspect="1"/>
+          </p:cNvPicPr>
+          <p:nvPr/>
+        </p:nvPicPr>
+        <p:blipFill>
+          <a:blip r:embed="rId3">
+            <a:extLst>
+              <a:ext uri="{28A0092B-C50C-407E-A947-70E740481C1C}">
+                <a14:useLocalDpi xmlns:a14="http://schemas.microsoft.com/office/drawing/2010/main" val="0"/>
+              </a:ext>
+            </a:extLst>
+          </a:blip>
+          <a:stretch>
+            <a:fillRect/>
+          </a:stretch>
+        </p:blipFill>
+        <p:spPr>
+          <a:xfrm>
+            <a:off x="1742467" y="1496291"/>
+            <a:ext cx="8707065" cy="4604844"/>
+          </a:xfrm>
+          <a:prstGeom prst="rect">
+            <a:avLst/>
+          </a:prstGeom>
+        </p:spPr>
+      </p:pic>
+    </p:spTree>
+    <p:extLst>
+      <p:ext uri="{BB962C8B-B14F-4D97-AF65-F5344CB8AC3E}">
+        <p14:creationId xmlns:p14="http://schemas.microsoft.com/office/powerpoint/2010/main" val="108793322"/>
+      </p:ext>
+    </p:extLst>
+  </p:cSld>
+  <p:clrMapOvr>
+    <a:masterClrMapping/>
+  </p:clrMapOvr>
+</p:sld>
+</file>
+
+<file path=ppt/slides/slide24.xml><?xml version="1.0" encoding="utf-8"?>
+<p:sld xmlns:a="http://schemas.openxmlformats.org/drawingml/2006/main" xmlns:r="http://schemas.openxmlformats.org/officeDocument/2006/relationships" xmlns:p="http://schemas.openxmlformats.org/presentationml/2006/main">
+  <p:cSld>
+    <p:spTree>
+      <p:nvGrpSpPr>
+        <p:cNvPr id="1" name="Shape 125"/>
+        <p:cNvGrpSpPr/>
+        <p:nvPr/>
+      </p:nvGrpSpPr>
+      <p:grpSpPr>
+        <a:xfrm>
+          <a:off x="0" y="0"/>
+          <a:ext cx="0" cy="0"/>
+          <a:chOff x="0" y="0"/>
+          <a:chExt cx="0" cy="0"/>
+        </a:xfrm>
+      </p:grpSpPr>
+      <p:sp>
+        <p:nvSpPr>
+          <p:cNvPr id="2" name="CuadroTexto 1">
+            <a:extLst>
+              <a:ext uri="{FF2B5EF4-FFF2-40B4-BE49-F238E27FC236}">
+                <a16:creationId xmlns:a16="http://schemas.microsoft.com/office/drawing/2014/main" id="{BC758410-DEA8-4A1F-AF32-CF4DA320955F}"/>
+              </a:ext>
+            </a:extLst>
+          </p:cNvPr>
+          <p:cNvSpPr txBox="1"/>
+          <p:nvPr/>
+        </p:nvSpPr>
+        <p:spPr>
+          <a:xfrm>
+            <a:off x="2065606" y="578560"/>
+            <a:ext cx="6879102" cy="523220"/>
+          </a:xfrm>
+          <a:prstGeom prst="rect">
+            <a:avLst/>
+          </a:prstGeom>
+          <a:noFill/>
+        </p:spPr>
+        <p:txBody>
+          <a:bodyPr wrap="square" rtlCol="0">
+            <a:spAutoFit/>
+          </a:bodyPr>
+          <a:lstStyle/>
+          <a:p>
+            <a:pPr algn="ctr"/>
+            <a:r>
+              <a:rPr lang="es-ES" sz="2800" b="1" dirty="0" smtClean="0">
+                <a:solidFill>
+                  <a:srgbClr val="0070C0"/>
+                </a:solidFill>
+                <a:latin typeface="Arial" panose="020B0604020202020204" pitchFamily="34" charset="0"/>
+                <a:cs typeface="Arial" panose="020B0604020202020204" pitchFamily="34" charset="0"/>
+              </a:rPr>
+              <a:t>ANEXOS</a:t>
+            </a:r>
+            <a:endParaRPr lang="es-CO" sz="2800" b="1" dirty="0">
+              <a:solidFill>
+                <a:srgbClr val="0070C0"/>
+              </a:solidFill>
+              <a:latin typeface="Arial" panose="020B0604020202020204" pitchFamily="34" charset="0"/>
+              <a:cs typeface="Arial" panose="020B0604020202020204" pitchFamily="34" charset="0"/>
+            </a:endParaRPr>
+          </a:p>
+        </p:txBody>
+      </p:sp>
+      <p:sp>
+        <p:nvSpPr>
+          <p:cNvPr id="5" name="CuadroTexto 4">
+            <a:hlinkClick r:id="rId3" action="ppaction://hlinkfile"/>
+            <a:extLst>
+              <a:ext uri="{FF2B5EF4-FFF2-40B4-BE49-F238E27FC236}">
+                <a16:creationId xmlns:a16="http://schemas.microsoft.com/office/drawing/2014/main" id="{03EC8784-F841-4BD9-8443-3B6F41DC20A4}"/>
+              </a:ext>
+            </a:extLst>
+          </p:cNvPr>
+          <p:cNvSpPr txBox="1"/>
+          <p:nvPr/>
+        </p:nvSpPr>
+        <p:spPr>
+          <a:xfrm>
+            <a:off x="477449" y="1419771"/>
+            <a:ext cx="9791114" cy="369332"/>
+          </a:xfrm>
+          <a:prstGeom prst="rect">
+            <a:avLst/>
+          </a:prstGeom>
+          <a:noFill/>
+        </p:spPr>
+        <p:txBody>
+          <a:bodyPr wrap="square" rtlCol="0">
+            <a:spAutoFit/>
+          </a:bodyPr>
+          <a:lstStyle/>
+          <a:p>
+            <a:pPr algn="just"/>
+            <a:r>
+              <a:rPr lang="es-ES" dirty="0" smtClean="0">
+                <a:solidFill>
+                  <a:srgbClr val="0070C0"/>
+                </a:solidFill>
+                <a:latin typeface="Arial" panose="020B0604020202020204" pitchFamily="34" charset="0"/>
+                <a:cs typeface="Arial" panose="020B0604020202020204" pitchFamily="34" charset="0"/>
+              </a:rPr>
+              <a:t>DOCUMENTO IEEE830 </a:t>
+            </a:r>
+          </a:p>
+        </p:txBody>
+      </p:sp>
+      <p:sp>
+        <p:nvSpPr>
+          <p:cNvPr id="3" name="CuadroTexto 2">
+            <a:hlinkClick r:id="rId4"/>
+          </p:cNvPr>
+          <p:cNvSpPr txBox="1"/>
+          <p:nvPr/>
+        </p:nvSpPr>
+        <p:spPr>
+          <a:xfrm>
+            <a:off x="477449" y="2563091"/>
+            <a:ext cx="4094551" cy="369332"/>
+          </a:xfrm>
+          <a:prstGeom prst="rect">
+            <a:avLst/>
+          </a:prstGeom>
+          <a:noFill/>
+        </p:spPr>
+        <p:txBody>
+          <a:bodyPr wrap="square" rtlCol="0">
+            <a:spAutoFit/>
+          </a:bodyPr>
+          <a:lstStyle/>
+          <a:p>
+            <a:r>
+              <a:rPr lang="es-CO" dirty="0" smtClean="0">
+                <a:solidFill>
+                  <a:srgbClr val="0070C0"/>
+                </a:solidFill>
+                <a:latin typeface="Arial" panose="020B0604020202020204" pitchFamily="34" charset="0"/>
+                <a:cs typeface="Arial" panose="020B0604020202020204" pitchFamily="34" charset="0"/>
+              </a:rPr>
+              <a:t>DOCUMENTO DE INVESTIGACION</a:t>
+            </a:r>
+            <a:endParaRPr lang="en-US" dirty="0">
+              <a:solidFill>
+                <a:srgbClr val="0070C0"/>
+              </a:solidFill>
+              <a:latin typeface="Arial" panose="020B0604020202020204" pitchFamily="34" charset="0"/>
+              <a:cs typeface="Arial" panose="020B0604020202020204" pitchFamily="34" charset="0"/>
+            </a:endParaRPr>
+          </a:p>
+        </p:txBody>
+      </p:sp>
+    </p:spTree>
+    <p:extLst>
+      <p:ext uri="{BB962C8B-B14F-4D97-AF65-F5344CB8AC3E}">
+        <p14:creationId xmlns:p14="http://schemas.microsoft.com/office/powerpoint/2010/main" val="2006625067"/>
+      </p:ext>
+    </p:extLst>
+  </p:cSld>
+  <p:clrMapOvr>
+    <a:masterClrMapping/>
+  </p:clrMapOvr>
+</p:sld>
+</file>
+
+<file path=ppt/slides/slide25.xml><?xml version="1.0" encoding="utf-8"?>
 <p:sld xmlns:a="http://schemas.openxmlformats.org/drawingml/2006/main" xmlns:r="http://schemas.openxmlformats.org/officeDocument/2006/relationships" xmlns:p="http://schemas.openxmlformats.org/presentationml/2006/main">
   <p:cSld>
     <p:spTree>

--- a/PLANTILLA_PRESENTACION_AVANCES_PROYECTO_.pptx
+++ b/PLANTILLA_PRESENTACION_AVANCES_PROYECTO_.pptx
@@ -391,7 +391,7 @@
           <a:p>
             <a:fld id="{9F8AA230-26E9-4845-90B2-987FEDAD6952}" type="datetimeFigureOut">
               <a:rPr lang="es-CO" smtClean="0"/>
-              <a:t>4/12/2021</a:t>
+              <a:t>7/12/2021</a:t>
             </a:fld>
             <a:endParaRPr lang="es-CO"/>
           </a:p>
@@ -3643,7 +3643,7 @@
           <a:p>
             <a:fld id="{45896B23-B6B7-4DC1-BF89-EF3D7CBACBEB}" type="datetimeFigureOut">
               <a:rPr lang="es-CO" smtClean="0"/>
-              <a:t>4/12/2021</a:t>
+              <a:t>7/12/2021</a:t>
             </a:fld>
             <a:endParaRPr lang="es-CO"/>
           </a:p>
@@ -3843,7 +3843,7 @@
           <a:p>
             <a:fld id="{45896B23-B6B7-4DC1-BF89-EF3D7CBACBEB}" type="datetimeFigureOut">
               <a:rPr lang="es-CO" smtClean="0"/>
-              <a:t>4/12/2021</a:t>
+              <a:t>7/12/2021</a:t>
             </a:fld>
             <a:endParaRPr lang="es-CO"/>
           </a:p>
@@ -4053,7 +4053,7 @@
           <a:p>
             <a:fld id="{45896B23-B6B7-4DC1-BF89-EF3D7CBACBEB}" type="datetimeFigureOut">
               <a:rPr lang="es-CO" smtClean="0"/>
-              <a:t>4/12/2021</a:t>
+              <a:t>7/12/2021</a:t>
             </a:fld>
             <a:endParaRPr lang="es-CO"/>
           </a:p>
@@ -4538,7 +4538,7 @@
           <a:p>
             <a:fld id="{45896B23-B6B7-4DC1-BF89-EF3D7CBACBEB}" type="datetimeFigureOut">
               <a:rPr lang="es-CO" smtClean="0"/>
-              <a:t>4/12/2021</a:t>
+              <a:t>7/12/2021</a:t>
             </a:fld>
             <a:endParaRPr lang="es-CO"/>
           </a:p>
@@ -4814,7 +4814,7 @@
           <a:p>
             <a:fld id="{45896B23-B6B7-4DC1-BF89-EF3D7CBACBEB}" type="datetimeFigureOut">
               <a:rPr lang="es-CO" smtClean="0"/>
-              <a:t>4/12/2021</a:t>
+              <a:t>7/12/2021</a:t>
             </a:fld>
             <a:endParaRPr lang="es-CO"/>
           </a:p>
@@ -5082,7 +5082,7 @@
           <a:p>
             <a:fld id="{45896B23-B6B7-4DC1-BF89-EF3D7CBACBEB}" type="datetimeFigureOut">
               <a:rPr lang="es-CO" smtClean="0"/>
-              <a:t>4/12/2021</a:t>
+              <a:t>7/12/2021</a:t>
             </a:fld>
             <a:endParaRPr lang="es-CO"/>
           </a:p>
@@ -5497,7 +5497,7 @@
           <a:p>
             <a:fld id="{45896B23-B6B7-4DC1-BF89-EF3D7CBACBEB}" type="datetimeFigureOut">
               <a:rPr lang="es-CO" smtClean="0"/>
-              <a:t>4/12/2021</a:t>
+              <a:t>7/12/2021</a:t>
             </a:fld>
             <a:endParaRPr lang="es-CO"/>
           </a:p>
@@ -5639,7 +5639,7 @@
           <a:p>
             <a:fld id="{45896B23-B6B7-4DC1-BF89-EF3D7CBACBEB}" type="datetimeFigureOut">
               <a:rPr lang="es-CO" smtClean="0"/>
-              <a:t>4/12/2021</a:t>
+              <a:t>7/12/2021</a:t>
             </a:fld>
             <a:endParaRPr lang="es-CO"/>
           </a:p>
@@ -5752,7 +5752,7 @@
           <a:p>
             <a:fld id="{45896B23-B6B7-4DC1-BF89-EF3D7CBACBEB}" type="datetimeFigureOut">
               <a:rPr lang="es-CO" smtClean="0"/>
-              <a:t>4/12/2021</a:t>
+              <a:t>7/12/2021</a:t>
             </a:fld>
             <a:endParaRPr lang="es-CO"/>
           </a:p>
@@ -6065,7 +6065,7 @@
           <a:p>
             <a:fld id="{45896B23-B6B7-4DC1-BF89-EF3D7CBACBEB}" type="datetimeFigureOut">
               <a:rPr lang="es-CO" smtClean="0"/>
-              <a:t>4/12/2021</a:t>
+              <a:t>7/12/2021</a:t>
             </a:fld>
             <a:endParaRPr lang="es-CO"/>
           </a:p>
@@ -6354,7 +6354,7 @@
           <a:p>
             <a:fld id="{45896B23-B6B7-4DC1-BF89-EF3D7CBACBEB}" type="datetimeFigureOut">
               <a:rPr lang="es-CO" smtClean="0"/>
-              <a:t>4/12/2021</a:t>
+              <a:t>7/12/2021</a:t>
             </a:fld>
             <a:endParaRPr lang="es-CO"/>
           </a:p>
@@ -6597,7 +6597,7 @@
           <a:p>
             <a:fld id="{45896B23-B6B7-4DC1-BF89-EF3D7CBACBEB}" type="datetimeFigureOut">
               <a:rPr lang="es-CO" smtClean="0"/>
-              <a:t>4/12/2021</a:t>
+              <a:t>7/12/2021</a:t>
             </a:fld>
             <a:endParaRPr lang="es-CO"/>
           </a:p>
@@ -7334,7 +7334,7 @@
           <a:p>
             <a:pPr algn="ctr"/>
             <a:r>
-              <a:rPr lang="es-CO" b="1" dirty="0" smtClean="0">
+              <a:rPr lang="es-CO" b="1" dirty="0">
                 <a:solidFill>
                   <a:srgbClr val="0070C0"/>
                 </a:solidFill>
@@ -7343,13 +7343,6 @@
               </a:rPr>
               <a:t>DOCUMENTO</a:t>
             </a:r>
-            <a:endParaRPr lang="es-CO" b="1" dirty="0">
-              <a:solidFill>
-                <a:srgbClr val="0070C0"/>
-              </a:solidFill>
-              <a:latin typeface="Arial" panose="020B0604020202020204" pitchFamily="34" charset="0"/>
-              <a:cs typeface="Arial" panose="020B0604020202020204" pitchFamily="34" charset="0"/>
-            </a:endParaRPr>
           </a:p>
         </p:txBody>
       </p:sp>
@@ -7745,7 +7738,7 @@
           <p:nvPr>
             <p:extLst>
               <p:ext uri="{D42A27DB-BD31-4B8C-83A1-F6EECF244321}">
-                <p14:modId xmlns:p14="http://schemas.microsoft.com/office/powerpoint/2010/main" val="1138019637"/>
+                <p14:modId xmlns:p14="http://schemas.microsoft.com/office/powerpoint/2010/main" val="3833300674"/>
               </p:ext>
             </p:extLst>
           </p:nvPr>
@@ -7791,7 +7784,7 @@
                       <a:r>
                         <a:rPr lang="en-US" sz="1600" b="1" i="0" u="none" strike="noStrike" dirty="0" err="1">
                           <a:solidFill>
-                            <a:srgbClr val="000000"/>
+                            <a:srgbClr val="0070C0"/>
                           </a:solidFill>
                           <a:effectLst/>
                           <a:latin typeface="Arial" panose="020B0604020202020204" pitchFamily="34" charset="0"/>
@@ -7801,7 +7794,7 @@
                       <a:r>
                         <a:rPr lang="en-US" sz="1600" b="1" i="0" u="none" strike="noStrike" dirty="0">
                           <a:solidFill>
-                            <a:srgbClr val="000000"/>
+                            <a:srgbClr val="0070C0"/>
                           </a:solidFill>
                           <a:effectLst/>
                           <a:latin typeface="Arial" panose="020B0604020202020204" pitchFamily="34" charset="0"/>
@@ -7811,7 +7804,7 @@
                       <a:r>
                         <a:rPr lang="en-US" sz="1600" b="1" i="0" u="none" strike="noStrike" dirty="0" err="1">
                           <a:solidFill>
-                            <a:srgbClr val="000000"/>
+                            <a:srgbClr val="0070C0"/>
                           </a:solidFill>
                           <a:effectLst/>
                           <a:latin typeface="Arial" panose="020B0604020202020204" pitchFamily="34" charset="0"/>
@@ -7821,7 +7814,7 @@
                       <a:r>
                         <a:rPr lang="en-US" sz="1600" b="1" i="0" u="none" strike="noStrike" dirty="0">
                           <a:solidFill>
-                            <a:srgbClr val="000000"/>
+                            <a:srgbClr val="0070C0"/>
                           </a:solidFill>
                           <a:effectLst/>
                           <a:latin typeface="Arial" panose="020B0604020202020204" pitchFamily="34" charset="0"/>
@@ -7829,6 +7822,9 @@
                         <a:t>:</a:t>
                       </a:r>
                       <a:endParaRPr lang="en-US" sz="1600" dirty="0">
+                        <a:solidFill>
+                          <a:srgbClr val="0070C0"/>
+                        </a:solidFill>
                         <a:effectLst/>
                       </a:endParaRPr>
                     </a:p>
@@ -7888,7 +7884,7 @@
                       <a:r>
                         <a:rPr lang="en-US" sz="1600" b="1" i="0" u="none" strike="noStrike" dirty="0">
                           <a:solidFill>
-                            <a:srgbClr val="000000"/>
+                            <a:srgbClr val="0070C0"/>
                           </a:solidFill>
                           <a:effectLst/>
                           <a:latin typeface="Arial" panose="020B0604020202020204" pitchFamily="34" charset="0"/>
@@ -7896,6 +7892,9 @@
                         <a:t>RequerimientoF1</a:t>
                       </a:r>
                       <a:endParaRPr lang="en-US" sz="1600" dirty="0">
+                        <a:solidFill>
+                          <a:srgbClr val="0070C0"/>
+                        </a:solidFill>
                         <a:effectLst/>
                       </a:endParaRPr>
                     </a:p>
@@ -7962,7 +7961,7 @@
                       <a:r>
                         <a:rPr lang="en-US" sz="1600" b="1" i="0" u="none" strike="noStrike" dirty="0" err="1">
                           <a:solidFill>
-                            <a:srgbClr val="000000"/>
+                            <a:srgbClr val="0070C0"/>
                           </a:solidFill>
                           <a:effectLst/>
                           <a:latin typeface="Arial" panose="020B0604020202020204" pitchFamily="34" charset="0"/>
@@ -7972,7 +7971,7 @@
                       <a:r>
                         <a:rPr lang="en-US" sz="1600" b="1" i="0" u="none" strike="noStrike" dirty="0">
                           <a:solidFill>
-                            <a:srgbClr val="000000"/>
+                            <a:srgbClr val="0070C0"/>
                           </a:solidFill>
                           <a:effectLst/>
                           <a:latin typeface="Arial" panose="020B0604020202020204" pitchFamily="34" charset="0"/>
@@ -7982,7 +7981,7 @@
                       <a:r>
                         <a:rPr lang="en-US" sz="1600" b="1" i="0" u="none" strike="noStrike" dirty="0" err="1">
                           <a:solidFill>
-                            <a:srgbClr val="000000"/>
+                            <a:srgbClr val="0070C0"/>
                           </a:solidFill>
                           <a:effectLst/>
                           <a:latin typeface="Arial" panose="020B0604020202020204" pitchFamily="34" charset="0"/>
@@ -7992,7 +7991,7 @@
                       <a:r>
                         <a:rPr lang="en-US" sz="1600" b="1" i="0" u="none" strike="noStrike" dirty="0">
                           <a:solidFill>
-                            <a:srgbClr val="000000"/>
+                            <a:srgbClr val="0070C0"/>
                           </a:solidFill>
                           <a:effectLst/>
                           <a:latin typeface="Arial" panose="020B0604020202020204" pitchFamily="34" charset="0"/>
@@ -8000,6 +7999,9 @@
                         <a:t>:</a:t>
                       </a:r>
                       <a:endParaRPr lang="en-US" sz="1600" dirty="0">
+                        <a:solidFill>
+                          <a:srgbClr val="0070C0"/>
+                        </a:solidFill>
                         <a:effectLst/>
                       </a:endParaRPr>
                     </a:p>
@@ -8059,7 +8061,7 @@
                       <a:r>
                         <a:rPr lang="en-US" sz="1600" b="0" i="0" u="none" strike="noStrike">
                           <a:solidFill>
-                            <a:srgbClr val="000000"/>
+                            <a:srgbClr val="0070C0"/>
                           </a:solidFill>
                           <a:effectLst/>
                           <a:latin typeface="Arial" panose="020B0604020202020204" pitchFamily="34" charset="0"/>
@@ -8067,6 +8069,9 @@
                         <a:t>Registro usuario </a:t>
                       </a:r>
                       <a:endParaRPr lang="en-US" sz="1600">
+                        <a:solidFill>
+                          <a:srgbClr val="0070C0"/>
+                        </a:solidFill>
                         <a:effectLst/>
                       </a:endParaRPr>
                     </a:p>
@@ -8133,7 +8138,7 @@
                       <a:r>
                         <a:rPr lang="en-US" sz="1600" b="1" i="0" u="none" strike="noStrike" dirty="0" err="1">
                           <a:solidFill>
-                            <a:srgbClr val="000000"/>
+                            <a:srgbClr val="0070C0"/>
                           </a:solidFill>
                           <a:effectLst/>
                           <a:latin typeface="Arial" panose="020B0604020202020204" pitchFamily="34" charset="0"/>
@@ -8141,6 +8146,9 @@
                         <a:t>Características</a:t>
                       </a:r>
                       <a:endParaRPr lang="en-US" sz="1600" dirty="0">
+                        <a:solidFill>
+                          <a:srgbClr val="0070C0"/>
+                        </a:solidFill>
                         <a:effectLst/>
                       </a:endParaRPr>
                     </a:p>
@@ -8200,7 +8208,7 @@
                       <a:r>
                         <a:rPr lang="es-ES" sz="1600" b="0" i="0" u="none" strike="noStrike" dirty="0">
                           <a:solidFill>
-                            <a:srgbClr val="000000"/>
+                            <a:srgbClr val="0070C0"/>
                           </a:solidFill>
                           <a:effectLst/>
                           <a:latin typeface="Arial" panose="020B0604020202020204" pitchFamily="34" charset="0"/>
@@ -8210,7 +8218,7 @@
                       <a:r>
                         <a:rPr lang="es-ES" sz="1600" b="0" i="0" u="none" strike="noStrike" dirty="0" err="1">
                           <a:solidFill>
-                            <a:srgbClr val="000000"/>
+                            <a:srgbClr val="0070C0"/>
                           </a:solidFill>
                           <a:effectLst/>
                           <a:latin typeface="Arial" panose="020B0604020202020204" pitchFamily="34" charset="0"/>
@@ -8218,6 +8226,9 @@
                         <a:t>aplicacion</a:t>
                       </a:r>
                       <a:endParaRPr lang="es-ES" sz="1600" dirty="0">
+                        <a:solidFill>
+                          <a:srgbClr val="0070C0"/>
+                        </a:solidFill>
                         <a:effectLst/>
                       </a:endParaRPr>
                     </a:p>
@@ -8284,7 +8295,7 @@
                       <a:r>
                         <a:rPr lang="en-US" sz="1600" b="1" i="0" u="none" strike="noStrike">
                           <a:solidFill>
-                            <a:srgbClr val="000000"/>
+                            <a:srgbClr val="0070C0"/>
                           </a:solidFill>
                           <a:effectLst/>
                           <a:latin typeface="Arial" panose="020B0604020202020204" pitchFamily="34" charset="0"/>
@@ -8292,6 +8303,9 @@
                         <a:t>Descripción del requerimiento:</a:t>
                       </a:r>
                       <a:endParaRPr lang="en-US" sz="1600">
+                        <a:solidFill>
+                          <a:srgbClr val="0070C0"/>
+                        </a:solidFill>
                         <a:effectLst/>
                       </a:endParaRPr>
                     </a:p>
@@ -8351,7 +8365,7 @@
                       <a:r>
                         <a:rPr lang="es-ES" sz="1600" b="0" i="0" u="none" strike="noStrike" dirty="0">
                           <a:solidFill>
-                            <a:srgbClr val="000000"/>
+                            <a:srgbClr val="0070C0"/>
                           </a:solidFill>
                           <a:effectLst/>
                           <a:latin typeface="Arial" panose="020B0604020202020204" pitchFamily="34" charset="0"/>
@@ -8359,6 +8373,9 @@
                         <a:t>la interfaz le pedirá datos tales como: Fecha de nacimiento, Nombre y apellido, correo electrónico y contraseña.</a:t>
                       </a:r>
                       <a:endParaRPr lang="es-ES" sz="1600" dirty="0">
+                        <a:solidFill>
+                          <a:srgbClr val="0070C0"/>
+                        </a:solidFill>
                         <a:effectLst/>
                       </a:endParaRPr>
                     </a:p>
@@ -8425,7 +8442,7 @@
                       <a:r>
                         <a:rPr lang="en-US" sz="1600" b="1" i="0" u="none" strike="noStrike">
                           <a:solidFill>
-                            <a:srgbClr val="000000"/>
+                            <a:srgbClr val="0070C0"/>
                           </a:solidFill>
                           <a:effectLst/>
                           <a:latin typeface="Arial" panose="020B0604020202020204" pitchFamily="34" charset="0"/>
@@ -8433,6 +8450,9 @@
                         <a:t>Requerimientos no funcionales:</a:t>
                       </a:r>
                       <a:endParaRPr lang="en-US" sz="1600">
+                        <a:solidFill>
+                          <a:srgbClr val="0070C0"/>
+                        </a:solidFill>
                         <a:effectLst/>
                       </a:endParaRPr>
                     </a:p>
@@ -8482,18 +8502,18 @@
                     <a:lstStyle/>
                     <a:p>
                       <a:pPr fontAlgn="t"/>
-                      <a:r>
-                        <a:rPr lang="en-US" sz="1600" dirty="0">
-                          <a:effectLst/>
-                        </a:rPr>
-                        <a:t/>
-                      </a:r>
                       <a:br>
                         <a:rPr lang="en-US" sz="1600" dirty="0">
+                          <a:solidFill>
+                            <a:srgbClr val="0070C0"/>
+                          </a:solidFill>
                           <a:effectLst/>
                         </a:rPr>
                       </a:br>
                       <a:endParaRPr lang="en-US" sz="1600" dirty="0">
+                        <a:solidFill>
+                          <a:srgbClr val="0070C0"/>
+                        </a:solidFill>
                         <a:effectLst/>
                       </a:endParaRPr>
                     </a:p>
@@ -8560,7 +8580,7 @@
                       <a:r>
                         <a:rPr lang="en-US" sz="1600" b="1" i="0" u="none" strike="noStrike">
                           <a:solidFill>
-                            <a:srgbClr val="000000"/>
+                            <a:srgbClr val="0070C0"/>
                           </a:solidFill>
                           <a:effectLst/>
                           <a:latin typeface="Arial" panose="020B0604020202020204" pitchFamily="34" charset="0"/>
@@ -8568,6 +8588,9 @@
                         <a:t>Prioridad de requerimiento:</a:t>
                       </a:r>
                       <a:endParaRPr lang="en-US" sz="1600">
+                        <a:solidFill>
+                          <a:srgbClr val="0070C0"/>
+                        </a:solidFill>
                         <a:effectLst/>
                       </a:endParaRPr>
                     </a:p>
@@ -8627,7 +8650,7 @@
                       <a:r>
                         <a:rPr lang="en-US" sz="1600" b="0" i="0" u="none" strike="noStrike" dirty="0">
                           <a:solidFill>
-                            <a:srgbClr val="000000"/>
+                            <a:srgbClr val="0070C0"/>
                           </a:solidFill>
                           <a:effectLst/>
                           <a:latin typeface="Arial" panose="020B0604020202020204" pitchFamily="34" charset="0"/>
@@ -8637,7 +8660,7 @@
                       <a:r>
                         <a:rPr lang="en-US" sz="1600" b="0" i="0" u="none" strike="noStrike" dirty="0" err="1">
                           <a:solidFill>
-                            <a:srgbClr val="000000"/>
+                            <a:srgbClr val="0070C0"/>
                           </a:solidFill>
                           <a:effectLst/>
                           <a:latin typeface="Arial" panose="020B0604020202020204" pitchFamily="34" charset="0"/>
@@ -8647,7 +8670,7 @@
                       <a:r>
                         <a:rPr lang="en-US" sz="1600" b="0" i="0" u="none" strike="noStrike" dirty="0">
                           <a:solidFill>
-                            <a:srgbClr val="000000"/>
+                            <a:srgbClr val="0070C0"/>
                           </a:solidFill>
                           <a:effectLst/>
                           <a:latin typeface="Arial" panose="020B0604020202020204" pitchFamily="34" charset="0"/>
@@ -8655,6 +8678,9 @@
                         <a:t>(      )</a:t>
                       </a:r>
                       <a:endParaRPr lang="en-US" sz="1600" dirty="0">
+                        <a:solidFill>
+                          <a:srgbClr val="0070C0"/>
+                        </a:solidFill>
                         <a:effectLst/>
                       </a:endParaRPr>
                     </a:p>
@@ -8810,7 +8836,7 @@
           <p:nvPr>
             <p:extLst>
               <p:ext uri="{D42A27DB-BD31-4B8C-83A1-F6EECF244321}">
-                <p14:modId xmlns:p14="http://schemas.microsoft.com/office/powerpoint/2010/main" val="1650088045"/>
+                <p14:modId xmlns:p14="http://schemas.microsoft.com/office/powerpoint/2010/main" val="2878344841"/>
               </p:ext>
             </p:extLst>
           </p:nvPr>
@@ -8856,7 +8882,7 @@
                       <a:r>
                         <a:rPr lang="en-US" sz="1600" b="1" i="0" u="none" strike="noStrike" dirty="0" err="1">
                           <a:solidFill>
-                            <a:srgbClr val="000000"/>
+                            <a:srgbClr val="0070C0"/>
                           </a:solidFill>
                           <a:effectLst/>
                           <a:latin typeface="Arial" panose="020B0604020202020204" pitchFamily="34" charset="0"/>
@@ -8866,7 +8892,7 @@
                       <a:r>
                         <a:rPr lang="en-US" sz="1600" b="1" i="0" u="none" strike="noStrike" dirty="0">
                           <a:solidFill>
-                            <a:srgbClr val="000000"/>
+                            <a:srgbClr val="0070C0"/>
                           </a:solidFill>
                           <a:effectLst/>
                           <a:latin typeface="Arial" panose="020B0604020202020204" pitchFamily="34" charset="0"/>
@@ -8876,7 +8902,7 @@
                       <a:r>
                         <a:rPr lang="en-US" sz="1600" b="1" i="0" u="none" strike="noStrike" dirty="0" err="1">
                           <a:solidFill>
-                            <a:srgbClr val="000000"/>
+                            <a:srgbClr val="0070C0"/>
                           </a:solidFill>
                           <a:effectLst/>
                           <a:latin typeface="Arial" panose="020B0604020202020204" pitchFamily="34" charset="0"/>
@@ -8886,7 +8912,7 @@
                       <a:r>
                         <a:rPr lang="en-US" sz="1600" b="1" i="0" u="none" strike="noStrike" dirty="0">
                           <a:solidFill>
-                            <a:srgbClr val="000000"/>
+                            <a:srgbClr val="0070C0"/>
                           </a:solidFill>
                           <a:effectLst/>
                           <a:latin typeface="Arial" panose="020B0604020202020204" pitchFamily="34" charset="0"/>
@@ -8894,6 +8920,9 @@
                         <a:t>:</a:t>
                       </a:r>
                       <a:endParaRPr lang="en-US" sz="1600" dirty="0">
+                        <a:solidFill>
+                          <a:srgbClr val="0070C0"/>
+                        </a:solidFill>
                         <a:effectLst/>
                       </a:endParaRPr>
                     </a:p>
@@ -8953,7 +8982,7 @@
                       <a:r>
                         <a:rPr lang="en-US" sz="1600" b="1" i="0" u="none" strike="noStrike" dirty="0" err="1">
                           <a:solidFill>
-                            <a:srgbClr val="000000"/>
+                            <a:srgbClr val="0070C0"/>
                           </a:solidFill>
                           <a:effectLst/>
                           <a:latin typeface="Arial" panose="020B0604020202020204" pitchFamily="34" charset="0"/>
@@ -8963,7 +8992,7 @@
                       <a:r>
                         <a:rPr lang="en-US" sz="1600" b="1" i="0" u="none" strike="noStrike" dirty="0">
                           <a:solidFill>
-                            <a:srgbClr val="000000"/>
+                            <a:srgbClr val="0070C0"/>
                           </a:solidFill>
                           <a:effectLst/>
                           <a:latin typeface="Arial" panose="020B0604020202020204" pitchFamily="34" charset="0"/>
@@ -8971,6 +9000,9 @@
                         <a:t> F2</a:t>
                       </a:r>
                       <a:endParaRPr lang="en-US" sz="1600" dirty="0">
+                        <a:solidFill>
+                          <a:srgbClr val="0070C0"/>
+                        </a:solidFill>
                         <a:effectLst/>
                       </a:endParaRPr>
                     </a:p>
@@ -9037,7 +9069,7 @@
                       <a:r>
                         <a:rPr lang="en-US" sz="1600" b="1" i="0" u="none" strike="noStrike" dirty="0" err="1">
                           <a:solidFill>
-                            <a:srgbClr val="000000"/>
+                            <a:srgbClr val="0070C0"/>
                           </a:solidFill>
                           <a:effectLst/>
                           <a:latin typeface="Arial" panose="020B0604020202020204" pitchFamily="34" charset="0"/>
@@ -9047,7 +9079,7 @@
                       <a:r>
                         <a:rPr lang="en-US" sz="1600" b="1" i="0" u="none" strike="noStrike" dirty="0">
                           <a:solidFill>
-                            <a:srgbClr val="000000"/>
+                            <a:srgbClr val="0070C0"/>
                           </a:solidFill>
                           <a:effectLst/>
                           <a:latin typeface="Arial" panose="020B0604020202020204" pitchFamily="34" charset="0"/>
@@ -9057,7 +9089,7 @@
                       <a:r>
                         <a:rPr lang="en-US" sz="1600" b="1" i="0" u="none" strike="noStrike" dirty="0" err="1">
                           <a:solidFill>
-                            <a:srgbClr val="000000"/>
+                            <a:srgbClr val="0070C0"/>
                           </a:solidFill>
                           <a:effectLst/>
                           <a:latin typeface="Arial" panose="020B0604020202020204" pitchFamily="34" charset="0"/>
@@ -9067,7 +9099,7 @@
                       <a:r>
                         <a:rPr lang="en-US" sz="1600" b="1" i="0" u="none" strike="noStrike" dirty="0">
                           <a:solidFill>
-                            <a:srgbClr val="000000"/>
+                            <a:srgbClr val="0070C0"/>
                           </a:solidFill>
                           <a:effectLst/>
                           <a:latin typeface="Arial" panose="020B0604020202020204" pitchFamily="34" charset="0"/>
@@ -9075,6 +9107,9 @@
                         <a:t>:</a:t>
                       </a:r>
                       <a:endParaRPr lang="en-US" sz="1600" dirty="0">
+                        <a:solidFill>
+                          <a:srgbClr val="0070C0"/>
+                        </a:solidFill>
                         <a:effectLst/>
                       </a:endParaRPr>
                     </a:p>
@@ -9134,7 +9169,7 @@
                       <a:r>
                         <a:rPr lang="en-US" sz="1600" b="0" i="0" u="none" strike="noStrike" dirty="0" err="1">
                           <a:solidFill>
-                            <a:srgbClr val="000000"/>
+                            <a:srgbClr val="0070C0"/>
                           </a:solidFill>
                           <a:effectLst/>
                           <a:latin typeface="Arial" panose="020B0604020202020204" pitchFamily="34" charset="0"/>
@@ -9144,7 +9179,7 @@
                       <a:r>
                         <a:rPr lang="en-US" sz="1600" b="0" i="0" u="none" strike="noStrike" dirty="0">
                           <a:solidFill>
-                            <a:srgbClr val="000000"/>
+                            <a:srgbClr val="0070C0"/>
                           </a:solidFill>
                           <a:effectLst/>
                           <a:latin typeface="Arial" panose="020B0604020202020204" pitchFamily="34" charset="0"/>
@@ -9154,7 +9189,7 @@
                       <a:r>
                         <a:rPr lang="en-US" sz="1600" b="0" i="0" u="none" strike="noStrike" dirty="0" err="1">
                           <a:solidFill>
-                            <a:srgbClr val="000000"/>
+                            <a:srgbClr val="0070C0"/>
                           </a:solidFill>
                           <a:effectLst/>
                           <a:latin typeface="Arial" panose="020B0604020202020204" pitchFamily="34" charset="0"/>
@@ -9164,7 +9199,7 @@
                       <a:r>
                         <a:rPr lang="en-US" sz="1600" b="0" i="0" u="none" strike="noStrike" dirty="0">
                           <a:solidFill>
-                            <a:srgbClr val="000000"/>
+                            <a:srgbClr val="0070C0"/>
                           </a:solidFill>
                           <a:effectLst/>
                           <a:latin typeface="Arial" panose="020B0604020202020204" pitchFamily="34" charset="0"/>
@@ -9172,6 +9207,9 @@
                         <a:t> </a:t>
                       </a:r>
                       <a:endParaRPr lang="en-US" sz="1600" dirty="0">
+                        <a:solidFill>
+                          <a:srgbClr val="0070C0"/>
+                        </a:solidFill>
                         <a:effectLst/>
                       </a:endParaRPr>
                     </a:p>
@@ -9238,7 +9276,7 @@
                       <a:r>
                         <a:rPr lang="en-US" sz="1600" b="1" i="0" u="none" strike="noStrike">
                           <a:solidFill>
-                            <a:srgbClr val="000000"/>
+                            <a:srgbClr val="0070C0"/>
                           </a:solidFill>
                           <a:effectLst/>
                           <a:latin typeface="Arial" panose="020B0604020202020204" pitchFamily="34" charset="0"/>
@@ -9246,6 +9284,9 @@
                         <a:t>Características</a:t>
                       </a:r>
                       <a:endParaRPr lang="en-US" sz="1600">
+                        <a:solidFill>
+                          <a:srgbClr val="0070C0"/>
+                        </a:solidFill>
                         <a:effectLst/>
                       </a:endParaRPr>
                     </a:p>
@@ -9305,7 +9346,7 @@
                       <a:r>
                         <a:rPr lang="es-ES" sz="1600" b="0" i="0" u="none" strike="noStrike" dirty="0">
                           <a:solidFill>
-                            <a:srgbClr val="000000"/>
+                            <a:srgbClr val="0070C0"/>
                           </a:solidFill>
                           <a:effectLst/>
                           <a:latin typeface="Arial" panose="020B0604020202020204" pitchFamily="34" charset="0"/>
@@ -9313,6 +9354,9 @@
                         <a:t>Los usuarios deberán ingresar su nombre  y contraseña para ingresar al sistema </a:t>
                       </a:r>
                       <a:endParaRPr lang="es-ES" sz="1600" dirty="0">
+                        <a:solidFill>
+                          <a:srgbClr val="0070C0"/>
+                        </a:solidFill>
                         <a:effectLst/>
                       </a:endParaRPr>
                     </a:p>
@@ -9379,7 +9423,7 @@
                       <a:r>
                         <a:rPr lang="en-US" sz="1600" b="1" i="0" u="none" strike="noStrike">
                           <a:solidFill>
-                            <a:srgbClr val="000000"/>
+                            <a:srgbClr val="0070C0"/>
                           </a:solidFill>
                           <a:effectLst/>
                           <a:latin typeface="Arial" panose="020B0604020202020204" pitchFamily="34" charset="0"/>
@@ -9387,6 +9431,9 @@
                         <a:t>Descripción del requerimiento:</a:t>
                       </a:r>
                       <a:endParaRPr lang="en-US" sz="1600">
+                        <a:solidFill>
+                          <a:srgbClr val="0070C0"/>
+                        </a:solidFill>
                         <a:effectLst/>
                       </a:endParaRPr>
                     </a:p>
@@ -9446,7 +9493,7 @@
                       <a:r>
                         <a:rPr lang="es-ES" sz="1600" b="0" i="0" u="none" strike="noStrike" dirty="0">
                           <a:solidFill>
-                            <a:srgbClr val="000000"/>
+                            <a:srgbClr val="0070C0"/>
                           </a:solidFill>
                           <a:effectLst/>
                           <a:latin typeface="Arial" panose="020B0604020202020204" pitchFamily="34" charset="0"/>
@@ -9454,6 +9501,9 @@
                         <a:t>Deberá digitar su correo y contraseña previamente registrados para poder hacer uso de las herramientas de las que dispone la aplicación.</a:t>
                       </a:r>
                       <a:endParaRPr lang="es-ES" sz="1600" dirty="0">
+                        <a:solidFill>
+                          <a:srgbClr val="0070C0"/>
+                        </a:solidFill>
                         <a:effectLst/>
                       </a:endParaRPr>
                     </a:p>
@@ -9520,7 +9570,7 @@
                       <a:r>
                         <a:rPr lang="en-US" sz="1600" b="1" i="0" u="none" strike="noStrike">
                           <a:solidFill>
-                            <a:srgbClr val="000000"/>
+                            <a:srgbClr val="0070C0"/>
                           </a:solidFill>
                           <a:effectLst/>
                           <a:latin typeface="Arial" panose="020B0604020202020204" pitchFamily="34" charset="0"/>
@@ -9528,6 +9578,9 @@
                         <a:t>Requerimientos no funcionales:</a:t>
                       </a:r>
                       <a:endParaRPr lang="en-US" sz="1600">
+                        <a:solidFill>
+                          <a:srgbClr val="0070C0"/>
+                        </a:solidFill>
                         <a:effectLst/>
                       </a:endParaRPr>
                     </a:p>
@@ -9577,18 +9630,18 @@
                     <a:lstStyle/>
                     <a:p>
                       <a:pPr fontAlgn="t"/>
-                      <a:r>
-                        <a:rPr lang="en-US" sz="1600" dirty="0">
-                          <a:effectLst/>
-                        </a:rPr>
-                        <a:t/>
-                      </a:r>
                       <a:br>
                         <a:rPr lang="en-US" sz="1600" dirty="0">
+                          <a:solidFill>
+                            <a:srgbClr val="0070C0"/>
+                          </a:solidFill>
                           <a:effectLst/>
                         </a:rPr>
                       </a:br>
                       <a:endParaRPr lang="en-US" sz="1600" dirty="0">
+                        <a:solidFill>
+                          <a:srgbClr val="0070C0"/>
+                        </a:solidFill>
                         <a:effectLst/>
                       </a:endParaRPr>
                     </a:p>
@@ -9655,7 +9708,7 @@
                       <a:r>
                         <a:rPr lang="en-US" sz="1600" b="1" i="0" u="none" strike="noStrike">
                           <a:solidFill>
-                            <a:srgbClr val="000000"/>
+                            <a:srgbClr val="0070C0"/>
                           </a:solidFill>
                           <a:effectLst/>
                           <a:latin typeface="Arial" panose="020B0604020202020204" pitchFamily="34" charset="0"/>
@@ -9663,6 +9716,9 @@
                         <a:t>Prioridad de requerimiento:</a:t>
                       </a:r>
                       <a:endParaRPr lang="en-US" sz="1600">
+                        <a:solidFill>
+                          <a:srgbClr val="0070C0"/>
+                        </a:solidFill>
                         <a:effectLst/>
                       </a:endParaRPr>
                     </a:p>
@@ -9722,7 +9778,7 @@
                       <a:r>
                         <a:rPr lang="en-US" sz="1600" b="0" i="0" u="none" strike="noStrike" dirty="0">
                           <a:solidFill>
-                            <a:srgbClr val="000000"/>
+                            <a:srgbClr val="0070C0"/>
                           </a:solidFill>
                           <a:effectLst/>
                           <a:latin typeface="Arial" panose="020B0604020202020204" pitchFamily="34" charset="0"/>
@@ -9732,7 +9788,7 @@
                       <a:r>
                         <a:rPr lang="en-US" sz="1600" b="0" i="0" u="none" strike="noStrike" dirty="0" err="1">
                           <a:solidFill>
-                            <a:srgbClr val="000000"/>
+                            <a:srgbClr val="0070C0"/>
                           </a:solidFill>
                           <a:effectLst/>
                           <a:latin typeface="Arial" panose="020B0604020202020204" pitchFamily="34" charset="0"/>
@@ -9742,7 +9798,7 @@
                       <a:r>
                         <a:rPr lang="en-US" sz="1600" b="0" i="0" u="none" strike="noStrike" dirty="0">
                           <a:solidFill>
-                            <a:srgbClr val="000000"/>
+                            <a:srgbClr val="0070C0"/>
                           </a:solidFill>
                           <a:effectLst/>
                           <a:latin typeface="Arial" panose="020B0604020202020204" pitchFamily="34" charset="0"/>
@@ -9750,6 +9806,9 @@
                         <a:t>(      )</a:t>
                       </a:r>
                       <a:endParaRPr lang="en-US" sz="1600" dirty="0">
+                        <a:solidFill>
+                          <a:srgbClr val="0070C0"/>
+                        </a:solidFill>
                         <a:effectLst/>
                       </a:endParaRPr>
                     </a:p>
@@ -9905,7 +9964,7 @@
           <p:nvPr>
             <p:extLst>
               <p:ext uri="{D42A27DB-BD31-4B8C-83A1-F6EECF244321}">
-                <p14:modId xmlns:p14="http://schemas.microsoft.com/office/powerpoint/2010/main" val="1305046041"/>
+                <p14:modId xmlns:p14="http://schemas.microsoft.com/office/powerpoint/2010/main" val="2929848203"/>
               </p:ext>
             </p:extLst>
           </p:nvPr>
@@ -9951,7 +10010,7 @@
                       <a:r>
                         <a:rPr lang="en-US" sz="1600" b="1" i="0" u="none" strike="noStrike" dirty="0" err="1">
                           <a:solidFill>
-                            <a:srgbClr val="000000"/>
+                            <a:srgbClr val="0070C0"/>
                           </a:solidFill>
                           <a:effectLst/>
                           <a:latin typeface="Arial" panose="020B0604020202020204" pitchFamily="34" charset="0"/>
@@ -9961,7 +10020,7 @@
                       <a:r>
                         <a:rPr lang="en-US" sz="1600" b="1" i="0" u="none" strike="noStrike" dirty="0">
                           <a:solidFill>
-                            <a:srgbClr val="000000"/>
+                            <a:srgbClr val="0070C0"/>
                           </a:solidFill>
                           <a:effectLst/>
                           <a:latin typeface="Arial" panose="020B0604020202020204" pitchFamily="34" charset="0"/>
@@ -9971,7 +10030,7 @@
                       <a:r>
                         <a:rPr lang="en-US" sz="1600" b="1" i="0" u="none" strike="noStrike" dirty="0" err="1">
                           <a:solidFill>
-                            <a:srgbClr val="000000"/>
+                            <a:srgbClr val="0070C0"/>
                           </a:solidFill>
                           <a:effectLst/>
                           <a:latin typeface="Arial" panose="020B0604020202020204" pitchFamily="34" charset="0"/>
@@ -9981,7 +10040,7 @@
                       <a:r>
                         <a:rPr lang="en-US" sz="1600" b="1" i="0" u="none" strike="noStrike" dirty="0">
                           <a:solidFill>
-                            <a:srgbClr val="000000"/>
+                            <a:srgbClr val="0070C0"/>
                           </a:solidFill>
                           <a:effectLst/>
                           <a:latin typeface="Arial" panose="020B0604020202020204" pitchFamily="34" charset="0"/>
@@ -9989,6 +10048,9 @@
                         <a:t>:</a:t>
                       </a:r>
                       <a:endParaRPr lang="en-US" sz="1600" dirty="0">
+                        <a:solidFill>
+                          <a:srgbClr val="0070C0"/>
+                        </a:solidFill>
                         <a:effectLst/>
                       </a:endParaRPr>
                     </a:p>
@@ -10048,7 +10110,7 @@
                       <a:r>
                         <a:rPr lang="en-US" sz="1600" b="1" i="0" u="none" strike="noStrike" dirty="0" err="1">
                           <a:solidFill>
-                            <a:srgbClr val="000000"/>
+                            <a:srgbClr val="0070C0"/>
                           </a:solidFill>
                           <a:effectLst/>
                           <a:latin typeface="Arial" panose="020B0604020202020204" pitchFamily="34" charset="0"/>
@@ -10058,7 +10120,7 @@
                       <a:r>
                         <a:rPr lang="en-US" sz="1600" b="1" i="0" u="none" strike="noStrike" dirty="0">
                           <a:solidFill>
-                            <a:srgbClr val="000000"/>
+                            <a:srgbClr val="0070C0"/>
                           </a:solidFill>
                           <a:effectLst/>
                           <a:latin typeface="Arial" panose="020B0604020202020204" pitchFamily="34" charset="0"/>
@@ -10066,6 +10128,9 @@
                         <a:t> F3</a:t>
                       </a:r>
                       <a:endParaRPr lang="en-US" sz="1600" dirty="0">
+                        <a:solidFill>
+                          <a:srgbClr val="0070C0"/>
+                        </a:solidFill>
                         <a:effectLst/>
                       </a:endParaRPr>
                     </a:p>
@@ -10132,7 +10197,7 @@
                       <a:r>
                         <a:rPr lang="en-US" sz="1600" b="1" i="0" u="none" strike="noStrike" dirty="0" err="1">
                           <a:solidFill>
-                            <a:srgbClr val="000000"/>
+                            <a:srgbClr val="0070C0"/>
                           </a:solidFill>
                           <a:effectLst/>
                           <a:latin typeface="Arial" panose="020B0604020202020204" pitchFamily="34" charset="0"/>
@@ -10142,7 +10207,7 @@
                       <a:r>
                         <a:rPr lang="en-US" sz="1600" b="1" i="0" u="none" strike="noStrike" dirty="0">
                           <a:solidFill>
-                            <a:srgbClr val="000000"/>
+                            <a:srgbClr val="0070C0"/>
                           </a:solidFill>
                           <a:effectLst/>
                           <a:latin typeface="Arial" panose="020B0604020202020204" pitchFamily="34" charset="0"/>
@@ -10152,7 +10217,7 @@
                       <a:r>
                         <a:rPr lang="en-US" sz="1600" b="1" i="0" u="none" strike="noStrike" dirty="0" err="1">
                           <a:solidFill>
-                            <a:srgbClr val="000000"/>
+                            <a:srgbClr val="0070C0"/>
                           </a:solidFill>
                           <a:effectLst/>
                           <a:latin typeface="Arial" panose="020B0604020202020204" pitchFamily="34" charset="0"/>
@@ -10162,7 +10227,7 @@
                       <a:r>
                         <a:rPr lang="en-US" sz="1600" b="1" i="0" u="none" strike="noStrike" dirty="0">
                           <a:solidFill>
-                            <a:srgbClr val="000000"/>
+                            <a:srgbClr val="0070C0"/>
                           </a:solidFill>
                           <a:effectLst/>
                           <a:latin typeface="Arial" panose="020B0604020202020204" pitchFamily="34" charset="0"/>
@@ -10170,6 +10235,9 @@
                         <a:t>:</a:t>
                       </a:r>
                       <a:endParaRPr lang="en-US" sz="1600" dirty="0">
+                        <a:solidFill>
+                          <a:srgbClr val="0070C0"/>
+                        </a:solidFill>
                         <a:effectLst/>
                       </a:endParaRPr>
                     </a:p>
@@ -10229,7 +10297,7 @@
                       <a:r>
                         <a:rPr lang="en-US" sz="1600" b="0" i="0" u="none" strike="noStrike" dirty="0" err="1">
                           <a:solidFill>
-                            <a:srgbClr val="000000"/>
+                            <a:srgbClr val="0070C0"/>
                           </a:solidFill>
                           <a:effectLst/>
                           <a:latin typeface="Arial" panose="020B0604020202020204" pitchFamily="34" charset="0"/>
@@ -10239,7 +10307,7 @@
                       <a:r>
                         <a:rPr lang="en-US" sz="1600" b="0" i="0" u="none" strike="noStrike" dirty="0">
                           <a:solidFill>
-                            <a:srgbClr val="000000"/>
+                            <a:srgbClr val="0070C0"/>
                           </a:solidFill>
                           <a:effectLst/>
                           <a:latin typeface="Arial" panose="020B0604020202020204" pitchFamily="34" charset="0"/>
@@ -10249,7 +10317,7 @@
                       <a:r>
                         <a:rPr lang="en-US" sz="1600" b="0" i="0" u="none" strike="noStrike" dirty="0" err="1">
                           <a:solidFill>
-                            <a:srgbClr val="000000"/>
+                            <a:srgbClr val="0070C0"/>
                           </a:solidFill>
                           <a:effectLst/>
                           <a:latin typeface="Arial" panose="020B0604020202020204" pitchFamily="34" charset="0"/>
@@ -10259,7 +10327,7 @@
                       <a:r>
                         <a:rPr lang="en-US" sz="1600" b="0" i="0" u="none" strike="noStrike" dirty="0">
                           <a:solidFill>
-                            <a:srgbClr val="000000"/>
+                            <a:srgbClr val="0070C0"/>
                           </a:solidFill>
                           <a:effectLst/>
                           <a:latin typeface="Arial" panose="020B0604020202020204" pitchFamily="34" charset="0"/>
@@ -10269,7 +10337,7 @@
                       <a:r>
                         <a:rPr lang="en-US" sz="1600" b="0" i="0" u="none" strike="noStrike" dirty="0" err="1">
                           <a:solidFill>
-                            <a:srgbClr val="000000"/>
+                            <a:srgbClr val="0070C0"/>
                           </a:solidFill>
                           <a:effectLst/>
                           <a:latin typeface="Arial" panose="020B0604020202020204" pitchFamily="34" charset="0"/>
@@ -10277,6 +10345,9 @@
                         <a:t>parqueadero</a:t>
                       </a:r>
                       <a:endParaRPr lang="en-US" sz="1600" dirty="0">
+                        <a:solidFill>
+                          <a:srgbClr val="0070C0"/>
+                        </a:solidFill>
                         <a:effectLst/>
                       </a:endParaRPr>
                     </a:p>
@@ -10343,7 +10414,7 @@
                       <a:r>
                         <a:rPr lang="en-US" sz="1600" b="1" i="0" u="none" strike="noStrike">
                           <a:solidFill>
-                            <a:srgbClr val="000000"/>
+                            <a:srgbClr val="0070C0"/>
                           </a:solidFill>
                           <a:effectLst/>
                           <a:latin typeface="Arial" panose="020B0604020202020204" pitchFamily="34" charset="0"/>
@@ -10351,6 +10422,9 @@
                         <a:t>Características</a:t>
                       </a:r>
                       <a:endParaRPr lang="en-US" sz="1600">
+                        <a:solidFill>
+                          <a:srgbClr val="0070C0"/>
+                        </a:solidFill>
                         <a:effectLst/>
                       </a:endParaRPr>
                     </a:p>
@@ -10410,7 +10484,7 @@
                       <a:r>
                         <a:rPr lang="es-ES" sz="1600" b="0" i="0" u="none" strike="noStrike" dirty="0">
                           <a:solidFill>
-                            <a:srgbClr val="000000"/>
+                            <a:srgbClr val="0070C0"/>
                           </a:solidFill>
                           <a:effectLst/>
                           <a:latin typeface="Arial" panose="020B0604020202020204" pitchFamily="34" charset="0"/>
@@ -10418,6 +10492,9 @@
                         <a:t>Encontrar la ubicación de un parqueadero en la ubicación donde está o a la que se dirija.</a:t>
                       </a:r>
                       <a:endParaRPr lang="es-ES" sz="1600" dirty="0">
+                        <a:solidFill>
+                          <a:srgbClr val="0070C0"/>
+                        </a:solidFill>
                         <a:effectLst/>
                       </a:endParaRPr>
                     </a:p>
@@ -10484,7 +10561,7 @@
                       <a:r>
                         <a:rPr lang="en-US" sz="1600" b="1" i="0" u="none" strike="noStrike">
                           <a:solidFill>
-                            <a:srgbClr val="000000"/>
+                            <a:srgbClr val="0070C0"/>
                           </a:solidFill>
                           <a:effectLst/>
                           <a:latin typeface="Arial" panose="020B0604020202020204" pitchFamily="34" charset="0"/>
@@ -10492,6 +10569,9 @@
                         <a:t>Descripción del requerimiento:</a:t>
                       </a:r>
                       <a:endParaRPr lang="en-US" sz="1600">
+                        <a:solidFill>
+                          <a:srgbClr val="0070C0"/>
+                        </a:solidFill>
                         <a:effectLst/>
                       </a:endParaRPr>
                     </a:p>
@@ -10551,7 +10631,7 @@
                       <a:r>
                         <a:rPr lang="es-ES" sz="1600" b="0" i="0" u="none" strike="noStrike" dirty="0">
                           <a:solidFill>
-                            <a:srgbClr val="000000"/>
+                            <a:srgbClr val="0070C0"/>
                           </a:solidFill>
                           <a:effectLst/>
                           <a:latin typeface="Arial" panose="020B0604020202020204" pitchFamily="34" charset="0"/>
@@ -10559,6 +10639,9 @@
                         <a:t>Tendrá un mapa y diferentes herramientas como buscador para digitar una dirección, una sección para que lo guíe hacia el establecimiento, solo deberá ingresar el lugar específico donde desea encontrar parqueaderos cercanos y la aplicación lo guiara.</a:t>
                       </a:r>
                       <a:endParaRPr lang="es-ES" sz="1600" dirty="0">
+                        <a:solidFill>
+                          <a:srgbClr val="0070C0"/>
+                        </a:solidFill>
                         <a:effectLst/>
                       </a:endParaRPr>
                     </a:p>
@@ -10625,7 +10708,7 @@
                       <a:r>
                         <a:rPr lang="en-US" sz="1600" b="1" i="0" u="none" strike="noStrike">
                           <a:solidFill>
-                            <a:srgbClr val="000000"/>
+                            <a:srgbClr val="0070C0"/>
                           </a:solidFill>
                           <a:effectLst/>
                           <a:latin typeface="Arial" panose="020B0604020202020204" pitchFamily="34" charset="0"/>
@@ -10633,6 +10716,9 @@
                         <a:t>Requerimientos no funcionales:</a:t>
                       </a:r>
                       <a:endParaRPr lang="en-US" sz="1600">
+                        <a:solidFill>
+                          <a:srgbClr val="0070C0"/>
+                        </a:solidFill>
                         <a:effectLst/>
                       </a:endParaRPr>
                     </a:p>
@@ -10682,18 +10768,18 @@
                     <a:lstStyle/>
                     <a:p>
                       <a:pPr fontAlgn="t"/>
-                      <a:r>
-                        <a:rPr lang="en-US" sz="1600" dirty="0">
-                          <a:effectLst/>
-                        </a:rPr>
-                        <a:t/>
-                      </a:r>
                       <a:br>
                         <a:rPr lang="en-US" sz="1600" dirty="0">
+                          <a:solidFill>
+                            <a:srgbClr val="0070C0"/>
+                          </a:solidFill>
                           <a:effectLst/>
                         </a:rPr>
                       </a:br>
                       <a:endParaRPr lang="en-US" sz="1600" dirty="0">
+                        <a:solidFill>
+                          <a:srgbClr val="0070C0"/>
+                        </a:solidFill>
                         <a:effectLst/>
                       </a:endParaRPr>
                     </a:p>
@@ -10760,7 +10846,7 @@
                       <a:r>
                         <a:rPr lang="en-US" sz="1600" b="1" i="0" u="none" strike="noStrike">
                           <a:solidFill>
-                            <a:srgbClr val="000000"/>
+                            <a:srgbClr val="0070C0"/>
                           </a:solidFill>
                           <a:effectLst/>
                           <a:latin typeface="Arial" panose="020B0604020202020204" pitchFamily="34" charset="0"/>
@@ -10768,6 +10854,9 @@
                         <a:t>Prioridad de requerimiento:</a:t>
                       </a:r>
                       <a:endParaRPr lang="en-US" sz="1600">
+                        <a:solidFill>
+                          <a:srgbClr val="0070C0"/>
+                        </a:solidFill>
                         <a:effectLst/>
                       </a:endParaRPr>
                     </a:p>
@@ -10827,7 +10916,7 @@
                       <a:r>
                         <a:rPr lang="en-US" sz="1600" b="0" i="0" u="none" strike="noStrike" dirty="0">
                           <a:solidFill>
-                            <a:srgbClr val="000000"/>
+                            <a:srgbClr val="0070C0"/>
                           </a:solidFill>
                           <a:effectLst/>
                           <a:latin typeface="Arial" panose="020B0604020202020204" pitchFamily="34" charset="0"/>
@@ -10837,7 +10926,7 @@
                       <a:r>
                         <a:rPr lang="en-US" sz="1600" b="0" i="0" u="none" strike="noStrike" dirty="0" err="1">
                           <a:solidFill>
-                            <a:srgbClr val="000000"/>
+                            <a:srgbClr val="0070C0"/>
                           </a:solidFill>
                           <a:effectLst/>
                           <a:latin typeface="Arial" panose="020B0604020202020204" pitchFamily="34" charset="0"/>
@@ -10847,7 +10936,7 @@
                       <a:r>
                         <a:rPr lang="en-US" sz="1600" b="0" i="0" u="none" strike="noStrike" dirty="0">
                           <a:solidFill>
-                            <a:srgbClr val="000000"/>
+                            <a:srgbClr val="0070C0"/>
                           </a:solidFill>
                           <a:effectLst/>
                           <a:latin typeface="Arial" panose="020B0604020202020204" pitchFamily="34" charset="0"/>
@@ -10855,6 +10944,9 @@
                         <a:t>(      )</a:t>
                       </a:r>
                       <a:endParaRPr lang="en-US" sz="1600" dirty="0">
+                        <a:solidFill>
+                          <a:srgbClr val="0070C0"/>
+                        </a:solidFill>
                         <a:effectLst/>
                       </a:endParaRPr>
                     </a:p>
@@ -11058,14 +11150,14 @@
           <p:nvPr>
             <p:extLst>
               <p:ext uri="{D42A27DB-BD31-4B8C-83A1-F6EECF244321}">
-                <p14:modId xmlns:p14="http://schemas.microsoft.com/office/powerpoint/2010/main" val="2361745850"/>
+                <p14:modId xmlns:p14="http://schemas.microsoft.com/office/powerpoint/2010/main" val="2110506476"/>
               </p:ext>
             </p:extLst>
           </p:nvPr>
         </p:nvGraphicFramePr>
         <p:xfrm>
           <a:off x="1135118" y="1714921"/>
-          <a:ext cx="9443545" cy="4197146"/>
+          <a:ext cx="9443545" cy="4095036"/>
         </p:xfrm>
         <a:graphic>
           <a:graphicData uri="http://schemas.openxmlformats.org/drawingml/2006/table">
@@ -11104,7 +11196,7 @@
                       <a:r>
                         <a:rPr lang="es-CO" sz="1600" b="1" i="0" u="none" strike="noStrike">
                           <a:solidFill>
-                            <a:srgbClr val="000000"/>
+                            <a:srgbClr val="0070C0"/>
                           </a:solidFill>
                           <a:effectLst/>
                           <a:latin typeface="Arial" panose="020B0604020202020204" pitchFamily="34" charset="0"/>
@@ -11112,6 +11204,9 @@
                         <a:t>Identificación del requerimiento:</a:t>
                       </a:r>
                       <a:endParaRPr lang="es-CO" sz="2400">
+                        <a:solidFill>
+                          <a:srgbClr val="0070C0"/>
+                        </a:solidFill>
                         <a:effectLst/>
                       </a:endParaRPr>
                     </a:p>
@@ -11171,7 +11266,7 @@
                       <a:r>
                         <a:rPr lang="es-CO" sz="1600" b="1" i="0" u="none" strike="noStrike">
                           <a:solidFill>
-                            <a:srgbClr val="000000"/>
+                            <a:srgbClr val="0070C0"/>
                           </a:solidFill>
                           <a:effectLst/>
                           <a:latin typeface="Arial" panose="020B0604020202020204" pitchFamily="34" charset="0"/>
@@ -11179,6 +11274,9 @@
                         <a:t>RequerimientoNF1</a:t>
                       </a:r>
                       <a:endParaRPr lang="es-CO" sz="2400">
+                        <a:solidFill>
+                          <a:srgbClr val="0070C0"/>
+                        </a:solidFill>
                         <a:effectLst/>
                       </a:endParaRPr>
                     </a:p>
@@ -11245,7 +11343,7 @@
                       <a:r>
                         <a:rPr lang="es-CO" sz="1600" b="1" i="0" u="none" strike="noStrike">
                           <a:solidFill>
-                            <a:srgbClr val="000000"/>
+                            <a:srgbClr val="0070C0"/>
                           </a:solidFill>
                           <a:effectLst/>
                           <a:latin typeface="Arial" panose="020B0604020202020204" pitchFamily="34" charset="0"/>
@@ -11253,6 +11351,9 @@
                         <a:t>Nombre del requerimiento:</a:t>
                       </a:r>
                       <a:endParaRPr lang="es-CO" sz="2400">
+                        <a:solidFill>
+                          <a:srgbClr val="0070C0"/>
+                        </a:solidFill>
                         <a:effectLst/>
                       </a:endParaRPr>
                     </a:p>
@@ -11312,7 +11413,7 @@
                       <a:r>
                         <a:rPr lang="es-CO" sz="1600" b="0" i="0" u="none" strike="noStrike">
                           <a:solidFill>
-                            <a:srgbClr val="000000"/>
+                            <a:srgbClr val="0070C0"/>
                           </a:solidFill>
                           <a:effectLst/>
                           <a:latin typeface="Arial" panose="020B0604020202020204" pitchFamily="34" charset="0"/>
@@ -11320,6 +11421,9 @@
                         <a:t>Control de seguridad</a:t>
                       </a:r>
                       <a:endParaRPr lang="es-CO" sz="2400">
+                        <a:solidFill>
+                          <a:srgbClr val="0070C0"/>
+                        </a:solidFill>
                         <a:effectLst/>
                       </a:endParaRPr>
                     </a:p>
@@ -11386,7 +11490,7 @@
                       <a:r>
                         <a:rPr lang="es-CO" sz="1600" b="1" i="0" u="none" strike="noStrike">
                           <a:solidFill>
-                            <a:srgbClr val="000000"/>
+                            <a:srgbClr val="0070C0"/>
                           </a:solidFill>
                           <a:effectLst/>
                           <a:latin typeface="Arial" panose="020B0604020202020204" pitchFamily="34" charset="0"/>
@@ -11394,6 +11498,9 @@
                         <a:t>Características</a:t>
                       </a:r>
                       <a:endParaRPr lang="es-CO" sz="2400">
+                        <a:solidFill>
+                          <a:srgbClr val="0070C0"/>
+                        </a:solidFill>
                         <a:effectLst/>
                       </a:endParaRPr>
                     </a:p>
@@ -11453,7 +11560,7 @@
                       <a:r>
                         <a:rPr lang="es-ES" sz="1600" b="0" i="0" u="none" strike="noStrike" dirty="0">
                           <a:solidFill>
-                            <a:srgbClr val="000000"/>
+                            <a:srgbClr val="0070C0"/>
                           </a:solidFill>
                           <a:effectLst/>
                           <a:latin typeface="Arial" panose="020B0604020202020204" pitchFamily="34" charset="0"/>
@@ -11461,6 +11568,9 @@
                         <a:t>Se verifica por medio de e-mail el registro en el sistema</a:t>
                       </a:r>
                       <a:endParaRPr lang="es-ES" sz="2400" dirty="0">
+                        <a:solidFill>
+                          <a:srgbClr val="0070C0"/>
+                        </a:solidFill>
                         <a:effectLst/>
                       </a:endParaRPr>
                     </a:p>
@@ -11527,7 +11637,7 @@
                       <a:r>
                         <a:rPr lang="es-CO" sz="1600" b="1" i="0" u="none" strike="noStrike">
                           <a:solidFill>
-                            <a:srgbClr val="000000"/>
+                            <a:srgbClr val="0070C0"/>
                           </a:solidFill>
                           <a:effectLst/>
                           <a:latin typeface="Arial" panose="020B0604020202020204" pitchFamily="34" charset="0"/>
@@ -11535,6 +11645,9 @@
                         <a:t>Descripción del requerimiento:</a:t>
                       </a:r>
                       <a:endParaRPr lang="es-CO" sz="2400">
+                        <a:solidFill>
+                          <a:srgbClr val="0070C0"/>
+                        </a:solidFill>
                         <a:effectLst/>
                       </a:endParaRPr>
                     </a:p>
@@ -11594,7 +11707,7 @@
                       <a:r>
                         <a:rPr lang="es-ES" sz="1600" b="0" i="0" u="none" strike="noStrike">
                           <a:solidFill>
-                            <a:srgbClr val="000000"/>
+                            <a:srgbClr val="0070C0"/>
                           </a:solidFill>
                           <a:effectLst/>
                           <a:latin typeface="Arial" panose="020B0604020202020204" pitchFamily="34" charset="0"/>
@@ -11602,6 +11715,9 @@
                         <a:t>El sistema arrojará un código de verificación al correo  con el propósito de asegurar el inicio de sesión correcto por el usuario.</a:t>
                       </a:r>
                       <a:endParaRPr lang="es-ES" sz="2400">
+                        <a:solidFill>
+                          <a:srgbClr val="0070C0"/>
+                        </a:solidFill>
                         <a:effectLst/>
                       </a:endParaRPr>
                     </a:p>
@@ -11651,7 +11767,7 @@
                   </a:ext>
                 </a:extLst>
               </a:tr>
-              <a:tr h="905316">
+              <a:tr h="803206">
                 <a:tc>
                   <a:txBody>
                     <a:bodyPr/>
@@ -11668,7 +11784,7 @@
                       <a:r>
                         <a:rPr lang="es-CO" sz="1600" b="1" i="0" u="none" strike="noStrike">
                           <a:solidFill>
-                            <a:srgbClr val="000000"/>
+                            <a:srgbClr val="0070C0"/>
                           </a:solidFill>
                           <a:effectLst/>
                           <a:latin typeface="Arial" panose="020B0604020202020204" pitchFamily="34" charset="0"/>
@@ -11676,6 +11792,9 @@
                         <a:t>Prioridad de requerimiento:</a:t>
                       </a:r>
                       <a:endParaRPr lang="es-CO" sz="2400">
+                        <a:solidFill>
+                          <a:srgbClr val="0070C0"/>
+                        </a:solidFill>
                         <a:effectLst/>
                       </a:endParaRPr>
                     </a:p>
@@ -11735,7 +11854,7 @@
                       <a:r>
                         <a:rPr lang="es-CO" sz="1600" b="0" i="0" u="none" strike="noStrike" dirty="0">
                           <a:solidFill>
-                            <a:srgbClr val="000000"/>
+                            <a:srgbClr val="0070C0"/>
                           </a:solidFill>
                           <a:effectLst/>
                           <a:latin typeface="Arial" panose="020B0604020202020204" pitchFamily="34" charset="0"/>
@@ -11743,6 +11862,9 @@
                         <a:t>        Alta ( x  )         media (    )                baja(      )</a:t>
                       </a:r>
                       <a:endParaRPr lang="es-CO" sz="2400" dirty="0">
+                        <a:solidFill>
+                          <a:srgbClr val="0070C0"/>
+                        </a:solidFill>
                         <a:effectLst/>
                       </a:endParaRPr>
                     </a:p>
@@ -12333,7 +12455,7 @@
           <p:nvPr>
             <p:extLst>
               <p:ext uri="{D42A27DB-BD31-4B8C-83A1-F6EECF244321}">
-                <p14:modId xmlns:p14="http://schemas.microsoft.com/office/powerpoint/2010/main" val="3695061909"/>
+                <p14:modId xmlns:p14="http://schemas.microsoft.com/office/powerpoint/2010/main" val="2473369083"/>
               </p:ext>
             </p:extLst>
           </p:nvPr>
@@ -12379,7 +12501,7 @@
                       <a:r>
                         <a:rPr lang="es-CO" sz="1600" b="1" i="0" u="none" strike="noStrike">
                           <a:solidFill>
-                            <a:srgbClr val="000000"/>
+                            <a:srgbClr val="0070C0"/>
                           </a:solidFill>
                           <a:effectLst/>
                           <a:latin typeface="Arial" panose="020B0604020202020204" pitchFamily="34" charset="0"/>
@@ -12387,6 +12509,9 @@
                         <a:t>Identificación del requerimiento:</a:t>
                       </a:r>
                       <a:endParaRPr lang="es-CO" sz="2400">
+                        <a:solidFill>
+                          <a:srgbClr val="0070C0"/>
+                        </a:solidFill>
                         <a:effectLst/>
                       </a:endParaRPr>
                     </a:p>
@@ -12446,7 +12571,7 @@
                       <a:r>
                         <a:rPr lang="es-CO" sz="1600" b="1" i="0" u="none" strike="noStrike" dirty="0">
                           <a:solidFill>
-                            <a:srgbClr val="000000"/>
+                            <a:srgbClr val="0070C0"/>
                           </a:solidFill>
                           <a:effectLst/>
                           <a:latin typeface="Arial" panose="020B0604020202020204" pitchFamily="34" charset="0"/>
@@ -12454,6 +12579,9 @@
                         <a:t>Requerimiento F2</a:t>
                       </a:r>
                       <a:endParaRPr lang="es-CO" sz="2400" dirty="0">
+                        <a:solidFill>
+                          <a:srgbClr val="0070C0"/>
+                        </a:solidFill>
                         <a:effectLst/>
                       </a:endParaRPr>
                     </a:p>
@@ -12520,7 +12648,7 @@
                       <a:r>
                         <a:rPr lang="es-CO" sz="1600" b="1" i="0" u="none" strike="noStrike" dirty="0">
                           <a:solidFill>
-                            <a:srgbClr val="000000"/>
+                            <a:srgbClr val="0070C0"/>
                           </a:solidFill>
                           <a:effectLst/>
                           <a:latin typeface="Arial" panose="020B0604020202020204" pitchFamily="34" charset="0"/>
@@ -12528,6 +12656,9 @@
                         <a:t>Nombre del requerimiento:</a:t>
                       </a:r>
                       <a:endParaRPr lang="es-CO" sz="2400" dirty="0">
+                        <a:solidFill>
+                          <a:srgbClr val="0070C0"/>
+                        </a:solidFill>
                         <a:effectLst/>
                       </a:endParaRPr>
                     </a:p>
@@ -12587,7 +12718,7 @@
                       <a:r>
                         <a:rPr lang="es-CO" sz="1600" b="0" i="0" u="none" strike="noStrike" dirty="0">
                           <a:solidFill>
-                            <a:srgbClr val="000000"/>
+                            <a:srgbClr val="0070C0"/>
                           </a:solidFill>
                           <a:effectLst/>
                           <a:latin typeface="Arial" panose="020B0604020202020204" pitchFamily="34" charset="0"/>
@@ -12595,6 +12726,9 @@
                         <a:t>Interfaz sencilla </a:t>
                       </a:r>
                       <a:endParaRPr lang="es-CO" sz="2400" dirty="0">
+                        <a:solidFill>
+                          <a:srgbClr val="0070C0"/>
+                        </a:solidFill>
                         <a:effectLst/>
                       </a:endParaRPr>
                     </a:p>
@@ -12661,7 +12795,7 @@
                       <a:r>
                         <a:rPr lang="es-CO" sz="1600" b="1" i="0" u="none" strike="noStrike">
                           <a:solidFill>
-                            <a:srgbClr val="000000"/>
+                            <a:srgbClr val="0070C0"/>
                           </a:solidFill>
                           <a:effectLst/>
                           <a:latin typeface="Arial" panose="020B0604020202020204" pitchFamily="34" charset="0"/>
@@ -12669,6 +12803,9 @@
                         <a:t>Características</a:t>
                       </a:r>
                       <a:endParaRPr lang="es-CO" sz="2400">
+                        <a:solidFill>
+                          <a:srgbClr val="0070C0"/>
+                        </a:solidFill>
                         <a:effectLst/>
                       </a:endParaRPr>
                     </a:p>
@@ -12728,7 +12865,7 @@
                       <a:r>
                         <a:rPr lang="es-CO" sz="1600" b="0" i="0" u="none" strike="noStrike">
                           <a:solidFill>
-                            <a:srgbClr val="000000"/>
+                            <a:srgbClr val="0070C0"/>
                           </a:solidFill>
                           <a:effectLst/>
                           <a:latin typeface="Arial" panose="020B0604020202020204" pitchFamily="34" charset="0"/>
@@ -12736,6 +12873,9 @@
                         <a:t>Plataforma intuitiva </a:t>
                       </a:r>
                       <a:endParaRPr lang="es-CO" sz="2400">
+                        <a:solidFill>
+                          <a:srgbClr val="0070C0"/>
+                        </a:solidFill>
                         <a:effectLst/>
                       </a:endParaRPr>
                     </a:p>
@@ -12802,7 +12942,7 @@
                       <a:r>
                         <a:rPr lang="es-CO" sz="1600" b="1" i="0" u="none" strike="noStrike">
                           <a:solidFill>
-                            <a:srgbClr val="000000"/>
+                            <a:srgbClr val="0070C0"/>
                           </a:solidFill>
                           <a:effectLst/>
                           <a:latin typeface="Arial" panose="020B0604020202020204" pitchFamily="34" charset="0"/>
@@ -12810,6 +12950,9 @@
                         <a:t>Descripción del requerimiento:</a:t>
                       </a:r>
                       <a:endParaRPr lang="es-CO" sz="2400">
+                        <a:solidFill>
+                          <a:srgbClr val="0070C0"/>
+                        </a:solidFill>
                         <a:effectLst/>
                       </a:endParaRPr>
                     </a:p>
@@ -12869,7 +13012,7 @@
                       <a:r>
                         <a:rPr lang="es-ES" sz="1600" b="0" i="0" u="none" strike="noStrike">
                           <a:solidFill>
-                            <a:srgbClr val="000000"/>
+                            <a:srgbClr val="0070C0"/>
                           </a:solidFill>
                           <a:effectLst/>
                           <a:latin typeface="Arial" panose="020B0604020202020204" pitchFamily="34" charset="0"/>
@@ -12877,6 +13020,9 @@
                         <a:t>La interfaz del sistema será sencilla, clara y concisa generando una experiencia agradable al usuario. </a:t>
                       </a:r>
                       <a:endParaRPr lang="es-ES" sz="2400">
+                        <a:solidFill>
+                          <a:srgbClr val="0070C0"/>
+                        </a:solidFill>
                         <a:effectLst/>
                       </a:endParaRPr>
                     </a:p>
@@ -12943,7 +13089,7 @@
                       <a:r>
                         <a:rPr lang="es-CO" sz="1600" b="1" i="0" u="none" strike="noStrike">
                           <a:solidFill>
-                            <a:srgbClr val="000000"/>
+                            <a:srgbClr val="0070C0"/>
                           </a:solidFill>
                           <a:effectLst/>
                           <a:latin typeface="Arial" panose="020B0604020202020204" pitchFamily="34" charset="0"/>
@@ -12951,6 +13097,9 @@
                         <a:t>Prioridad de requerimiento:</a:t>
                       </a:r>
                       <a:endParaRPr lang="es-CO" sz="2400">
+                        <a:solidFill>
+                          <a:srgbClr val="0070C0"/>
+                        </a:solidFill>
                         <a:effectLst/>
                       </a:endParaRPr>
                     </a:p>
@@ -13010,7 +13159,7 @@
                       <a:r>
                         <a:rPr lang="es-CO" sz="1600" b="0" i="0" u="none" strike="noStrike" dirty="0">
                           <a:solidFill>
-                            <a:srgbClr val="000000"/>
+                            <a:srgbClr val="0070C0"/>
                           </a:solidFill>
                           <a:effectLst/>
                           <a:latin typeface="Arial" panose="020B0604020202020204" pitchFamily="34" charset="0"/>
@@ -13018,6 +13167,9 @@
                         <a:t>        Alta ( x  )         media (    )                baja(      )</a:t>
                       </a:r>
                       <a:endParaRPr lang="es-CO" sz="2400" dirty="0">
+                        <a:solidFill>
+                          <a:srgbClr val="0070C0"/>
+                        </a:solidFill>
                         <a:effectLst/>
                       </a:endParaRPr>
                     </a:p>
@@ -13248,7 +13400,7 @@
           <p:nvPr>
             <p:extLst>
               <p:ext uri="{D42A27DB-BD31-4B8C-83A1-F6EECF244321}">
-                <p14:modId xmlns:p14="http://schemas.microsoft.com/office/powerpoint/2010/main" val="3168089638"/>
+                <p14:modId xmlns:p14="http://schemas.microsoft.com/office/powerpoint/2010/main" val="476240731"/>
               </p:ext>
             </p:extLst>
           </p:nvPr>
@@ -13294,7 +13446,7 @@
                       <a:r>
                         <a:rPr lang="es-CO" sz="1600" b="1" i="0" u="none" strike="noStrike">
                           <a:solidFill>
-                            <a:srgbClr val="000000"/>
+                            <a:srgbClr val="0070C0"/>
                           </a:solidFill>
                           <a:effectLst/>
                           <a:latin typeface="Arial" panose="020B0604020202020204" pitchFamily="34" charset="0"/>
@@ -13303,6 +13455,9 @@
                         <a:t>Identificación del requerimiento:</a:t>
                       </a:r>
                       <a:endParaRPr lang="es-CO" sz="2400">
+                        <a:solidFill>
+                          <a:srgbClr val="0070C0"/>
+                        </a:solidFill>
                         <a:effectLst/>
                         <a:latin typeface="Arial" panose="020B0604020202020204" pitchFamily="34" charset="0"/>
                         <a:cs typeface="Arial" panose="020B0604020202020204" pitchFamily="34" charset="0"/>
@@ -13364,7 +13519,7 @@
                       <a:r>
                         <a:rPr lang="es-CO" sz="1600" b="1" i="0" u="none" strike="noStrike">
                           <a:solidFill>
-                            <a:srgbClr val="000000"/>
+                            <a:srgbClr val="0070C0"/>
                           </a:solidFill>
                           <a:effectLst/>
                           <a:latin typeface="Arial" panose="020B0604020202020204" pitchFamily="34" charset="0"/>
@@ -13373,6 +13528,9 @@
                         <a:t>RequerimientoNF3</a:t>
                       </a:r>
                       <a:endParaRPr lang="es-CO" sz="2400">
+                        <a:solidFill>
+                          <a:srgbClr val="0070C0"/>
+                        </a:solidFill>
                         <a:effectLst/>
                         <a:latin typeface="Arial" panose="020B0604020202020204" pitchFamily="34" charset="0"/>
                         <a:cs typeface="Arial" panose="020B0604020202020204" pitchFamily="34" charset="0"/>
@@ -13441,7 +13599,7 @@
                       <a:r>
                         <a:rPr lang="es-CO" sz="1600" b="1" i="0" u="none" strike="noStrike">
                           <a:solidFill>
-                            <a:srgbClr val="000000"/>
+                            <a:srgbClr val="0070C0"/>
                           </a:solidFill>
                           <a:effectLst/>
                           <a:latin typeface="Arial" panose="020B0604020202020204" pitchFamily="34" charset="0"/>
@@ -13450,6 +13608,9 @@
                         <a:t>Nombre del requerimiento:</a:t>
                       </a:r>
                       <a:endParaRPr lang="es-CO" sz="2400">
+                        <a:solidFill>
+                          <a:srgbClr val="0070C0"/>
+                        </a:solidFill>
                         <a:effectLst/>
                         <a:latin typeface="Arial" panose="020B0604020202020204" pitchFamily="34" charset="0"/>
                         <a:cs typeface="Arial" panose="020B0604020202020204" pitchFamily="34" charset="0"/>
@@ -13511,7 +13672,7 @@
                       <a:r>
                         <a:rPr lang="es-CO" sz="1600" b="0" i="0" u="none" strike="noStrike" dirty="0">
                           <a:solidFill>
-                            <a:srgbClr val="000000"/>
+                            <a:srgbClr val="0070C0"/>
                           </a:solidFill>
                           <a:effectLst/>
                           <a:latin typeface="Arial" panose="020B0604020202020204" pitchFamily="34" charset="0"/>
@@ -13520,6 +13681,9 @@
                         <a:t>Seguridad de información </a:t>
                       </a:r>
                       <a:endParaRPr lang="es-CO" sz="2400" dirty="0">
+                        <a:solidFill>
+                          <a:srgbClr val="0070C0"/>
+                        </a:solidFill>
                         <a:effectLst/>
                         <a:latin typeface="Arial" panose="020B0604020202020204" pitchFamily="34" charset="0"/>
                         <a:cs typeface="Arial" panose="020B0604020202020204" pitchFamily="34" charset="0"/>
@@ -13588,7 +13752,7 @@
                       <a:r>
                         <a:rPr lang="es-CO" sz="1600" b="1" i="0" u="none" strike="noStrike">
                           <a:solidFill>
-                            <a:srgbClr val="000000"/>
+                            <a:srgbClr val="0070C0"/>
                           </a:solidFill>
                           <a:effectLst/>
                           <a:latin typeface="Arial" panose="020B0604020202020204" pitchFamily="34" charset="0"/>
@@ -13597,6 +13761,9 @@
                         <a:t>Características</a:t>
                       </a:r>
                       <a:endParaRPr lang="es-CO" sz="2400">
+                        <a:solidFill>
+                          <a:srgbClr val="0070C0"/>
+                        </a:solidFill>
                         <a:effectLst/>
                         <a:latin typeface="Arial" panose="020B0604020202020204" pitchFamily="34" charset="0"/>
                         <a:cs typeface="Arial" panose="020B0604020202020204" pitchFamily="34" charset="0"/>
@@ -13658,7 +13825,7 @@
                       <a:r>
                         <a:rPr lang="es-ES" sz="1600" b="0" i="0" u="none" strike="noStrike">
                           <a:solidFill>
-                            <a:srgbClr val="000000"/>
+                            <a:srgbClr val="0070C0"/>
                           </a:solidFill>
                           <a:effectLst/>
                           <a:latin typeface="Arial" panose="020B0604020202020204" pitchFamily="34" charset="0"/>
@@ -13667,6 +13834,9 @@
                         <a:t>El sistema verificará por medio </a:t>
                       </a:r>
                       <a:endParaRPr lang="es-ES" sz="2400">
+                        <a:solidFill>
+                          <a:srgbClr val="0070C0"/>
+                        </a:solidFill>
                         <a:effectLst/>
                         <a:latin typeface="Arial" panose="020B0604020202020204" pitchFamily="34" charset="0"/>
                         <a:cs typeface="Arial" panose="020B0604020202020204" pitchFamily="34" charset="0"/>
@@ -13684,7 +13854,7 @@
                       <a:r>
                         <a:rPr lang="es-ES" sz="1600" b="0" i="0" u="none" strike="noStrike">
                           <a:solidFill>
-                            <a:srgbClr val="000000"/>
+                            <a:srgbClr val="0070C0"/>
                           </a:solidFill>
                           <a:effectLst/>
                           <a:latin typeface="Arial" panose="020B0604020202020204" pitchFamily="34" charset="0"/>
@@ -13693,6 +13863,9 @@
                         <a:t>del ID y contraseña que la información del usuario sea la correcta.</a:t>
                       </a:r>
                       <a:endParaRPr lang="es-ES" sz="2400">
+                        <a:solidFill>
+                          <a:srgbClr val="0070C0"/>
+                        </a:solidFill>
                         <a:effectLst/>
                         <a:latin typeface="Arial" panose="020B0604020202020204" pitchFamily="34" charset="0"/>
                         <a:cs typeface="Arial" panose="020B0604020202020204" pitchFamily="34" charset="0"/>
@@ -13761,7 +13934,7 @@
                       <a:r>
                         <a:rPr lang="es-CO" sz="1600" b="1" i="0" u="none" strike="noStrike">
                           <a:solidFill>
-                            <a:srgbClr val="000000"/>
+                            <a:srgbClr val="0070C0"/>
                           </a:solidFill>
                           <a:effectLst/>
                           <a:latin typeface="Arial" panose="020B0604020202020204" pitchFamily="34" charset="0"/>
@@ -13770,6 +13943,9 @@
                         <a:t>Descripción del requerimiento:</a:t>
                       </a:r>
                       <a:endParaRPr lang="es-CO" sz="2400">
+                        <a:solidFill>
+                          <a:srgbClr val="0070C0"/>
+                        </a:solidFill>
                         <a:effectLst/>
                         <a:latin typeface="Arial" panose="020B0604020202020204" pitchFamily="34" charset="0"/>
                         <a:cs typeface="Arial" panose="020B0604020202020204" pitchFamily="34" charset="0"/>
@@ -13831,7 +14007,7 @@
                       <a:r>
                         <a:rPr lang="es-ES" sz="1600" b="0" i="0" u="none" strike="noStrike" dirty="0">
                           <a:solidFill>
-                            <a:srgbClr val="000000"/>
+                            <a:srgbClr val="0070C0"/>
                           </a:solidFill>
                           <a:effectLst/>
                           <a:latin typeface="Arial" panose="020B0604020202020204" pitchFamily="34" charset="0"/>
@@ -13840,6 +14016,9 @@
                         <a:t>El sistema será exigente a la hora de tratar los datos de usuario de esta forma se evita el mal uso de la información personal. </a:t>
                       </a:r>
                       <a:endParaRPr lang="es-ES" sz="2400" dirty="0">
+                        <a:solidFill>
+                          <a:srgbClr val="0070C0"/>
+                        </a:solidFill>
                         <a:effectLst/>
                         <a:latin typeface="Arial" panose="020B0604020202020204" pitchFamily="34" charset="0"/>
                         <a:cs typeface="Arial" panose="020B0604020202020204" pitchFamily="34" charset="0"/>
@@ -13908,7 +14087,7 @@
                       <a:r>
                         <a:rPr lang="es-CO" sz="1600" b="1" i="0" u="none" strike="noStrike">
                           <a:solidFill>
-                            <a:srgbClr val="000000"/>
+                            <a:srgbClr val="0070C0"/>
                           </a:solidFill>
                           <a:effectLst/>
                           <a:latin typeface="Arial" panose="020B0604020202020204" pitchFamily="34" charset="0"/>
@@ -13917,6 +14096,9 @@
                         <a:t>Prioridad de requerimiento:</a:t>
                       </a:r>
                       <a:endParaRPr lang="es-CO" sz="2400">
+                        <a:solidFill>
+                          <a:srgbClr val="0070C0"/>
+                        </a:solidFill>
                         <a:effectLst/>
                         <a:latin typeface="Arial" panose="020B0604020202020204" pitchFamily="34" charset="0"/>
                         <a:cs typeface="Arial" panose="020B0604020202020204" pitchFamily="34" charset="0"/>
@@ -13978,7 +14160,7 @@
                       <a:r>
                         <a:rPr lang="es-CO" sz="1600" b="0" i="0" u="none" strike="noStrike" dirty="0">
                           <a:solidFill>
-                            <a:srgbClr val="000000"/>
+                            <a:srgbClr val="0070C0"/>
                           </a:solidFill>
                           <a:effectLst/>
                           <a:latin typeface="Arial" panose="020B0604020202020204" pitchFamily="34" charset="0"/>
@@ -13987,6 +14169,9 @@
                         <a:t>    Alta ( x  )         media (    )                baja(      )</a:t>
                       </a:r>
                       <a:endParaRPr lang="es-CO" sz="2400" dirty="0">
+                        <a:solidFill>
+                          <a:srgbClr val="0070C0"/>
+                        </a:solidFill>
                         <a:effectLst/>
                         <a:latin typeface="Arial" panose="020B0604020202020204" pitchFamily="34" charset="0"/>
                         <a:cs typeface="Arial" panose="020B0604020202020204" pitchFamily="34" charset="0"/>
@@ -14297,7 +14482,7 @@
           <a:p>
             <a:pPr algn="ctr"/>
             <a:r>
-              <a:rPr lang="es-CO" sz="3600" b="1" dirty="0" smtClean="0">
+              <a:rPr lang="es-CO" sz="3600" b="1" dirty="0">
                 <a:solidFill>
                   <a:srgbClr val="0070C0"/>
                 </a:solidFill>
@@ -14398,7 +14583,7 @@
           <a:p>
             <a:pPr algn="ctr"/>
             <a:r>
-              <a:rPr lang="es-CO" sz="2400" b="1" dirty="0" smtClean="0">
+              <a:rPr lang="es-CO" sz="2400" b="1" dirty="0">
                 <a:solidFill>
                   <a:srgbClr val="0070C0"/>
                 </a:solidFill>
@@ -14509,7 +14694,7 @@
           <a:p>
             <a:pPr algn="ctr"/>
             <a:r>
-              <a:rPr lang="es-ES" sz="2800" b="1" dirty="0" smtClean="0">
+              <a:rPr lang="es-ES" sz="2800" b="1" dirty="0">
                 <a:solidFill>
                   <a:srgbClr val="0070C0"/>
                 </a:solidFill>
@@ -14559,7 +14744,7 @@
           <a:p>
             <a:pPr algn="just"/>
             <a:r>
-              <a:rPr lang="es-ES" dirty="0" smtClean="0">
+              <a:rPr lang="es-ES" dirty="0">
                 <a:solidFill>
                   <a:srgbClr val="0070C0"/>
                 </a:solidFill>
@@ -14596,7 +14781,7 @@
           <a:lstStyle/>
           <a:p>
             <a:r>
-              <a:rPr lang="es-CO" dirty="0" smtClean="0">
+              <a:rPr lang="es-CO" dirty="0">
                 <a:solidFill>
                   <a:srgbClr val="0070C0"/>
                 </a:solidFill>
